--- a/seminar/presentation/mps-c9.pptx
+++ b/seminar/presentation/mps-c9.pptx
@@ -6,10 +6,10 @@
     <p:sldMasterId id="2147483660" r:id="rId2"/>
   </p:sldMasterIdLst>
   <p:notesMasterIdLst>
-    <p:notesMasterId r:id="rId10"/>
+    <p:notesMasterId r:id="rId11"/>
   </p:notesMasterIdLst>
   <p:handoutMasterIdLst>
-    <p:handoutMasterId r:id="rId11"/>
+    <p:handoutMasterId r:id="rId12"/>
   </p:handoutMasterIdLst>
   <p:sldIdLst>
     <p:sldId id="276" r:id="rId3"/>
@@ -19,6 +19,7 @@
     <p:sldId id="281" r:id="rId7"/>
     <p:sldId id="282" r:id="rId8"/>
     <p:sldId id="283" r:id="rId9"/>
+    <p:sldId id="284" r:id="rId10"/>
   </p:sldIdLst>
   <p:sldSz cx="9144000" cy="6858000" type="screen4x3"/>
   <p:notesSz cx="6858000" cy="9144000"/>
@@ -1310,6 +1311,81 @@
 </p:notes>
 </file>
 
+<file path=ppt/notesSlides/notesSlide6.xml><?xml version="1.0" encoding="utf-8"?>
+<p:notes xmlns:a="http://schemas.openxmlformats.org/drawingml/2006/main" xmlns:r="http://schemas.openxmlformats.org/officeDocument/2006/relationships" xmlns:p="http://schemas.openxmlformats.org/presentationml/2006/main">
+  <p:cSld>
+    <p:spTree>
+      <p:nvGrpSpPr>
+        <p:cNvPr id="1" name=""/>
+        <p:cNvGrpSpPr/>
+        <p:nvPr/>
+      </p:nvGrpSpPr>
+      <p:grpSpPr>
+        <a:xfrm>
+          <a:off x="0" y="0"/>
+          <a:ext cx="0" cy="0"/>
+          <a:chOff x="0" y="0"/>
+          <a:chExt cx="0" cy="0"/>
+        </a:xfrm>
+      </p:grpSpPr>
+      <p:sp>
+        <p:nvSpPr>
+          <p:cNvPr id="2" name="Slide Image Placeholder 1"/>
+          <p:cNvSpPr>
+            <a:spLocks noGrp="1" noRot="1" noChangeAspect="1" noResize="1"/>
+          </p:cNvSpPr>
+          <p:nvPr>
+            <p:ph type="sldImg"/>
+          </p:nvPr>
+        </p:nvSpPr>
+        <p:spPr>
+          <a:xfrm>
+            <a:off x="0" y="695325"/>
+            <a:ext cx="0" cy="0"/>
+          </a:xfrm>
+          <a:solidFill>
+            <a:srgbClr val="CFE7F5"/>
+          </a:solidFill>
+          <a:ln w="25400">
+            <a:solidFill>
+              <a:srgbClr val="808080"/>
+            </a:solidFill>
+            <a:prstDash val="solid"/>
+          </a:ln>
+        </p:spPr>
+      </p:sp>
+      <p:sp>
+        <p:nvSpPr>
+          <p:cNvPr id="3" name="Notes Placeholder 2"/>
+          <p:cNvSpPr txBox="1">
+            <a:spLocks noGrp="1"/>
+          </p:cNvSpPr>
+          <p:nvPr>
+            <p:ph type="body" sz="quarter" idx="1"/>
+          </p:nvPr>
+        </p:nvSpPr>
+        <p:spPr>
+          <a:xfrm>
+            <a:off x="685799" y="4343400"/>
+            <a:ext cx="5486040" cy="4114440"/>
+          </a:xfrm>
+        </p:spPr>
+        <p:txBody>
+          <a:bodyPr/>
+          <a:lstStyle/>
+          <a:p>
+            <a:endParaRPr lang="en-US" dirty="0"/>
+          </a:p>
+        </p:txBody>
+      </p:sp>
+    </p:spTree>
+  </p:cSld>
+  <p:clrMapOvr>
+    <a:masterClrMapping/>
+  </p:clrMapOvr>
+</p:notes>
+</file>
+
 <file path=ppt/slideLayouts/slideLayout1.xml><?xml version="1.0" encoding="utf-8"?>
 <p:sldLayout xmlns:a="http://schemas.openxmlformats.org/drawingml/2006/main" xmlns:r="http://schemas.openxmlformats.org/officeDocument/2006/relationships" xmlns:p="http://schemas.openxmlformats.org/presentationml/2006/main" showMasterSp="0" type="title" preserve="1">
   <p:cSld name="Title Slide">
@@ -7165,7 +7241,7 @@
           <a:graphicData uri="http://schemas.openxmlformats.org/presentationml/2006/ole">
             <mc:AlternateContent xmlns:mc="http://schemas.openxmlformats.org/markup-compatibility/2006">
               <mc:Choice xmlns:v="urn:schemas-microsoft-com:vml" Requires="v">
-                <p:oleObj spid="_x0000_s2094" r:id="rId15" imgW="3221337" imgH="1845301" progId="">
+                <p:oleObj spid="_x0000_s2100" r:id="rId15" imgW="3221337" imgH="1845301" progId="">
                   <p:embed/>
                 </p:oleObj>
               </mc:Choice>
@@ -8400,11 +8476,11 @@
   <p:clrMapOvr>
     <a:masterClrMapping/>
   </p:clrMapOvr>
-  <mc:AlternateContent xmlns:mc="http://schemas.openxmlformats.org/markup-compatibility/2006">
-    <mc:Choice xmlns:p14="http://schemas.microsoft.com/office/powerpoint/2010/main" Requires="p14">
+  <mc:AlternateContent xmlns:mc="http://schemas.openxmlformats.org/markup-compatibility/2006" xmlns:p14="http://schemas.microsoft.com/office/powerpoint/2010/main">
+    <mc:Choice Requires="p14">
       <p:transition spd="slow" p14:dur="2000"/>
     </mc:Choice>
-    <mc:Fallback>
+    <mc:Fallback xmlns="">
       <p:transition spd="slow"/>
     </mc:Fallback>
   </mc:AlternateContent>
@@ -8652,11 +8728,7 @@
             </a:r>
             <a:r>
               <a:rPr lang="en-US" sz="2800" dirty="0" smtClean="0"/>
-              <a:t> </a:t>
-            </a:r>
-            <a:r>
-              <a:rPr lang="en-US" sz="2800" dirty="0" smtClean="0"/>
-              <a:t>workflow is not properly supported by Cloud9</a:t>
+              <a:t> workflow is not properly supported by Cloud9</a:t>
             </a:r>
           </a:p>
           <a:p>
@@ -8669,9 +8741,12 @@
             </a:br>
             <a:r>
               <a:rPr lang="en-US" sz="2800" dirty="0" smtClean="0"/>
-              <a:t>(stupid) console</a:t>
-            </a:r>
-            <a:endParaRPr lang="en-US" sz="2800" dirty="0" smtClean="0"/>
+              <a:t>cumbersome </a:t>
+            </a:r>
+            <a:r>
+              <a:rPr lang="en-US" sz="2800" dirty="0" smtClean="0"/>
+              <a:t>console</a:t>
+            </a:r>
           </a:p>
           <a:p>
             <a:endParaRPr lang="en-US" sz="2800" dirty="0"/>
@@ -8799,11 +8874,7 @@
             </a:pPr>
             <a:r>
               <a:rPr lang="en-US" dirty="0" smtClean="0"/>
-              <a:t>(part of our) Development </a:t>
-            </a:r>
-            <a:r>
-              <a:rPr lang="en-US" dirty="0" smtClean="0"/>
-              <a:t>Workflow</a:t>
+              <a:t>(part of our) Development Workflow</a:t>
             </a:r>
             <a:endParaRPr lang="en-US" dirty="0"/>
           </a:p>
@@ -9450,11 +9521,7 @@
             </a:r>
             <a:r>
               <a:rPr lang="en-US" dirty="0" smtClean="0"/>
-              <a:t>-</a:t>
-            </a:r>
-            <a:r>
-              <a:rPr lang="en-US" dirty="0" smtClean="0"/>
-              <a:t>Workflow</a:t>
+              <a:t>-Workflow</a:t>
             </a:r>
             <a:endParaRPr lang="en-US" dirty="0"/>
           </a:p>
@@ -9852,11 +9919,7 @@
             </a:r>
             <a:r>
               <a:rPr lang="de-DE" sz="2400" dirty="0" smtClean="0"/>
-              <a:t>, Tags, </a:t>
-            </a:r>
-            <a:r>
-              <a:rPr lang="de-DE" sz="2400" dirty="0" smtClean="0"/>
-              <a:t>…)</a:t>
+              <a:t>, Tags, …)</a:t>
             </a:r>
           </a:p>
           <a:p>
@@ -10507,11 +10570,7 @@
             </a:r>
             <a:r>
               <a:rPr lang="en-US" dirty="0" smtClean="0"/>
-              <a:t>-</a:t>
-            </a:r>
-            <a:r>
-              <a:rPr lang="en-US" dirty="0" smtClean="0"/>
-              <a:t>Workflow</a:t>
+              <a:t>-Workflow</a:t>
             </a:r>
             <a:endParaRPr lang="en-US" dirty="0"/>
           </a:p>
@@ -10909,11 +10968,7 @@
             </a:r>
             <a:r>
               <a:rPr lang="de-DE" sz="2400" dirty="0" smtClean="0"/>
-              <a:t>, Tags, </a:t>
-            </a:r>
-            <a:r>
-              <a:rPr lang="de-DE" sz="2400" dirty="0" smtClean="0"/>
-              <a:t>…)</a:t>
+              <a:t>, Tags, …)</a:t>
             </a:r>
           </a:p>
           <a:p>
@@ -11068,7 +11123,6 @@
               <a:rPr lang="de-DE" sz="2400" dirty="0" smtClean="0"/>
               <a:t>, (push, pull)</a:t>
             </a:r>
-            <a:endParaRPr lang="de-DE" sz="2400" dirty="0" smtClean="0"/>
           </a:p>
         </p:txBody>
       </p:sp>
@@ -11117,6 +11171,47 @@
           <a:chExt cx="0" cy="0"/>
         </a:xfrm>
       </p:grpSpPr>
+      <p:pic>
+        <p:nvPicPr>
+          <p:cNvPr id="3" name="Picture 3" descr="D:\studiensachn\Web-based_Software_Development_Environments\repo\seminar\presentation\difftree.png"/>
+          <p:cNvPicPr>
+            <a:picLocks noChangeAspect="1" noChangeArrowheads="1"/>
+          </p:cNvPicPr>
+          <p:nvPr/>
+        </p:nvPicPr>
+        <p:blipFill>
+          <a:blip r:embed="rId2">
+            <a:extLst>
+              <a:ext uri="{28A0092B-C50C-407E-A947-70E740481C1C}">
+                <a14:useLocalDpi xmlns:a14="http://schemas.microsoft.com/office/drawing/2010/main" val="0"/>
+              </a:ext>
+            </a:extLst>
+          </a:blip>
+          <a:srcRect/>
+          <a:stretch>
+            <a:fillRect/>
+          </a:stretch>
+        </p:blipFill>
+        <p:spPr bwMode="auto">
+          <a:xfrm>
+            <a:off x="1377162" y="620688"/>
+            <a:ext cx="6267450" cy="5467350"/>
+          </a:xfrm>
+          <a:prstGeom prst="rect">
+            <a:avLst/>
+          </a:prstGeom>
+          <a:noFill/>
+          <a:extLst>
+            <a:ext uri="{909E8E84-426E-40DD-AFC4-6F175D3DCCD1}">
+              <a14:hiddenFill xmlns:a14="http://schemas.microsoft.com/office/drawing/2010/main">
+                <a:solidFill>
+                  <a:srgbClr val="FFFFFF"/>
+                </a:solidFill>
+              </a14:hiddenFill>
+            </a:ext>
+          </a:extLst>
+        </p:spPr>
+      </p:pic>
       <p:sp>
         <p:nvSpPr>
           <p:cNvPr id="2" name="TextBox 1"/>
@@ -11124,9 +11219,9 @@
           <p:nvPr/>
         </p:nvSpPr>
         <p:spPr>
-          <a:xfrm>
-            <a:off x="2051720" y="2132856"/>
-            <a:ext cx="4918334" cy="769441"/>
+          <a:xfrm rot="20699218">
+            <a:off x="4457951" y="4686733"/>
+            <a:ext cx="3140603" cy="769441"/>
           </a:xfrm>
           <a:prstGeom prst="rect">
             <a:avLst/>
@@ -11144,13 +11239,33 @@
                 <a:solidFill>
                   <a:srgbClr val="FF0000"/>
                 </a:solidFill>
+                <a:latin typeface="Comic Sans MS" pitchFamily="66" charset="0"/>
               </a:rPr>
-              <a:t>BILD FÜR DIFF-VIEW</a:t>
+              <a:t>update </a:t>
+            </a:r>
+            <a:r>
+              <a:rPr lang="de-DE" sz="4400" b="1" dirty="0" err="1" smtClean="0">
+                <a:solidFill>
+                  <a:srgbClr val="FF0000"/>
+                </a:solidFill>
+                <a:latin typeface="Comic Sans MS" pitchFamily="66" charset="0"/>
+              </a:rPr>
+              <a:t>me</a:t>
+            </a:r>
+            <a:r>
+              <a:rPr lang="de-DE" sz="4400" b="1" dirty="0" smtClean="0">
+                <a:solidFill>
+                  <a:srgbClr val="FF0000"/>
+                </a:solidFill>
+                <a:latin typeface="Comic Sans MS" pitchFamily="66" charset="0"/>
+              </a:rPr>
+              <a:t>!</a:t>
             </a:r>
             <a:endParaRPr lang="en-GB" sz="4400" b="1" dirty="0">
               <a:solidFill>
                 <a:srgbClr val="FF0000"/>
               </a:solidFill>
+              <a:latin typeface="Comic Sans MS" pitchFamily="66" charset="0"/>
             </a:endParaRPr>
           </a:p>
         </p:txBody>
@@ -11159,6 +11274,767 @@
     <p:extLst>
       <p:ext uri="{BB962C8B-B14F-4D97-AF65-F5344CB8AC3E}">
         <p14:creationId xmlns:p14="http://schemas.microsoft.com/office/powerpoint/2010/main" val="1595410958"/>
+      </p:ext>
+    </p:extLst>
+  </p:cSld>
+  <p:clrMapOvr>
+    <a:masterClrMapping/>
+  </p:clrMapOvr>
+  <mc:AlternateContent xmlns:mc="http://schemas.openxmlformats.org/markup-compatibility/2006" xmlns:p14="http://schemas.microsoft.com/office/powerpoint/2010/main">
+    <mc:Choice Requires="p14">
+      <p:transition spd="slow" p14:dur="2000"/>
+    </mc:Choice>
+    <mc:Fallback xmlns="">
+      <p:transition spd="slow"/>
+    </mc:Fallback>
+  </mc:AlternateContent>
+  <p:timing>
+    <p:tnLst>
+      <p:par>
+        <p:cTn id="1" dur="indefinite" restart="never" nodeType="tmRoot"/>
+      </p:par>
+    </p:tnLst>
+  </p:timing>
+</p:sld>
+</file>
+
+<file path=ppt/slides/slide8.xml><?xml version="1.0" encoding="utf-8"?>
+<p:sld xmlns:a="http://schemas.openxmlformats.org/drawingml/2006/main" xmlns:r="http://schemas.openxmlformats.org/officeDocument/2006/relationships" xmlns:p="http://schemas.openxmlformats.org/presentationml/2006/main">
+  <p:cSld>
+    <p:spTree>
+      <p:nvGrpSpPr>
+        <p:cNvPr id="1" name=""/>
+        <p:cNvGrpSpPr/>
+        <p:nvPr/>
+      </p:nvGrpSpPr>
+      <p:grpSpPr>
+        <a:xfrm>
+          <a:off x="0" y="0"/>
+          <a:ext cx="0" cy="0"/>
+          <a:chOff x="0" y="0"/>
+          <a:chExt cx="0" cy="0"/>
+        </a:xfrm>
+      </p:grpSpPr>
+      <p:sp>
+        <p:nvSpPr>
+          <p:cNvPr id="3" name="Text Placeholder 2"/>
+          <p:cNvSpPr txBox="1">
+            <a:spLocks noGrp="1"/>
+          </p:cNvSpPr>
+          <p:nvPr>
+            <p:ph type="body" idx="4294967295"/>
+          </p:nvPr>
+        </p:nvSpPr>
+        <p:spPr>
+          <a:xfrm>
+            <a:off x="457200" y="1077840"/>
+            <a:ext cx="8291264" cy="5303488"/>
+          </a:xfrm>
+        </p:spPr>
+        <p:txBody>
+          <a:bodyPr/>
+          <a:lstStyle>
+            <a:defPPr marL="432000" lvl="0" indent="-324000">
+              <a:spcBef>
+                <a:spcPts val="0"/>
+              </a:spcBef>
+              <a:spcAft>
+                <a:spcPts val="1417"/>
+              </a:spcAft>
+              <a:buSzPct val="45000"/>
+              <a:buFont typeface="StarSymbol"/>
+              <a:buNone/>
+              <a:defRPr lang="en-US" sz="3200" b="0" i="0" u="none" strike="noStrike" kern="1200">
+                <a:ln>
+                  <a:noFill/>
+                </a:ln>
+                <a:latin typeface="Arial" pitchFamily="18"/>
+                <a:ea typeface="Droid Sans" pitchFamily="2"/>
+                <a:cs typeface="Lohit Hindi" pitchFamily="2"/>
+              </a:defRPr>
+            </a:defPPr>
+            <a:lvl1pPr marL="432000" lvl="0" indent="-324000">
+              <a:spcBef>
+                <a:spcPts val="0"/>
+              </a:spcBef>
+              <a:spcAft>
+                <a:spcPts val="1417"/>
+              </a:spcAft>
+              <a:buSzPct val="45000"/>
+              <a:buFont typeface="StarSymbol"/>
+              <a:buChar char="●"/>
+              <a:defRPr lang="en-US" sz="3200" b="0" i="0" u="none" strike="noStrike" kern="1200">
+                <a:ln>
+                  <a:noFill/>
+                </a:ln>
+                <a:latin typeface="Arial" pitchFamily="18"/>
+                <a:ea typeface="Droid Sans" pitchFamily="2"/>
+                <a:cs typeface="Lohit Hindi" pitchFamily="2"/>
+              </a:defRPr>
+            </a:lvl1pPr>
+            <a:lvl2pPr marL="864000" lvl="1" indent="-324000">
+              <a:spcBef>
+                <a:spcPts val="0"/>
+              </a:spcBef>
+              <a:spcAft>
+                <a:spcPts val="1134"/>
+              </a:spcAft>
+              <a:buSzPct val="75000"/>
+              <a:buFont typeface="StarSymbol"/>
+              <a:buChar char="–"/>
+              <a:defRPr lang="en-US" sz="2800" b="0" i="0" u="none" strike="noStrike" kern="1200">
+                <a:ln>
+                  <a:noFill/>
+                </a:ln>
+                <a:latin typeface="Arial" pitchFamily="18"/>
+                <a:ea typeface="Droid Sans" pitchFamily="2"/>
+                <a:cs typeface="Lohit Hindi" pitchFamily="2"/>
+              </a:defRPr>
+            </a:lvl2pPr>
+            <a:lvl3pPr marL="1295999" lvl="2" indent="-288000">
+              <a:spcBef>
+                <a:spcPts val="0"/>
+              </a:spcBef>
+              <a:spcAft>
+                <a:spcPts val="850"/>
+              </a:spcAft>
+              <a:buSzPct val="45000"/>
+              <a:buFont typeface="StarSymbol"/>
+              <a:buChar char="●"/>
+              <a:defRPr lang="en-US" sz="2400" b="0" i="0" u="none" strike="noStrike" kern="1200">
+                <a:ln>
+                  <a:noFill/>
+                </a:ln>
+                <a:latin typeface="Arial" pitchFamily="18"/>
+                <a:ea typeface="Droid Sans" pitchFamily="2"/>
+                <a:cs typeface="Lohit Hindi" pitchFamily="2"/>
+              </a:defRPr>
+            </a:lvl3pPr>
+            <a:lvl4pPr marL="1728000" lvl="3" indent="-216000">
+              <a:spcBef>
+                <a:spcPts val="0"/>
+              </a:spcBef>
+              <a:spcAft>
+                <a:spcPts val="567"/>
+              </a:spcAft>
+              <a:buSzPct val="75000"/>
+              <a:buFont typeface="StarSymbol"/>
+              <a:buChar char="–"/>
+              <a:defRPr lang="en-US" sz="2000" b="0" i="0" u="none" strike="noStrike" kern="1200">
+                <a:ln>
+                  <a:noFill/>
+                </a:ln>
+                <a:latin typeface="Arial" pitchFamily="18"/>
+                <a:ea typeface="Droid Sans" pitchFamily="2"/>
+                <a:cs typeface="Lohit Hindi" pitchFamily="2"/>
+              </a:defRPr>
+            </a:lvl4pPr>
+            <a:lvl5pPr marL="2160000" lvl="4" indent="-216000">
+              <a:spcBef>
+                <a:spcPts val="0"/>
+              </a:spcBef>
+              <a:spcAft>
+                <a:spcPts val="283"/>
+              </a:spcAft>
+              <a:buSzPct val="45000"/>
+              <a:buFont typeface="StarSymbol"/>
+              <a:buChar char="●"/>
+              <a:defRPr lang="en-US" sz="2000" b="0" i="0" u="none" strike="noStrike" kern="1200">
+                <a:ln>
+                  <a:noFill/>
+                </a:ln>
+                <a:latin typeface="Arial" pitchFamily="18"/>
+                <a:ea typeface="Droid Sans" pitchFamily="2"/>
+                <a:cs typeface="Lohit Hindi" pitchFamily="2"/>
+              </a:defRPr>
+            </a:lvl5pPr>
+            <a:lvl6pPr marL="2592000" lvl="5" indent="-216000">
+              <a:spcBef>
+                <a:spcPts val="0"/>
+              </a:spcBef>
+              <a:spcAft>
+                <a:spcPts val="283"/>
+              </a:spcAft>
+              <a:buSzPct val="45000"/>
+              <a:buFont typeface="StarSymbol"/>
+              <a:buChar char="●"/>
+              <a:defRPr lang="en-US" sz="2000" b="0" i="0" u="none" strike="noStrike" kern="1200">
+                <a:ln>
+                  <a:noFill/>
+                </a:ln>
+                <a:latin typeface="Arial" pitchFamily="18"/>
+                <a:ea typeface="Droid Sans" pitchFamily="2"/>
+                <a:cs typeface="Lohit Hindi" pitchFamily="2"/>
+              </a:defRPr>
+            </a:lvl6pPr>
+            <a:lvl7pPr marL="3024000" lvl="6" indent="-216000">
+              <a:spcBef>
+                <a:spcPts val="0"/>
+              </a:spcBef>
+              <a:spcAft>
+                <a:spcPts val="283"/>
+              </a:spcAft>
+              <a:buSzPct val="45000"/>
+              <a:buFont typeface="StarSymbol"/>
+              <a:buChar char="●"/>
+              <a:defRPr lang="en-US" sz="2000" b="0" i="0" u="none" strike="noStrike" kern="1200">
+                <a:ln>
+                  <a:noFill/>
+                </a:ln>
+                <a:latin typeface="Arial" pitchFamily="18"/>
+                <a:ea typeface="Droid Sans" pitchFamily="2"/>
+                <a:cs typeface="Lohit Hindi" pitchFamily="2"/>
+              </a:defRPr>
+            </a:lvl7pPr>
+            <a:lvl8pPr marL="3456000" lvl="7" indent="-216000">
+              <a:spcBef>
+                <a:spcPts val="0"/>
+              </a:spcBef>
+              <a:spcAft>
+                <a:spcPts val="283"/>
+              </a:spcAft>
+              <a:buSzPct val="45000"/>
+              <a:buFont typeface="StarSymbol"/>
+              <a:buChar char="●"/>
+              <a:defRPr lang="en-US" sz="2000" b="0" i="0" u="none" strike="noStrike" kern="1200">
+                <a:ln>
+                  <a:noFill/>
+                </a:ln>
+                <a:latin typeface="Arial" pitchFamily="18"/>
+                <a:ea typeface="Droid Sans" pitchFamily="2"/>
+                <a:cs typeface="Lohit Hindi" pitchFamily="2"/>
+              </a:defRPr>
+            </a:lvl8pPr>
+            <a:lvl9pPr marL="3887999" lvl="8" indent="-216000">
+              <a:spcBef>
+                <a:spcPts val="0"/>
+              </a:spcBef>
+              <a:spcAft>
+                <a:spcPts val="283"/>
+              </a:spcAft>
+              <a:buSzPct val="45000"/>
+              <a:buFont typeface="StarSymbol"/>
+              <a:buChar char="●"/>
+              <a:defRPr lang="en-US" sz="2000" b="0" i="0" u="none" strike="noStrike" kern="1200">
+                <a:ln>
+                  <a:noFill/>
+                </a:ln>
+                <a:latin typeface="Arial" pitchFamily="18"/>
+                <a:ea typeface="Droid Sans" pitchFamily="2"/>
+                <a:cs typeface="Lohit Hindi" pitchFamily="2"/>
+              </a:defRPr>
+            </a:lvl9pPr>
+          </a:lstStyle>
+          <a:p>
+            <a:endParaRPr lang="en-US" sz="2800" dirty="0" smtClean="0"/>
+          </a:p>
+          <a:p>
+            <a:endParaRPr lang="en-US" sz="2800" dirty="0"/>
+          </a:p>
+        </p:txBody>
+      </p:sp>
+      <p:sp>
+        <p:nvSpPr>
+          <p:cNvPr id="2" name="Title 1"/>
+          <p:cNvSpPr txBox="1">
+            <a:spLocks noGrp="1"/>
+          </p:cNvSpPr>
+          <p:nvPr>
+            <p:ph type="title" idx="4294967295"/>
+          </p:nvPr>
+        </p:nvSpPr>
+        <p:spPr/>
+        <p:txBody>
+          <a:bodyPr/>
+          <a:lstStyle>
+            <a:defPPr lvl="0">
+              <a:buSzPct val="45000"/>
+              <a:buFont typeface="StarSymbol"/>
+              <a:buNone/>
+            </a:defPPr>
+            <a:lvl1pPr lvl="0">
+              <a:buSzPct val="45000"/>
+              <a:buFont typeface="StarSymbol"/>
+              <a:buChar char="●"/>
+            </a:lvl1pPr>
+            <a:lvl2pPr lvl="1">
+              <a:buSzPct val="45000"/>
+              <a:buFont typeface="StarSymbol"/>
+              <a:buChar char="●"/>
+            </a:lvl2pPr>
+            <a:lvl3pPr lvl="2">
+              <a:buSzPct val="45000"/>
+              <a:buFont typeface="StarSymbol"/>
+              <a:buChar char="●"/>
+            </a:lvl3pPr>
+            <a:lvl4pPr lvl="3">
+              <a:buSzPct val="45000"/>
+              <a:buFont typeface="StarSymbol"/>
+              <a:buChar char="●"/>
+            </a:lvl4pPr>
+            <a:lvl5pPr lvl="4">
+              <a:buSzPct val="45000"/>
+              <a:buFont typeface="StarSymbol"/>
+              <a:buChar char="●"/>
+            </a:lvl5pPr>
+            <a:lvl6pPr lvl="5">
+              <a:buSzPct val="45000"/>
+              <a:buFont typeface="StarSymbol"/>
+              <a:buChar char="●"/>
+            </a:lvl6pPr>
+            <a:lvl7pPr lvl="6">
+              <a:buSzPct val="45000"/>
+              <a:buFont typeface="StarSymbol"/>
+              <a:buChar char="●"/>
+            </a:lvl7pPr>
+            <a:lvl8pPr lvl="7">
+              <a:buSzPct val="45000"/>
+              <a:buFont typeface="StarSymbol"/>
+              <a:buChar char="●"/>
+            </a:lvl8pPr>
+            <a:lvl9pPr lvl="8">
+              <a:buSzPct val="45000"/>
+              <a:buFont typeface="StarSymbol"/>
+              <a:buChar char="●"/>
+            </a:lvl9pPr>
+          </a:lstStyle>
+          <a:p>
+            <a:pPr>
+              <a:buNone/>
+            </a:pPr>
+            <a:r>
+              <a:rPr lang="en-US" dirty="0" smtClean="0"/>
+              <a:t>also…</a:t>
+            </a:r>
+            <a:endParaRPr lang="en-US" dirty="0"/>
+          </a:p>
+        </p:txBody>
+      </p:sp>
+      <p:sp>
+        <p:nvSpPr>
+          <p:cNvPr id="13" name="Date Placeholder 1"/>
+          <p:cNvSpPr>
+            <a:spLocks noGrp="1"/>
+          </p:cNvSpPr>
+          <p:nvPr>
+            <p:ph type="dt" sz="half" idx="10"/>
+          </p:nvPr>
+        </p:nvSpPr>
+        <p:spPr>
+          <a:xfrm>
+            <a:off x="0" y="6583679"/>
+            <a:ext cx="1097280" cy="274320"/>
+          </a:xfrm>
+        </p:spPr>
+        <p:txBody>
+          <a:bodyPr/>
+          <a:lstStyle/>
+          <a:p>
+            <a:pPr lvl="0"/>
+            <a:r>
+              <a:rPr lang="en-US" dirty="0" smtClean="0"/>
+              <a:t>15.05.2012</a:t>
+            </a:r>
+            <a:endParaRPr lang="en-US" dirty="0"/>
+          </a:p>
+        </p:txBody>
+      </p:sp>
+      <p:sp>
+        <p:nvSpPr>
+          <p:cNvPr id="14" name="Footer Placeholder 2"/>
+          <p:cNvSpPr>
+            <a:spLocks noGrp="1"/>
+          </p:cNvSpPr>
+          <p:nvPr>
+            <p:ph type="ftr" sz="quarter" idx="11"/>
+          </p:nvPr>
+        </p:nvSpPr>
+        <p:spPr>
+          <a:xfrm>
+            <a:off x="1277280" y="6583679"/>
+            <a:ext cx="5526968" cy="274320"/>
+          </a:xfrm>
+        </p:spPr>
+        <p:txBody>
+          <a:bodyPr/>
+          <a:lstStyle/>
+          <a:p>
+            <a:pPr lvl="0"/>
+            <a:r>
+              <a:rPr lang="en-US" dirty="0" smtClean="0"/>
+              <a:t>| </a:t>
+            </a:r>
+            <a:r>
+              <a:rPr lang="en-US" dirty="0" err="1" smtClean="0"/>
+              <a:t>Kahl</a:t>
+            </a:r>
+            <a:r>
+              <a:rPr lang="en-US" dirty="0" smtClean="0"/>
+              <a:t>, </a:t>
+            </a:r>
+            <a:r>
+              <a:rPr lang="en-US" dirty="0" err="1" smtClean="0"/>
+              <a:t>Platz</a:t>
+            </a:r>
+            <a:r>
+              <a:rPr lang="en-US" dirty="0" smtClean="0"/>
+              <a:t>, </a:t>
+            </a:r>
+            <a:r>
+              <a:rPr lang="en-US" dirty="0" err="1" smtClean="0"/>
+              <a:t>Schilf</a:t>
+            </a:r>
+            <a:r>
+              <a:rPr lang="en-US" dirty="0" smtClean="0"/>
+              <a:t> | Web-</a:t>
+            </a:r>
+            <a:r>
+              <a:rPr lang="en-US" dirty="0" err="1" smtClean="0"/>
+              <a:t>dev</a:t>
+            </a:r>
+            <a:r>
+              <a:rPr lang="en-US" dirty="0" smtClean="0"/>
+              <a:t> SS 2012</a:t>
+            </a:r>
+            <a:endParaRPr lang="en-US" dirty="0"/>
+          </a:p>
+        </p:txBody>
+      </p:sp>
+      <p:sp>
+        <p:nvSpPr>
+          <p:cNvPr id="10" name="Text Placeholder 2"/>
+          <p:cNvSpPr txBox="1">
+            <a:spLocks/>
+          </p:cNvSpPr>
+          <p:nvPr/>
+        </p:nvSpPr>
+        <p:spPr>
+          <a:xfrm>
+            <a:off x="323528" y="1230240"/>
+            <a:ext cx="8640960" cy="5303488"/>
+          </a:xfrm>
+          <a:prstGeom prst="rect">
+            <a:avLst/>
+          </a:prstGeom>
+          <a:noFill/>
+          <a:ln>
+            <a:noFill/>
+          </a:ln>
+        </p:spPr>
+        <p:txBody>
+          <a:bodyPr lIns="0" tIns="0" rIns="0" bIns="0"/>
+          <a:lstStyle>
+            <a:defPPr marL="432000" lvl="0" indent="-324000">
+              <a:spcBef>
+                <a:spcPts val="0"/>
+              </a:spcBef>
+              <a:spcAft>
+                <a:spcPts val="1417"/>
+              </a:spcAft>
+              <a:buSzPct val="45000"/>
+              <a:buFont typeface="StarSymbol"/>
+              <a:buNone/>
+              <a:defRPr lang="en-US" sz="3200" b="0" i="0" u="none" strike="noStrike" kern="1200">
+                <a:ln>
+                  <a:noFill/>
+                </a:ln>
+                <a:latin typeface="Arial" pitchFamily="18"/>
+                <a:ea typeface="Droid Sans" pitchFamily="2"/>
+                <a:cs typeface="Lohit Hindi" pitchFamily="2"/>
+              </a:defRPr>
+            </a:defPPr>
+            <a:lvl1pPr marL="432000" lvl="0" indent="-324000" rtl="0" hangingPunct="0">
+              <a:spcBef>
+                <a:spcPts val="0"/>
+              </a:spcBef>
+              <a:spcAft>
+                <a:spcPts val="1417"/>
+              </a:spcAft>
+              <a:buSzPct val="45000"/>
+              <a:buFont typeface="StarSymbol"/>
+              <a:buChar char="●"/>
+              <a:tabLst/>
+              <a:defRPr lang="en-US" sz="3200" b="0" i="0" u="none" strike="noStrike" kern="1200">
+                <a:ln>
+                  <a:noFill/>
+                </a:ln>
+                <a:latin typeface="Arial" pitchFamily="18"/>
+                <a:ea typeface="Droid Sans" pitchFamily="2"/>
+                <a:cs typeface="Lohit Hindi" pitchFamily="2"/>
+              </a:defRPr>
+            </a:lvl1pPr>
+            <a:lvl2pPr marL="864000" lvl="1" indent="-324000">
+              <a:spcBef>
+                <a:spcPts val="0"/>
+              </a:spcBef>
+              <a:spcAft>
+                <a:spcPts val="1134"/>
+              </a:spcAft>
+              <a:buSzPct val="75000"/>
+              <a:buFont typeface="StarSymbol"/>
+              <a:buChar char="–"/>
+              <a:defRPr lang="en-US" sz="2800" b="0" i="0" u="none" strike="noStrike" kern="1200">
+                <a:ln>
+                  <a:noFill/>
+                </a:ln>
+                <a:latin typeface="Arial" pitchFamily="18"/>
+                <a:ea typeface="Droid Sans" pitchFamily="2"/>
+                <a:cs typeface="Lohit Hindi" pitchFamily="2"/>
+              </a:defRPr>
+            </a:lvl2pPr>
+            <a:lvl3pPr marL="1295999" lvl="2" indent="-288000">
+              <a:spcBef>
+                <a:spcPts val="0"/>
+              </a:spcBef>
+              <a:spcAft>
+                <a:spcPts val="850"/>
+              </a:spcAft>
+              <a:buSzPct val="45000"/>
+              <a:buFont typeface="StarSymbol"/>
+              <a:buChar char="●"/>
+              <a:defRPr lang="en-US" sz="2400" b="0" i="0" u="none" strike="noStrike" kern="1200">
+                <a:ln>
+                  <a:noFill/>
+                </a:ln>
+                <a:latin typeface="Arial" pitchFamily="18"/>
+                <a:ea typeface="Droid Sans" pitchFamily="2"/>
+                <a:cs typeface="Lohit Hindi" pitchFamily="2"/>
+              </a:defRPr>
+            </a:lvl3pPr>
+            <a:lvl4pPr marL="1728000" lvl="3" indent="-216000">
+              <a:spcBef>
+                <a:spcPts val="0"/>
+              </a:spcBef>
+              <a:spcAft>
+                <a:spcPts val="567"/>
+              </a:spcAft>
+              <a:buSzPct val="75000"/>
+              <a:buFont typeface="StarSymbol"/>
+              <a:buChar char="–"/>
+              <a:defRPr lang="en-US" sz="2000" b="0" i="0" u="none" strike="noStrike" kern="1200">
+                <a:ln>
+                  <a:noFill/>
+                </a:ln>
+                <a:latin typeface="Arial" pitchFamily="18"/>
+                <a:ea typeface="Droid Sans" pitchFamily="2"/>
+                <a:cs typeface="Lohit Hindi" pitchFamily="2"/>
+              </a:defRPr>
+            </a:lvl4pPr>
+            <a:lvl5pPr marL="2160000" lvl="4" indent="-216000">
+              <a:spcBef>
+                <a:spcPts val="0"/>
+              </a:spcBef>
+              <a:spcAft>
+                <a:spcPts val="283"/>
+              </a:spcAft>
+              <a:buSzPct val="45000"/>
+              <a:buFont typeface="StarSymbol"/>
+              <a:buChar char="●"/>
+              <a:defRPr lang="en-US" sz="2000" b="0" i="0" u="none" strike="noStrike" kern="1200">
+                <a:ln>
+                  <a:noFill/>
+                </a:ln>
+                <a:latin typeface="Arial" pitchFamily="18"/>
+                <a:ea typeface="Droid Sans" pitchFamily="2"/>
+                <a:cs typeface="Lohit Hindi" pitchFamily="2"/>
+              </a:defRPr>
+            </a:lvl5pPr>
+            <a:lvl6pPr marL="2592000" lvl="5" indent="-216000">
+              <a:spcBef>
+                <a:spcPts val="0"/>
+              </a:spcBef>
+              <a:spcAft>
+                <a:spcPts val="283"/>
+              </a:spcAft>
+              <a:buSzPct val="45000"/>
+              <a:buFont typeface="StarSymbol"/>
+              <a:buChar char="●"/>
+              <a:defRPr lang="en-US" sz="2000" b="0" i="0" u="none" strike="noStrike" kern="1200">
+                <a:ln>
+                  <a:noFill/>
+                </a:ln>
+                <a:latin typeface="Arial" pitchFamily="18"/>
+                <a:ea typeface="Droid Sans" pitchFamily="2"/>
+                <a:cs typeface="Lohit Hindi" pitchFamily="2"/>
+              </a:defRPr>
+            </a:lvl6pPr>
+            <a:lvl7pPr marL="3024000" lvl="6" indent="-216000">
+              <a:spcBef>
+                <a:spcPts val="0"/>
+              </a:spcBef>
+              <a:spcAft>
+                <a:spcPts val="283"/>
+              </a:spcAft>
+              <a:buSzPct val="45000"/>
+              <a:buFont typeface="StarSymbol"/>
+              <a:buChar char="●"/>
+              <a:defRPr lang="en-US" sz="2000" b="0" i="0" u="none" strike="noStrike" kern="1200">
+                <a:ln>
+                  <a:noFill/>
+                </a:ln>
+                <a:latin typeface="Arial" pitchFamily="18"/>
+                <a:ea typeface="Droid Sans" pitchFamily="2"/>
+                <a:cs typeface="Lohit Hindi" pitchFamily="2"/>
+              </a:defRPr>
+            </a:lvl7pPr>
+            <a:lvl8pPr marL="3456000" lvl="7" indent="-216000">
+              <a:spcBef>
+                <a:spcPts val="0"/>
+              </a:spcBef>
+              <a:spcAft>
+                <a:spcPts val="283"/>
+              </a:spcAft>
+              <a:buSzPct val="45000"/>
+              <a:buFont typeface="StarSymbol"/>
+              <a:buChar char="●"/>
+              <a:defRPr lang="en-US" sz="2000" b="0" i="0" u="none" strike="noStrike" kern="1200">
+                <a:ln>
+                  <a:noFill/>
+                </a:ln>
+                <a:latin typeface="Arial" pitchFamily="18"/>
+                <a:ea typeface="Droid Sans" pitchFamily="2"/>
+                <a:cs typeface="Lohit Hindi" pitchFamily="2"/>
+              </a:defRPr>
+            </a:lvl8pPr>
+            <a:lvl9pPr marL="3887999" lvl="8" indent="-216000">
+              <a:spcBef>
+                <a:spcPts val="0"/>
+              </a:spcBef>
+              <a:spcAft>
+                <a:spcPts val="283"/>
+              </a:spcAft>
+              <a:buSzPct val="45000"/>
+              <a:buFont typeface="StarSymbol"/>
+              <a:buChar char="●"/>
+              <a:defRPr lang="en-US" sz="2000" b="0" i="0" u="none" strike="noStrike" kern="1200">
+                <a:ln>
+                  <a:noFill/>
+                </a:ln>
+                <a:latin typeface="Arial" pitchFamily="18"/>
+                <a:ea typeface="Droid Sans" pitchFamily="2"/>
+                <a:cs typeface="Lohit Hindi" pitchFamily="2"/>
+              </a:defRPr>
+            </a:lvl9pPr>
+          </a:lstStyle>
+          <a:p>
+            <a:r>
+              <a:rPr lang="en-US" sz="2400" dirty="0" smtClean="0"/>
+              <a:t>Implement in what you implement</a:t>
+            </a:r>
+          </a:p>
+          <a:p>
+            <a:r>
+              <a:rPr lang="en-US" sz="2400" dirty="0" smtClean="0"/>
+              <a:t>No noticeable deployment time</a:t>
+            </a:r>
+            <a:endParaRPr lang="en-US" sz="2400" dirty="0"/>
+          </a:p>
+          <a:p>
+            <a:r>
+              <a:rPr lang="en-US" sz="2400" dirty="0" smtClean="0"/>
+              <a:t>Documentation rarely available, outdated, wrong</a:t>
+            </a:r>
+          </a:p>
+          <a:p>
+            <a:pPr lvl="1"/>
+            <a:r>
+              <a:rPr lang="en-US" sz="2000" dirty="0" smtClean="0"/>
+              <a:t>Cloud9 plugins: mostly no documentation</a:t>
+            </a:r>
+            <a:br>
+              <a:rPr lang="en-US" sz="2000" dirty="0" smtClean="0"/>
+            </a:br>
+            <a:r>
+              <a:rPr lang="en-US" sz="2000" dirty="0" smtClean="0">
+                <a:sym typeface="Wingdings" pitchFamily="2" charset="2"/>
+              </a:rPr>
+              <a:t> </a:t>
+            </a:r>
+            <a:r>
+              <a:rPr lang="en-US" sz="2000" dirty="0" smtClean="0"/>
+              <a:t>difficult to understand interaction between them</a:t>
+            </a:r>
+          </a:p>
+          <a:p>
+            <a:pPr lvl="1"/>
+            <a:r>
+              <a:rPr lang="en-US" sz="2000" dirty="0" smtClean="0"/>
+              <a:t>APF: ui.ajax.org/#docs not helpful</a:t>
+            </a:r>
+          </a:p>
+          <a:p>
+            <a:pPr lvl="1"/>
+            <a:r>
+              <a:rPr lang="en-US" sz="2000" dirty="0"/>
+              <a:t>Ace: </a:t>
+            </a:r>
+            <a:r>
+              <a:rPr lang="en-US" sz="2000" dirty="0" smtClean="0"/>
+              <a:t>ace.ajax.org/</a:t>
+            </a:r>
+            <a:r>
+              <a:rPr lang="en-US" sz="2000" dirty="0" err="1" smtClean="0"/>
+              <a:t>api</a:t>
+            </a:r>
+            <a:r>
+              <a:rPr lang="en-US" sz="2000" dirty="0" smtClean="0"/>
+              <a:t>/ wrong/outdated</a:t>
+            </a:r>
+          </a:p>
+          <a:p>
+            <a:endParaRPr lang="en-US" sz="2400" dirty="0"/>
+          </a:p>
+          <a:p>
+            <a:pPr lvl="1"/>
+            <a:endParaRPr lang="en-US" sz="2000" dirty="0" smtClean="0"/>
+          </a:p>
+        </p:txBody>
+      </p:sp>
+      <p:pic>
+        <p:nvPicPr>
+          <p:cNvPr id="3074" name="Picture 2" descr="http://c9.io/site/wp-content/themes/cloud9/img/logo_cloud9_small.png"/>
+          <p:cNvPicPr>
+            <a:picLocks noChangeAspect="1" noChangeArrowheads="1"/>
+          </p:cNvPicPr>
+          <p:nvPr/>
+        </p:nvPicPr>
+        <p:blipFill>
+          <a:blip r:embed="rId3">
+            <a:extLst>
+              <a:ext uri="{28A0092B-C50C-407E-A947-70E740481C1C}">
+                <a14:useLocalDpi xmlns:a14="http://schemas.microsoft.com/office/drawing/2010/main" val="0"/>
+              </a:ext>
+            </a:extLst>
+          </a:blip>
+          <a:srcRect/>
+          <a:stretch>
+            <a:fillRect/>
+          </a:stretch>
+        </p:blipFill>
+        <p:spPr bwMode="auto">
+          <a:xfrm>
+            <a:off x="5580112" y="1230240"/>
+            <a:ext cx="1695450" cy="381001"/>
+          </a:xfrm>
+          <a:prstGeom prst="rect">
+            <a:avLst/>
+          </a:prstGeom>
+          <a:noFill/>
+          <a:extLst>
+            <a:ext uri="{909E8E84-426E-40DD-AFC4-6F175D3DCCD1}">
+              <a14:hiddenFill xmlns:a14="http://schemas.microsoft.com/office/drawing/2010/main">
+                <a:solidFill>
+                  <a:srgbClr val="FFFFFF"/>
+                </a:solidFill>
+              </a14:hiddenFill>
+            </a:ext>
+          </a:extLst>
+        </p:spPr>
+      </p:pic>
+    </p:spTree>
+    <p:extLst>
+      <p:ext uri="{BB962C8B-B14F-4D97-AF65-F5344CB8AC3E}">
+        <p14:creationId xmlns:p14="http://schemas.microsoft.com/office/powerpoint/2010/main" val="1451521708"/>
       </p:ext>
     </p:extLst>
   </p:cSld>

--- a/seminar/presentation/mps-c9.pptx
+++ b/seminar/presentation/mps-c9.pptx
@@ -6,20 +6,25 @@
     <p:sldMasterId id="2147483660" r:id="rId2"/>
   </p:sldMasterIdLst>
   <p:notesMasterIdLst>
-    <p:notesMasterId r:id="rId11"/>
+    <p:notesMasterId r:id="rId16"/>
   </p:notesMasterIdLst>
   <p:handoutMasterIdLst>
-    <p:handoutMasterId r:id="rId12"/>
+    <p:handoutMasterId r:id="rId17"/>
   </p:handoutMasterIdLst>
   <p:sldIdLst>
     <p:sldId id="276" r:id="rId3"/>
-    <p:sldId id="279" r:id="rId4"/>
+    <p:sldId id="285" r:id="rId4"/>
     <p:sldId id="278" r:id="rId5"/>
     <p:sldId id="280" r:id="rId6"/>
-    <p:sldId id="281" r:id="rId7"/>
-    <p:sldId id="282" r:id="rId8"/>
-    <p:sldId id="283" r:id="rId9"/>
-    <p:sldId id="284" r:id="rId10"/>
+    <p:sldId id="288" r:id="rId7"/>
+    <p:sldId id="281" r:id="rId8"/>
+    <p:sldId id="282" r:id="rId9"/>
+    <p:sldId id="283" r:id="rId10"/>
+    <p:sldId id="289" r:id="rId11"/>
+    <p:sldId id="290" r:id="rId12"/>
+    <p:sldId id="291" r:id="rId13"/>
+    <p:sldId id="284" r:id="rId14"/>
+    <p:sldId id="286" r:id="rId15"/>
   </p:sldIdLst>
   <p:sldSz cx="9144000" cy="6858000" type="screen4x3"/>
   <p:notesSz cx="6858000" cy="9144000"/>
@@ -918,6 +923,291 @@
 </p:notes>
 </file>
 
+<file path=ppt/notesSlides/notesSlide10.xml><?xml version="1.0" encoding="utf-8"?>
+<p:notes xmlns:a="http://schemas.openxmlformats.org/drawingml/2006/main" xmlns:r="http://schemas.openxmlformats.org/officeDocument/2006/relationships" xmlns:p="http://schemas.openxmlformats.org/presentationml/2006/main">
+  <p:cSld>
+    <p:spTree>
+      <p:nvGrpSpPr>
+        <p:cNvPr id="1" name=""/>
+        <p:cNvGrpSpPr/>
+        <p:nvPr/>
+      </p:nvGrpSpPr>
+      <p:grpSpPr>
+        <a:xfrm>
+          <a:off x="0" y="0"/>
+          <a:ext cx="0" cy="0"/>
+          <a:chOff x="0" y="0"/>
+          <a:chExt cx="0" cy="0"/>
+        </a:xfrm>
+      </p:grpSpPr>
+      <p:sp>
+        <p:nvSpPr>
+          <p:cNvPr id="2" name="Slide Image Placeholder 1"/>
+          <p:cNvSpPr>
+            <a:spLocks noGrp="1" noRot="1" noChangeAspect="1" noResize="1"/>
+          </p:cNvSpPr>
+          <p:nvPr>
+            <p:ph type="sldImg"/>
+          </p:nvPr>
+        </p:nvSpPr>
+        <p:spPr>
+          <a:xfrm>
+            <a:off x="0" y="695325"/>
+            <a:ext cx="0" cy="0"/>
+          </a:xfrm>
+          <a:solidFill>
+            <a:srgbClr val="CFE7F5"/>
+          </a:solidFill>
+          <a:ln w="25400">
+            <a:solidFill>
+              <a:srgbClr val="808080"/>
+            </a:solidFill>
+            <a:prstDash val="solid"/>
+          </a:ln>
+        </p:spPr>
+      </p:sp>
+      <p:sp>
+        <p:nvSpPr>
+          <p:cNvPr id="3" name="Notes Placeholder 2"/>
+          <p:cNvSpPr txBox="1">
+            <a:spLocks noGrp="1"/>
+          </p:cNvSpPr>
+          <p:nvPr>
+            <p:ph type="body" sz="quarter" idx="1"/>
+          </p:nvPr>
+        </p:nvSpPr>
+        <p:spPr>
+          <a:xfrm>
+            <a:off x="685799" y="4343400"/>
+            <a:ext cx="5486040" cy="4114440"/>
+          </a:xfrm>
+        </p:spPr>
+        <p:txBody>
+          <a:bodyPr/>
+          <a:lstStyle/>
+          <a:p>
+            <a:pPr marL="457200" marR="0" lvl="1" indent="0" algn="l" defTabSz="914400" rtl="0" eaLnBrk="1" fontAlgn="auto" latinLnBrk="0" hangingPunct="1">
+              <a:lnSpc>
+                <a:spcPct val="100000"/>
+              </a:lnSpc>
+              <a:spcBef>
+                <a:spcPts val="0"/>
+              </a:spcBef>
+              <a:spcAft>
+                <a:spcPts val="0"/>
+              </a:spcAft>
+              <a:buClrTx/>
+              <a:buSzTx/>
+              <a:buFontTx/>
+              <a:buNone/>
+              <a:tabLst/>
+              <a:defRPr/>
+            </a:pPr>
+            <a:r>
+              <a:rPr lang="en-US" sz="2000" dirty="0" smtClean="0"/>
+              <a:t>What kind of problems during development with cloud</a:t>
+            </a:r>
+          </a:p>
+          <a:p>
+            <a:pPr lvl="1"/>
+            <a:r>
+              <a:rPr lang="en-US" sz="2000" dirty="0" smtClean="0"/>
+              <a:t>Web-based</a:t>
+            </a:r>
+            <a:r>
+              <a:rPr lang="en-US" sz="2000" baseline="0" dirty="0" smtClean="0"/>
+              <a:t> </a:t>
+            </a:r>
+            <a:r>
+              <a:rPr lang="en-US" sz="2000" baseline="0" dirty="0" err="1" smtClean="0"/>
+              <a:t>devel</a:t>
+            </a:r>
+            <a:r>
+              <a:rPr lang="en-US" sz="2000" baseline="0" dirty="0" smtClean="0"/>
+              <a:t>. </a:t>
+            </a:r>
+            <a:endParaRPr lang="en-US" sz="2000" dirty="0" smtClean="0"/>
+          </a:p>
+          <a:p>
+            <a:pPr lvl="1"/>
+            <a:endParaRPr lang="en-US" sz="2000" dirty="0" smtClean="0"/>
+          </a:p>
+          <a:p>
+            <a:pPr lvl="1"/>
+            <a:r>
+              <a:rPr lang="en-US" sz="2000" dirty="0" smtClean="0"/>
+              <a:t>Cloud9 </a:t>
+            </a:r>
+            <a:r>
+              <a:rPr lang="en-US" sz="2000" dirty="0" smtClean="0"/>
+              <a:t>plugins: mostly no documentation</a:t>
+            </a:r>
+            <a:br>
+              <a:rPr lang="en-US" sz="2000" dirty="0" smtClean="0"/>
+            </a:br>
+            <a:r>
+              <a:rPr lang="en-US" sz="2000" dirty="0" smtClean="0">
+                <a:sym typeface="Wingdings" pitchFamily="2" charset="2"/>
+              </a:rPr>
+              <a:t> </a:t>
+            </a:r>
+            <a:r>
+              <a:rPr lang="en-US" sz="2000" dirty="0" smtClean="0"/>
+              <a:t>difficult to understand interaction between them</a:t>
+            </a:r>
+          </a:p>
+          <a:p>
+            <a:pPr lvl="1"/>
+            <a:r>
+              <a:rPr lang="en-US" sz="2000" dirty="0" smtClean="0"/>
+              <a:t>APF: ui.ajax.org/#docs not helpful</a:t>
+            </a:r>
+          </a:p>
+          <a:p>
+            <a:pPr lvl="1"/>
+            <a:r>
+              <a:rPr lang="en-US" sz="2000" dirty="0" smtClean="0"/>
+              <a:t>Ace: ace.ajax.org/</a:t>
+            </a:r>
+            <a:r>
+              <a:rPr lang="en-US" sz="2000" dirty="0" err="1" smtClean="0"/>
+              <a:t>api</a:t>
+            </a:r>
+            <a:r>
+              <a:rPr lang="en-US" sz="2000" dirty="0" smtClean="0"/>
+              <a:t>/ wrong/outdated</a:t>
+            </a:r>
+          </a:p>
+          <a:p>
+            <a:endParaRPr lang="en-US" dirty="0"/>
+          </a:p>
+        </p:txBody>
+      </p:sp>
+    </p:spTree>
+  </p:cSld>
+  <p:clrMapOvr>
+    <a:masterClrMapping/>
+  </p:clrMapOvr>
+</p:notes>
+</file>
+
+<file path=ppt/notesSlides/notesSlide11.xml><?xml version="1.0" encoding="utf-8"?>
+<p:notes xmlns:a="http://schemas.openxmlformats.org/drawingml/2006/main" xmlns:r="http://schemas.openxmlformats.org/officeDocument/2006/relationships" xmlns:p="http://schemas.openxmlformats.org/presentationml/2006/main">
+  <p:cSld>
+    <p:spTree>
+      <p:nvGrpSpPr>
+        <p:cNvPr id="1" name=""/>
+        <p:cNvGrpSpPr/>
+        <p:nvPr/>
+      </p:nvGrpSpPr>
+      <p:grpSpPr>
+        <a:xfrm>
+          <a:off x="0" y="0"/>
+          <a:ext cx="0" cy="0"/>
+          <a:chOff x="0" y="0"/>
+          <a:chExt cx="0" cy="0"/>
+        </a:xfrm>
+      </p:grpSpPr>
+      <p:sp>
+        <p:nvSpPr>
+          <p:cNvPr id="2" name="Slide Image Placeholder 1"/>
+          <p:cNvSpPr>
+            <a:spLocks noGrp="1" noRot="1" noChangeAspect="1" noResize="1"/>
+          </p:cNvSpPr>
+          <p:nvPr>
+            <p:ph type="sldImg"/>
+          </p:nvPr>
+        </p:nvSpPr>
+        <p:spPr>
+          <a:xfrm>
+            <a:off x="0" y="695325"/>
+            <a:ext cx="0" cy="0"/>
+          </a:xfrm>
+          <a:solidFill>
+            <a:srgbClr val="CFE7F5"/>
+          </a:solidFill>
+          <a:ln w="25400">
+            <a:solidFill>
+              <a:srgbClr val="808080"/>
+            </a:solidFill>
+            <a:prstDash val="solid"/>
+          </a:ln>
+        </p:spPr>
+      </p:sp>
+      <p:sp>
+        <p:nvSpPr>
+          <p:cNvPr id="3" name="Notes Placeholder 2"/>
+          <p:cNvSpPr txBox="1">
+            <a:spLocks noGrp="1"/>
+          </p:cNvSpPr>
+          <p:nvPr>
+            <p:ph type="body" sz="quarter" idx="1"/>
+          </p:nvPr>
+        </p:nvSpPr>
+        <p:spPr>
+          <a:xfrm>
+            <a:off x="685799" y="4343400"/>
+            <a:ext cx="5486040" cy="4114440"/>
+          </a:xfrm>
+        </p:spPr>
+        <p:txBody>
+          <a:bodyPr/>
+          <a:lstStyle/>
+          <a:p>
+            <a:pPr lvl="1"/>
+            <a:r>
+              <a:rPr lang="en-US" sz="2000" dirty="0" smtClean="0"/>
+              <a:t>Cloud9 plugins: mostly no documentation</a:t>
+            </a:r>
+            <a:br>
+              <a:rPr lang="en-US" sz="2000" dirty="0" smtClean="0"/>
+            </a:br>
+            <a:r>
+              <a:rPr lang="en-US" sz="2000" dirty="0" smtClean="0">
+                <a:sym typeface="Wingdings" pitchFamily="2" charset="2"/>
+              </a:rPr>
+              <a:t> </a:t>
+            </a:r>
+            <a:r>
+              <a:rPr lang="en-US" sz="2000" dirty="0" smtClean="0"/>
+              <a:t>difficult to understand interaction between them</a:t>
+            </a:r>
+          </a:p>
+          <a:p>
+            <a:pPr lvl="1"/>
+            <a:r>
+              <a:rPr lang="en-US" sz="2000" dirty="0" smtClean="0"/>
+              <a:t>APF: ui.ajax.org/#docs not helpful</a:t>
+            </a:r>
+          </a:p>
+          <a:p>
+            <a:pPr lvl="1"/>
+            <a:r>
+              <a:rPr lang="en-US" sz="2000" dirty="0" smtClean="0"/>
+              <a:t>Ace: ace.ajax.org/</a:t>
+            </a:r>
+            <a:r>
+              <a:rPr lang="en-US" sz="2000" dirty="0" err="1" smtClean="0"/>
+              <a:t>api</a:t>
+            </a:r>
+            <a:r>
+              <a:rPr lang="en-US" sz="2000" dirty="0" smtClean="0"/>
+              <a:t>/ wrong/outdated</a:t>
+            </a:r>
+          </a:p>
+          <a:p>
+            <a:endParaRPr lang="en-US" dirty="0"/>
+          </a:p>
+        </p:txBody>
+      </p:sp>
+    </p:spTree>
+  </p:cSld>
+  <p:clrMapOvr>
+    <a:masterClrMapping/>
+  </p:clrMapOvr>
+</p:notes>
+</file>
+
 <file path=ppt/notesSlides/notesSlide2.xml><?xml version="1.0" encoding="utf-8"?>
 <p:notes xmlns:a="http://schemas.openxmlformats.org/drawingml/2006/main" xmlns:r="http://schemas.openxmlformats.org/officeDocument/2006/relationships" xmlns:p="http://schemas.openxmlformats.org/presentationml/2006/main">
   <p:cSld>
@@ -982,97 +1272,8 @@
           <a:lstStyle/>
           <a:p>
             <a:r>
-              <a:rPr lang="en-GB" dirty="0" smtClean="0"/>
-              <a:t>* </a:t>
-            </a:r>
-            <a:r>
-              <a:rPr lang="en-GB" dirty="0" err="1" smtClean="0"/>
-              <a:t>crtl+l</a:t>
-            </a:r>
-            <a:endParaRPr lang="en-GB" dirty="0" smtClean="0"/>
-          </a:p>
-          <a:p>
-            <a:r>
-              <a:rPr lang="en-GB" dirty="0" smtClean="0"/>
-              <a:t>* tab suggestions/autocomplete</a:t>
-            </a:r>
-          </a:p>
-          <a:p>
-            <a:r>
-              <a:rPr lang="en-GB" dirty="0" smtClean="0"/>
-              <a:t>* execute refresh after certain commands (git pull, </a:t>
-            </a:r>
-            <a:r>
-              <a:rPr lang="en-GB" dirty="0" err="1" smtClean="0"/>
-              <a:t>rm</a:t>
-            </a:r>
-            <a:r>
-              <a:rPr lang="en-GB" dirty="0" smtClean="0"/>
-              <a:t>, ...)</a:t>
-            </a:r>
-          </a:p>
-          <a:p>
-            <a:r>
-              <a:rPr lang="en-GB" dirty="0" smtClean="0"/>
-              <a:t>* </a:t>
-            </a:r>
-            <a:r>
-              <a:rPr lang="en-GB" dirty="0" err="1" smtClean="0"/>
-              <a:t>colors</a:t>
-            </a:r>
-            <a:r>
-              <a:rPr lang="en-GB" dirty="0" smtClean="0"/>
-              <a:t> (git </a:t>
-            </a:r>
-            <a:r>
-              <a:rPr lang="en-GB" dirty="0" err="1" smtClean="0"/>
-              <a:t>config</a:t>
-            </a:r>
-            <a:r>
-              <a:rPr lang="en-GB" dirty="0" smtClean="0"/>
-              <a:t> </a:t>
-            </a:r>
-            <a:r>
-              <a:rPr lang="en-GB" dirty="0" err="1" smtClean="0"/>
-              <a:t>color.status</a:t>
-            </a:r>
-            <a:r>
-              <a:rPr lang="en-GB" dirty="0" smtClean="0"/>
-              <a:t> auto)</a:t>
-            </a:r>
-          </a:p>
-          <a:p>
-            <a:r>
-              <a:rPr lang="en-GB" dirty="0" smtClean="0"/>
-              <a:t>* close console when click into text</a:t>
-            </a:r>
-          </a:p>
-          <a:p>
-            <a:r>
-              <a:rPr lang="en-GB" dirty="0" smtClean="0"/>
-              <a:t>* reconfigurable shortcuts (</a:t>
-            </a:r>
-            <a:r>
-              <a:rPr lang="en-GB" dirty="0" err="1" smtClean="0"/>
-              <a:t>alt+space</a:t>
-            </a:r>
-            <a:r>
-              <a:rPr lang="en-GB" dirty="0" smtClean="0"/>
-              <a:t> instead of </a:t>
-            </a:r>
-            <a:r>
-              <a:rPr lang="en-GB" dirty="0" err="1" smtClean="0"/>
-              <a:t>Shift+ESC</a:t>
-            </a:r>
-            <a:r>
-              <a:rPr lang="en-GB" dirty="0" smtClean="0"/>
-              <a:t> for instance)</a:t>
-            </a:r>
-          </a:p>
-          <a:p>
-            <a:r>
-              <a:rPr lang="en-GB" dirty="0" smtClean="0"/>
-              <a:t>* no indication of when a command's console output ends (i.e. the is done)</a:t>
+              <a:rPr lang="en-US" dirty="0" smtClean="0"/>
+              <a:t>Tetris</a:t>
             </a:r>
             <a:endParaRPr lang="en-US" dirty="0"/>
           </a:p>
@@ -1386,6 +1587,417 @@
 </p:notes>
 </file>
 
+<file path=ppt/notesSlides/notesSlide7.xml><?xml version="1.0" encoding="utf-8"?>
+<p:notes xmlns:a="http://schemas.openxmlformats.org/drawingml/2006/main" xmlns:r="http://schemas.openxmlformats.org/officeDocument/2006/relationships" xmlns:p="http://schemas.openxmlformats.org/presentationml/2006/main">
+  <p:cSld>
+    <p:spTree>
+      <p:nvGrpSpPr>
+        <p:cNvPr id="1" name=""/>
+        <p:cNvGrpSpPr/>
+        <p:nvPr/>
+      </p:nvGrpSpPr>
+      <p:grpSpPr>
+        <a:xfrm>
+          <a:off x="0" y="0"/>
+          <a:ext cx="0" cy="0"/>
+          <a:chOff x="0" y="0"/>
+          <a:chExt cx="0" cy="0"/>
+        </a:xfrm>
+      </p:grpSpPr>
+      <p:sp>
+        <p:nvSpPr>
+          <p:cNvPr id="2" name="Slide Image Placeholder 1"/>
+          <p:cNvSpPr>
+            <a:spLocks noGrp="1" noRot="1" noChangeAspect="1" noResize="1"/>
+          </p:cNvSpPr>
+          <p:nvPr>
+            <p:ph type="sldImg"/>
+          </p:nvPr>
+        </p:nvSpPr>
+        <p:spPr>
+          <a:xfrm>
+            <a:off x="0" y="695325"/>
+            <a:ext cx="0" cy="0"/>
+          </a:xfrm>
+          <a:solidFill>
+            <a:srgbClr val="CFE7F5"/>
+          </a:solidFill>
+          <a:ln w="25400">
+            <a:solidFill>
+              <a:srgbClr val="808080"/>
+            </a:solidFill>
+            <a:prstDash val="solid"/>
+          </a:ln>
+        </p:spPr>
+      </p:sp>
+      <p:sp>
+        <p:nvSpPr>
+          <p:cNvPr id="3" name="Notes Placeholder 2"/>
+          <p:cNvSpPr txBox="1">
+            <a:spLocks noGrp="1"/>
+          </p:cNvSpPr>
+          <p:nvPr>
+            <p:ph type="body" sz="quarter" idx="1"/>
+          </p:nvPr>
+        </p:nvSpPr>
+        <p:spPr>
+          <a:xfrm>
+            <a:off x="685799" y="4343400"/>
+            <a:ext cx="5486040" cy="4114440"/>
+          </a:xfrm>
+        </p:spPr>
+        <p:txBody>
+          <a:bodyPr/>
+          <a:lstStyle/>
+          <a:p>
+            <a:endParaRPr lang="en-US" dirty="0"/>
+          </a:p>
+        </p:txBody>
+      </p:sp>
+    </p:spTree>
+  </p:cSld>
+  <p:clrMapOvr>
+    <a:masterClrMapping/>
+  </p:clrMapOvr>
+</p:notes>
+</file>
+
+<file path=ppt/notesSlides/notesSlide8.xml><?xml version="1.0" encoding="utf-8"?>
+<p:notes xmlns:a="http://schemas.openxmlformats.org/drawingml/2006/main" xmlns:r="http://schemas.openxmlformats.org/officeDocument/2006/relationships" xmlns:p="http://schemas.openxmlformats.org/presentationml/2006/main">
+  <p:cSld>
+    <p:spTree>
+      <p:nvGrpSpPr>
+        <p:cNvPr id="1" name=""/>
+        <p:cNvGrpSpPr/>
+        <p:nvPr/>
+      </p:nvGrpSpPr>
+      <p:grpSpPr>
+        <a:xfrm>
+          <a:off x="0" y="0"/>
+          <a:ext cx="0" cy="0"/>
+          <a:chOff x="0" y="0"/>
+          <a:chExt cx="0" cy="0"/>
+        </a:xfrm>
+      </p:grpSpPr>
+      <p:sp>
+        <p:nvSpPr>
+          <p:cNvPr id="2" name="Slide Image Placeholder 1"/>
+          <p:cNvSpPr>
+            <a:spLocks noGrp="1" noRot="1" noChangeAspect="1" noResize="1"/>
+          </p:cNvSpPr>
+          <p:nvPr>
+            <p:ph type="sldImg"/>
+          </p:nvPr>
+        </p:nvSpPr>
+        <p:spPr>
+          <a:xfrm>
+            <a:off x="0" y="695325"/>
+            <a:ext cx="0" cy="0"/>
+          </a:xfrm>
+          <a:solidFill>
+            <a:srgbClr val="CFE7F5"/>
+          </a:solidFill>
+          <a:ln w="25400">
+            <a:solidFill>
+              <a:srgbClr val="808080"/>
+            </a:solidFill>
+            <a:prstDash val="solid"/>
+          </a:ln>
+        </p:spPr>
+      </p:sp>
+      <p:sp>
+        <p:nvSpPr>
+          <p:cNvPr id="3" name="Notes Placeholder 2"/>
+          <p:cNvSpPr txBox="1">
+            <a:spLocks noGrp="1"/>
+          </p:cNvSpPr>
+          <p:nvPr>
+            <p:ph type="body" sz="quarter" idx="1"/>
+          </p:nvPr>
+        </p:nvSpPr>
+        <p:spPr>
+          <a:xfrm>
+            <a:off x="685799" y="4343400"/>
+            <a:ext cx="5486040" cy="4114440"/>
+          </a:xfrm>
+        </p:spPr>
+        <p:txBody>
+          <a:bodyPr/>
+          <a:lstStyle/>
+          <a:p>
+            <a:pPr marL="457200" marR="0" lvl="1" indent="0" algn="l" defTabSz="914400" rtl="0" eaLnBrk="1" fontAlgn="auto" latinLnBrk="0" hangingPunct="1">
+              <a:lnSpc>
+                <a:spcPct val="100000"/>
+              </a:lnSpc>
+              <a:spcBef>
+                <a:spcPts val="0"/>
+              </a:spcBef>
+              <a:spcAft>
+                <a:spcPts val="0"/>
+              </a:spcAft>
+              <a:buClrTx/>
+              <a:buSzTx/>
+              <a:buFontTx/>
+              <a:buNone/>
+              <a:tabLst/>
+              <a:defRPr/>
+            </a:pPr>
+            <a:r>
+              <a:rPr lang="en-US" sz="2000" dirty="0" smtClean="0"/>
+              <a:t>What kind of problems during development with cloud</a:t>
+            </a:r>
+          </a:p>
+          <a:p>
+            <a:pPr lvl="1"/>
+            <a:r>
+              <a:rPr lang="en-US" sz="2000" dirty="0" smtClean="0"/>
+              <a:t>Web-based</a:t>
+            </a:r>
+            <a:r>
+              <a:rPr lang="en-US" sz="2000" baseline="0" dirty="0" smtClean="0"/>
+              <a:t> </a:t>
+            </a:r>
+            <a:r>
+              <a:rPr lang="en-US" sz="2000" baseline="0" dirty="0" err="1" smtClean="0"/>
+              <a:t>devel</a:t>
+            </a:r>
+            <a:r>
+              <a:rPr lang="en-US" sz="2000" baseline="0" dirty="0" smtClean="0"/>
+              <a:t>. </a:t>
+            </a:r>
+            <a:endParaRPr lang="en-US" sz="2000" dirty="0" smtClean="0"/>
+          </a:p>
+          <a:p>
+            <a:pPr lvl="1"/>
+            <a:endParaRPr lang="en-US" sz="2000" dirty="0" smtClean="0"/>
+          </a:p>
+          <a:p>
+            <a:pPr lvl="1"/>
+            <a:r>
+              <a:rPr lang="en-US" sz="2000" dirty="0" smtClean="0"/>
+              <a:t>Cloud9 </a:t>
+            </a:r>
+            <a:r>
+              <a:rPr lang="en-US" sz="2000" dirty="0" smtClean="0"/>
+              <a:t>plugins: mostly no documentation</a:t>
+            </a:r>
+            <a:br>
+              <a:rPr lang="en-US" sz="2000" dirty="0" smtClean="0"/>
+            </a:br>
+            <a:r>
+              <a:rPr lang="en-US" sz="2000" dirty="0" smtClean="0">
+                <a:sym typeface="Wingdings" pitchFamily="2" charset="2"/>
+              </a:rPr>
+              <a:t> </a:t>
+            </a:r>
+            <a:r>
+              <a:rPr lang="en-US" sz="2000" dirty="0" smtClean="0"/>
+              <a:t>difficult to understand interaction between them</a:t>
+            </a:r>
+          </a:p>
+          <a:p>
+            <a:pPr lvl="1"/>
+            <a:r>
+              <a:rPr lang="en-US" sz="2000" dirty="0" smtClean="0"/>
+              <a:t>APF: ui.ajax.org/#docs not helpful</a:t>
+            </a:r>
+          </a:p>
+          <a:p>
+            <a:pPr lvl="1"/>
+            <a:r>
+              <a:rPr lang="en-US" sz="2000" dirty="0" smtClean="0"/>
+              <a:t>Ace: ace.ajax.org/</a:t>
+            </a:r>
+            <a:r>
+              <a:rPr lang="en-US" sz="2000" dirty="0" err="1" smtClean="0"/>
+              <a:t>api</a:t>
+            </a:r>
+            <a:r>
+              <a:rPr lang="en-US" sz="2000" dirty="0" smtClean="0"/>
+              <a:t>/ wrong/outdated</a:t>
+            </a:r>
+          </a:p>
+          <a:p>
+            <a:endParaRPr lang="en-US" dirty="0"/>
+          </a:p>
+        </p:txBody>
+      </p:sp>
+    </p:spTree>
+  </p:cSld>
+  <p:clrMapOvr>
+    <a:masterClrMapping/>
+  </p:clrMapOvr>
+</p:notes>
+</file>
+
+<file path=ppt/notesSlides/notesSlide9.xml><?xml version="1.0" encoding="utf-8"?>
+<p:notes xmlns:a="http://schemas.openxmlformats.org/drawingml/2006/main" xmlns:r="http://schemas.openxmlformats.org/officeDocument/2006/relationships" xmlns:p="http://schemas.openxmlformats.org/presentationml/2006/main">
+  <p:cSld>
+    <p:spTree>
+      <p:nvGrpSpPr>
+        <p:cNvPr id="1" name=""/>
+        <p:cNvGrpSpPr/>
+        <p:nvPr/>
+      </p:nvGrpSpPr>
+      <p:grpSpPr>
+        <a:xfrm>
+          <a:off x="0" y="0"/>
+          <a:ext cx="0" cy="0"/>
+          <a:chOff x="0" y="0"/>
+          <a:chExt cx="0" cy="0"/>
+        </a:xfrm>
+      </p:grpSpPr>
+      <p:sp>
+        <p:nvSpPr>
+          <p:cNvPr id="2" name="Slide Image Placeholder 1"/>
+          <p:cNvSpPr>
+            <a:spLocks noGrp="1" noRot="1" noChangeAspect="1" noResize="1"/>
+          </p:cNvSpPr>
+          <p:nvPr>
+            <p:ph type="sldImg"/>
+          </p:nvPr>
+        </p:nvSpPr>
+        <p:spPr>
+          <a:xfrm>
+            <a:off x="0" y="695325"/>
+            <a:ext cx="0" cy="0"/>
+          </a:xfrm>
+          <a:solidFill>
+            <a:srgbClr val="CFE7F5"/>
+          </a:solidFill>
+          <a:ln w="25400">
+            <a:solidFill>
+              <a:srgbClr val="808080"/>
+            </a:solidFill>
+            <a:prstDash val="solid"/>
+          </a:ln>
+        </p:spPr>
+      </p:sp>
+      <p:sp>
+        <p:nvSpPr>
+          <p:cNvPr id="3" name="Notes Placeholder 2"/>
+          <p:cNvSpPr txBox="1">
+            <a:spLocks noGrp="1"/>
+          </p:cNvSpPr>
+          <p:nvPr>
+            <p:ph type="body" sz="quarter" idx="1"/>
+          </p:nvPr>
+        </p:nvSpPr>
+        <p:spPr>
+          <a:xfrm>
+            <a:off x="685799" y="4343400"/>
+            <a:ext cx="5486040" cy="4114440"/>
+          </a:xfrm>
+        </p:spPr>
+        <p:txBody>
+          <a:bodyPr/>
+          <a:lstStyle/>
+          <a:p>
+            <a:pPr marL="457200" marR="0" lvl="1" indent="0" algn="l" defTabSz="914400" rtl="0" eaLnBrk="1" fontAlgn="auto" latinLnBrk="0" hangingPunct="1">
+              <a:lnSpc>
+                <a:spcPct val="100000"/>
+              </a:lnSpc>
+              <a:spcBef>
+                <a:spcPts val="0"/>
+              </a:spcBef>
+              <a:spcAft>
+                <a:spcPts val="0"/>
+              </a:spcAft>
+              <a:buClrTx/>
+              <a:buSzTx/>
+              <a:buFontTx/>
+              <a:buNone/>
+              <a:tabLst/>
+              <a:defRPr/>
+            </a:pPr>
+            <a:r>
+              <a:rPr lang="en-US" sz="2000" dirty="0" smtClean="0"/>
+              <a:t>What kind of problems during development with cloud</a:t>
+            </a:r>
+          </a:p>
+          <a:p>
+            <a:pPr lvl="1"/>
+            <a:r>
+              <a:rPr lang="en-US" sz="2000" dirty="0" smtClean="0"/>
+              <a:t>Web-based</a:t>
+            </a:r>
+            <a:r>
+              <a:rPr lang="en-US" sz="2000" baseline="0" dirty="0" smtClean="0"/>
+              <a:t> </a:t>
+            </a:r>
+            <a:r>
+              <a:rPr lang="en-US" sz="2000" baseline="0" dirty="0" err="1" smtClean="0"/>
+              <a:t>devel</a:t>
+            </a:r>
+            <a:r>
+              <a:rPr lang="en-US" sz="2000" baseline="0" dirty="0" smtClean="0"/>
+              <a:t>. </a:t>
+            </a:r>
+            <a:endParaRPr lang="en-US" sz="2000" dirty="0" smtClean="0"/>
+          </a:p>
+          <a:p>
+            <a:pPr lvl="1"/>
+            <a:endParaRPr lang="en-US" sz="2000" dirty="0" smtClean="0"/>
+          </a:p>
+          <a:p>
+            <a:pPr lvl="1"/>
+            <a:r>
+              <a:rPr lang="en-US" sz="2000" dirty="0" smtClean="0"/>
+              <a:t>Cloud9 </a:t>
+            </a:r>
+            <a:r>
+              <a:rPr lang="en-US" sz="2000" dirty="0" smtClean="0"/>
+              <a:t>plugins: mostly no documentation</a:t>
+            </a:r>
+            <a:br>
+              <a:rPr lang="en-US" sz="2000" dirty="0" smtClean="0"/>
+            </a:br>
+            <a:r>
+              <a:rPr lang="en-US" sz="2000" dirty="0" smtClean="0">
+                <a:sym typeface="Wingdings" pitchFamily="2" charset="2"/>
+              </a:rPr>
+              <a:t> </a:t>
+            </a:r>
+            <a:r>
+              <a:rPr lang="en-US" sz="2000" dirty="0" smtClean="0"/>
+              <a:t>difficult to understand interaction between them</a:t>
+            </a:r>
+          </a:p>
+          <a:p>
+            <a:pPr lvl="1"/>
+            <a:r>
+              <a:rPr lang="en-US" sz="2000" dirty="0" smtClean="0"/>
+              <a:t>APF: ui.ajax.org/#docs not helpful</a:t>
+            </a:r>
+          </a:p>
+          <a:p>
+            <a:pPr lvl="1"/>
+            <a:r>
+              <a:rPr lang="en-US" sz="2000" dirty="0" smtClean="0"/>
+              <a:t>Ace: ace.ajax.org/</a:t>
+            </a:r>
+            <a:r>
+              <a:rPr lang="en-US" sz="2000" dirty="0" err="1" smtClean="0"/>
+              <a:t>api</a:t>
+            </a:r>
+            <a:r>
+              <a:rPr lang="en-US" sz="2000" dirty="0" smtClean="0"/>
+              <a:t>/ wrong/outdated</a:t>
+            </a:r>
+          </a:p>
+          <a:p>
+            <a:endParaRPr lang="en-US" dirty="0"/>
+          </a:p>
+        </p:txBody>
+      </p:sp>
+    </p:spTree>
+  </p:cSld>
+  <p:clrMapOvr>
+    <a:masterClrMapping/>
+  </p:clrMapOvr>
+</p:notes>
+</file>
+
 <file path=ppt/slideLayouts/slideLayout1.xml><?xml version="1.0" encoding="utf-8"?>
 <p:sldLayout xmlns:a="http://schemas.openxmlformats.org/drawingml/2006/main" xmlns:r="http://schemas.openxmlformats.org/officeDocument/2006/relationships" xmlns:p="http://schemas.openxmlformats.org/presentationml/2006/main" showMasterSp="0" type="title" preserve="1">
   <p:cSld name="Title Slide">
@@ -1567,7 +2179,7 @@
           <a:p>
             <a:fld id="{483B2EB1-97C2-49F7-AADC-49C8FCF69781}" type="datetimeFigureOut">
               <a:rPr lang="en-GB" smtClean="0"/>
-              <a:t>20/06/2012</a:t>
+              <a:t>25/06/2012</a:t>
             </a:fld>
             <a:endParaRPr lang="en-GB"/>
           </a:p>
@@ -1736,7 +2348,7 @@
           <a:p>
             <a:fld id="{483B2EB1-97C2-49F7-AADC-49C8FCF69781}" type="datetimeFigureOut">
               <a:rPr lang="en-GB" smtClean="0"/>
-              <a:t>20/06/2012</a:t>
+              <a:t>25/06/2012</a:t>
             </a:fld>
             <a:endParaRPr lang="en-GB"/>
           </a:p>
@@ -1915,7 +2527,7 @@
           <a:p>
             <a:fld id="{483B2EB1-97C2-49F7-AADC-49C8FCF69781}" type="datetimeFigureOut">
               <a:rPr lang="en-GB" smtClean="0"/>
-              <a:t>20/06/2012</a:t>
+              <a:t>25/06/2012</a:t>
             </a:fld>
             <a:endParaRPr lang="en-GB"/>
           </a:p>
@@ -3804,7 +4416,7 @@
           <a:p>
             <a:fld id="{483B2EB1-97C2-49F7-AADC-49C8FCF69781}" type="datetimeFigureOut">
               <a:rPr lang="en-GB" smtClean="0"/>
-              <a:t>20/06/2012</a:t>
+              <a:t>25/06/2012</a:t>
             </a:fld>
             <a:endParaRPr lang="en-GB"/>
           </a:p>
@@ -4953,7 +5565,7 @@
           <a:p>
             <a:fld id="{483B2EB1-97C2-49F7-AADC-49C8FCF69781}" type="datetimeFigureOut">
               <a:rPr lang="en-GB" smtClean="0"/>
-              <a:t>20/06/2012</a:t>
+              <a:t>25/06/2012</a:t>
             </a:fld>
             <a:endParaRPr lang="en-GB"/>
           </a:p>
@@ -5240,7 +5852,7 @@
           <a:p>
             <a:fld id="{483B2EB1-97C2-49F7-AADC-49C8FCF69781}" type="datetimeFigureOut">
               <a:rPr lang="en-GB" smtClean="0"/>
-              <a:t>20/06/2012</a:t>
+              <a:t>25/06/2012</a:t>
             </a:fld>
             <a:endParaRPr lang="en-GB"/>
           </a:p>
@@ -5661,7 +6273,7 @@
           <a:p>
             <a:fld id="{483B2EB1-97C2-49F7-AADC-49C8FCF69781}" type="datetimeFigureOut">
               <a:rPr lang="en-GB" smtClean="0"/>
-              <a:t>20/06/2012</a:t>
+              <a:t>25/06/2012</a:t>
             </a:fld>
             <a:endParaRPr lang="en-GB"/>
           </a:p>
@@ -5778,7 +6390,7 @@
           <a:p>
             <a:fld id="{483B2EB1-97C2-49F7-AADC-49C8FCF69781}" type="datetimeFigureOut">
               <a:rPr lang="en-GB" smtClean="0"/>
-              <a:t>20/06/2012</a:t>
+              <a:t>25/06/2012</a:t>
             </a:fld>
             <a:endParaRPr lang="en-GB"/>
           </a:p>
@@ -5872,7 +6484,7 @@
           <a:p>
             <a:fld id="{483B2EB1-97C2-49F7-AADC-49C8FCF69781}" type="datetimeFigureOut">
               <a:rPr lang="en-GB" smtClean="0"/>
-              <a:t>20/06/2012</a:t>
+              <a:t>25/06/2012</a:t>
             </a:fld>
             <a:endParaRPr lang="en-GB"/>
           </a:p>
@@ -6149,7 +6761,7 @@
           <a:p>
             <a:fld id="{483B2EB1-97C2-49F7-AADC-49C8FCF69781}" type="datetimeFigureOut">
               <a:rPr lang="en-GB" smtClean="0"/>
-              <a:t>20/06/2012</a:t>
+              <a:t>25/06/2012</a:t>
             </a:fld>
             <a:endParaRPr lang="en-GB"/>
           </a:p>
@@ -6401,7 +7013,7 @@
           <a:p>
             <a:fld id="{483B2EB1-97C2-49F7-AADC-49C8FCF69781}" type="datetimeFigureOut">
               <a:rPr lang="en-GB" smtClean="0"/>
-              <a:t>20/06/2012</a:t>
+              <a:t>25/06/2012</a:t>
             </a:fld>
             <a:endParaRPr lang="en-GB"/>
           </a:p>
@@ -6622,7 +7234,7 @@
           <a:p>
             <a:fld id="{483B2EB1-97C2-49F7-AADC-49C8FCF69781}" type="datetimeFigureOut">
               <a:rPr lang="en-GB" smtClean="0"/>
-              <a:t>20/06/2012</a:t>
+              <a:t>25/06/2012</a:t>
             </a:fld>
             <a:endParaRPr lang="en-GB"/>
           </a:p>
@@ -7241,7 +7853,7 @@
           <a:graphicData uri="http://schemas.openxmlformats.org/presentationml/2006/ole">
             <mc:AlternateContent xmlns:mc="http://schemas.openxmlformats.org/markup-compatibility/2006">
               <mc:Choice xmlns:v="urn:schemas-microsoft-com:vml" Requires="v">
-                <p:oleObj spid="_x0000_s2100" r:id="rId15" imgW="3221337" imgH="1845301" progId="">
+                <p:oleObj spid="_x0000_s2121" r:id="rId15" imgW="3221337" imgH="1845301" progId="">
                   <p:embed/>
                 </p:oleObj>
               </mc:Choice>
@@ -7684,8 +8296,8 @@
 </p:sld>
 </file>
 
-<file path=ppt/slides/slide2.xml><?xml version="1.0" encoding="utf-8"?>
-<p:sld xmlns:a="http://schemas.openxmlformats.org/drawingml/2006/main" xmlns:r="http://schemas.openxmlformats.org/officeDocument/2006/relationships" xmlns:p="http://schemas.openxmlformats.org/presentationml/2006/main" showMasterSp="0" show="0">
+<file path=ppt/slides/slide10.xml><?xml version="1.0" encoding="utf-8"?>
+<p:sld xmlns:a="http://schemas.openxmlformats.org/drawingml/2006/main" xmlns:r="http://schemas.openxmlformats.org/officeDocument/2006/relationships" xmlns:p="http://schemas.openxmlformats.org/presentationml/2006/main">
   <p:cSld>
     <p:spTree>
       <p:nvGrpSpPr>
@@ -7703,168 +8315,6 @@
       </p:grpSpPr>
       <p:sp>
         <p:nvSpPr>
-          <p:cNvPr id="4" name="Date Placeholder 1"/>
-          <p:cNvSpPr>
-            <a:spLocks noGrp="1"/>
-          </p:cNvSpPr>
-          <p:nvPr>
-            <p:ph type="dt" sz="half" idx="10"/>
-          </p:nvPr>
-        </p:nvSpPr>
-        <p:spPr/>
-        <p:txBody>
-          <a:bodyPr/>
-          <a:lstStyle/>
-          <a:p>
-            <a:pPr lvl="0"/>
-            <a:r>
-              <a:rPr lang="en-US" dirty="0" smtClean="0"/>
-              <a:t>15.05.2012</a:t>
-            </a:r>
-            <a:endParaRPr lang="en-US" dirty="0"/>
-          </a:p>
-        </p:txBody>
-      </p:sp>
-      <p:sp>
-        <p:nvSpPr>
-          <p:cNvPr id="5" name="Footer Placeholder 2"/>
-          <p:cNvSpPr>
-            <a:spLocks noGrp="1"/>
-          </p:cNvSpPr>
-          <p:nvPr>
-            <p:ph type="ftr" sz="quarter" idx="11"/>
-          </p:nvPr>
-        </p:nvSpPr>
-        <p:spPr>
-          <a:xfrm>
-            <a:off x="1277280" y="6583679"/>
-            <a:ext cx="5526968" cy="274320"/>
-          </a:xfrm>
-        </p:spPr>
-        <p:txBody>
-          <a:bodyPr/>
-          <a:lstStyle/>
-          <a:p>
-            <a:pPr lvl="0"/>
-            <a:r>
-              <a:rPr lang="en-US" dirty="0" smtClean="0"/>
-              <a:t>| </a:t>
-            </a:r>
-            <a:r>
-              <a:rPr lang="en-US" dirty="0" err="1" smtClean="0"/>
-              <a:t>Kahl</a:t>
-            </a:r>
-            <a:r>
-              <a:rPr lang="en-US" dirty="0" smtClean="0"/>
-              <a:t>, </a:t>
-            </a:r>
-            <a:r>
-              <a:rPr lang="en-US" dirty="0" err="1" smtClean="0"/>
-              <a:t>Platz</a:t>
-            </a:r>
-            <a:r>
-              <a:rPr lang="en-US" dirty="0" smtClean="0"/>
-              <a:t>, </a:t>
-            </a:r>
-            <a:r>
-              <a:rPr lang="en-US" dirty="0" err="1" smtClean="0"/>
-              <a:t>Schilf</a:t>
-            </a:r>
-            <a:r>
-              <a:rPr lang="en-US" dirty="0" smtClean="0"/>
-              <a:t> | Web-</a:t>
-            </a:r>
-            <a:r>
-              <a:rPr lang="en-US" dirty="0" err="1" smtClean="0"/>
-              <a:t>dev</a:t>
-            </a:r>
-            <a:r>
-              <a:rPr lang="en-US" dirty="0" smtClean="0"/>
-              <a:t> SS 2012</a:t>
-            </a:r>
-            <a:endParaRPr lang="en-US" dirty="0"/>
-          </a:p>
-        </p:txBody>
-      </p:sp>
-      <p:sp>
-        <p:nvSpPr>
-          <p:cNvPr id="2" name="Title 1"/>
-          <p:cNvSpPr txBox="1">
-            <a:spLocks noGrp="1"/>
-          </p:cNvSpPr>
-          <p:nvPr>
-            <p:ph type="title" idx="4294967295"/>
-          </p:nvPr>
-        </p:nvSpPr>
-        <p:spPr/>
-        <p:txBody>
-          <a:bodyPr/>
-          <a:lstStyle>
-            <a:defPPr lvl="0">
-              <a:buSzPct val="45000"/>
-              <a:buFont typeface="StarSymbol"/>
-              <a:buNone/>
-            </a:defPPr>
-            <a:lvl1pPr lvl="0">
-              <a:buSzPct val="45000"/>
-              <a:buFont typeface="StarSymbol"/>
-              <a:buChar char="●"/>
-            </a:lvl1pPr>
-            <a:lvl2pPr lvl="1">
-              <a:buSzPct val="45000"/>
-              <a:buFont typeface="StarSymbol"/>
-              <a:buChar char="●"/>
-            </a:lvl2pPr>
-            <a:lvl3pPr lvl="2">
-              <a:buSzPct val="45000"/>
-              <a:buFont typeface="StarSymbol"/>
-              <a:buChar char="●"/>
-            </a:lvl3pPr>
-            <a:lvl4pPr lvl="3">
-              <a:buSzPct val="45000"/>
-              <a:buFont typeface="StarSymbol"/>
-              <a:buChar char="●"/>
-            </a:lvl4pPr>
-            <a:lvl5pPr lvl="4">
-              <a:buSzPct val="45000"/>
-              <a:buFont typeface="StarSymbol"/>
-              <a:buChar char="●"/>
-            </a:lvl5pPr>
-            <a:lvl6pPr lvl="5">
-              <a:buSzPct val="45000"/>
-              <a:buFont typeface="StarSymbol"/>
-              <a:buChar char="●"/>
-            </a:lvl6pPr>
-            <a:lvl7pPr lvl="6">
-              <a:buSzPct val="45000"/>
-              <a:buFont typeface="StarSymbol"/>
-              <a:buChar char="●"/>
-            </a:lvl7pPr>
-            <a:lvl8pPr lvl="7">
-              <a:buSzPct val="45000"/>
-              <a:buFont typeface="StarSymbol"/>
-              <a:buChar char="●"/>
-            </a:lvl8pPr>
-            <a:lvl9pPr lvl="8">
-              <a:buSzPct val="45000"/>
-              <a:buFont typeface="StarSymbol"/>
-              <a:buChar char="●"/>
-            </a:lvl9pPr>
-          </a:lstStyle>
-          <a:p>
-            <a:pPr>
-              <a:buNone/>
-            </a:pPr>
-            <a:r>
-              <a:rPr lang="en-US" dirty="0" smtClean="0"/>
-              <a:t>Pros and Cons</a:t>
-            </a:r>
-            <a:endParaRPr lang="en-US" dirty="0"/>
-          </a:p>
-        </p:txBody>
-      </p:sp>
-      <p:sp>
-        <p:nvSpPr>
           <p:cNvPr id="3" name="Text Placeholder 2"/>
           <p:cNvSpPr txBox="1">
             <a:spLocks noGrp="1"/>
@@ -7875,8 +8325,8 @@
         </p:nvSpPr>
         <p:spPr>
           <a:xfrm>
-            <a:off x="457200" y="1484784"/>
-            <a:ext cx="3610744" cy="4032448"/>
+            <a:off x="457200" y="1077840"/>
+            <a:ext cx="8291264" cy="5303488"/>
           </a:xfrm>
         </p:spPr>
         <p:txBody>
@@ -8074,52 +8524,183 @@
             </a:lvl9pPr>
           </a:lstStyle>
           <a:p>
-            <a:r>
-              <a:rPr lang="en-US" sz="2800" dirty="0" smtClean="0"/>
-              <a:t>Access IDE online</a:t>
-            </a:r>
-          </a:p>
-          <a:p>
-            <a:r>
-              <a:rPr lang="en-US" sz="2800" dirty="0" smtClean="0"/>
-              <a:t>Drag &amp; Drop</a:t>
-            </a:r>
-          </a:p>
-          <a:p>
-            <a:r>
-              <a:rPr lang="en-US" sz="2800" dirty="0" err="1" smtClean="0"/>
-              <a:t>Github</a:t>
-            </a:r>
-            <a:r>
-              <a:rPr lang="en-US" sz="2800" dirty="0" smtClean="0"/>
-              <a:t> / </a:t>
-            </a:r>
-            <a:r>
-              <a:rPr lang="en-US" sz="2800" dirty="0" err="1" smtClean="0"/>
-              <a:t>Bitbucket</a:t>
-            </a:r>
-            <a:r>
-              <a:rPr lang="en-US" sz="2800" dirty="0" smtClean="0"/>
-              <a:t> integration</a:t>
-            </a:r>
-          </a:p>
-          <a:p>
-            <a:r>
-              <a:rPr lang="en-US" sz="2800" dirty="0" smtClean="0"/>
-              <a:t>Syntax highlighting for many languages</a:t>
-            </a:r>
-          </a:p>
-          <a:p>
-            <a:endParaRPr lang="en-US" sz="2400" dirty="0" smtClean="0"/>
-          </a:p>
-          <a:p>
-            <a:endParaRPr lang="en-US" sz="2400" dirty="0" smtClean="0"/>
-          </a:p>
-        </p:txBody>
-      </p:sp>
-      <p:sp>
-        <p:nvSpPr>
-          <p:cNvPr id="8" name="Text Placeholder 2"/>
+            <a:endParaRPr lang="en-US" sz="2800" dirty="0" smtClean="0"/>
+          </a:p>
+          <a:p>
+            <a:endParaRPr lang="en-US" sz="2800" dirty="0"/>
+          </a:p>
+        </p:txBody>
+      </p:sp>
+      <p:sp>
+        <p:nvSpPr>
+          <p:cNvPr id="2" name="Title 1"/>
+          <p:cNvSpPr txBox="1">
+            <a:spLocks noGrp="1"/>
+          </p:cNvSpPr>
+          <p:nvPr>
+            <p:ph type="title" idx="4294967295"/>
+          </p:nvPr>
+        </p:nvSpPr>
+        <p:spPr/>
+        <p:txBody>
+          <a:bodyPr/>
+          <a:lstStyle>
+            <a:defPPr lvl="0">
+              <a:buSzPct val="45000"/>
+              <a:buFont typeface="StarSymbol"/>
+              <a:buNone/>
+            </a:defPPr>
+            <a:lvl1pPr lvl="0">
+              <a:buSzPct val="45000"/>
+              <a:buFont typeface="StarSymbol"/>
+              <a:buChar char="●"/>
+            </a:lvl1pPr>
+            <a:lvl2pPr lvl="1">
+              <a:buSzPct val="45000"/>
+              <a:buFont typeface="StarSymbol"/>
+              <a:buChar char="●"/>
+            </a:lvl2pPr>
+            <a:lvl3pPr lvl="2">
+              <a:buSzPct val="45000"/>
+              <a:buFont typeface="StarSymbol"/>
+              <a:buChar char="●"/>
+            </a:lvl3pPr>
+            <a:lvl4pPr lvl="3">
+              <a:buSzPct val="45000"/>
+              <a:buFont typeface="StarSymbol"/>
+              <a:buChar char="●"/>
+            </a:lvl4pPr>
+            <a:lvl5pPr lvl="4">
+              <a:buSzPct val="45000"/>
+              <a:buFont typeface="StarSymbol"/>
+              <a:buChar char="●"/>
+            </a:lvl5pPr>
+            <a:lvl6pPr lvl="5">
+              <a:buSzPct val="45000"/>
+              <a:buFont typeface="StarSymbol"/>
+              <a:buChar char="●"/>
+            </a:lvl6pPr>
+            <a:lvl7pPr lvl="6">
+              <a:buSzPct val="45000"/>
+              <a:buFont typeface="StarSymbol"/>
+              <a:buChar char="●"/>
+            </a:lvl7pPr>
+            <a:lvl8pPr lvl="7">
+              <a:buSzPct val="45000"/>
+              <a:buFont typeface="StarSymbol"/>
+              <a:buChar char="●"/>
+            </a:lvl8pPr>
+            <a:lvl9pPr lvl="8">
+              <a:buSzPct val="45000"/>
+              <a:buFont typeface="StarSymbol"/>
+              <a:buChar char="●"/>
+            </a:lvl9pPr>
+          </a:lstStyle>
+          <a:p>
+            <a:pPr>
+              <a:buNone/>
+            </a:pPr>
+            <a:r>
+              <a:rPr lang="en-US" dirty="0" smtClean="0"/>
+              <a:t>What we have done</a:t>
+            </a:r>
+            <a:endParaRPr lang="en-US" dirty="0"/>
+          </a:p>
+        </p:txBody>
+      </p:sp>
+      <p:sp>
+        <p:nvSpPr>
+          <p:cNvPr id="13" name="Date Placeholder 1"/>
+          <p:cNvSpPr>
+            <a:spLocks noGrp="1"/>
+          </p:cNvSpPr>
+          <p:nvPr>
+            <p:ph type="dt" sz="half" idx="10"/>
+          </p:nvPr>
+        </p:nvSpPr>
+        <p:spPr>
+          <a:xfrm>
+            <a:off x="0" y="6583679"/>
+            <a:ext cx="1097280" cy="274320"/>
+          </a:xfrm>
+        </p:spPr>
+        <p:txBody>
+          <a:bodyPr/>
+          <a:lstStyle/>
+          <a:p>
+            <a:pPr lvl="0"/>
+            <a:r>
+              <a:rPr lang="en-US" dirty="0" smtClean="0"/>
+              <a:t>15.05.2012</a:t>
+            </a:r>
+            <a:endParaRPr lang="en-US" dirty="0"/>
+          </a:p>
+        </p:txBody>
+      </p:sp>
+      <p:sp>
+        <p:nvSpPr>
+          <p:cNvPr id="14" name="Footer Placeholder 2"/>
+          <p:cNvSpPr>
+            <a:spLocks noGrp="1"/>
+          </p:cNvSpPr>
+          <p:nvPr>
+            <p:ph type="ftr" sz="quarter" idx="11"/>
+          </p:nvPr>
+        </p:nvSpPr>
+        <p:spPr>
+          <a:xfrm>
+            <a:off x="1277280" y="6583679"/>
+            <a:ext cx="5526968" cy="274320"/>
+          </a:xfrm>
+        </p:spPr>
+        <p:txBody>
+          <a:bodyPr/>
+          <a:lstStyle/>
+          <a:p>
+            <a:pPr lvl="0"/>
+            <a:r>
+              <a:rPr lang="en-US" dirty="0" smtClean="0"/>
+              <a:t>| </a:t>
+            </a:r>
+            <a:r>
+              <a:rPr lang="en-US" dirty="0" err="1" smtClean="0"/>
+              <a:t>Kahl</a:t>
+            </a:r>
+            <a:r>
+              <a:rPr lang="en-US" dirty="0" smtClean="0"/>
+              <a:t>, </a:t>
+            </a:r>
+            <a:r>
+              <a:rPr lang="en-US" dirty="0" err="1" smtClean="0"/>
+              <a:t>Platz</a:t>
+            </a:r>
+            <a:r>
+              <a:rPr lang="en-US" dirty="0" smtClean="0"/>
+              <a:t>, </a:t>
+            </a:r>
+            <a:r>
+              <a:rPr lang="en-US" dirty="0" err="1" smtClean="0"/>
+              <a:t>Schilf</a:t>
+            </a:r>
+            <a:r>
+              <a:rPr lang="en-US" dirty="0" smtClean="0"/>
+              <a:t> | Web-</a:t>
+            </a:r>
+            <a:r>
+              <a:rPr lang="en-US" dirty="0" err="1" smtClean="0"/>
+              <a:t>dev</a:t>
+            </a:r>
+            <a:r>
+              <a:rPr lang="en-US" dirty="0" smtClean="0"/>
+              <a:t> SS 2012</a:t>
+            </a:r>
+            <a:endParaRPr lang="en-US" dirty="0"/>
+          </a:p>
+        </p:txBody>
+      </p:sp>
+      <p:sp>
+        <p:nvSpPr>
+          <p:cNvPr id="10" name="Text Placeholder 2"/>
           <p:cNvSpPr txBox="1">
             <a:spLocks/>
           </p:cNvSpPr>
@@ -8127,8 +8708,8 @@
         </p:nvSpPr>
         <p:spPr>
           <a:xfrm>
-            <a:off x="4561656" y="1484784"/>
-            <a:ext cx="3898776" cy="4032448"/>
+            <a:off x="323528" y="1230240"/>
+            <a:ext cx="8640960" cy="5303488"/>
           </a:xfrm>
           <a:prstGeom prst="rect">
             <a:avLst/>
@@ -8335,130 +8916,2724 @@
           </a:lstStyle>
           <a:p>
             <a:r>
-              <a:rPr lang="de-DE" sz="2800" dirty="0" err="1" smtClean="0"/>
-              <a:t>simplistic</a:t>
-            </a:r>
-            <a:r>
-              <a:rPr lang="de-DE" sz="2800" dirty="0" smtClean="0"/>
+              <a:rPr lang="en-US" sz="2800" dirty="0" smtClean="0"/>
+              <a:t>Client-side Front-end </a:t>
+            </a:r>
+            <a:endParaRPr lang="en-US" sz="2800" dirty="0"/>
+          </a:p>
+          <a:p>
+            <a:pPr lvl="1"/>
+            <a:r>
+              <a:rPr lang="en-US" sz="2400" dirty="0" err="1" smtClean="0"/>
+              <a:t>apf</a:t>
+            </a:r>
+            <a:r>
+              <a:rPr lang="en-US" sz="2400" dirty="0" smtClean="0"/>
               <a:t> </a:t>
             </a:r>
             <a:r>
-              <a:rPr lang="de-DE" sz="2800" dirty="0" err="1" smtClean="0"/>
-              <a:t>editor</a:t>
-            </a:r>
-            <a:endParaRPr lang="de-DE" sz="2800" dirty="0" smtClean="0"/>
+              <a:rPr lang="en-US" sz="2400" dirty="0" smtClean="0">
+                <a:sym typeface="Wingdings" pitchFamily="2" charset="2"/>
+              </a:rPr>
+              <a:t> usage of </a:t>
+            </a:r>
+            <a:r>
+              <a:rPr lang="en-US" sz="2400" dirty="0" err="1" smtClean="0">
+                <a:sym typeface="Wingdings" pitchFamily="2" charset="2"/>
+              </a:rPr>
+              <a:t>aml</a:t>
+            </a:r>
+            <a:endParaRPr lang="en-US" sz="2400" dirty="0">
+              <a:sym typeface="Wingdings" pitchFamily="2" charset="2"/>
+            </a:endParaRPr>
           </a:p>
           <a:p>
             <a:pPr lvl="1"/>
-            <a:r>
-              <a:rPr lang="de-DE" sz="2400" dirty="0" err="1" smtClean="0"/>
-              <a:t>lexical</a:t>
-            </a:r>
-            <a:r>
-              <a:rPr lang="de-DE" sz="2400" dirty="0" smtClean="0"/>
-              <a:t> </a:t>
-            </a:r>
-            <a:r>
-              <a:rPr lang="de-DE" sz="2400" dirty="0" err="1" smtClean="0"/>
-              <a:t>autocompletion</a:t>
-            </a:r>
-            <a:endParaRPr lang="de-DE" sz="2400" dirty="0"/>
-          </a:p>
-          <a:p>
-            <a:r>
-              <a:rPr lang="de-DE" sz="2800" dirty="0" err="1" smtClean="0"/>
-              <a:t>Git</a:t>
-            </a:r>
-            <a:r>
-              <a:rPr lang="de-DE" sz="2800" dirty="0" smtClean="0"/>
-              <a:t> </a:t>
-            </a:r>
-            <a:r>
-              <a:rPr lang="de-DE" sz="2800" dirty="0" err="1" smtClean="0"/>
-              <a:t>integration</a:t>
-            </a:r>
-            <a:r>
-              <a:rPr lang="de-DE" sz="2800" dirty="0" smtClean="0"/>
-              <a:t> </a:t>
-            </a:r>
-            <a:r>
-              <a:rPr lang="de-DE" sz="2800" dirty="0" err="1" smtClean="0"/>
-              <a:t>insufficient</a:t>
-            </a:r>
-            <a:endParaRPr lang="de-DE" sz="2800" dirty="0" smtClean="0"/>
-          </a:p>
-          <a:p>
-            <a:r>
-              <a:rPr lang="de-DE" sz="2800" dirty="0" err="1" smtClean="0"/>
-              <a:t>Console</a:t>
-            </a:r>
-            <a:r>
-              <a:rPr lang="de-DE" sz="2800" dirty="0" smtClean="0"/>
-              <a:t> </a:t>
-            </a:r>
-            <a:r>
-              <a:rPr lang="de-DE" sz="2800" dirty="0" err="1" smtClean="0"/>
-              <a:t>is</a:t>
-            </a:r>
-            <a:r>
-              <a:rPr lang="de-DE" sz="2800" dirty="0" smtClean="0"/>
-              <a:t> </a:t>
-            </a:r>
-            <a:r>
-              <a:rPr lang="de-DE" sz="2800" dirty="0" err="1" smtClean="0"/>
-              <a:t>main</a:t>
-            </a:r>
-            <a:r>
-              <a:rPr lang="de-DE" sz="2800" dirty="0" smtClean="0"/>
-              <a:t> </a:t>
-            </a:r>
-            <a:r>
-              <a:rPr lang="de-DE" sz="2800" dirty="0" err="1" smtClean="0"/>
-              <a:t>tool</a:t>
-            </a:r>
-            <a:endParaRPr lang="de-DE" sz="2800" dirty="0" smtClean="0"/>
+            <a:endParaRPr lang="en-US" sz="2400" dirty="0" smtClean="0">
+              <a:sym typeface="Wingdings" pitchFamily="2" charset="2"/>
+            </a:endParaRPr>
           </a:p>
           <a:p>
             <a:pPr lvl="1"/>
-            <a:r>
-              <a:rPr lang="de-DE" sz="2400" dirty="0" err="1" smtClean="0"/>
-              <a:t>Rough</a:t>
-            </a:r>
-            <a:r>
-              <a:rPr lang="de-DE" sz="2400" dirty="0" smtClean="0"/>
-              <a:t> </a:t>
-            </a:r>
-            <a:r>
-              <a:rPr lang="de-DE" sz="2400" dirty="0" err="1" smtClean="0"/>
-              <a:t>edges</a:t>
-            </a:r>
-            <a:endParaRPr lang="de-DE" sz="2400" dirty="0" smtClean="0"/>
-          </a:p>
-        </p:txBody>
-      </p:sp>
+            <a:endParaRPr lang="en-US" sz="2400" dirty="0">
+              <a:sym typeface="Wingdings" pitchFamily="2" charset="2"/>
+            </a:endParaRPr>
+          </a:p>
+          <a:p>
+            <a:pPr lvl="1"/>
+            <a:endParaRPr lang="en-US" sz="2400" dirty="0" smtClean="0">
+              <a:sym typeface="Wingdings" pitchFamily="2" charset="2"/>
+            </a:endParaRPr>
+          </a:p>
+          <a:p>
+            <a:pPr lvl="1"/>
+            <a:endParaRPr lang="en-US" sz="2400" dirty="0">
+              <a:sym typeface="Wingdings" pitchFamily="2" charset="2"/>
+            </a:endParaRPr>
+          </a:p>
+          <a:p>
+            <a:pPr lvl="1"/>
+            <a:r>
+              <a:rPr lang="en-US" sz="2400" dirty="0" smtClean="0"/>
+              <a:t>ace </a:t>
+            </a:r>
+            <a:r>
+              <a:rPr lang="en-US" sz="2400" dirty="0" smtClean="0">
+                <a:sym typeface="Wingdings" pitchFamily="2" charset="2"/>
+              </a:rPr>
+              <a:t> </a:t>
+            </a:r>
+            <a:endParaRPr lang="en-US" sz="2400" dirty="0" smtClean="0"/>
+          </a:p>
+          <a:p>
+            <a:endParaRPr lang="en-US" sz="2800" dirty="0"/>
+          </a:p>
+        </p:txBody>
+      </p:sp>
+    </p:spTree>
+    <p:extLst>
+      <p:ext uri="{BB962C8B-B14F-4D97-AF65-F5344CB8AC3E}">
+        <p14:creationId xmlns:p14="http://schemas.microsoft.com/office/powerpoint/2010/main" val="4192616994"/>
+      </p:ext>
+    </p:extLst>
+  </p:cSld>
+  <p:clrMapOvr>
+    <a:masterClrMapping/>
+  </p:clrMapOvr>
+  <mc:AlternateContent xmlns:mc="http://schemas.openxmlformats.org/markup-compatibility/2006" xmlns:p14="http://schemas.microsoft.com/office/powerpoint/2010/main">
+    <mc:Choice Requires="p14">
+      <p:transition spd="slow" p14:dur="2000"/>
+    </mc:Choice>
+    <mc:Fallback xmlns="">
+      <p:transition spd="slow"/>
+    </mc:Fallback>
+  </mc:AlternateContent>
+  <p:timing>
+    <p:tnLst>
+      <p:par>
+        <p:cTn id="1" dur="indefinite" restart="never" nodeType="tmRoot"/>
+      </p:par>
+    </p:tnLst>
+  </p:timing>
+</p:sld>
+</file>
+
+<file path=ppt/slides/slide11.xml><?xml version="1.0" encoding="utf-8"?>
+<p:sld xmlns:a="http://schemas.openxmlformats.org/drawingml/2006/main" xmlns:r="http://schemas.openxmlformats.org/officeDocument/2006/relationships" xmlns:p="http://schemas.openxmlformats.org/presentationml/2006/main">
+  <p:cSld>
+    <p:spTree>
+      <p:nvGrpSpPr>
+        <p:cNvPr id="1" name=""/>
+        <p:cNvGrpSpPr/>
+        <p:nvPr/>
+      </p:nvGrpSpPr>
+      <p:grpSpPr>
+        <a:xfrm>
+          <a:off x="0" y="0"/>
+          <a:ext cx="0" cy="0"/>
+          <a:chOff x="0" y="0"/>
+          <a:chExt cx="0" cy="0"/>
+        </a:xfrm>
+      </p:grpSpPr>
+      <p:sp>
+        <p:nvSpPr>
+          <p:cNvPr id="3" name="Text Placeholder 2"/>
+          <p:cNvSpPr txBox="1">
+            <a:spLocks noGrp="1"/>
+          </p:cNvSpPr>
+          <p:nvPr>
+            <p:ph type="body" idx="4294967295"/>
+          </p:nvPr>
+        </p:nvSpPr>
+        <p:spPr>
+          <a:xfrm>
+            <a:off x="457200" y="1077840"/>
+            <a:ext cx="8291264" cy="5303488"/>
+          </a:xfrm>
+        </p:spPr>
+        <p:txBody>
+          <a:bodyPr/>
+          <a:lstStyle>
+            <a:defPPr marL="432000" lvl="0" indent="-324000">
+              <a:spcBef>
+                <a:spcPts val="0"/>
+              </a:spcBef>
+              <a:spcAft>
+                <a:spcPts val="1417"/>
+              </a:spcAft>
+              <a:buSzPct val="45000"/>
+              <a:buFont typeface="StarSymbol"/>
+              <a:buNone/>
+              <a:defRPr lang="en-US" sz="3200" b="0" i="0" u="none" strike="noStrike" kern="1200">
+                <a:ln>
+                  <a:noFill/>
+                </a:ln>
+                <a:latin typeface="Arial" pitchFamily="18"/>
+                <a:ea typeface="Droid Sans" pitchFamily="2"/>
+                <a:cs typeface="Lohit Hindi" pitchFamily="2"/>
+              </a:defRPr>
+            </a:defPPr>
+            <a:lvl1pPr marL="432000" lvl="0" indent="-324000">
+              <a:spcBef>
+                <a:spcPts val="0"/>
+              </a:spcBef>
+              <a:spcAft>
+                <a:spcPts val="1417"/>
+              </a:spcAft>
+              <a:buSzPct val="45000"/>
+              <a:buFont typeface="StarSymbol"/>
+              <a:buChar char="●"/>
+              <a:defRPr lang="en-US" sz="3200" b="0" i="0" u="none" strike="noStrike" kern="1200">
+                <a:ln>
+                  <a:noFill/>
+                </a:ln>
+                <a:latin typeface="Arial" pitchFamily="18"/>
+                <a:ea typeface="Droid Sans" pitchFamily="2"/>
+                <a:cs typeface="Lohit Hindi" pitchFamily="2"/>
+              </a:defRPr>
+            </a:lvl1pPr>
+            <a:lvl2pPr marL="864000" lvl="1" indent="-324000">
+              <a:spcBef>
+                <a:spcPts val="0"/>
+              </a:spcBef>
+              <a:spcAft>
+                <a:spcPts val="1134"/>
+              </a:spcAft>
+              <a:buSzPct val="75000"/>
+              <a:buFont typeface="StarSymbol"/>
+              <a:buChar char="–"/>
+              <a:defRPr lang="en-US" sz="2800" b="0" i="0" u="none" strike="noStrike" kern="1200">
+                <a:ln>
+                  <a:noFill/>
+                </a:ln>
+                <a:latin typeface="Arial" pitchFamily="18"/>
+                <a:ea typeface="Droid Sans" pitchFamily="2"/>
+                <a:cs typeface="Lohit Hindi" pitchFamily="2"/>
+              </a:defRPr>
+            </a:lvl2pPr>
+            <a:lvl3pPr marL="1295999" lvl="2" indent="-288000">
+              <a:spcBef>
+                <a:spcPts val="0"/>
+              </a:spcBef>
+              <a:spcAft>
+                <a:spcPts val="850"/>
+              </a:spcAft>
+              <a:buSzPct val="45000"/>
+              <a:buFont typeface="StarSymbol"/>
+              <a:buChar char="●"/>
+              <a:defRPr lang="en-US" sz="2400" b="0" i="0" u="none" strike="noStrike" kern="1200">
+                <a:ln>
+                  <a:noFill/>
+                </a:ln>
+                <a:latin typeface="Arial" pitchFamily="18"/>
+                <a:ea typeface="Droid Sans" pitchFamily="2"/>
+                <a:cs typeface="Lohit Hindi" pitchFamily="2"/>
+              </a:defRPr>
+            </a:lvl3pPr>
+            <a:lvl4pPr marL="1728000" lvl="3" indent="-216000">
+              <a:spcBef>
+                <a:spcPts val="0"/>
+              </a:spcBef>
+              <a:spcAft>
+                <a:spcPts val="567"/>
+              </a:spcAft>
+              <a:buSzPct val="75000"/>
+              <a:buFont typeface="StarSymbol"/>
+              <a:buChar char="–"/>
+              <a:defRPr lang="en-US" sz="2000" b="0" i="0" u="none" strike="noStrike" kern="1200">
+                <a:ln>
+                  <a:noFill/>
+                </a:ln>
+                <a:latin typeface="Arial" pitchFamily="18"/>
+                <a:ea typeface="Droid Sans" pitchFamily="2"/>
+                <a:cs typeface="Lohit Hindi" pitchFamily="2"/>
+              </a:defRPr>
+            </a:lvl4pPr>
+            <a:lvl5pPr marL="2160000" lvl="4" indent="-216000">
+              <a:spcBef>
+                <a:spcPts val="0"/>
+              </a:spcBef>
+              <a:spcAft>
+                <a:spcPts val="283"/>
+              </a:spcAft>
+              <a:buSzPct val="45000"/>
+              <a:buFont typeface="StarSymbol"/>
+              <a:buChar char="●"/>
+              <a:defRPr lang="en-US" sz="2000" b="0" i="0" u="none" strike="noStrike" kern="1200">
+                <a:ln>
+                  <a:noFill/>
+                </a:ln>
+                <a:latin typeface="Arial" pitchFamily="18"/>
+                <a:ea typeface="Droid Sans" pitchFamily="2"/>
+                <a:cs typeface="Lohit Hindi" pitchFamily="2"/>
+              </a:defRPr>
+            </a:lvl5pPr>
+            <a:lvl6pPr marL="2592000" lvl="5" indent="-216000">
+              <a:spcBef>
+                <a:spcPts val="0"/>
+              </a:spcBef>
+              <a:spcAft>
+                <a:spcPts val="283"/>
+              </a:spcAft>
+              <a:buSzPct val="45000"/>
+              <a:buFont typeface="StarSymbol"/>
+              <a:buChar char="●"/>
+              <a:defRPr lang="en-US" sz="2000" b="0" i="0" u="none" strike="noStrike" kern="1200">
+                <a:ln>
+                  <a:noFill/>
+                </a:ln>
+                <a:latin typeface="Arial" pitchFamily="18"/>
+                <a:ea typeface="Droid Sans" pitchFamily="2"/>
+                <a:cs typeface="Lohit Hindi" pitchFamily="2"/>
+              </a:defRPr>
+            </a:lvl6pPr>
+            <a:lvl7pPr marL="3024000" lvl="6" indent="-216000">
+              <a:spcBef>
+                <a:spcPts val="0"/>
+              </a:spcBef>
+              <a:spcAft>
+                <a:spcPts val="283"/>
+              </a:spcAft>
+              <a:buSzPct val="45000"/>
+              <a:buFont typeface="StarSymbol"/>
+              <a:buChar char="●"/>
+              <a:defRPr lang="en-US" sz="2000" b="0" i="0" u="none" strike="noStrike" kern="1200">
+                <a:ln>
+                  <a:noFill/>
+                </a:ln>
+                <a:latin typeface="Arial" pitchFamily="18"/>
+                <a:ea typeface="Droid Sans" pitchFamily="2"/>
+                <a:cs typeface="Lohit Hindi" pitchFamily="2"/>
+              </a:defRPr>
+            </a:lvl7pPr>
+            <a:lvl8pPr marL="3456000" lvl="7" indent="-216000">
+              <a:spcBef>
+                <a:spcPts val="0"/>
+              </a:spcBef>
+              <a:spcAft>
+                <a:spcPts val="283"/>
+              </a:spcAft>
+              <a:buSzPct val="45000"/>
+              <a:buFont typeface="StarSymbol"/>
+              <a:buChar char="●"/>
+              <a:defRPr lang="en-US" sz="2000" b="0" i="0" u="none" strike="noStrike" kern="1200">
+                <a:ln>
+                  <a:noFill/>
+                </a:ln>
+                <a:latin typeface="Arial" pitchFamily="18"/>
+                <a:ea typeface="Droid Sans" pitchFamily="2"/>
+                <a:cs typeface="Lohit Hindi" pitchFamily="2"/>
+              </a:defRPr>
+            </a:lvl8pPr>
+            <a:lvl9pPr marL="3887999" lvl="8" indent="-216000">
+              <a:spcBef>
+                <a:spcPts val="0"/>
+              </a:spcBef>
+              <a:spcAft>
+                <a:spcPts val="283"/>
+              </a:spcAft>
+              <a:buSzPct val="45000"/>
+              <a:buFont typeface="StarSymbol"/>
+              <a:buChar char="●"/>
+              <a:defRPr lang="en-US" sz="2000" b="0" i="0" u="none" strike="noStrike" kern="1200">
+                <a:ln>
+                  <a:noFill/>
+                </a:ln>
+                <a:latin typeface="Arial" pitchFamily="18"/>
+                <a:ea typeface="Droid Sans" pitchFamily="2"/>
+                <a:cs typeface="Lohit Hindi" pitchFamily="2"/>
+              </a:defRPr>
+            </a:lvl9pPr>
+          </a:lstStyle>
+          <a:p>
+            <a:endParaRPr lang="en-US" sz="2800" dirty="0" smtClean="0"/>
+          </a:p>
+          <a:p>
+            <a:endParaRPr lang="en-US" sz="2800" dirty="0"/>
+          </a:p>
+        </p:txBody>
+      </p:sp>
+      <p:sp>
+        <p:nvSpPr>
+          <p:cNvPr id="2" name="Title 1"/>
+          <p:cNvSpPr txBox="1">
+            <a:spLocks noGrp="1"/>
+          </p:cNvSpPr>
+          <p:nvPr>
+            <p:ph type="title" idx="4294967295"/>
+          </p:nvPr>
+        </p:nvSpPr>
+        <p:spPr/>
+        <p:txBody>
+          <a:bodyPr/>
+          <a:lstStyle>
+            <a:defPPr lvl="0">
+              <a:buSzPct val="45000"/>
+              <a:buFont typeface="StarSymbol"/>
+              <a:buNone/>
+            </a:defPPr>
+            <a:lvl1pPr lvl="0">
+              <a:buSzPct val="45000"/>
+              <a:buFont typeface="StarSymbol"/>
+              <a:buChar char="●"/>
+            </a:lvl1pPr>
+            <a:lvl2pPr lvl="1">
+              <a:buSzPct val="45000"/>
+              <a:buFont typeface="StarSymbol"/>
+              <a:buChar char="●"/>
+            </a:lvl2pPr>
+            <a:lvl3pPr lvl="2">
+              <a:buSzPct val="45000"/>
+              <a:buFont typeface="StarSymbol"/>
+              <a:buChar char="●"/>
+            </a:lvl3pPr>
+            <a:lvl4pPr lvl="3">
+              <a:buSzPct val="45000"/>
+              <a:buFont typeface="StarSymbol"/>
+              <a:buChar char="●"/>
+            </a:lvl4pPr>
+            <a:lvl5pPr lvl="4">
+              <a:buSzPct val="45000"/>
+              <a:buFont typeface="StarSymbol"/>
+              <a:buChar char="●"/>
+            </a:lvl5pPr>
+            <a:lvl6pPr lvl="5">
+              <a:buSzPct val="45000"/>
+              <a:buFont typeface="StarSymbol"/>
+              <a:buChar char="●"/>
+            </a:lvl6pPr>
+            <a:lvl7pPr lvl="6">
+              <a:buSzPct val="45000"/>
+              <a:buFont typeface="StarSymbol"/>
+              <a:buChar char="●"/>
+            </a:lvl7pPr>
+            <a:lvl8pPr lvl="7">
+              <a:buSzPct val="45000"/>
+              <a:buFont typeface="StarSymbol"/>
+              <a:buChar char="●"/>
+            </a:lvl8pPr>
+            <a:lvl9pPr lvl="8">
+              <a:buSzPct val="45000"/>
+              <a:buFont typeface="StarSymbol"/>
+              <a:buChar char="●"/>
+            </a:lvl9pPr>
+          </a:lstStyle>
+          <a:p>
+            <a:pPr>
+              <a:buNone/>
+            </a:pPr>
+            <a:r>
+              <a:rPr lang="en-US" dirty="0" smtClean="0"/>
+              <a:t>What we have done</a:t>
+            </a:r>
+            <a:endParaRPr lang="en-US" dirty="0"/>
+          </a:p>
+        </p:txBody>
+      </p:sp>
+      <p:sp>
+        <p:nvSpPr>
+          <p:cNvPr id="13" name="Date Placeholder 1"/>
+          <p:cNvSpPr>
+            <a:spLocks noGrp="1"/>
+          </p:cNvSpPr>
+          <p:nvPr>
+            <p:ph type="dt" sz="half" idx="10"/>
+          </p:nvPr>
+        </p:nvSpPr>
+        <p:spPr>
+          <a:xfrm>
+            <a:off x="0" y="6583679"/>
+            <a:ext cx="1097280" cy="274320"/>
+          </a:xfrm>
+        </p:spPr>
+        <p:txBody>
+          <a:bodyPr/>
+          <a:lstStyle/>
+          <a:p>
+            <a:pPr lvl="0"/>
+            <a:r>
+              <a:rPr lang="en-US" dirty="0" smtClean="0"/>
+              <a:t>15.05.2012</a:t>
+            </a:r>
+            <a:endParaRPr lang="en-US" dirty="0"/>
+          </a:p>
+        </p:txBody>
+      </p:sp>
+      <p:sp>
+        <p:nvSpPr>
+          <p:cNvPr id="14" name="Footer Placeholder 2"/>
+          <p:cNvSpPr>
+            <a:spLocks noGrp="1"/>
+          </p:cNvSpPr>
+          <p:nvPr>
+            <p:ph type="ftr" sz="quarter" idx="11"/>
+          </p:nvPr>
+        </p:nvSpPr>
+        <p:spPr>
+          <a:xfrm>
+            <a:off x="1277280" y="6583679"/>
+            <a:ext cx="5526968" cy="274320"/>
+          </a:xfrm>
+        </p:spPr>
+        <p:txBody>
+          <a:bodyPr/>
+          <a:lstStyle/>
+          <a:p>
+            <a:pPr lvl="0"/>
+            <a:r>
+              <a:rPr lang="en-US" dirty="0" smtClean="0"/>
+              <a:t>| </a:t>
+            </a:r>
+            <a:r>
+              <a:rPr lang="en-US" dirty="0" err="1" smtClean="0"/>
+              <a:t>Kahl</a:t>
+            </a:r>
+            <a:r>
+              <a:rPr lang="en-US" dirty="0" smtClean="0"/>
+              <a:t>, </a:t>
+            </a:r>
+            <a:r>
+              <a:rPr lang="en-US" dirty="0" err="1" smtClean="0"/>
+              <a:t>Platz</a:t>
+            </a:r>
+            <a:r>
+              <a:rPr lang="en-US" dirty="0" smtClean="0"/>
+              <a:t>, </a:t>
+            </a:r>
+            <a:r>
+              <a:rPr lang="en-US" dirty="0" err="1" smtClean="0"/>
+              <a:t>Schilf</a:t>
+            </a:r>
+            <a:r>
+              <a:rPr lang="en-US" dirty="0" smtClean="0"/>
+              <a:t> | Web-</a:t>
+            </a:r>
+            <a:r>
+              <a:rPr lang="en-US" dirty="0" err="1" smtClean="0"/>
+              <a:t>dev</a:t>
+            </a:r>
+            <a:r>
+              <a:rPr lang="en-US" dirty="0" smtClean="0"/>
+              <a:t> SS 2012</a:t>
+            </a:r>
+            <a:endParaRPr lang="en-US" dirty="0"/>
+          </a:p>
+        </p:txBody>
+      </p:sp>
+      <p:sp>
+        <p:nvSpPr>
+          <p:cNvPr id="10" name="Text Placeholder 2"/>
+          <p:cNvSpPr txBox="1">
+            <a:spLocks/>
+          </p:cNvSpPr>
+          <p:nvPr/>
+        </p:nvSpPr>
+        <p:spPr>
+          <a:xfrm>
+            <a:off x="323528" y="1230240"/>
+            <a:ext cx="8640960" cy="5303488"/>
+          </a:xfrm>
+          <a:prstGeom prst="rect">
+            <a:avLst/>
+          </a:prstGeom>
+          <a:noFill/>
+          <a:ln>
+            <a:noFill/>
+          </a:ln>
+        </p:spPr>
+        <p:txBody>
+          <a:bodyPr lIns="0" tIns="0" rIns="0" bIns="0"/>
+          <a:lstStyle>
+            <a:defPPr marL="432000" lvl="0" indent="-324000">
+              <a:spcBef>
+                <a:spcPts val="0"/>
+              </a:spcBef>
+              <a:spcAft>
+                <a:spcPts val="1417"/>
+              </a:spcAft>
+              <a:buSzPct val="45000"/>
+              <a:buFont typeface="StarSymbol"/>
+              <a:buNone/>
+              <a:defRPr lang="en-US" sz="3200" b="0" i="0" u="none" strike="noStrike" kern="1200">
+                <a:ln>
+                  <a:noFill/>
+                </a:ln>
+                <a:latin typeface="Arial" pitchFamily="18"/>
+                <a:ea typeface="Droid Sans" pitchFamily="2"/>
+                <a:cs typeface="Lohit Hindi" pitchFamily="2"/>
+              </a:defRPr>
+            </a:defPPr>
+            <a:lvl1pPr marL="432000" lvl="0" indent="-324000" rtl="0" hangingPunct="0">
+              <a:spcBef>
+                <a:spcPts val="0"/>
+              </a:spcBef>
+              <a:spcAft>
+                <a:spcPts val="1417"/>
+              </a:spcAft>
+              <a:buSzPct val="45000"/>
+              <a:buFont typeface="StarSymbol"/>
+              <a:buChar char="●"/>
+              <a:tabLst/>
+              <a:defRPr lang="en-US" sz="3200" b="0" i="0" u="none" strike="noStrike" kern="1200">
+                <a:ln>
+                  <a:noFill/>
+                </a:ln>
+                <a:latin typeface="Arial" pitchFamily="18"/>
+                <a:ea typeface="Droid Sans" pitchFamily="2"/>
+                <a:cs typeface="Lohit Hindi" pitchFamily="2"/>
+              </a:defRPr>
+            </a:lvl1pPr>
+            <a:lvl2pPr marL="864000" lvl="1" indent="-324000">
+              <a:spcBef>
+                <a:spcPts val="0"/>
+              </a:spcBef>
+              <a:spcAft>
+                <a:spcPts val="1134"/>
+              </a:spcAft>
+              <a:buSzPct val="75000"/>
+              <a:buFont typeface="StarSymbol"/>
+              <a:buChar char="–"/>
+              <a:defRPr lang="en-US" sz="2800" b="0" i="0" u="none" strike="noStrike" kern="1200">
+                <a:ln>
+                  <a:noFill/>
+                </a:ln>
+                <a:latin typeface="Arial" pitchFamily="18"/>
+                <a:ea typeface="Droid Sans" pitchFamily="2"/>
+                <a:cs typeface="Lohit Hindi" pitchFamily="2"/>
+              </a:defRPr>
+            </a:lvl2pPr>
+            <a:lvl3pPr marL="1295999" lvl="2" indent="-288000">
+              <a:spcBef>
+                <a:spcPts val="0"/>
+              </a:spcBef>
+              <a:spcAft>
+                <a:spcPts val="850"/>
+              </a:spcAft>
+              <a:buSzPct val="45000"/>
+              <a:buFont typeface="StarSymbol"/>
+              <a:buChar char="●"/>
+              <a:defRPr lang="en-US" sz="2400" b="0" i="0" u="none" strike="noStrike" kern="1200">
+                <a:ln>
+                  <a:noFill/>
+                </a:ln>
+                <a:latin typeface="Arial" pitchFamily="18"/>
+                <a:ea typeface="Droid Sans" pitchFamily="2"/>
+                <a:cs typeface="Lohit Hindi" pitchFamily="2"/>
+              </a:defRPr>
+            </a:lvl3pPr>
+            <a:lvl4pPr marL="1728000" lvl="3" indent="-216000">
+              <a:spcBef>
+                <a:spcPts val="0"/>
+              </a:spcBef>
+              <a:spcAft>
+                <a:spcPts val="567"/>
+              </a:spcAft>
+              <a:buSzPct val="75000"/>
+              <a:buFont typeface="StarSymbol"/>
+              <a:buChar char="–"/>
+              <a:defRPr lang="en-US" sz="2000" b="0" i="0" u="none" strike="noStrike" kern="1200">
+                <a:ln>
+                  <a:noFill/>
+                </a:ln>
+                <a:latin typeface="Arial" pitchFamily="18"/>
+                <a:ea typeface="Droid Sans" pitchFamily="2"/>
+                <a:cs typeface="Lohit Hindi" pitchFamily="2"/>
+              </a:defRPr>
+            </a:lvl4pPr>
+            <a:lvl5pPr marL="2160000" lvl="4" indent="-216000">
+              <a:spcBef>
+                <a:spcPts val="0"/>
+              </a:spcBef>
+              <a:spcAft>
+                <a:spcPts val="283"/>
+              </a:spcAft>
+              <a:buSzPct val="45000"/>
+              <a:buFont typeface="StarSymbol"/>
+              <a:buChar char="●"/>
+              <a:defRPr lang="en-US" sz="2000" b="0" i="0" u="none" strike="noStrike" kern="1200">
+                <a:ln>
+                  <a:noFill/>
+                </a:ln>
+                <a:latin typeface="Arial" pitchFamily="18"/>
+                <a:ea typeface="Droid Sans" pitchFamily="2"/>
+                <a:cs typeface="Lohit Hindi" pitchFamily="2"/>
+              </a:defRPr>
+            </a:lvl5pPr>
+            <a:lvl6pPr marL="2592000" lvl="5" indent="-216000">
+              <a:spcBef>
+                <a:spcPts val="0"/>
+              </a:spcBef>
+              <a:spcAft>
+                <a:spcPts val="283"/>
+              </a:spcAft>
+              <a:buSzPct val="45000"/>
+              <a:buFont typeface="StarSymbol"/>
+              <a:buChar char="●"/>
+              <a:defRPr lang="en-US" sz="2000" b="0" i="0" u="none" strike="noStrike" kern="1200">
+                <a:ln>
+                  <a:noFill/>
+                </a:ln>
+                <a:latin typeface="Arial" pitchFamily="18"/>
+                <a:ea typeface="Droid Sans" pitchFamily="2"/>
+                <a:cs typeface="Lohit Hindi" pitchFamily="2"/>
+              </a:defRPr>
+            </a:lvl6pPr>
+            <a:lvl7pPr marL="3024000" lvl="6" indent="-216000">
+              <a:spcBef>
+                <a:spcPts val="0"/>
+              </a:spcBef>
+              <a:spcAft>
+                <a:spcPts val="283"/>
+              </a:spcAft>
+              <a:buSzPct val="45000"/>
+              <a:buFont typeface="StarSymbol"/>
+              <a:buChar char="●"/>
+              <a:defRPr lang="en-US" sz="2000" b="0" i="0" u="none" strike="noStrike" kern="1200">
+                <a:ln>
+                  <a:noFill/>
+                </a:ln>
+                <a:latin typeface="Arial" pitchFamily="18"/>
+                <a:ea typeface="Droid Sans" pitchFamily="2"/>
+                <a:cs typeface="Lohit Hindi" pitchFamily="2"/>
+              </a:defRPr>
+            </a:lvl7pPr>
+            <a:lvl8pPr marL="3456000" lvl="7" indent="-216000">
+              <a:spcBef>
+                <a:spcPts val="0"/>
+              </a:spcBef>
+              <a:spcAft>
+                <a:spcPts val="283"/>
+              </a:spcAft>
+              <a:buSzPct val="45000"/>
+              <a:buFont typeface="StarSymbol"/>
+              <a:buChar char="●"/>
+              <a:defRPr lang="en-US" sz="2000" b="0" i="0" u="none" strike="noStrike" kern="1200">
+                <a:ln>
+                  <a:noFill/>
+                </a:ln>
+                <a:latin typeface="Arial" pitchFamily="18"/>
+                <a:ea typeface="Droid Sans" pitchFamily="2"/>
+                <a:cs typeface="Lohit Hindi" pitchFamily="2"/>
+              </a:defRPr>
+            </a:lvl8pPr>
+            <a:lvl9pPr marL="3887999" lvl="8" indent="-216000">
+              <a:spcBef>
+                <a:spcPts val="0"/>
+              </a:spcBef>
+              <a:spcAft>
+                <a:spcPts val="283"/>
+              </a:spcAft>
+              <a:buSzPct val="45000"/>
+              <a:buFont typeface="StarSymbol"/>
+              <a:buChar char="●"/>
+              <a:defRPr lang="en-US" sz="2000" b="0" i="0" u="none" strike="noStrike" kern="1200">
+                <a:ln>
+                  <a:noFill/>
+                </a:ln>
+                <a:latin typeface="Arial" pitchFamily="18"/>
+                <a:ea typeface="Droid Sans" pitchFamily="2"/>
+                <a:cs typeface="Lohit Hindi" pitchFamily="2"/>
+              </a:defRPr>
+            </a:lvl9pPr>
+          </a:lstStyle>
+          <a:p>
+            <a:r>
+              <a:rPr lang="en-US" sz="2800" dirty="0" smtClean="0"/>
+              <a:t>Ide stuff (client to server communication)</a:t>
+            </a:r>
+            <a:endParaRPr lang="en-US" sz="2800" dirty="0"/>
+          </a:p>
+        </p:txBody>
+      </p:sp>
+    </p:spTree>
+    <p:extLst>
+      <p:ext uri="{BB962C8B-B14F-4D97-AF65-F5344CB8AC3E}">
+        <p14:creationId xmlns:p14="http://schemas.microsoft.com/office/powerpoint/2010/main" val="2052140459"/>
+      </p:ext>
+    </p:extLst>
+  </p:cSld>
+  <p:clrMapOvr>
+    <a:masterClrMapping/>
+  </p:clrMapOvr>
+  <mc:AlternateContent xmlns:mc="http://schemas.openxmlformats.org/markup-compatibility/2006" xmlns:p14="http://schemas.microsoft.com/office/powerpoint/2010/main">
+    <mc:Choice Requires="p14">
+      <p:transition spd="slow" p14:dur="2000"/>
+    </mc:Choice>
+    <mc:Fallback xmlns="">
+      <p:transition spd="slow"/>
+    </mc:Fallback>
+  </mc:AlternateContent>
+  <p:timing>
+    <p:tnLst>
+      <p:par>
+        <p:cTn id="1" dur="indefinite" restart="never" nodeType="tmRoot"/>
+      </p:par>
+    </p:tnLst>
+  </p:timing>
+</p:sld>
+</file>
+
+<file path=ppt/slides/slide12.xml><?xml version="1.0" encoding="utf-8"?>
+<p:sld xmlns:a="http://schemas.openxmlformats.org/drawingml/2006/main" xmlns:r="http://schemas.openxmlformats.org/officeDocument/2006/relationships" xmlns:p="http://schemas.openxmlformats.org/presentationml/2006/main">
+  <p:cSld>
+    <p:spTree>
+      <p:nvGrpSpPr>
+        <p:cNvPr id="1" name=""/>
+        <p:cNvGrpSpPr/>
+        <p:nvPr/>
+      </p:nvGrpSpPr>
+      <p:grpSpPr>
+        <a:xfrm>
+          <a:off x="0" y="0"/>
+          <a:ext cx="0" cy="0"/>
+          <a:chOff x="0" y="0"/>
+          <a:chExt cx="0" cy="0"/>
+        </a:xfrm>
+      </p:grpSpPr>
+      <p:sp>
+        <p:nvSpPr>
+          <p:cNvPr id="3" name="Text Placeholder 2"/>
+          <p:cNvSpPr txBox="1">
+            <a:spLocks noGrp="1"/>
+          </p:cNvSpPr>
+          <p:nvPr>
+            <p:ph type="body" idx="4294967295"/>
+          </p:nvPr>
+        </p:nvSpPr>
+        <p:spPr>
+          <a:xfrm>
+            <a:off x="457200" y="1077840"/>
+            <a:ext cx="8291264" cy="5303488"/>
+          </a:xfrm>
+        </p:spPr>
+        <p:txBody>
+          <a:bodyPr/>
+          <a:lstStyle>
+            <a:defPPr marL="432000" lvl="0" indent="-324000">
+              <a:spcBef>
+                <a:spcPts val="0"/>
+              </a:spcBef>
+              <a:spcAft>
+                <a:spcPts val="1417"/>
+              </a:spcAft>
+              <a:buSzPct val="45000"/>
+              <a:buFont typeface="StarSymbol"/>
+              <a:buNone/>
+              <a:defRPr lang="en-US" sz="3200" b="0" i="0" u="none" strike="noStrike" kern="1200">
+                <a:ln>
+                  <a:noFill/>
+                </a:ln>
+                <a:latin typeface="Arial" pitchFamily="18"/>
+                <a:ea typeface="Droid Sans" pitchFamily="2"/>
+                <a:cs typeface="Lohit Hindi" pitchFamily="2"/>
+              </a:defRPr>
+            </a:defPPr>
+            <a:lvl1pPr marL="432000" lvl="0" indent="-324000">
+              <a:spcBef>
+                <a:spcPts val="0"/>
+              </a:spcBef>
+              <a:spcAft>
+                <a:spcPts val="1417"/>
+              </a:spcAft>
+              <a:buSzPct val="45000"/>
+              <a:buFont typeface="StarSymbol"/>
+              <a:buChar char="●"/>
+              <a:defRPr lang="en-US" sz="3200" b="0" i="0" u="none" strike="noStrike" kern="1200">
+                <a:ln>
+                  <a:noFill/>
+                </a:ln>
+                <a:latin typeface="Arial" pitchFamily="18"/>
+                <a:ea typeface="Droid Sans" pitchFamily="2"/>
+                <a:cs typeface="Lohit Hindi" pitchFamily="2"/>
+              </a:defRPr>
+            </a:lvl1pPr>
+            <a:lvl2pPr marL="864000" lvl="1" indent="-324000">
+              <a:spcBef>
+                <a:spcPts val="0"/>
+              </a:spcBef>
+              <a:spcAft>
+                <a:spcPts val="1134"/>
+              </a:spcAft>
+              <a:buSzPct val="75000"/>
+              <a:buFont typeface="StarSymbol"/>
+              <a:buChar char="–"/>
+              <a:defRPr lang="en-US" sz="2800" b="0" i="0" u="none" strike="noStrike" kern="1200">
+                <a:ln>
+                  <a:noFill/>
+                </a:ln>
+                <a:latin typeface="Arial" pitchFamily="18"/>
+                <a:ea typeface="Droid Sans" pitchFamily="2"/>
+                <a:cs typeface="Lohit Hindi" pitchFamily="2"/>
+              </a:defRPr>
+            </a:lvl2pPr>
+            <a:lvl3pPr marL="1295999" lvl="2" indent="-288000">
+              <a:spcBef>
+                <a:spcPts val="0"/>
+              </a:spcBef>
+              <a:spcAft>
+                <a:spcPts val="850"/>
+              </a:spcAft>
+              <a:buSzPct val="45000"/>
+              <a:buFont typeface="StarSymbol"/>
+              <a:buChar char="●"/>
+              <a:defRPr lang="en-US" sz="2400" b="0" i="0" u="none" strike="noStrike" kern="1200">
+                <a:ln>
+                  <a:noFill/>
+                </a:ln>
+                <a:latin typeface="Arial" pitchFamily="18"/>
+                <a:ea typeface="Droid Sans" pitchFamily="2"/>
+                <a:cs typeface="Lohit Hindi" pitchFamily="2"/>
+              </a:defRPr>
+            </a:lvl3pPr>
+            <a:lvl4pPr marL="1728000" lvl="3" indent="-216000">
+              <a:spcBef>
+                <a:spcPts val="0"/>
+              </a:spcBef>
+              <a:spcAft>
+                <a:spcPts val="567"/>
+              </a:spcAft>
+              <a:buSzPct val="75000"/>
+              <a:buFont typeface="StarSymbol"/>
+              <a:buChar char="–"/>
+              <a:defRPr lang="en-US" sz="2000" b="0" i="0" u="none" strike="noStrike" kern="1200">
+                <a:ln>
+                  <a:noFill/>
+                </a:ln>
+                <a:latin typeface="Arial" pitchFamily="18"/>
+                <a:ea typeface="Droid Sans" pitchFamily="2"/>
+                <a:cs typeface="Lohit Hindi" pitchFamily="2"/>
+              </a:defRPr>
+            </a:lvl4pPr>
+            <a:lvl5pPr marL="2160000" lvl="4" indent="-216000">
+              <a:spcBef>
+                <a:spcPts val="0"/>
+              </a:spcBef>
+              <a:spcAft>
+                <a:spcPts val="283"/>
+              </a:spcAft>
+              <a:buSzPct val="45000"/>
+              <a:buFont typeface="StarSymbol"/>
+              <a:buChar char="●"/>
+              <a:defRPr lang="en-US" sz="2000" b="0" i="0" u="none" strike="noStrike" kern="1200">
+                <a:ln>
+                  <a:noFill/>
+                </a:ln>
+                <a:latin typeface="Arial" pitchFamily="18"/>
+                <a:ea typeface="Droid Sans" pitchFamily="2"/>
+                <a:cs typeface="Lohit Hindi" pitchFamily="2"/>
+              </a:defRPr>
+            </a:lvl5pPr>
+            <a:lvl6pPr marL="2592000" lvl="5" indent="-216000">
+              <a:spcBef>
+                <a:spcPts val="0"/>
+              </a:spcBef>
+              <a:spcAft>
+                <a:spcPts val="283"/>
+              </a:spcAft>
+              <a:buSzPct val="45000"/>
+              <a:buFont typeface="StarSymbol"/>
+              <a:buChar char="●"/>
+              <a:defRPr lang="en-US" sz="2000" b="0" i="0" u="none" strike="noStrike" kern="1200">
+                <a:ln>
+                  <a:noFill/>
+                </a:ln>
+                <a:latin typeface="Arial" pitchFamily="18"/>
+                <a:ea typeface="Droid Sans" pitchFamily="2"/>
+                <a:cs typeface="Lohit Hindi" pitchFamily="2"/>
+              </a:defRPr>
+            </a:lvl6pPr>
+            <a:lvl7pPr marL="3024000" lvl="6" indent="-216000">
+              <a:spcBef>
+                <a:spcPts val="0"/>
+              </a:spcBef>
+              <a:spcAft>
+                <a:spcPts val="283"/>
+              </a:spcAft>
+              <a:buSzPct val="45000"/>
+              <a:buFont typeface="StarSymbol"/>
+              <a:buChar char="●"/>
+              <a:defRPr lang="en-US" sz="2000" b="0" i="0" u="none" strike="noStrike" kern="1200">
+                <a:ln>
+                  <a:noFill/>
+                </a:ln>
+                <a:latin typeface="Arial" pitchFamily="18"/>
+                <a:ea typeface="Droid Sans" pitchFamily="2"/>
+                <a:cs typeface="Lohit Hindi" pitchFamily="2"/>
+              </a:defRPr>
+            </a:lvl7pPr>
+            <a:lvl8pPr marL="3456000" lvl="7" indent="-216000">
+              <a:spcBef>
+                <a:spcPts val="0"/>
+              </a:spcBef>
+              <a:spcAft>
+                <a:spcPts val="283"/>
+              </a:spcAft>
+              <a:buSzPct val="45000"/>
+              <a:buFont typeface="StarSymbol"/>
+              <a:buChar char="●"/>
+              <a:defRPr lang="en-US" sz="2000" b="0" i="0" u="none" strike="noStrike" kern="1200">
+                <a:ln>
+                  <a:noFill/>
+                </a:ln>
+                <a:latin typeface="Arial" pitchFamily="18"/>
+                <a:ea typeface="Droid Sans" pitchFamily="2"/>
+                <a:cs typeface="Lohit Hindi" pitchFamily="2"/>
+              </a:defRPr>
+            </a:lvl8pPr>
+            <a:lvl9pPr marL="3887999" lvl="8" indent="-216000">
+              <a:spcBef>
+                <a:spcPts val="0"/>
+              </a:spcBef>
+              <a:spcAft>
+                <a:spcPts val="283"/>
+              </a:spcAft>
+              <a:buSzPct val="45000"/>
+              <a:buFont typeface="StarSymbol"/>
+              <a:buChar char="●"/>
+              <a:defRPr lang="en-US" sz="2000" b="0" i="0" u="none" strike="noStrike" kern="1200">
+                <a:ln>
+                  <a:noFill/>
+                </a:ln>
+                <a:latin typeface="Arial" pitchFamily="18"/>
+                <a:ea typeface="Droid Sans" pitchFamily="2"/>
+                <a:cs typeface="Lohit Hindi" pitchFamily="2"/>
+              </a:defRPr>
+            </a:lvl9pPr>
+          </a:lstStyle>
+          <a:p>
+            <a:endParaRPr lang="en-US" sz="2800" dirty="0" smtClean="0"/>
+          </a:p>
+          <a:p>
+            <a:endParaRPr lang="en-US" sz="2800" dirty="0"/>
+          </a:p>
+        </p:txBody>
+      </p:sp>
+      <p:sp>
+        <p:nvSpPr>
+          <p:cNvPr id="2" name="Title 1"/>
+          <p:cNvSpPr txBox="1">
+            <a:spLocks noGrp="1"/>
+          </p:cNvSpPr>
+          <p:nvPr>
+            <p:ph type="title" idx="4294967295"/>
+          </p:nvPr>
+        </p:nvSpPr>
+        <p:spPr/>
+        <p:txBody>
+          <a:bodyPr/>
+          <a:lstStyle>
+            <a:defPPr lvl="0">
+              <a:buSzPct val="45000"/>
+              <a:buFont typeface="StarSymbol"/>
+              <a:buNone/>
+            </a:defPPr>
+            <a:lvl1pPr lvl="0">
+              <a:buSzPct val="45000"/>
+              <a:buFont typeface="StarSymbol"/>
+              <a:buChar char="●"/>
+            </a:lvl1pPr>
+            <a:lvl2pPr lvl="1">
+              <a:buSzPct val="45000"/>
+              <a:buFont typeface="StarSymbol"/>
+              <a:buChar char="●"/>
+            </a:lvl2pPr>
+            <a:lvl3pPr lvl="2">
+              <a:buSzPct val="45000"/>
+              <a:buFont typeface="StarSymbol"/>
+              <a:buChar char="●"/>
+            </a:lvl3pPr>
+            <a:lvl4pPr lvl="3">
+              <a:buSzPct val="45000"/>
+              <a:buFont typeface="StarSymbol"/>
+              <a:buChar char="●"/>
+            </a:lvl4pPr>
+            <a:lvl5pPr lvl="4">
+              <a:buSzPct val="45000"/>
+              <a:buFont typeface="StarSymbol"/>
+              <a:buChar char="●"/>
+            </a:lvl5pPr>
+            <a:lvl6pPr lvl="5">
+              <a:buSzPct val="45000"/>
+              <a:buFont typeface="StarSymbol"/>
+              <a:buChar char="●"/>
+            </a:lvl6pPr>
+            <a:lvl7pPr lvl="6">
+              <a:buSzPct val="45000"/>
+              <a:buFont typeface="StarSymbol"/>
+              <a:buChar char="●"/>
+            </a:lvl7pPr>
+            <a:lvl8pPr lvl="7">
+              <a:buSzPct val="45000"/>
+              <a:buFont typeface="StarSymbol"/>
+              <a:buChar char="●"/>
+            </a:lvl8pPr>
+            <a:lvl9pPr lvl="8">
+              <a:buSzPct val="45000"/>
+              <a:buFont typeface="StarSymbol"/>
+              <a:buChar char="●"/>
+            </a:lvl9pPr>
+          </a:lstStyle>
+          <a:p>
+            <a:pPr>
+              <a:buNone/>
+            </a:pPr>
+            <a:r>
+              <a:rPr lang="en-US" dirty="0" smtClean="0"/>
+              <a:t>Web-based development</a:t>
+            </a:r>
+            <a:endParaRPr lang="en-US" dirty="0"/>
+          </a:p>
+        </p:txBody>
+      </p:sp>
+      <p:sp>
+        <p:nvSpPr>
+          <p:cNvPr id="13" name="Date Placeholder 1"/>
+          <p:cNvSpPr>
+            <a:spLocks noGrp="1"/>
+          </p:cNvSpPr>
+          <p:nvPr>
+            <p:ph type="dt" sz="half" idx="10"/>
+          </p:nvPr>
+        </p:nvSpPr>
+        <p:spPr>
+          <a:xfrm>
+            <a:off x="0" y="6583679"/>
+            <a:ext cx="1097280" cy="274320"/>
+          </a:xfrm>
+        </p:spPr>
+        <p:txBody>
+          <a:bodyPr/>
+          <a:lstStyle/>
+          <a:p>
+            <a:pPr lvl="0"/>
+            <a:r>
+              <a:rPr lang="en-US" dirty="0" smtClean="0"/>
+              <a:t>15.05.2012</a:t>
+            </a:r>
+            <a:endParaRPr lang="en-US" dirty="0"/>
+          </a:p>
+        </p:txBody>
+      </p:sp>
+      <p:sp>
+        <p:nvSpPr>
+          <p:cNvPr id="14" name="Footer Placeholder 2"/>
+          <p:cNvSpPr>
+            <a:spLocks noGrp="1"/>
+          </p:cNvSpPr>
+          <p:nvPr>
+            <p:ph type="ftr" sz="quarter" idx="11"/>
+          </p:nvPr>
+        </p:nvSpPr>
+        <p:spPr>
+          <a:xfrm>
+            <a:off x="1277280" y="6583679"/>
+            <a:ext cx="5526968" cy="274320"/>
+          </a:xfrm>
+        </p:spPr>
+        <p:txBody>
+          <a:bodyPr/>
+          <a:lstStyle/>
+          <a:p>
+            <a:pPr lvl="0"/>
+            <a:r>
+              <a:rPr lang="en-US" dirty="0" smtClean="0"/>
+              <a:t>| </a:t>
+            </a:r>
+            <a:r>
+              <a:rPr lang="en-US" dirty="0" err="1" smtClean="0"/>
+              <a:t>Kahl</a:t>
+            </a:r>
+            <a:r>
+              <a:rPr lang="en-US" dirty="0" smtClean="0"/>
+              <a:t>, </a:t>
+            </a:r>
+            <a:r>
+              <a:rPr lang="en-US" dirty="0" err="1" smtClean="0"/>
+              <a:t>Platz</a:t>
+            </a:r>
+            <a:r>
+              <a:rPr lang="en-US" dirty="0" smtClean="0"/>
+              <a:t>, </a:t>
+            </a:r>
+            <a:r>
+              <a:rPr lang="en-US" dirty="0" err="1" smtClean="0"/>
+              <a:t>Schilf</a:t>
+            </a:r>
+            <a:r>
+              <a:rPr lang="en-US" dirty="0" smtClean="0"/>
+              <a:t> | Web-</a:t>
+            </a:r>
+            <a:r>
+              <a:rPr lang="en-US" dirty="0" err="1" smtClean="0"/>
+              <a:t>dev</a:t>
+            </a:r>
+            <a:r>
+              <a:rPr lang="en-US" dirty="0" smtClean="0"/>
+              <a:t> SS 2012</a:t>
+            </a:r>
+            <a:endParaRPr lang="en-US" dirty="0"/>
+          </a:p>
+        </p:txBody>
+      </p:sp>
+      <p:sp>
+        <p:nvSpPr>
+          <p:cNvPr id="10" name="Text Placeholder 2"/>
+          <p:cNvSpPr txBox="1">
+            <a:spLocks/>
+          </p:cNvSpPr>
+          <p:nvPr/>
+        </p:nvSpPr>
+        <p:spPr>
+          <a:xfrm>
+            <a:off x="323528" y="1230240"/>
+            <a:ext cx="8640960" cy="5303488"/>
+          </a:xfrm>
+          <a:prstGeom prst="rect">
+            <a:avLst/>
+          </a:prstGeom>
+          <a:noFill/>
+          <a:ln>
+            <a:noFill/>
+          </a:ln>
+        </p:spPr>
+        <p:txBody>
+          <a:bodyPr lIns="0" tIns="0" rIns="0" bIns="0"/>
+          <a:lstStyle>
+            <a:defPPr marL="432000" lvl="0" indent="-324000">
+              <a:spcBef>
+                <a:spcPts val="0"/>
+              </a:spcBef>
+              <a:spcAft>
+                <a:spcPts val="1417"/>
+              </a:spcAft>
+              <a:buSzPct val="45000"/>
+              <a:buFont typeface="StarSymbol"/>
+              <a:buNone/>
+              <a:defRPr lang="en-US" sz="3200" b="0" i="0" u="none" strike="noStrike" kern="1200">
+                <a:ln>
+                  <a:noFill/>
+                </a:ln>
+                <a:latin typeface="Arial" pitchFamily="18"/>
+                <a:ea typeface="Droid Sans" pitchFamily="2"/>
+                <a:cs typeface="Lohit Hindi" pitchFamily="2"/>
+              </a:defRPr>
+            </a:defPPr>
+            <a:lvl1pPr marL="432000" lvl="0" indent="-324000" rtl="0" hangingPunct="0">
+              <a:spcBef>
+                <a:spcPts val="0"/>
+              </a:spcBef>
+              <a:spcAft>
+                <a:spcPts val="1417"/>
+              </a:spcAft>
+              <a:buSzPct val="45000"/>
+              <a:buFont typeface="StarSymbol"/>
+              <a:buChar char="●"/>
+              <a:tabLst/>
+              <a:defRPr lang="en-US" sz="3200" b="0" i="0" u="none" strike="noStrike" kern="1200">
+                <a:ln>
+                  <a:noFill/>
+                </a:ln>
+                <a:latin typeface="Arial" pitchFamily="18"/>
+                <a:ea typeface="Droid Sans" pitchFamily="2"/>
+                <a:cs typeface="Lohit Hindi" pitchFamily="2"/>
+              </a:defRPr>
+            </a:lvl1pPr>
+            <a:lvl2pPr marL="864000" lvl="1" indent="-324000">
+              <a:spcBef>
+                <a:spcPts val="0"/>
+              </a:spcBef>
+              <a:spcAft>
+                <a:spcPts val="1134"/>
+              </a:spcAft>
+              <a:buSzPct val="75000"/>
+              <a:buFont typeface="StarSymbol"/>
+              <a:buChar char="–"/>
+              <a:defRPr lang="en-US" sz="2800" b="0" i="0" u="none" strike="noStrike" kern="1200">
+                <a:ln>
+                  <a:noFill/>
+                </a:ln>
+                <a:latin typeface="Arial" pitchFamily="18"/>
+                <a:ea typeface="Droid Sans" pitchFamily="2"/>
+                <a:cs typeface="Lohit Hindi" pitchFamily="2"/>
+              </a:defRPr>
+            </a:lvl2pPr>
+            <a:lvl3pPr marL="1295999" lvl="2" indent="-288000">
+              <a:spcBef>
+                <a:spcPts val="0"/>
+              </a:spcBef>
+              <a:spcAft>
+                <a:spcPts val="850"/>
+              </a:spcAft>
+              <a:buSzPct val="45000"/>
+              <a:buFont typeface="StarSymbol"/>
+              <a:buChar char="●"/>
+              <a:defRPr lang="en-US" sz="2400" b="0" i="0" u="none" strike="noStrike" kern="1200">
+                <a:ln>
+                  <a:noFill/>
+                </a:ln>
+                <a:latin typeface="Arial" pitchFamily="18"/>
+                <a:ea typeface="Droid Sans" pitchFamily="2"/>
+                <a:cs typeface="Lohit Hindi" pitchFamily="2"/>
+              </a:defRPr>
+            </a:lvl3pPr>
+            <a:lvl4pPr marL="1728000" lvl="3" indent="-216000">
+              <a:spcBef>
+                <a:spcPts val="0"/>
+              </a:spcBef>
+              <a:spcAft>
+                <a:spcPts val="567"/>
+              </a:spcAft>
+              <a:buSzPct val="75000"/>
+              <a:buFont typeface="StarSymbol"/>
+              <a:buChar char="–"/>
+              <a:defRPr lang="en-US" sz="2000" b="0" i="0" u="none" strike="noStrike" kern="1200">
+                <a:ln>
+                  <a:noFill/>
+                </a:ln>
+                <a:latin typeface="Arial" pitchFamily="18"/>
+                <a:ea typeface="Droid Sans" pitchFamily="2"/>
+                <a:cs typeface="Lohit Hindi" pitchFamily="2"/>
+              </a:defRPr>
+            </a:lvl4pPr>
+            <a:lvl5pPr marL="2160000" lvl="4" indent="-216000">
+              <a:spcBef>
+                <a:spcPts val="0"/>
+              </a:spcBef>
+              <a:spcAft>
+                <a:spcPts val="283"/>
+              </a:spcAft>
+              <a:buSzPct val="45000"/>
+              <a:buFont typeface="StarSymbol"/>
+              <a:buChar char="●"/>
+              <a:defRPr lang="en-US" sz="2000" b="0" i="0" u="none" strike="noStrike" kern="1200">
+                <a:ln>
+                  <a:noFill/>
+                </a:ln>
+                <a:latin typeface="Arial" pitchFamily="18"/>
+                <a:ea typeface="Droid Sans" pitchFamily="2"/>
+                <a:cs typeface="Lohit Hindi" pitchFamily="2"/>
+              </a:defRPr>
+            </a:lvl5pPr>
+            <a:lvl6pPr marL="2592000" lvl="5" indent="-216000">
+              <a:spcBef>
+                <a:spcPts val="0"/>
+              </a:spcBef>
+              <a:spcAft>
+                <a:spcPts val="283"/>
+              </a:spcAft>
+              <a:buSzPct val="45000"/>
+              <a:buFont typeface="StarSymbol"/>
+              <a:buChar char="●"/>
+              <a:defRPr lang="en-US" sz="2000" b="0" i="0" u="none" strike="noStrike" kern="1200">
+                <a:ln>
+                  <a:noFill/>
+                </a:ln>
+                <a:latin typeface="Arial" pitchFamily="18"/>
+                <a:ea typeface="Droid Sans" pitchFamily="2"/>
+                <a:cs typeface="Lohit Hindi" pitchFamily="2"/>
+              </a:defRPr>
+            </a:lvl6pPr>
+            <a:lvl7pPr marL="3024000" lvl="6" indent="-216000">
+              <a:spcBef>
+                <a:spcPts val="0"/>
+              </a:spcBef>
+              <a:spcAft>
+                <a:spcPts val="283"/>
+              </a:spcAft>
+              <a:buSzPct val="45000"/>
+              <a:buFont typeface="StarSymbol"/>
+              <a:buChar char="●"/>
+              <a:defRPr lang="en-US" sz="2000" b="0" i="0" u="none" strike="noStrike" kern="1200">
+                <a:ln>
+                  <a:noFill/>
+                </a:ln>
+                <a:latin typeface="Arial" pitchFamily="18"/>
+                <a:ea typeface="Droid Sans" pitchFamily="2"/>
+                <a:cs typeface="Lohit Hindi" pitchFamily="2"/>
+              </a:defRPr>
+            </a:lvl7pPr>
+            <a:lvl8pPr marL="3456000" lvl="7" indent="-216000">
+              <a:spcBef>
+                <a:spcPts val="0"/>
+              </a:spcBef>
+              <a:spcAft>
+                <a:spcPts val="283"/>
+              </a:spcAft>
+              <a:buSzPct val="45000"/>
+              <a:buFont typeface="StarSymbol"/>
+              <a:buChar char="●"/>
+              <a:defRPr lang="en-US" sz="2000" b="0" i="0" u="none" strike="noStrike" kern="1200">
+                <a:ln>
+                  <a:noFill/>
+                </a:ln>
+                <a:latin typeface="Arial" pitchFamily="18"/>
+                <a:ea typeface="Droid Sans" pitchFamily="2"/>
+                <a:cs typeface="Lohit Hindi" pitchFamily="2"/>
+              </a:defRPr>
+            </a:lvl8pPr>
+            <a:lvl9pPr marL="3887999" lvl="8" indent="-216000">
+              <a:spcBef>
+                <a:spcPts val="0"/>
+              </a:spcBef>
+              <a:spcAft>
+                <a:spcPts val="283"/>
+              </a:spcAft>
+              <a:buSzPct val="45000"/>
+              <a:buFont typeface="StarSymbol"/>
+              <a:buChar char="●"/>
+              <a:defRPr lang="en-US" sz="2000" b="0" i="0" u="none" strike="noStrike" kern="1200">
+                <a:ln>
+                  <a:noFill/>
+                </a:ln>
+                <a:latin typeface="Arial" pitchFamily="18"/>
+                <a:ea typeface="Droid Sans" pitchFamily="2"/>
+                <a:cs typeface="Lohit Hindi" pitchFamily="2"/>
+              </a:defRPr>
+            </a:lvl9pPr>
+          </a:lstStyle>
+          <a:p>
+            <a:r>
+              <a:rPr lang="en-US" sz="2800" dirty="0" smtClean="0"/>
+              <a:t>Pros: no installation, code and tools everywhere accessible </a:t>
+            </a:r>
+          </a:p>
+          <a:p>
+            <a:r>
+              <a:rPr lang="en-US" sz="2800" dirty="0" smtClean="0"/>
+              <a:t>Implement </a:t>
+            </a:r>
+            <a:r>
+              <a:rPr lang="en-US" sz="2800" dirty="0" smtClean="0"/>
+              <a:t>in what </a:t>
+            </a:r>
+            <a:r>
+              <a:rPr lang="en-US" sz="2800" smtClean="0"/>
+              <a:t>you </a:t>
+            </a:r>
+            <a:r>
+              <a:rPr lang="en-US" sz="2800" smtClean="0"/>
+              <a:t>implement</a:t>
+            </a:r>
+          </a:p>
+          <a:p>
+            <a:pPr lvl="1"/>
+            <a:endParaRPr lang="en-US" sz="2400" dirty="0" smtClean="0"/>
+          </a:p>
+          <a:p>
+            <a:r>
+              <a:rPr lang="en-US" sz="2800" dirty="0"/>
+              <a:t>O</a:t>
+            </a:r>
+            <a:r>
+              <a:rPr lang="en-US" sz="2800" dirty="0" smtClean="0"/>
+              <a:t>ffline development restricted</a:t>
+            </a:r>
+          </a:p>
+          <a:p>
+            <a:r>
+              <a:rPr lang="en-US" sz="2800" dirty="0" smtClean="0"/>
+              <a:t>Turn-around time: one page reload</a:t>
+            </a:r>
+          </a:p>
+        </p:txBody>
+      </p:sp>
+      <p:pic>
+        <p:nvPicPr>
+          <p:cNvPr id="3074" name="Picture 2" descr="http://c9.io/site/wp-content/themes/cloud9/img/logo_cloud9_small.png"/>
+          <p:cNvPicPr>
+            <a:picLocks noChangeAspect="1" noChangeArrowheads="1"/>
+          </p:cNvPicPr>
+          <p:nvPr/>
+        </p:nvPicPr>
+        <p:blipFill>
+          <a:blip r:embed="rId3">
+            <a:extLst>
+              <a:ext uri="{28A0092B-C50C-407E-A947-70E740481C1C}">
+                <a14:useLocalDpi xmlns:a14="http://schemas.microsoft.com/office/drawing/2010/main" val="0"/>
+              </a:ext>
+            </a:extLst>
+          </a:blip>
+          <a:srcRect/>
+          <a:stretch>
+            <a:fillRect/>
+          </a:stretch>
+        </p:blipFill>
+        <p:spPr bwMode="auto">
+          <a:xfrm>
+            <a:off x="6212557" y="2276872"/>
+            <a:ext cx="1695450" cy="381001"/>
+          </a:xfrm>
+          <a:prstGeom prst="rect">
+            <a:avLst/>
+          </a:prstGeom>
+          <a:noFill/>
+          <a:extLst>
+            <a:ext uri="{909E8E84-426E-40DD-AFC4-6F175D3DCCD1}">
+              <a14:hiddenFill xmlns:a14="http://schemas.microsoft.com/office/drawing/2010/main">
+                <a:solidFill>
+                  <a:srgbClr val="FFFFFF"/>
+                </a:solidFill>
+              </a14:hiddenFill>
+            </a:ext>
+          </a:extLst>
+        </p:spPr>
+      </p:pic>
+    </p:spTree>
+    <p:extLst>
+      <p:ext uri="{BB962C8B-B14F-4D97-AF65-F5344CB8AC3E}">
+        <p14:creationId xmlns:p14="http://schemas.microsoft.com/office/powerpoint/2010/main" val="1451521708"/>
+      </p:ext>
+    </p:extLst>
+  </p:cSld>
+  <p:clrMapOvr>
+    <a:masterClrMapping/>
+  </p:clrMapOvr>
+  <mc:AlternateContent xmlns:mc="http://schemas.openxmlformats.org/markup-compatibility/2006" xmlns:p14="http://schemas.microsoft.com/office/powerpoint/2010/main">
+    <mc:Choice Requires="p14">
+      <p:transition spd="slow" p14:dur="2000"/>
+    </mc:Choice>
+    <mc:Fallback xmlns="">
+      <p:transition spd="slow"/>
+    </mc:Fallback>
+  </mc:AlternateContent>
+  <p:timing>
+    <p:tnLst>
+      <p:par>
+        <p:cTn id="1" dur="indefinite" restart="never" nodeType="tmRoot"/>
+      </p:par>
+    </p:tnLst>
+  </p:timing>
+</p:sld>
+</file>
+
+<file path=ppt/slides/slide13.xml><?xml version="1.0" encoding="utf-8"?>
+<p:sld xmlns:a="http://schemas.openxmlformats.org/drawingml/2006/main" xmlns:r="http://schemas.openxmlformats.org/officeDocument/2006/relationships" xmlns:p="http://schemas.openxmlformats.org/presentationml/2006/main">
+  <p:cSld>
+    <p:spTree>
+      <p:nvGrpSpPr>
+        <p:cNvPr id="1" name=""/>
+        <p:cNvGrpSpPr/>
+        <p:nvPr/>
+      </p:nvGrpSpPr>
+      <p:grpSpPr>
+        <a:xfrm>
+          <a:off x="0" y="0"/>
+          <a:ext cx="0" cy="0"/>
+          <a:chOff x="0" y="0"/>
+          <a:chExt cx="0" cy="0"/>
+        </a:xfrm>
+      </p:grpSpPr>
+      <p:sp>
+        <p:nvSpPr>
+          <p:cNvPr id="3" name="Text Placeholder 2"/>
+          <p:cNvSpPr txBox="1">
+            <a:spLocks noGrp="1"/>
+          </p:cNvSpPr>
+          <p:nvPr>
+            <p:ph type="body" idx="4294967295"/>
+          </p:nvPr>
+        </p:nvSpPr>
+        <p:spPr>
+          <a:xfrm>
+            <a:off x="457200" y="1077840"/>
+            <a:ext cx="8291264" cy="5303488"/>
+          </a:xfrm>
+        </p:spPr>
+        <p:txBody>
+          <a:bodyPr/>
+          <a:lstStyle>
+            <a:defPPr marL="432000" lvl="0" indent="-324000">
+              <a:spcBef>
+                <a:spcPts val="0"/>
+              </a:spcBef>
+              <a:spcAft>
+                <a:spcPts val="1417"/>
+              </a:spcAft>
+              <a:buSzPct val="45000"/>
+              <a:buFont typeface="StarSymbol"/>
+              <a:buNone/>
+              <a:defRPr lang="en-US" sz="3200" b="0" i="0" u="none" strike="noStrike" kern="1200">
+                <a:ln>
+                  <a:noFill/>
+                </a:ln>
+                <a:latin typeface="Arial" pitchFamily="18"/>
+                <a:ea typeface="Droid Sans" pitchFamily="2"/>
+                <a:cs typeface="Lohit Hindi" pitchFamily="2"/>
+              </a:defRPr>
+            </a:defPPr>
+            <a:lvl1pPr marL="432000" lvl="0" indent="-324000">
+              <a:spcBef>
+                <a:spcPts val="0"/>
+              </a:spcBef>
+              <a:spcAft>
+                <a:spcPts val="1417"/>
+              </a:spcAft>
+              <a:buSzPct val="45000"/>
+              <a:buFont typeface="StarSymbol"/>
+              <a:buChar char="●"/>
+              <a:defRPr lang="en-US" sz="3200" b="0" i="0" u="none" strike="noStrike" kern="1200">
+                <a:ln>
+                  <a:noFill/>
+                </a:ln>
+                <a:latin typeface="Arial" pitchFamily="18"/>
+                <a:ea typeface="Droid Sans" pitchFamily="2"/>
+                <a:cs typeface="Lohit Hindi" pitchFamily="2"/>
+              </a:defRPr>
+            </a:lvl1pPr>
+            <a:lvl2pPr marL="864000" lvl="1" indent="-324000">
+              <a:spcBef>
+                <a:spcPts val="0"/>
+              </a:spcBef>
+              <a:spcAft>
+                <a:spcPts val="1134"/>
+              </a:spcAft>
+              <a:buSzPct val="75000"/>
+              <a:buFont typeface="StarSymbol"/>
+              <a:buChar char="–"/>
+              <a:defRPr lang="en-US" sz="2800" b="0" i="0" u="none" strike="noStrike" kern="1200">
+                <a:ln>
+                  <a:noFill/>
+                </a:ln>
+                <a:latin typeface="Arial" pitchFamily="18"/>
+                <a:ea typeface="Droid Sans" pitchFamily="2"/>
+                <a:cs typeface="Lohit Hindi" pitchFamily="2"/>
+              </a:defRPr>
+            </a:lvl2pPr>
+            <a:lvl3pPr marL="1295999" lvl="2" indent="-288000">
+              <a:spcBef>
+                <a:spcPts val="0"/>
+              </a:spcBef>
+              <a:spcAft>
+                <a:spcPts val="850"/>
+              </a:spcAft>
+              <a:buSzPct val="45000"/>
+              <a:buFont typeface="StarSymbol"/>
+              <a:buChar char="●"/>
+              <a:defRPr lang="en-US" sz="2400" b="0" i="0" u="none" strike="noStrike" kern="1200">
+                <a:ln>
+                  <a:noFill/>
+                </a:ln>
+                <a:latin typeface="Arial" pitchFamily="18"/>
+                <a:ea typeface="Droid Sans" pitchFamily="2"/>
+                <a:cs typeface="Lohit Hindi" pitchFamily="2"/>
+              </a:defRPr>
+            </a:lvl3pPr>
+            <a:lvl4pPr marL="1728000" lvl="3" indent="-216000">
+              <a:spcBef>
+                <a:spcPts val="0"/>
+              </a:spcBef>
+              <a:spcAft>
+                <a:spcPts val="567"/>
+              </a:spcAft>
+              <a:buSzPct val="75000"/>
+              <a:buFont typeface="StarSymbol"/>
+              <a:buChar char="–"/>
+              <a:defRPr lang="en-US" sz="2000" b="0" i="0" u="none" strike="noStrike" kern="1200">
+                <a:ln>
+                  <a:noFill/>
+                </a:ln>
+                <a:latin typeface="Arial" pitchFamily="18"/>
+                <a:ea typeface="Droid Sans" pitchFamily="2"/>
+                <a:cs typeface="Lohit Hindi" pitchFamily="2"/>
+              </a:defRPr>
+            </a:lvl4pPr>
+            <a:lvl5pPr marL="2160000" lvl="4" indent="-216000">
+              <a:spcBef>
+                <a:spcPts val="0"/>
+              </a:spcBef>
+              <a:spcAft>
+                <a:spcPts val="283"/>
+              </a:spcAft>
+              <a:buSzPct val="45000"/>
+              <a:buFont typeface="StarSymbol"/>
+              <a:buChar char="●"/>
+              <a:defRPr lang="en-US" sz="2000" b="0" i="0" u="none" strike="noStrike" kern="1200">
+                <a:ln>
+                  <a:noFill/>
+                </a:ln>
+                <a:latin typeface="Arial" pitchFamily="18"/>
+                <a:ea typeface="Droid Sans" pitchFamily="2"/>
+                <a:cs typeface="Lohit Hindi" pitchFamily="2"/>
+              </a:defRPr>
+            </a:lvl5pPr>
+            <a:lvl6pPr marL="2592000" lvl="5" indent="-216000">
+              <a:spcBef>
+                <a:spcPts val="0"/>
+              </a:spcBef>
+              <a:spcAft>
+                <a:spcPts val="283"/>
+              </a:spcAft>
+              <a:buSzPct val="45000"/>
+              <a:buFont typeface="StarSymbol"/>
+              <a:buChar char="●"/>
+              <a:defRPr lang="en-US" sz="2000" b="0" i="0" u="none" strike="noStrike" kern="1200">
+                <a:ln>
+                  <a:noFill/>
+                </a:ln>
+                <a:latin typeface="Arial" pitchFamily="18"/>
+                <a:ea typeface="Droid Sans" pitchFamily="2"/>
+                <a:cs typeface="Lohit Hindi" pitchFamily="2"/>
+              </a:defRPr>
+            </a:lvl6pPr>
+            <a:lvl7pPr marL="3024000" lvl="6" indent="-216000">
+              <a:spcBef>
+                <a:spcPts val="0"/>
+              </a:spcBef>
+              <a:spcAft>
+                <a:spcPts val="283"/>
+              </a:spcAft>
+              <a:buSzPct val="45000"/>
+              <a:buFont typeface="StarSymbol"/>
+              <a:buChar char="●"/>
+              <a:defRPr lang="en-US" sz="2000" b="0" i="0" u="none" strike="noStrike" kern="1200">
+                <a:ln>
+                  <a:noFill/>
+                </a:ln>
+                <a:latin typeface="Arial" pitchFamily="18"/>
+                <a:ea typeface="Droid Sans" pitchFamily="2"/>
+                <a:cs typeface="Lohit Hindi" pitchFamily="2"/>
+              </a:defRPr>
+            </a:lvl7pPr>
+            <a:lvl8pPr marL="3456000" lvl="7" indent="-216000">
+              <a:spcBef>
+                <a:spcPts val="0"/>
+              </a:spcBef>
+              <a:spcAft>
+                <a:spcPts val="283"/>
+              </a:spcAft>
+              <a:buSzPct val="45000"/>
+              <a:buFont typeface="StarSymbol"/>
+              <a:buChar char="●"/>
+              <a:defRPr lang="en-US" sz="2000" b="0" i="0" u="none" strike="noStrike" kern="1200">
+                <a:ln>
+                  <a:noFill/>
+                </a:ln>
+                <a:latin typeface="Arial" pitchFamily="18"/>
+                <a:ea typeface="Droid Sans" pitchFamily="2"/>
+                <a:cs typeface="Lohit Hindi" pitchFamily="2"/>
+              </a:defRPr>
+            </a:lvl8pPr>
+            <a:lvl9pPr marL="3887999" lvl="8" indent="-216000">
+              <a:spcBef>
+                <a:spcPts val="0"/>
+              </a:spcBef>
+              <a:spcAft>
+                <a:spcPts val="283"/>
+              </a:spcAft>
+              <a:buSzPct val="45000"/>
+              <a:buFont typeface="StarSymbol"/>
+              <a:buChar char="●"/>
+              <a:defRPr lang="en-US" sz="2000" b="0" i="0" u="none" strike="noStrike" kern="1200">
+                <a:ln>
+                  <a:noFill/>
+                </a:ln>
+                <a:latin typeface="Arial" pitchFamily="18"/>
+                <a:ea typeface="Droid Sans" pitchFamily="2"/>
+                <a:cs typeface="Lohit Hindi" pitchFamily="2"/>
+              </a:defRPr>
+            </a:lvl9pPr>
+          </a:lstStyle>
+          <a:p>
+            <a:endParaRPr lang="en-US" sz="2800" dirty="0" smtClean="0"/>
+          </a:p>
+          <a:p>
+            <a:endParaRPr lang="en-US" sz="2800" dirty="0"/>
+          </a:p>
+        </p:txBody>
+      </p:sp>
+      <p:sp>
+        <p:nvSpPr>
+          <p:cNvPr id="2" name="Title 1"/>
+          <p:cNvSpPr txBox="1">
+            <a:spLocks noGrp="1"/>
+          </p:cNvSpPr>
+          <p:nvPr>
+            <p:ph type="title" idx="4294967295"/>
+          </p:nvPr>
+        </p:nvSpPr>
+        <p:spPr/>
+        <p:txBody>
+          <a:bodyPr/>
+          <a:lstStyle>
+            <a:defPPr lvl="0">
+              <a:buSzPct val="45000"/>
+              <a:buFont typeface="StarSymbol"/>
+              <a:buNone/>
+            </a:defPPr>
+            <a:lvl1pPr lvl="0">
+              <a:buSzPct val="45000"/>
+              <a:buFont typeface="StarSymbol"/>
+              <a:buChar char="●"/>
+            </a:lvl1pPr>
+            <a:lvl2pPr lvl="1">
+              <a:buSzPct val="45000"/>
+              <a:buFont typeface="StarSymbol"/>
+              <a:buChar char="●"/>
+            </a:lvl2pPr>
+            <a:lvl3pPr lvl="2">
+              <a:buSzPct val="45000"/>
+              <a:buFont typeface="StarSymbol"/>
+              <a:buChar char="●"/>
+            </a:lvl3pPr>
+            <a:lvl4pPr lvl="3">
+              <a:buSzPct val="45000"/>
+              <a:buFont typeface="StarSymbol"/>
+              <a:buChar char="●"/>
+            </a:lvl4pPr>
+            <a:lvl5pPr lvl="4">
+              <a:buSzPct val="45000"/>
+              <a:buFont typeface="StarSymbol"/>
+              <a:buChar char="●"/>
+            </a:lvl5pPr>
+            <a:lvl6pPr lvl="5">
+              <a:buSzPct val="45000"/>
+              <a:buFont typeface="StarSymbol"/>
+              <a:buChar char="●"/>
+            </a:lvl6pPr>
+            <a:lvl7pPr lvl="6">
+              <a:buSzPct val="45000"/>
+              <a:buFont typeface="StarSymbol"/>
+              <a:buChar char="●"/>
+            </a:lvl7pPr>
+            <a:lvl8pPr lvl="7">
+              <a:buSzPct val="45000"/>
+              <a:buFont typeface="StarSymbol"/>
+              <a:buChar char="●"/>
+            </a:lvl8pPr>
+            <a:lvl9pPr lvl="8">
+              <a:buSzPct val="45000"/>
+              <a:buFont typeface="StarSymbol"/>
+              <a:buChar char="●"/>
+            </a:lvl9pPr>
+          </a:lstStyle>
+          <a:p>
+            <a:pPr>
+              <a:buNone/>
+            </a:pPr>
+            <a:r>
+              <a:rPr lang="en-US" dirty="0" smtClean="0"/>
+              <a:t>conclusion</a:t>
+            </a:r>
+            <a:endParaRPr lang="en-US" dirty="0"/>
+          </a:p>
+        </p:txBody>
+      </p:sp>
+      <p:sp>
+        <p:nvSpPr>
+          <p:cNvPr id="13" name="Date Placeholder 1"/>
+          <p:cNvSpPr>
+            <a:spLocks noGrp="1"/>
+          </p:cNvSpPr>
+          <p:nvPr>
+            <p:ph type="dt" sz="half" idx="10"/>
+          </p:nvPr>
+        </p:nvSpPr>
+        <p:spPr>
+          <a:xfrm>
+            <a:off x="0" y="6583679"/>
+            <a:ext cx="1097280" cy="274320"/>
+          </a:xfrm>
+        </p:spPr>
+        <p:txBody>
+          <a:bodyPr/>
+          <a:lstStyle/>
+          <a:p>
+            <a:pPr lvl="0"/>
+            <a:r>
+              <a:rPr lang="en-US" dirty="0" smtClean="0"/>
+              <a:t>15.05.2012</a:t>
+            </a:r>
+            <a:endParaRPr lang="en-US" dirty="0"/>
+          </a:p>
+        </p:txBody>
+      </p:sp>
+      <p:sp>
+        <p:nvSpPr>
+          <p:cNvPr id="14" name="Footer Placeholder 2"/>
+          <p:cNvSpPr>
+            <a:spLocks noGrp="1"/>
+          </p:cNvSpPr>
+          <p:nvPr>
+            <p:ph type="ftr" sz="quarter" idx="11"/>
+          </p:nvPr>
+        </p:nvSpPr>
+        <p:spPr>
+          <a:xfrm>
+            <a:off x="1277280" y="6583679"/>
+            <a:ext cx="5526968" cy="274320"/>
+          </a:xfrm>
+        </p:spPr>
+        <p:txBody>
+          <a:bodyPr/>
+          <a:lstStyle/>
+          <a:p>
+            <a:pPr lvl="0"/>
+            <a:r>
+              <a:rPr lang="en-US" dirty="0" smtClean="0"/>
+              <a:t>| </a:t>
+            </a:r>
+            <a:r>
+              <a:rPr lang="en-US" dirty="0" err="1" smtClean="0"/>
+              <a:t>Kahl</a:t>
+            </a:r>
+            <a:r>
+              <a:rPr lang="en-US" dirty="0" smtClean="0"/>
+              <a:t>, </a:t>
+            </a:r>
+            <a:r>
+              <a:rPr lang="en-US" dirty="0" err="1" smtClean="0"/>
+              <a:t>Platz</a:t>
+            </a:r>
+            <a:r>
+              <a:rPr lang="en-US" dirty="0" smtClean="0"/>
+              <a:t>, </a:t>
+            </a:r>
+            <a:r>
+              <a:rPr lang="en-US" dirty="0" err="1" smtClean="0"/>
+              <a:t>Schilf</a:t>
+            </a:r>
+            <a:r>
+              <a:rPr lang="en-US" dirty="0" smtClean="0"/>
+              <a:t> | Web-</a:t>
+            </a:r>
+            <a:r>
+              <a:rPr lang="en-US" dirty="0" err="1" smtClean="0"/>
+              <a:t>dev</a:t>
+            </a:r>
+            <a:r>
+              <a:rPr lang="en-US" dirty="0" smtClean="0"/>
+              <a:t> SS 2012</a:t>
+            </a:r>
+            <a:endParaRPr lang="en-US" dirty="0"/>
+          </a:p>
+        </p:txBody>
+      </p:sp>
+      <p:sp>
+        <p:nvSpPr>
+          <p:cNvPr id="10" name="Text Placeholder 2"/>
+          <p:cNvSpPr txBox="1">
+            <a:spLocks/>
+          </p:cNvSpPr>
+          <p:nvPr/>
+        </p:nvSpPr>
+        <p:spPr>
+          <a:xfrm>
+            <a:off x="323528" y="1197613"/>
+            <a:ext cx="8640960" cy="5303488"/>
+          </a:xfrm>
+          <a:prstGeom prst="rect">
+            <a:avLst/>
+          </a:prstGeom>
+          <a:noFill/>
+          <a:ln>
+            <a:noFill/>
+          </a:ln>
+        </p:spPr>
+        <p:txBody>
+          <a:bodyPr lIns="0" tIns="0" rIns="0" bIns="0"/>
+          <a:lstStyle>
+            <a:defPPr marL="432000" lvl="0" indent="-324000">
+              <a:spcBef>
+                <a:spcPts val="0"/>
+              </a:spcBef>
+              <a:spcAft>
+                <a:spcPts val="1417"/>
+              </a:spcAft>
+              <a:buSzPct val="45000"/>
+              <a:buFont typeface="StarSymbol"/>
+              <a:buNone/>
+              <a:defRPr lang="en-US" sz="3200" b="0" i="0" u="none" strike="noStrike" kern="1200">
+                <a:ln>
+                  <a:noFill/>
+                </a:ln>
+                <a:latin typeface="Arial" pitchFamily="18"/>
+                <a:ea typeface="Droid Sans" pitchFamily="2"/>
+                <a:cs typeface="Lohit Hindi" pitchFamily="2"/>
+              </a:defRPr>
+            </a:defPPr>
+            <a:lvl1pPr marL="432000" lvl="0" indent="-324000" rtl="0" hangingPunct="0">
+              <a:spcBef>
+                <a:spcPts val="0"/>
+              </a:spcBef>
+              <a:spcAft>
+                <a:spcPts val="1417"/>
+              </a:spcAft>
+              <a:buSzPct val="45000"/>
+              <a:buFont typeface="StarSymbol"/>
+              <a:buChar char="●"/>
+              <a:tabLst/>
+              <a:defRPr lang="en-US" sz="3200" b="0" i="0" u="none" strike="noStrike" kern="1200">
+                <a:ln>
+                  <a:noFill/>
+                </a:ln>
+                <a:latin typeface="Arial" pitchFamily="18"/>
+                <a:ea typeface="Droid Sans" pitchFamily="2"/>
+                <a:cs typeface="Lohit Hindi" pitchFamily="2"/>
+              </a:defRPr>
+            </a:lvl1pPr>
+            <a:lvl2pPr marL="864000" lvl="1" indent="-324000">
+              <a:spcBef>
+                <a:spcPts val="0"/>
+              </a:spcBef>
+              <a:spcAft>
+                <a:spcPts val="1134"/>
+              </a:spcAft>
+              <a:buSzPct val="75000"/>
+              <a:buFont typeface="StarSymbol"/>
+              <a:buChar char="–"/>
+              <a:defRPr lang="en-US" sz="2800" b="0" i="0" u="none" strike="noStrike" kern="1200">
+                <a:ln>
+                  <a:noFill/>
+                </a:ln>
+                <a:latin typeface="Arial" pitchFamily="18"/>
+                <a:ea typeface="Droid Sans" pitchFamily="2"/>
+                <a:cs typeface="Lohit Hindi" pitchFamily="2"/>
+              </a:defRPr>
+            </a:lvl2pPr>
+            <a:lvl3pPr marL="1295999" lvl="2" indent="-288000">
+              <a:spcBef>
+                <a:spcPts val="0"/>
+              </a:spcBef>
+              <a:spcAft>
+                <a:spcPts val="850"/>
+              </a:spcAft>
+              <a:buSzPct val="45000"/>
+              <a:buFont typeface="StarSymbol"/>
+              <a:buChar char="●"/>
+              <a:defRPr lang="en-US" sz="2400" b="0" i="0" u="none" strike="noStrike" kern="1200">
+                <a:ln>
+                  <a:noFill/>
+                </a:ln>
+                <a:latin typeface="Arial" pitchFamily="18"/>
+                <a:ea typeface="Droid Sans" pitchFamily="2"/>
+                <a:cs typeface="Lohit Hindi" pitchFamily="2"/>
+              </a:defRPr>
+            </a:lvl3pPr>
+            <a:lvl4pPr marL="1728000" lvl="3" indent="-216000">
+              <a:spcBef>
+                <a:spcPts val="0"/>
+              </a:spcBef>
+              <a:spcAft>
+                <a:spcPts val="567"/>
+              </a:spcAft>
+              <a:buSzPct val="75000"/>
+              <a:buFont typeface="StarSymbol"/>
+              <a:buChar char="–"/>
+              <a:defRPr lang="en-US" sz="2000" b="0" i="0" u="none" strike="noStrike" kern="1200">
+                <a:ln>
+                  <a:noFill/>
+                </a:ln>
+                <a:latin typeface="Arial" pitchFamily="18"/>
+                <a:ea typeface="Droid Sans" pitchFamily="2"/>
+                <a:cs typeface="Lohit Hindi" pitchFamily="2"/>
+              </a:defRPr>
+            </a:lvl4pPr>
+            <a:lvl5pPr marL="2160000" lvl="4" indent="-216000">
+              <a:spcBef>
+                <a:spcPts val="0"/>
+              </a:spcBef>
+              <a:spcAft>
+                <a:spcPts val="283"/>
+              </a:spcAft>
+              <a:buSzPct val="45000"/>
+              <a:buFont typeface="StarSymbol"/>
+              <a:buChar char="●"/>
+              <a:defRPr lang="en-US" sz="2000" b="0" i="0" u="none" strike="noStrike" kern="1200">
+                <a:ln>
+                  <a:noFill/>
+                </a:ln>
+                <a:latin typeface="Arial" pitchFamily="18"/>
+                <a:ea typeface="Droid Sans" pitchFamily="2"/>
+                <a:cs typeface="Lohit Hindi" pitchFamily="2"/>
+              </a:defRPr>
+            </a:lvl5pPr>
+            <a:lvl6pPr marL="2592000" lvl="5" indent="-216000">
+              <a:spcBef>
+                <a:spcPts val="0"/>
+              </a:spcBef>
+              <a:spcAft>
+                <a:spcPts val="283"/>
+              </a:spcAft>
+              <a:buSzPct val="45000"/>
+              <a:buFont typeface="StarSymbol"/>
+              <a:buChar char="●"/>
+              <a:defRPr lang="en-US" sz="2000" b="0" i="0" u="none" strike="noStrike" kern="1200">
+                <a:ln>
+                  <a:noFill/>
+                </a:ln>
+                <a:latin typeface="Arial" pitchFamily="18"/>
+                <a:ea typeface="Droid Sans" pitchFamily="2"/>
+                <a:cs typeface="Lohit Hindi" pitchFamily="2"/>
+              </a:defRPr>
+            </a:lvl6pPr>
+            <a:lvl7pPr marL="3024000" lvl="6" indent="-216000">
+              <a:spcBef>
+                <a:spcPts val="0"/>
+              </a:spcBef>
+              <a:spcAft>
+                <a:spcPts val="283"/>
+              </a:spcAft>
+              <a:buSzPct val="45000"/>
+              <a:buFont typeface="StarSymbol"/>
+              <a:buChar char="●"/>
+              <a:defRPr lang="en-US" sz="2000" b="0" i="0" u="none" strike="noStrike" kern="1200">
+                <a:ln>
+                  <a:noFill/>
+                </a:ln>
+                <a:latin typeface="Arial" pitchFamily="18"/>
+                <a:ea typeface="Droid Sans" pitchFamily="2"/>
+                <a:cs typeface="Lohit Hindi" pitchFamily="2"/>
+              </a:defRPr>
+            </a:lvl7pPr>
+            <a:lvl8pPr marL="3456000" lvl="7" indent="-216000">
+              <a:spcBef>
+                <a:spcPts val="0"/>
+              </a:spcBef>
+              <a:spcAft>
+                <a:spcPts val="283"/>
+              </a:spcAft>
+              <a:buSzPct val="45000"/>
+              <a:buFont typeface="StarSymbol"/>
+              <a:buChar char="●"/>
+              <a:defRPr lang="en-US" sz="2000" b="0" i="0" u="none" strike="noStrike" kern="1200">
+                <a:ln>
+                  <a:noFill/>
+                </a:ln>
+                <a:latin typeface="Arial" pitchFamily="18"/>
+                <a:ea typeface="Droid Sans" pitchFamily="2"/>
+                <a:cs typeface="Lohit Hindi" pitchFamily="2"/>
+              </a:defRPr>
+            </a:lvl8pPr>
+            <a:lvl9pPr marL="3887999" lvl="8" indent="-216000">
+              <a:spcBef>
+                <a:spcPts val="0"/>
+              </a:spcBef>
+              <a:spcAft>
+                <a:spcPts val="283"/>
+              </a:spcAft>
+              <a:buSzPct val="45000"/>
+              <a:buFont typeface="StarSymbol"/>
+              <a:buChar char="●"/>
+              <a:defRPr lang="en-US" sz="2000" b="0" i="0" u="none" strike="noStrike" kern="1200">
+                <a:ln>
+                  <a:noFill/>
+                </a:ln>
+                <a:latin typeface="Arial" pitchFamily="18"/>
+                <a:ea typeface="Droid Sans" pitchFamily="2"/>
+                <a:cs typeface="Lohit Hindi" pitchFamily="2"/>
+              </a:defRPr>
+            </a:lvl9pPr>
+          </a:lstStyle>
+          <a:p>
+            <a:r>
+              <a:rPr lang="en-US" sz="2800" dirty="0" smtClean="0"/>
+              <a:t>With our extension..</a:t>
+            </a:r>
+          </a:p>
+          <a:p>
+            <a:pPr lvl="1"/>
+            <a:r>
+              <a:rPr lang="en-US" sz="2400" dirty="0" smtClean="0"/>
+              <a:t>No need to use console for </a:t>
+            </a:r>
+            <a:r>
+              <a:rPr lang="en-US" sz="2400" dirty="0" err="1" smtClean="0"/>
+              <a:t>git</a:t>
+            </a:r>
+            <a:endParaRPr lang="en-US" sz="2400" dirty="0" smtClean="0"/>
+          </a:p>
+          <a:p>
+            <a:pPr lvl="1"/>
+            <a:r>
+              <a:rPr lang="en-US" sz="2400" dirty="0" smtClean="0"/>
+              <a:t>Ability to (un)stage single chunks</a:t>
+            </a:r>
+          </a:p>
+          <a:p>
+            <a:pPr lvl="1"/>
+            <a:r>
+              <a:rPr lang="en-US" sz="2400" dirty="0" smtClean="0"/>
+              <a:t>Instant visual feedback of changes</a:t>
+            </a:r>
+            <a:endParaRPr lang="en-US" sz="2400" dirty="0"/>
+          </a:p>
+          <a:p>
+            <a:endParaRPr lang="en-US" sz="2800" dirty="0" smtClean="0"/>
+          </a:p>
+          <a:p>
+            <a:r>
+              <a:rPr lang="en-US" sz="2800" dirty="0" smtClean="0"/>
+              <a:t>Experiences </a:t>
+            </a:r>
+            <a:r>
+              <a:rPr lang="en-US" sz="2800" dirty="0" smtClean="0"/>
+              <a:t>with </a:t>
+            </a:r>
+            <a:r>
+              <a:rPr lang="en-US" sz="2800" dirty="0" smtClean="0"/>
+              <a:t>c9</a:t>
+            </a:r>
+          </a:p>
+          <a:p>
+            <a:pPr lvl="1"/>
+            <a:r>
+              <a:rPr lang="en-US" sz="2400" dirty="0" smtClean="0"/>
+              <a:t>Plug-in architecture</a:t>
+            </a:r>
+          </a:p>
+          <a:p>
+            <a:pPr lvl="1"/>
+            <a:r>
+              <a:rPr lang="en-US" sz="2400" dirty="0" smtClean="0"/>
+              <a:t>C9 and its third party software not well documented</a:t>
+            </a:r>
+          </a:p>
+          <a:p>
+            <a:pPr lvl="1"/>
+            <a:r>
+              <a:rPr lang="en-US" sz="2400" dirty="0" smtClean="0"/>
+              <a:t>Contact via email fast and helpful</a:t>
+            </a:r>
+            <a:endParaRPr lang="en-US" sz="2400" dirty="0" smtClean="0"/>
+          </a:p>
+        </p:txBody>
+      </p:sp>
+    </p:spTree>
+    <p:extLst>
+      <p:ext uri="{BB962C8B-B14F-4D97-AF65-F5344CB8AC3E}">
+        <p14:creationId xmlns:p14="http://schemas.microsoft.com/office/powerpoint/2010/main" val="3453508443"/>
+      </p:ext>
+    </p:extLst>
+  </p:cSld>
+  <p:clrMapOvr>
+    <a:masterClrMapping/>
+  </p:clrMapOvr>
+  <mc:AlternateContent xmlns:mc="http://schemas.openxmlformats.org/markup-compatibility/2006" xmlns:p14="http://schemas.microsoft.com/office/powerpoint/2010/main">
+    <mc:Choice Requires="p14">
+      <p:transition spd="slow" p14:dur="2000"/>
+    </mc:Choice>
+    <mc:Fallback xmlns="">
+      <p:transition spd="slow"/>
+    </mc:Fallback>
+  </mc:AlternateContent>
+  <p:timing>
+    <p:tnLst>
+      <p:par>
+        <p:cTn id="1" dur="indefinite" restart="never" nodeType="tmRoot"/>
+      </p:par>
+    </p:tnLst>
+  </p:timing>
+</p:sld>
+</file>
+
+<file path=ppt/slides/slide2.xml><?xml version="1.0" encoding="utf-8"?>
+<p:sld xmlns:a="http://schemas.openxmlformats.org/drawingml/2006/main" xmlns:r="http://schemas.openxmlformats.org/officeDocument/2006/relationships" xmlns:p="http://schemas.openxmlformats.org/presentationml/2006/main">
+  <p:cSld>
+    <p:spTree>
+      <p:nvGrpSpPr>
+        <p:cNvPr id="1" name=""/>
+        <p:cNvGrpSpPr/>
+        <p:nvPr/>
+      </p:nvGrpSpPr>
+      <p:grpSpPr>
+        <a:xfrm>
+          <a:off x="0" y="0"/>
+          <a:ext cx="0" cy="0"/>
+          <a:chOff x="0" y="0"/>
+          <a:chExt cx="0" cy="0"/>
+        </a:xfrm>
+      </p:grpSpPr>
+      <p:grpSp>
+        <p:nvGrpSpPr>
+          <p:cNvPr id="24" name="Group 23"/>
+          <p:cNvGrpSpPr/>
+          <p:nvPr/>
+        </p:nvGrpSpPr>
+        <p:grpSpPr>
+          <a:xfrm>
+            <a:off x="7272858" y="1989904"/>
+            <a:ext cx="971550" cy="1156216"/>
+            <a:chOff x="5904706" y="1495140"/>
+            <a:chExt cx="971550" cy="1156216"/>
+          </a:xfrm>
+        </p:grpSpPr>
+        <p:pic>
+          <p:nvPicPr>
+            <p:cNvPr id="3085" name="Picture 13"/>
+            <p:cNvPicPr>
+              <a:picLocks noChangeAspect="1" noChangeArrowheads="1"/>
+            </p:cNvPicPr>
+            <p:nvPr/>
+          </p:nvPicPr>
+          <p:blipFill>
+            <a:blip r:embed="rId3">
+              <a:extLst>
+                <a:ext uri="{28A0092B-C50C-407E-A947-70E740481C1C}">
+                  <a14:useLocalDpi xmlns:a14="http://schemas.microsoft.com/office/drawing/2010/main" val="0"/>
+                </a:ext>
+              </a:extLst>
+            </a:blip>
+            <a:srcRect/>
+            <a:stretch>
+              <a:fillRect/>
+            </a:stretch>
+          </p:blipFill>
+          <p:spPr bwMode="auto">
+            <a:xfrm>
+              <a:off x="5904706" y="1495140"/>
+              <a:ext cx="971550" cy="971550"/>
+            </a:xfrm>
+            <a:prstGeom prst="rect">
+              <a:avLst/>
+            </a:prstGeom>
+            <a:noFill/>
+            <a:ln>
+              <a:noFill/>
+            </a:ln>
+            <a:effectLst/>
+            <a:extLst>
+              <a:ext uri="{909E8E84-426E-40DD-AFC4-6F175D3DCCD1}">
+                <a14:hiddenFill xmlns:a14="http://schemas.microsoft.com/office/drawing/2010/main">
+                  <a:solidFill>
+                    <a:schemeClr val="accent1"/>
+                  </a:solidFill>
+                </a14:hiddenFill>
+              </a:ext>
+              <a:ext uri="{91240B29-F687-4F45-9708-019B960494DF}">
+                <a14:hiddenLine xmlns:a14="http://schemas.microsoft.com/office/drawing/2010/main" w="9525">
+                  <a:solidFill>
+                    <a:schemeClr val="tx1"/>
+                  </a:solidFill>
+                  <a:miter lim="800000"/>
+                  <a:headEnd/>
+                  <a:tailEnd/>
+                </a14:hiddenLine>
+              </a:ext>
+              <a:ext uri="{AF507438-7753-43E0-B8FC-AC1667EBCBE1}">
+                <a14:hiddenEffects xmlns:a14="http://schemas.microsoft.com/office/drawing/2010/main">
+                  <a:effectLst>
+                    <a:outerShdw dist="35921" dir="2700000" algn="ctr" rotWithShape="0">
+                      <a:schemeClr val="bg2"/>
+                    </a:outerShdw>
+                  </a:effectLst>
+                </a14:hiddenEffects>
+              </a:ext>
+            </a:extLst>
+          </p:spPr>
+        </p:pic>
+        <p:sp>
+          <p:nvSpPr>
+            <p:cNvPr id="31" name="TextBox 30"/>
+            <p:cNvSpPr txBox="1"/>
+            <p:nvPr/>
+          </p:nvSpPr>
+          <p:spPr>
+            <a:xfrm>
+              <a:off x="6003195" y="2282024"/>
+              <a:ext cx="774571" cy="369332"/>
+            </a:xfrm>
+            <a:prstGeom prst="rect">
+              <a:avLst/>
+            </a:prstGeom>
+            <a:noFill/>
+          </p:spPr>
+          <p:txBody>
+            <a:bodyPr wrap="none" rtlCol="0">
+              <a:spAutoFit/>
+            </a:bodyPr>
+            <a:lstStyle/>
+            <a:p>
+              <a:r>
+                <a:rPr lang="de-DE" dirty="0" smtClean="0"/>
+                <a:t>debug</a:t>
+              </a:r>
+              <a:endParaRPr lang="en-GB" dirty="0"/>
+            </a:p>
+          </p:txBody>
+        </p:sp>
+      </p:grpSp>
+      <p:sp>
+        <p:nvSpPr>
+          <p:cNvPr id="2" name="Title 1"/>
+          <p:cNvSpPr txBox="1">
+            <a:spLocks noGrp="1"/>
+          </p:cNvSpPr>
+          <p:nvPr>
+            <p:ph type="title" idx="4294967295"/>
+          </p:nvPr>
+        </p:nvSpPr>
+        <p:spPr/>
+        <p:txBody>
+          <a:bodyPr/>
+          <a:lstStyle>
+            <a:defPPr lvl="0">
+              <a:buSzPct val="45000"/>
+              <a:buFont typeface="StarSymbol"/>
+              <a:buNone/>
+            </a:defPPr>
+            <a:lvl1pPr lvl="0">
+              <a:buSzPct val="45000"/>
+              <a:buFont typeface="StarSymbol"/>
+              <a:buChar char="●"/>
+            </a:lvl1pPr>
+            <a:lvl2pPr lvl="1">
+              <a:buSzPct val="45000"/>
+              <a:buFont typeface="StarSymbol"/>
+              <a:buChar char="●"/>
+            </a:lvl2pPr>
+            <a:lvl3pPr lvl="2">
+              <a:buSzPct val="45000"/>
+              <a:buFont typeface="StarSymbol"/>
+              <a:buChar char="●"/>
+            </a:lvl3pPr>
+            <a:lvl4pPr lvl="3">
+              <a:buSzPct val="45000"/>
+              <a:buFont typeface="StarSymbol"/>
+              <a:buChar char="●"/>
+            </a:lvl4pPr>
+            <a:lvl5pPr lvl="4">
+              <a:buSzPct val="45000"/>
+              <a:buFont typeface="StarSymbol"/>
+              <a:buChar char="●"/>
+            </a:lvl5pPr>
+            <a:lvl6pPr lvl="5">
+              <a:buSzPct val="45000"/>
+              <a:buFont typeface="StarSymbol"/>
+              <a:buChar char="●"/>
+            </a:lvl6pPr>
+            <a:lvl7pPr lvl="6">
+              <a:buSzPct val="45000"/>
+              <a:buFont typeface="StarSymbol"/>
+              <a:buChar char="●"/>
+            </a:lvl7pPr>
+            <a:lvl8pPr lvl="7">
+              <a:buSzPct val="45000"/>
+              <a:buFont typeface="StarSymbol"/>
+              <a:buChar char="●"/>
+            </a:lvl8pPr>
+            <a:lvl9pPr lvl="8">
+              <a:buSzPct val="45000"/>
+              <a:buFont typeface="StarSymbol"/>
+              <a:buChar char="●"/>
+            </a:lvl9pPr>
+          </a:lstStyle>
+          <a:p>
+            <a:pPr>
+              <a:buNone/>
+            </a:pPr>
+            <a:r>
+              <a:rPr lang="en-US" dirty="0" smtClean="0"/>
+              <a:t>Development Workflow</a:t>
+            </a:r>
+            <a:endParaRPr lang="en-US" dirty="0"/>
+          </a:p>
+        </p:txBody>
+      </p:sp>
+      <p:sp>
+        <p:nvSpPr>
+          <p:cNvPr id="13" name="Date Placeholder 1"/>
+          <p:cNvSpPr>
+            <a:spLocks noGrp="1"/>
+          </p:cNvSpPr>
+          <p:nvPr>
+            <p:ph type="dt" sz="half" idx="10"/>
+          </p:nvPr>
+        </p:nvSpPr>
+        <p:spPr>
+          <a:xfrm>
+            <a:off x="0" y="6583679"/>
+            <a:ext cx="1097280" cy="274320"/>
+          </a:xfrm>
+        </p:spPr>
+        <p:txBody>
+          <a:bodyPr/>
+          <a:lstStyle/>
+          <a:p>
+            <a:pPr lvl="0"/>
+            <a:r>
+              <a:rPr lang="en-US" dirty="0" smtClean="0"/>
+              <a:t>15.05.2012</a:t>
+            </a:r>
+            <a:endParaRPr lang="en-US" dirty="0"/>
+          </a:p>
+        </p:txBody>
+      </p:sp>
+      <p:sp>
+        <p:nvSpPr>
+          <p:cNvPr id="14" name="Footer Placeholder 2"/>
+          <p:cNvSpPr>
+            <a:spLocks noGrp="1"/>
+          </p:cNvSpPr>
+          <p:nvPr>
+            <p:ph type="ftr" sz="quarter" idx="11"/>
+          </p:nvPr>
+        </p:nvSpPr>
+        <p:spPr>
+          <a:xfrm>
+            <a:off x="1277280" y="6583679"/>
+            <a:ext cx="5526968" cy="274320"/>
+          </a:xfrm>
+        </p:spPr>
+        <p:txBody>
+          <a:bodyPr/>
+          <a:lstStyle/>
+          <a:p>
+            <a:pPr lvl="0"/>
+            <a:r>
+              <a:rPr lang="en-US" dirty="0" smtClean="0"/>
+              <a:t>| </a:t>
+            </a:r>
+            <a:r>
+              <a:rPr lang="en-US" dirty="0" err="1" smtClean="0"/>
+              <a:t>Kahl</a:t>
+            </a:r>
+            <a:r>
+              <a:rPr lang="en-US" dirty="0" smtClean="0"/>
+              <a:t>, </a:t>
+            </a:r>
+            <a:r>
+              <a:rPr lang="en-US" dirty="0" err="1" smtClean="0"/>
+              <a:t>Platz</a:t>
+            </a:r>
+            <a:r>
+              <a:rPr lang="en-US" dirty="0" smtClean="0"/>
+              <a:t>, </a:t>
+            </a:r>
+            <a:r>
+              <a:rPr lang="en-US" dirty="0" err="1" smtClean="0"/>
+              <a:t>Schilf</a:t>
+            </a:r>
+            <a:r>
+              <a:rPr lang="en-US" dirty="0" smtClean="0"/>
+              <a:t> | Web-</a:t>
+            </a:r>
+            <a:r>
+              <a:rPr lang="en-US" dirty="0" err="1" smtClean="0"/>
+              <a:t>dev</a:t>
+            </a:r>
+            <a:r>
+              <a:rPr lang="en-US" dirty="0" smtClean="0"/>
+              <a:t> SS 2012</a:t>
+            </a:r>
+            <a:endParaRPr lang="en-US" dirty="0"/>
+          </a:p>
+        </p:txBody>
+      </p:sp>
+      <p:sp>
+        <p:nvSpPr>
+          <p:cNvPr id="4" name="AutoShape 2" descr="data:image/jpeg;base64,/9j/4AAQSkZJRgABAQAAAQABAAD/2wCEAAkGBhQSERQSERQWFRMQGBQXFxgWGRUbHRcXFhYXFhUZGRcXHSgeGBolHBgYIy8gJScpLCwsFyAxNTAqNScsLCkBCQoKDgwOGg8PGjUkHSQsKTU1KjAsLDUsLDU1NCw1LCkvNSkwNSkpKSksKTQsLDYwLCkpKSwxKSotLCwsLCwpKf/AABEIARMAtwMBIgACEQEDEQH/xAAcAAEAAgIDAQAAAAAAAAAAAAAABgcFCAIDBAH/xABQEAABAwIDBAUHBwgHBQkAAAABAAIDBBEFEiEGBzFBEyJRYXEIFDKBsbKzIzVScnSRoTM0QmKDksHRFSQlc4KToiZEVJTTFjZDU2PC0vDx/8QAGgEBAAMBAQEAAAAAAAAAAAAAAAEDBAIFBv/EAC4RAQACAgAEBQMBCQAAAAAAAAABAgMRBBIhMQUyQVGhE2GB8BQVIkJScZHB0f/aAAwDAQACEQMRAD8AvFERAREQEREBERAREQEREBERAREQEREBERAREQEREBERAREQEREBERAREQEREBERAREQEREBERAREQEREBERAREQEREBFHdrNvqPDsvnUuV0mrWNaXOIGhNhwHebLIbP7RQVsInpZBJG4kXFwQRxa5p1aR2HtCDJIiICKL7Rby6Chm6CqmLJModbo5XaOvY3Y0jksvgGPw1sDaimdnieXAOLXNuWktOjgDxBQZFERAREQERQiq3zYXG98b6hwfG5zXDoZzZzSQRcMsdQgm6LjG8OAI4EAjwK5ICIiAiIgIiICIojtrvPo8Ms2ZxfMRcRR2Lrci65AYPE68gUEuRU/SeUjTF9pKWZjL+k1zHHxLdPwJWWxPf/AIbG28Rlmdya2Mt173SWt6roIJv92VqTXCrbG+SCSNjA5oLsjmXBabejfiO25Uy3A7NVFLSTSVDHRipe10bHgg5WtILi08M19L8m34WWa233sQYZJFHNDK8zx9ICwssBcixzEa6LjTb2oH4ZLiYhlEUMgiLDkzEksFxra3XHPkUEiqNs6GN7mSVtKx7CWua6eEFpGhBBdcEdhWWhma9rXscHNeA5rmkEOBFwQRoQRzWmm1GLCqrKioYC1tRLJIA61wHuJANtL6q9tgt9FPMaOgbBMJC2KHMcmW7IwCdHXt1UED8ocf2q37PF78qtXcX8ywfWn+M9VV5Q/wA6t+zxe/Ks1sFvgpMNwuCB7ZJZw6YuawABodI5zbvdYagjhdBfSKu9kt99FWytgcH08shAYJMuVzjwaHtOhPIEC/jopTthtSzD6V9VIxz2RlgIZa/XcGg9YgcSEGbRV9sbvlp8Rqm0sUEzHOa92Z/R2AaLng66k+2G1DMPpH1UjHPZGWAtZa/XcGjibcSgzS0z2tH9oVf2io+K9bGbF744MSqhTRQTMcWufmfksA21/RcTzWum13zhWfaKj4r0G49OLMaByA9i7FU+I+UPRRODIYppg2wLxlY0/VzdY+sBSzYneZSYndsDnMlaLuikADrfSFiQ5t+YOnOyCWIiICIiAiIg82JVnRQySkXETHvt25Gl1vwWn9KyXEsQY2R/ytbM0OedbGRwF7dgB0HYAFuHWUokjfG70ZGuafBwIP4Fah4vhdRhGIZXDLLSyNfG4jR4a67Hjtabe0cQgtHbncVTU2Hy1FLJL0tMwvdnLSJGt1foGjKbXIt2W71V2wezDcQroqR8hjEufrBoceoxz7WJHHLa6mm1u/mWso30rKdsRmblkfnLuqfSDW5Ra/DUnQnxXs8nvY+R9S7EHtIiha9kZP6cjxlcR2hrS4HvcOwoOvyjWWq6QdlPb7pHBZ/dNsyzENn5aWVzmMkqXElls3U6F4tmBHLsWC8pH89pv7g/Ecpr5PXzU77RL7kaCgNqsKbS1tTTsJLIJZI2l1rkNcQL2AF9OxXxsJuYpoTR17JpjKGxTZT0eW7owSNGg263aqU3ifOtd9pn98razZP8wpPs8HwmoKA8of51b9ni9+VfN3e5V2I0wqpagRRPLgwNbncS0lpJuQGi4PaT3Ll5Q/zq37PF78qtTcX8ywfWn+M9Br1trsjLhlW6mkIdYB7HjQPY6+VwHI3BBHIgq2sd2kdXbJOmkN5WmGOQ9ro5425j3kZT61hfKRH9dpjz6A/EcvLgv/dGt7qpnv0yDy+T82+LDuhmt/oH8Vbu+/5lqfGH40aqHyf3gYsL84ZgO89U+wFW9vv+Zanxh+NGgqLyffnb9hN7WKF7XfOFZ9oqPivU08n352/YTe1ihm1vzhWfaKj4r0FoUPk3yOps0lU1tQ5twwMuwG1w1z73PeQNO9VbhWITYfWtkbds1JIbjvYS17D3EXae4rcmH0R4D2LT7bydr8TrXM9F1ROR3/KOQbf0VUJY2SN9GRrXDwcA4fgV3LGbL/mVL/cQfDasmgIiICIiAtevKPxJ5raeA/kmQiQacXve9rjfnoxuiv8Aq6psUb5HnKyNrnOPY1ouT9wWru3u3U2N1MccUAytcWwNa3NK7N9J3fxyjQd9roJnuY2AwyspRPOBPUte7PG57gIwD1Pk2kZgRY3NxqRyV4U1M2NoZG1rGMADWtAAaBwAA0AWrZ3P4vE3pW0zgWi/UkiLx4Na+5PcNVkN3u92rpKiOGqkfNTvcGPbKSXR3NszXO6wt9EmxseB1QZXykfz2m/uD8Rymvk8/NTvtEvuRrI7xtnMLnkikxJ72vDSxgY5+rQ4uJysBNrnivfgLMOwmjb0UuWnncZGFznPLi5rQcoAuRZo4DRBr3vbwx0GL1YcDaSTpWntbKA+49ZI9RUy2S37TtipKLzeMvBhh6Uud6GZrAejA9LLzzWvrbkrMxbAsMx1gLiJHQ6B7CWSMB5G4vl48QRxsongGwOAxVbGsnkmna8FjXvcW52m4s6NjWu1HbbRBDfKH+dW/Z4vflVqbi/mWD60/wAZ6+bQ7F4XiYdiMz3uY1hBe172gNivfq2vobrN7ONoqDD2OgeW0jbua55cfyj+dxm9I2tbRBUHlIu/rtMP/QPxHfyWW3V4EazZytph6Usswb9cRwujv3ZgFYO1O7WixORk9SJHOawMaWvLRluXDTt6xXkwabC8FDqSObJnfnc1xfIWuLWt1IBy6AaFBrTguMT4fVtni6k1O4izweOrXsc3Q2IuCNFKtt98dViUHm7mRwwnKXhlyXlpuLudwbcA2HZxKtveBsxgssokrT0U8gBLoi4OcORe1gIP1iLm3FdEGwWBRUTn6GGoLWGYvc59wQ7KDb5M9XWwBtxQVv5Pvzt+wm9rFC9rvz+s+0VHxXrYfYrZDCKaR1bQyFxgY/MTI52VpHWJYRfgOzkvEN2mC1FSCHSOmqQalvXeA9rnOJIu23EO6vGw4IK3Zv7xEUvQfJF+XKJ8p6QC1r6HKX/rW9V9VF9htlJMRrY4GglpIdK76EYIzuJ7eQ7SQr4xXdTg09U9haYpg3pXsie5jcpPpWIytHhZZTZLEMIpD5rRPjYXmxPX+UdwF5Xizz2a210QTSOMNAaBYNAAHYBwXJEQEREBERBi9qMMdUUVTAzR08MrG+LmED8StTdnMZlwyvZOY7yUr3B0b7jkWPaebTYnXktxlG9pd3lDXnNUwNdJw6RpLH6cLuaQXeu6CvpvKTg6O7KSXpLaBz2Zb/WGtv8ACqk2cwyXE8TY0Nu6omMklho1pfnld3NAv+A5q+RuCwv6M3+af5KXbObH0lA0tpIWx5vSIuXOt9J7ruPheyDBbYYc7zltTTTxNqaaFxMUtiHRXdc93Ej+IWEwTFY6nEKaaqY1jH0vyDXWyCRry12UHTk63q52U7xrZSmqy11REHuZoDdzTbsJaQSO4r7iGy9NNEyGSFhjiFmAXGQWt1S2xCCv9sbeezeYWz+ZzdP0fD15dM1rd/oqWbKik8xpuj6L0WWvlzdNbXvz5r//AIstguzdPSNLaeJrA70jqSbcLucSSO5eWDYejZMJ2QNbIDmBBcAD2ht8oPqQVvDiYbhFLTdY+dTyZwwFzuhjlzPs0anl9xX3+kh/RdfSDMBBIx8QeC13QyTNIu06ix94KzcP2TpYHsfFEGuiDmsN3nKHkl1rk8ST96+4jsrTTvdJLEHOkaGON3DM1rg4A5SL2IGvcg9eHyAwsykEhjeBB1yhQrd35v5tP5x0fT9JL5x0uW/E+lm/RtfuvmUvwbZ6CkDm08YjDyC6xcbkCwOpPJePE9iKOok6WaBrnnibuGb6waQHetBHdkhD59iHT5On6XqZ7fkbdXJm5Wy8OWVRPGMmas83t5t55R5cvoZ7SZ8vK3HhytysrSxjY+kqiHTwtc5oABBc02HAEtIuPFcpNkqV0ApjC3oWuzBgzDra6kg3J1OpKCFbVdH5+fNct/NKvzjo7Wy9G7Lny6Xvb/T3LFUWEuqJaJsTyyWPDo5InDlIyV+W/cbkHxVmUOy9NDG+KKFjGSgteBe7gRYguvfmea50ezsET2SRxhroo+hYbu0jvfLqe3nxQVPi2Ly1Ela/I6OZtIxkzPolk0Ymt+ra58CpJtDiMUNDTOhp6eemDWEB7rO6QWsA0AlzuOb13U3GBw9O6o6MdLIzo3O16zdNC3geA1tewssfSbCUUcomZA0PabjVxDT2hhOUH1IM3TvJY0uFnEAkdhI1H3rsREBERAREQEREBERARUNvJ3yVlNiUsFI9jYqfKwhzGOzPABeSTrxNtCPRXfs35R5uG19OLf8AmQX07zG86+p3qQXkixmAbSU9bH0tLK2VnPKdWnsc06tPcQsmgIvhK49M36Q+8IOaL5dfUBFANsN9NDQkxscamZuhZERZp7HSeiPAXPcqrxbyhMQkJ6FsMDeVm53etz9D+6EGyaKJ7sNq3Yhh0U8pBlBcyWwABew8bDQXaWn1qWICIiAiIgIiICIiAiIgIiINMtrJy+uqnu4unnJ/zHLEqSbxsO6DFKyMEECZ7hYg6PPSAacxmsR3KNoMhgePz0comppHRyN5tPEdjhwc3uOizmKb1MTqL56yVoPKIiMeHyYCiaIPTUYnLIbySyPPa57j7SujOe0riiD20mNzxG8U8sZ/Uke33SsvU7x8RkhdTvrJnRv9IF2pHYX+lbtF7FRtEBERBsF5Ns5NJVM5NmaR4ujAPuhXCqh8nGSLzKoa14MxmzPZzazI1rDbmCQ7VW8gIiICIiAiIgIiICIiAodvU21/o2hdIwjp5j0cPc4jV9uxoufGw5qYrXPyicYMmIRU9+rTRA2/XlJc4/uhiCq5ZS5xc4lznEkkm5JJuSSeJuuCIgIu6Cke/wBBjnfVBPsXc/B5xxhlHix/8lG06eNFzfERxBHiCuNlKHxF2x0znei1x8AT7F6Bgk51EEv+W/8Ako2nUvEi5ywOabOaWnsIIP3FcFKGa2P2okw+rjqYj6Bs9vJ8Z9Nh8R9xAPJbgYdXsnijmiOaOZrXtPa1wBHtWkq2a3BYsZsKEbjc0sskY+qbSN98j1ILJREQEREBERAREQEREBatb8vnqov9GD4LFtKtaPKCoizFc/KaGJw/w5mH3QgrNWxux3YMlY2rrW5mv1iiPAjk9/aDybz4nSyrnZrDRUVdPAeE0sbT9UuGb8LraVjAAA0AAAAAcABoAO5ZuIyTWNQ18Nii080+jnQ4dYZYWBrW8mgNA9QsFymic02dcFYTbraqSlLKamdkdlD5HgAnUmwF9BwJJ8F6NkdpH1kErJrGWns4OsBmab8QNLixHrCzzjjtvq3xz8sZNRy/P93ucwHiAfHX2rrFKz6Df3W/yXaioWagaLcNPBdsMLnmzbldSx+2e0r6OKKKAhsswL3OsCWt0GgOlyTbuAKspWJ79nM7mYrXvL1YxgTJW9HUxNe13J4DvuPI+BuqF3k7vTQPEsN3U0psL6mN3HI48xa9j3EHUa3VsRtRJViSnqDne1udj7AE2IBBtobXGvYSm1eFNqaKohcPTjcR3OaMzD6nAK2tvpzEx2lRlxTaJraP4oaurYHybD/Vavs6Znw1r8tivJxprYfO/wCnUOA8Gxx/xJW95S2UREBERAREQFj6rHI2OLLSPe3iI4pX2uLjVrS0esrILH1dTPmLYYWkC3Xkkyj1NY1zj68qDqGMyH0aSc956Fv4OkB/BcRiFUeFK0fWmaPda5ffMap3p1DWDshiHvSl/uhfRs+D6c9Q/wDauZ+EOQIAqqv/AIeH/mHf9BVLv/wWeWCGrfExnm5MbyyQv6slspIMbbAOFr/rq2DszSi5fGHdpkc9/wB5kcVGZcQwSoz0n9X+WDo7iPLq7Tqy5bB1+BB42som0R3lZTHe++WJnXtDXDZCtENdSyO4MmiJ8M4B/C62h4epa0bb7GTYZVOglBLTcxSW0kZfQjv7RyPqJufdvtqyupmse4ecwtAkaeLgNBIO0HS/YfELLxNZnVmrhLxEzWXbvPw13TMqQCY5WNBPJrm30PZcEW8CvXu4w1zIp6h4IbI0Rsv+lqS4juuQL9xUqpsQLBlIDmnkVxq60yWvoBwAVU3r5vVt5r8kYtdPf7POi4yyhrS5xAa0EkngAOJKxsVG6OeWeScmJ4Fmm9m3Itzt3C3HMs6yIZRR7eXhrnsgqWgljWdG+36JvdpPYL3F/DtUhXppK4suNC08QVZSYjcT6uJm1Zi9e8Ibuyw1wklqnAiOONzGn6TnEaDtsB+IWcxupEdNPIeEcUrvuY4rLVVcXgNsGtHIKr98m1jYabzNjry1Fs4H6EQN9ewuIAHdfuXeotaK1cZMk6tkt036KOW0G6qgqaXC6djYIz0jTKS6YtJ6U523aIjY5S0ceSpPdbsE/Eqtoc0+bQkOmdytxEYP0nWt3C55LZw7MUh/3aD/AC2D2Bei8ZxNVV/8PD/zDv8Aorj/AEjUjjSg/UmYfea1cjsvT8Wxln92+RnuOCf0Bb8nUVDP2mf4wegHG3j06WoHgIn/AIRyE/gu+jxmOR2RucPtfK+OVhtz9Novx5Lz+aVTPRnjk7pYrH9+NwA/dK9FDUzFxbNCGWFw5jw5p7rENcD6rd6D3IiICIiAiIgwO22GiajkBn836O0vSE2a0xnMM/6lx+APJUfgVJU1dQ2OB0JfI8u6cCMDqkhxY4NFxe5s3U28VsTU0zZGOjkaHMeC1zXC4c0ixBB4iyoreJsDJhRjrKS89FC4nzeYyPZTvfoHtAcOrcjW9wbXJvdVXxRedy3cPx2Th6TWsRP+lrzbCU8tBHQ1QM7ImgB7/TDhwc1w1YRwHdpqFTm0O4yuo5Onw2QzBhu2xDJmexr/AFEX7FZG7HbfzpnQSPfKWi8VQ+J0QqAB8o0BxIc+M6Eg6ix5EqfKzXoxc02nma60e9uspCIsSpXFw0uWmJ/iWkZXeoBSOj30UDx1+mjP6zL/AIsJ9iuKppWSNyyMa9p5OAI+46LXnfdiNDFMaOjpIGStsZpWMDS0mzgxuWwvaxJtzt2qq2Ckr68Tkr6pqzehhrh+ct15OZL/APBeWLbHCWlv9bBawgtY4zljSOBDC22nLs5LXxFx+zV91kcZeGx796GGj/em+pkp/wDYvBVb5MPYOq+ST6kZH4vLVr+rq3H1OH1V6Woo6c1UTczJHMDulYONw+4Dxpw4jXkbv2aiJ4u7x129uqqyYsMpH5jpmymR4vzDGjK3xN02a3E1lXJ0+JyGJrzmcLh8z78bnVrPEknuWwFPSsjblja1jRyaAB9w0Xarq0rXsz3yWv5pY/AsBho4WwU0YjjZyHM83OJ1c49pWQRF24EREBERAREQEREBERAXRX0TJonxStDo5WuY5p5tcLEfcV3og1PqZJcJrZqWTNngeRTyl8o6DM64nYxhs7MwgkEEHUa6g2vhG+8COZ00XTx0pY11RAWMD89g0inmc1410NiR4BSbeJuygxVgLj0VRGLMlAvpxyvH6Tb+scuYNGYtuRxSBxDYBM3k6J7SD/hcQ4fciNey18e31CLpmRwNbLAxr7VE8Lc2bVojERf0jv1QR4rXXFMRfUTSzyavme97vF7i427tVJ6bdDirzYUb2973RtH+pyitGz5VgPDM0H94AoRv1enHMDkpJRFNYPLIpCB+iJWB7Qf1gHC/eshVbLBmGQ1/SEmaeSHJl0GRt82a+t+yyz2/Mf21P9WD4LF9xUf7NUf2yf3HIlD8MwWSobO6IX81iMzxz6MOa1xHbbMCe4FZTdziBgxWikGny8bD9WR3Ru/BxUh3LsBmrwRcGgqQR3EsUS2R/P6P7RT/ABWINzEREBERAREQEREBERAREQEREBERARF5qjEo2ek4X7BqfuCmKzbpDm160jdp1DvdwK0opPyzPrt94LbjFdsY4YpJXNOSJrnEkgaAX7+PDxIWpGGxl88YaLudIwAd5cLBdWx2r3hXjz48m5pO9Jpvz+eqj6sHwWLsxYf7M0f22b3ZF4d8NUZMWncbXywg27omL0Yo53/ZykB9EVUh4dolHH1FOSdzHsj69eWtv6ta/L07k/y9d9gqfaxRDZH8/o/tFP8AFYpNuemcKmqay2aWknYB23LNFEcDrBBVQSuGkMsTyO5j2uPsUcs6iXcZIm019Y03URYOm2oY4A5btcAQWkEEHUEdxCyVPikb9GuF+w6H8V3bDeveFWPi8OTpW36/L1IiKppEREBERAREQEREBERAXF7wASdANSuS6K6Evjc0cSDZTERM9XN5mKzMd2AxDGnPJDSWs7uJ8T/BY1fXNsbHQhfF7lKVpGqvi8uW+W3NeeqvNv8AZ+srJujbOxlKMpEZDh1gNS6w6+vDWw7Fx2c2JpcNY+tmkM0lO0v0bYMtza0m7ncgSbC/Lip/VQB7SDx5dxWDjAJAPA6EdoPFWV4XHfdv5l9eKv8AT+n2r9vVTkGF1OL1kkkbD8q8uc43yRtPAF3cLADibK48R2Mjkw7zBps1jGhjiOD26h5A7XXv3OK7G3icQ3TKbWHD7llZqwCPOOdreJ/+/gq68HGPvO9rOI4y+Sa8saivZQ+FOnwevY+eJzQwlrhyfG4WcWO4O7R3gKbbV7uKepd5xTS9E+YB5blux2cZs2liwm9yNfAKWZOlJz9YAFxvrwHYdFxiZmcB2kD711j4Ctdxedwsycde1ovXpbXX2n8MTu7wesps0U8zZKdreo0ZiWuuODnAZRa/V19Sm64sYALDQBckita9K9nn5ck5Lc0vfQYw+MgHrN7DxHgVJopQ4BzdQdQoUApdhkBZE1ruPPuub2Xn8XSsatHd7XhWbJaZpPWIj/H2epERYHuiIiAiIgIiICIiAiIg8VdhLJdTo7tH8e1YWowKRvAZh3cfuKk6K/HxF6dI7MOfgcOadzGp94QiaItvmBHHiCPao5FxHiParZc0HQ6rxSYJA7UxMv3NA9i34fEIrvmq8+fCZjy2+FdYj+Ud6vYFymPyLPF38VPJtl6dxuY9T2OcP4ridlactDchs29us7n61fHiOLUdJ6fr3VfurN7x8/8AEFoP/E+oV00vpt8R7VYcOzNO29o+IsbucdPvXdDgkDNWxMB7coP4lRPiWPrqJdR4Vl9Zj5RdkZPAE+AuvdT4HI7iMo/W/kpO1oHAWX1YbcZafLDRj8IpHntv4eChwdkevpO7Ty8ByXvRFjtabTuXq48VMdeWkagREXKwREQEREBERAREQEREBERAREQEREBERAREQEREBERAREQEREH/2Q=="/>
+          <p:cNvSpPr>
+            <a:spLocks noChangeAspect="1" noChangeArrowheads="1"/>
+          </p:cNvSpPr>
+          <p:nvPr/>
+        </p:nvSpPr>
+        <p:spPr bwMode="auto">
+          <a:xfrm>
+            <a:off x="155575" y="-1257300"/>
+            <a:ext cx="1743075" cy="2619375"/>
+          </a:xfrm>
+          <a:prstGeom prst="rect">
+            <a:avLst/>
+          </a:prstGeom>
+          <a:noFill/>
+          <a:extLst>
+            <a:ext uri="{909E8E84-426E-40DD-AFC4-6F175D3DCCD1}">
+              <a14:hiddenFill xmlns:a14="http://schemas.microsoft.com/office/drawing/2010/main">
+                <a:solidFill>
+                  <a:srgbClr val="FFFFFF"/>
+                </a:solidFill>
+              </a14:hiddenFill>
+            </a:ext>
+          </a:extLst>
+        </p:spPr>
+        <p:txBody>
+          <a:bodyPr vert="horz" wrap="square" lIns="91440" tIns="45720" rIns="91440" bIns="45720" numCol="1" anchor="t" anchorCtr="0" compatLnSpc="1">
+            <a:prstTxWarp prst="textNoShape">
+              <a:avLst/>
+            </a:prstTxWarp>
+          </a:bodyPr>
+          <a:lstStyle/>
+          <a:p>
+            <a:endParaRPr lang="en-GB"/>
+          </a:p>
+        </p:txBody>
+      </p:sp>
+      <p:sp>
+        <p:nvSpPr>
+          <p:cNvPr id="5" name="AutoShape 4" descr="data:image/jpeg;base64,/9j/4AAQSkZJRgABAQAAAQABAAD/2wCEAAkGBhQSERQSERQWFRMQGBQXFxgWGRUbHRcXFhYXFhUZGRcXHSgeGBolHBgYIy8gJScpLCwsFyAxNTAqNScsLCkBCQoKDgwOGg8PGjUkHSQsKTU1KjAsLDUsLDU1NCw1LCkvNSkwNSkpKSksKTQsLDYwLCkpKSwxKSotLCwsLCwpKf/AABEIARMAtwMBIgACEQEDEQH/xAAcAAEAAgIDAQAAAAAAAAAAAAAABgcFCAIDBAH/xABQEAABAwIDBAUHBwgHBQkAAAABAAIDBBEFEiEGBzFBEyJRYXEIFDKBsbKzIzVScnSRoTM0QmKDksHRFSQlc4KToiZEVJTTFjZDU2PC0vDx/8QAGgEBAAMBAQEAAAAAAAAAAAAAAAEDBAIFBv/EAC4RAQACAgAEBQMBCQAAAAAAAAABAgMRBBIhMQUyQVGhE2GB8BQVIkJScZHB0f/aAAwDAQACEQMRAD8AvFERAREQEREBERAREQEREBERAREQEREBERAREQEREBERAREQEREBERAREQEREBERAREQEREBERAREQEREBERAREQEREBFHdrNvqPDsvnUuV0mrWNaXOIGhNhwHebLIbP7RQVsInpZBJG4kXFwQRxa5p1aR2HtCDJIiICKL7Rby6Chm6CqmLJModbo5XaOvY3Y0jksvgGPw1sDaimdnieXAOLXNuWktOjgDxBQZFERAREQERQiq3zYXG98b6hwfG5zXDoZzZzSQRcMsdQgm6LjG8OAI4EAjwK5ICIiAiIgIiICIojtrvPo8Ms2ZxfMRcRR2Lrci65AYPE68gUEuRU/SeUjTF9pKWZjL+k1zHHxLdPwJWWxPf/AIbG28Rlmdya2Mt173SWt6roIJv92VqTXCrbG+SCSNjA5oLsjmXBabejfiO25Uy3A7NVFLSTSVDHRipe10bHgg5WtILi08M19L8m34WWa233sQYZJFHNDK8zx9ICwssBcixzEa6LjTb2oH4ZLiYhlEUMgiLDkzEksFxra3XHPkUEiqNs6GN7mSVtKx7CWua6eEFpGhBBdcEdhWWhma9rXscHNeA5rmkEOBFwQRoQRzWmm1GLCqrKioYC1tRLJIA61wHuJANtL6q9tgt9FPMaOgbBMJC2KHMcmW7IwCdHXt1UED8ocf2q37PF78qtXcX8ywfWn+M9VV5Q/wA6t+zxe/Ks1sFvgpMNwuCB7ZJZw6YuawABodI5zbvdYagjhdBfSKu9kt99FWytgcH08shAYJMuVzjwaHtOhPIEC/jopTthtSzD6V9VIxz2RlgIZa/XcGg9YgcSEGbRV9sbvlp8Rqm0sUEzHOa92Z/R2AaLng66k+2G1DMPpH1UjHPZGWAtZa/XcGjibcSgzS0z2tH9oVf2io+K9bGbF744MSqhTRQTMcWufmfksA21/RcTzWum13zhWfaKj4r0G49OLMaByA9i7FU+I+UPRRODIYppg2wLxlY0/VzdY+sBSzYneZSYndsDnMlaLuikADrfSFiQ5t+YOnOyCWIiICIiAiIg82JVnRQySkXETHvt25Gl1vwWn9KyXEsQY2R/ytbM0OedbGRwF7dgB0HYAFuHWUokjfG70ZGuafBwIP4Fah4vhdRhGIZXDLLSyNfG4jR4a67Hjtabe0cQgtHbncVTU2Hy1FLJL0tMwvdnLSJGt1foGjKbXIt2W71V2wezDcQroqR8hjEufrBoceoxz7WJHHLa6mm1u/mWso30rKdsRmblkfnLuqfSDW5Ra/DUnQnxXs8nvY+R9S7EHtIiha9kZP6cjxlcR2hrS4HvcOwoOvyjWWq6QdlPb7pHBZ/dNsyzENn5aWVzmMkqXElls3U6F4tmBHLsWC8pH89pv7g/Ecpr5PXzU77RL7kaCgNqsKbS1tTTsJLIJZI2l1rkNcQL2AF9OxXxsJuYpoTR17JpjKGxTZT0eW7owSNGg263aqU3ifOtd9pn98razZP8wpPs8HwmoKA8of51b9ni9+VfN3e5V2I0wqpagRRPLgwNbncS0lpJuQGi4PaT3Ll5Q/zq37PF78qtTcX8ywfWn+M9Br1trsjLhlW6mkIdYB7HjQPY6+VwHI3BBHIgq2sd2kdXbJOmkN5WmGOQ9ro5425j3kZT61hfKRH9dpjz6A/EcvLgv/dGt7qpnv0yDy+T82+LDuhmt/oH8Vbu+/5lqfGH40aqHyf3gYsL84ZgO89U+wFW9vv+Zanxh+NGgqLyffnb9hN7WKF7XfOFZ9oqPivU08n352/YTe1ihm1vzhWfaKj4r0FoUPk3yOps0lU1tQ5twwMuwG1w1z73PeQNO9VbhWITYfWtkbds1JIbjvYS17D3EXae4rcmH0R4D2LT7bydr8TrXM9F1ROR3/KOQbf0VUJY2SN9GRrXDwcA4fgV3LGbL/mVL/cQfDasmgIiICIiAtevKPxJ5raeA/kmQiQacXve9rjfnoxuiv8Aq6psUb5HnKyNrnOPY1ouT9wWru3u3U2N1MccUAytcWwNa3NK7N9J3fxyjQd9roJnuY2AwyspRPOBPUte7PG57gIwD1Pk2kZgRY3NxqRyV4U1M2NoZG1rGMADWtAAaBwAA0AWrZ3P4vE3pW0zgWi/UkiLx4Na+5PcNVkN3u92rpKiOGqkfNTvcGPbKSXR3NszXO6wt9EmxseB1QZXykfz2m/uD8Rymvk8/NTvtEvuRrI7xtnMLnkikxJ72vDSxgY5+rQ4uJysBNrnivfgLMOwmjb0UuWnncZGFznPLi5rQcoAuRZo4DRBr3vbwx0GL1YcDaSTpWntbKA+49ZI9RUy2S37TtipKLzeMvBhh6Uud6GZrAejA9LLzzWvrbkrMxbAsMx1gLiJHQ6B7CWSMB5G4vl48QRxsongGwOAxVbGsnkmna8FjXvcW52m4s6NjWu1HbbRBDfKH+dW/Z4vflVqbi/mWD60/wAZ6+bQ7F4XiYdiMz3uY1hBe172gNivfq2vobrN7ONoqDD2OgeW0jbua55cfyj+dxm9I2tbRBUHlIu/rtMP/QPxHfyWW3V4EazZytph6Usswb9cRwujv3ZgFYO1O7WixORk9SJHOawMaWvLRluXDTt6xXkwabC8FDqSObJnfnc1xfIWuLWt1IBy6AaFBrTguMT4fVtni6k1O4izweOrXsc3Q2IuCNFKtt98dViUHm7mRwwnKXhlyXlpuLudwbcA2HZxKtveBsxgssokrT0U8gBLoi4OcORe1gIP1iLm3FdEGwWBRUTn6GGoLWGYvc59wQ7KDb5M9XWwBtxQVv5Pvzt+wm9rFC9rvz+s+0VHxXrYfYrZDCKaR1bQyFxgY/MTI52VpHWJYRfgOzkvEN2mC1FSCHSOmqQalvXeA9rnOJIu23EO6vGw4IK3Zv7xEUvQfJF+XKJ8p6QC1r6HKX/rW9V9VF9htlJMRrY4GglpIdK76EYIzuJ7eQ7SQr4xXdTg09U9haYpg3pXsie5jcpPpWIytHhZZTZLEMIpD5rRPjYXmxPX+UdwF5Xizz2a210QTSOMNAaBYNAAHYBwXJEQEREBERBi9qMMdUUVTAzR08MrG+LmED8StTdnMZlwyvZOY7yUr3B0b7jkWPaebTYnXktxlG9pd3lDXnNUwNdJw6RpLH6cLuaQXeu6CvpvKTg6O7KSXpLaBz2Zb/WGtv8ACqk2cwyXE8TY0Nu6omMklho1pfnld3NAv+A5q+RuCwv6M3+af5KXbObH0lA0tpIWx5vSIuXOt9J7ruPheyDBbYYc7zltTTTxNqaaFxMUtiHRXdc93Ej+IWEwTFY6nEKaaqY1jH0vyDXWyCRry12UHTk63q52U7xrZSmqy11REHuZoDdzTbsJaQSO4r7iGy9NNEyGSFhjiFmAXGQWt1S2xCCv9sbeezeYWz+ZzdP0fD15dM1rd/oqWbKik8xpuj6L0WWvlzdNbXvz5r//AIstguzdPSNLaeJrA70jqSbcLucSSO5eWDYejZMJ2QNbIDmBBcAD2ht8oPqQVvDiYbhFLTdY+dTyZwwFzuhjlzPs0anl9xX3+kh/RdfSDMBBIx8QeC13QyTNIu06ix94KzcP2TpYHsfFEGuiDmsN3nKHkl1rk8ST96+4jsrTTvdJLEHOkaGON3DM1rg4A5SL2IGvcg9eHyAwsykEhjeBB1yhQrd35v5tP5x0fT9JL5x0uW/E+lm/RtfuvmUvwbZ6CkDm08YjDyC6xcbkCwOpPJePE9iKOok6WaBrnnibuGb6waQHetBHdkhD59iHT5On6XqZ7fkbdXJm5Wy8OWVRPGMmas83t5t55R5cvoZ7SZ8vK3HhytysrSxjY+kqiHTwtc5oABBc02HAEtIuPFcpNkqV0ApjC3oWuzBgzDra6kg3J1OpKCFbVdH5+fNct/NKvzjo7Wy9G7Lny6Xvb/T3LFUWEuqJaJsTyyWPDo5InDlIyV+W/cbkHxVmUOy9NDG+KKFjGSgteBe7gRYguvfmea50ezsET2SRxhroo+hYbu0jvfLqe3nxQVPi2Ly1Ela/I6OZtIxkzPolk0Ymt+ra58CpJtDiMUNDTOhp6eemDWEB7rO6QWsA0AlzuOb13U3GBw9O6o6MdLIzo3O16zdNC3geA1tewssfSbCUUcomZA0PabjVxDT2hhOUH1IM3TvJY0uFnEAkdhI1H3rsREBERAREQEREBERARUNvJ3yVlNiUsFI9jYqfKwhzGOzPABeSTrxNtCPRXfs35R5uG19OLf8AmQX07zG86+p3qQXkixmAbSU9bH0tLK2VnPKdWnsc06tPcQsmgIvhK49M36Q+8IOaL5dfUBFANsN9NDQkxscamZuhZERZp7HSeiPAXPcqrxbyhMQkJ6FsMDeVm53etz9D+6EGyaKJ7sNq3Yhh0U8pBlBcyWwABew8bDQXaWn1qWICIiAiIgIiICIiAiIgIiINMtrJy+uqnu4unnJ/zHLEqSbxsO6DFKyMEECZ7hYg6PPSAacxmsR3KNoMhgePz0comppHRyN5tPEdjhwc3uOizmKb1MTqL56yVoPKIiMeHyYCiaIPTUYnLIbySyPPa57j7SujOe0riiD20mNzxG8U8sZ/Uke33SsvU7x8RkhdTvrJnRv9IF2pHYX+lbtF7FRtEBERBsF5Ns5NJVM5NmaR4ujAPuhXCqh8nGSLzKoa14MxmzPZzazI1rDbmCQ7VW8gIiICIiAiIgIiICIiAodvU21/o2hdIwjp5j0cPc4jV9uxoufGw5qYrXPyicYMmIRU9+rTRA2/XlJc4/uhiCq5ZS5xc4lznEkkm5JJuSSeJuuCIgIu6Cke/wBBjnfVBPsXc/B5xxhlHix/8lG06eNFzfERxBHiCuNlKHxF2x0znei1x8AT7F6Bgk51EEv+W/8Ako2nUvEi5ywOabOaWnsIIP3FcFKGa2P2okw+rjqYj6Bs9vJ8Z9Nh8R9xAPJbgYdXsnijmiOaOZrXtPa1wBHtWkq2a3BYsZsKEbjc0sskY+qbSN98j1ILJREQEREBERAREQEREBatb8vnqov9GD4LFtKtaPKCoizFc/KaGJw/w5mH3QgrNWxux3YMlY2rrW5mv1iiPAjk9/aDybz4nSyrnZrDRUVdPAeE0sbT9UuGb8LraVjAAA0AAAAAcABoAO5ZuIyTWNQ18Nii080+jnQ4dYZYWBrW8mgNA9QsFymic02dcFYTbraqSlLKamdkdlD5HgAnUmwF9BwJJ8F6NkdpH1kErJrGWns4OsBmab8QNLixHrCzzjjtvq3xz8sZNRy/P93ucwHiAfHX2rrFKz6Df3W/yXaioWagaLcNPBdsMLnmzbldSx+2e0r6OKKKAhsswL3OsCWt0GgOlyTbuAKspWJ79nM7mYrXvL1YxgTJW9HUxNe13J4DvuPI+BuqF3k7vTQPEsN3U0psL6mN3HI48xa9j3EHUa3VsRtRJViSnqDne1udj7AE2IBBtobXGvYSm1eFNqaKohcPTjcR3OaMzD6nAK2tvpzEx2lRlxTaJraP4oaurYHybD/Vavs6Znw1r8tivJxprYfO/wCnUOA8Gxx/xJW95S2UREBERAREQFj6rHI2OLLSPe3iI4pX2uLjVrS0esrILH1dTPmLYYWkC3Xkkyj1NY1zj68qDqGMyH0aSc956Fv4OkB/BcRiFUeFK0fWmaPda5ffMap3p1DWDshiHvSl/uhfRs+D6c9Q/wDauZ+EOQIAqqv/AIeH/mHf9BVLv/wWeWCGrfExnm5MbyyQv6slspIMbbAOFr/rq2DszSi5fGHdpkc9/wB5kcVGZcQwSoz0n9X+WDo7iPLq7Tqy5bB1+BB42som0R3lZTHe++WJnXtDXDZCtENdSyO4MmiJ8M4B/C62h4epa0bb7GTYZVOglBLTcxSW0kZfQjv7RyPqJufdvtqyupmse4ecwtAkaeLgNBIO0HS/YfELLxNZnVmrhLxEzWXbvPw13TMqQCY5WNBPJrm30PZcEW8CvXu4w1zIp6h4IbI0Rsv+lqS4juuQL9xUqpsQLBlIDmnkVxq60yWvoBwAVU3r5vVt5r8kYtdPf7POi4yyhrS5xAa0EkngAOJKxsVG6OeWeScmJ4Fmm9m3Itzt3C3HMs6yIZRR7eXhrnsgqWgljWdG+36JvdpPYL3F/DtUhXppK4suNC08QVZSYjcT6uJm1Zi9e8Ibuyw1wklqnAiOONzGn6TnEaDtsB+IWcxupEdNPIeEcUrvuY4rLVVcXgNsGtHIKr98m1jYabzNjry1Fs4H6EQN9ewuIAHdfuXeotaK1cZMk6tkt036KOW0G6qgqaXC6djYIz0jTKS6YtJ6U523aIjY5S0ceSpPdbsE/Eqtoc0+bQkOmdytxEYP0nWt3C55LZw7MUh/3aD/AC2D2Bei8ZxNVV/8PD/zDv8Aorj/AEjUjjSg/UmYfea1cjsvT8Wxln92+RnuOCf0Bb8nUVDP2mf4wegHG3j06WoHgIn/AIRyE/gu+jxmOR2RucPtfK+OVhtz9Novx5Lz+aVTPRnjk7pYrH9+NwA/dK9FDUzFxbNCGWFw5jw5p7rENcD6rd6D3IiICIiAiIgwO22GiajkBn836O0vSE2a0xnMM/6lx+APJUfgVJU1dQ2OB0JfI8u6cCMDqkhxY4NFxe5s3U28VsTU0zZGOjkaHMeC1zXC4c0ixBB4iyoreJsDJhRjrKS89FC4nzeYyPZTvfoHtAcOrcjW9wbXJvdVXxRedy3cPx2Th6TWsRP+lrzbCU8tBHQ1QM7ImgB7/TDhwc1w1YRwHdpqFTm0O4yuo5Onw2QzBhu2xDJmexr/AFEX7FZG7HbfzpnQSPfKWi8VQ+J0QqAB8o0BxIc+M6Eg6ix5EqfKzXoxc02nma60e9uspCIsSpXFw0uWmJ/iWkZXeoBSOj30UDx1+mjP6zL/AIsJ9iuKppWSNyyMa9p5OAI+46LXnfdiNDFMaOjpIGStsZpWMDS0mzgxuWwvaxJtzt2qq2Ckr68Tkr6pqzehhrh+ct15OZL/APBeWLbHCWlv9bBawgtY4zljSOBDC22nLs5LXxFx+zV91kcZeGx796GGj/em+pkp/wDYvBVb5MPYOq+ST6kZH4vLVr+rq3H1OH1V6Woo6c1UTczJHMDulYONw+4Dxpw4jXkbv2aiJ4u7x129uqqyYsMpH5jpmymR4vzDGjK3xN02a3E1lXJ0+JyGJrzmcLh8z78bnVrPEknuWwFPSsjblja1jRyaAB9w0Xarq0rXsz3yWv5pY/AsBho4WwU0YjjZyHM83OJ1c49pWQRF24EREBERAREQEREBERAXRX0TJonxStDo5WuY5p5tcLEfcV3og1PqZJcJrZqWTNngeRTyl8o6DM64nYxhs7MwgkEEHUa6g2vhG+8COZ00XTx0pY11RAWMD89g0inmc1410NiR4BSbeJuygxVgLj0VRGLMlAvpxyvH6Tb+scuYNGYtuRxSBxDYBM3k6J7SD/hcQ4fciNey18e31CLpmRwNbLAxr7VE8Lc2bVojERf0jv1QR4rXXFMRfUTSzyavme97vF7i427tVJ6bdDirzYUb2973RtH+pyitGz5VgPDM0H94AoRv1enHMDkpJRFNYPLIpCB+iJWB7Qf1gHC/eshVbLBmGQ1/SEmaeSHJl0GRt82a+t+yyz2/Mf21P9WD4LF9xUf7NUf2yf3HIlD8MwWSobO6IX81iMzxz6MOa1xHbbMCe4FZTdziBgxWikGny8bD9WR3Ru/BxUh3LsBmrwRcGgqQR3EsUS2R/P6P7RT/ABWINzEREBERAREQEREBERAREQEREBERARF5qjEo2ek4X7BqfuCmKzbpDm160jdp1DvdwK0opPyzPrt94LbjFdsY4YpJXNOSJrnEkgaAX7+PDxIWpGGxl88YaLudIwAd5cLBdWx2r3hXjz48m5pO9Jpvz+eqj6sHwWLsxYf7M0f22b3ZF4d8NUZMWncbXywg27omL0Yo53/ZykB9EVUh4dolHH1FOSdzHsj69eWtv6ta/L07k/y9d9gqfaxRDZH8/o/tFP8AFYpNuemcKmqay2aWknYB23LNFEcDrBBVQSuGkMsTyO5j2uPsUcs6iXcZIm019Y03URYOm2oY4A5btcAQWkEEHUEdxCyVPikb9GuF+w6H8V3bDeveFWPi8OTpW36/L1IiKppEREBERAREQEREBERAXF7wASdANSuS6K6Evjc0cSDZTERM9XN5mKzMd2AxDGnPJDSWs7uJ8T/BY1fXNsbHQhfF7lKVpGqvi8uW+W3NeeqvNv8AZ+srJujbOxlKMpEZDh1gNS6w6+vDWw7Fx2c2JpcNY+tmkM0lO0v0bYMtza0m7ncgSbC/Lip/VQB7SDx5dxWDjAJAPA6EdoPFWV4XHfdv5l9eKv8AT+n2r9vVTkGF1OL1kkkbD8q8uc43yRtPAF3cLADibK48R2Mjkw7zBps1jGhjiOD26h5A7XXv3OK7G3icQ3TKbWHD7llZqwCPOOdreJ/+/gq68HGPvO9rOI4y+Sa8saivZQ+FOnwevY+eJzQwlrhyfG4WcWO4O7R3gKbbV7uKepd5xTS9E+YB5blux2cZs2liwm9yNfAKWZOlJz9YAFxvrwHYdFxiZmcB2kD711j4Ctdxedwsycde1ovXpbXX2n8MTu7wesps0U8zZKdreo0ZiWuuODnAZRa/V19Sm64sYALDQBckita9K9nn5ck5Lc0vfQYw+MgHrN7DxHgVJopQ4BzdQdQoUApdhkBZE1ruPPuub2Xn8XSsatHd7XhWbJaZpPWIj/H2epERYHuiIiAiIgIiICIiAiIg8VdhLJdTo7tH8e1YWowKRvAZh3cfuKk6K/HxF6dI7MOfgcOadzGp94QiaItvmBHHiCPao5FxHiParZc0HQ6rxSYJA7UxMv3NA9i34fEIrvmq8+fCZjy2+FdYj+Ud6vYFymPyLPF38VPJtl6dxuY9T2OcP4ridlactDchs29us7n61fHiOLUdJ6fr3VfurN7x8/8AEFoP/E+oV00vpt8R7VYcOzNO29o+IsbucdPvXdDgkDNWxMB7coP4lRPiWPrqJdR4Vl9Zj5RdkZPAE+AuvdT4HI7iMo/W/kpO1oHAWX1YbcZafLDRj8IpHntv4eChwdkevpO7Ty8ByXvRFjtabTuXq48VMdeWkagREXKwREQEREBERAREQEREBERAREQEREBERAREQEREBERAREQEREH/2Q=="/>
+          <p:cNvSpPr>
+            <a:spLocks noChangeAspect="1" noChangeArrowheads="1"/>
+          </p:cNvSpPr>
+          <p:nvPr/>
+        </p:nvSpPr>
+        <p:spPr bwMode="auto">
+          <a:xfrm>
+            <a:off x="307975" y="-1104900"/>
+            <a:ext cx="1743075" cy="2619375"/>
+          </a:xfrm>
+          <a:prstGeom prst="rect">
+            <a:avLst/>
+          </a:prstGeom>
+          <a:noFill/>
+          <a:extLst>
+            <a:ext uri="{909E8E84-426E-40DD-AFC4-6F175D3DCCD1}">
+              <a14:hiddenFill xmlns:a14="http://schemas.microsoft.com/office/drawing/2010/main">
+                <a:solidFill>
+                  <a:srgbClr val="FFFFFF"/>
+                </a:solidFill>
+              </a14:hiddenFill>
+            </a:ext>
+          </a:extLst>
+        </p:spPr>
+        <p:txBody>
+          <a:bodyPr vert="horz" wrap="square" lIns="91440" tIns="45720" rIns="91440" bIns="45720" numCol="1" anchor="t" anchorCtr="0" compatLnSpc="1">
+            <a:prstTxWarp prst="textNoShape">
+              <a:avLst/>
+            </a:prstTxWarp>
+          </a:bodyPr>
+          <a:lstStyle/>
+          <a:p>
+            <a:endParaRPr lang="en-GB"/>
+          </a:p>
+        </p:txBody>
+      </p:sp>
+      <p:grpSp>
+        <p:nvGrpSpPr>
+          <p:cNvPr id="26" name="Group 25"/>
+          <p:cNvGrpSpPr/>
+          <p:nvPr/>
+        </p:nvGrpSpPr>
+        <p:grpSpPr>
+          <a:xfrm>
+            <a:off x="1592466" y="1856839"/>
+            <a:ext cx="1095172" cy="1618720"/>
+            <a:chOff x="403776" y="1362075"/>
+            <a:chExt cx="1095172" cy="1618720"/>
+          </a:xfrm>
+        </p:grpSpPr>
+        <p:sp>
+          <p:nvSpPr>
+            <p:cNvPr id="8" name="TextBox 7"/>
+            <p:cNvSpPr txBox="1"/>
+            <p:nvPr/>
+          </p:nvSpPr>
+          <p:spPr>
+            <a:xfrm>
+              <a:off x="403776" y="2611463"/>
+              <a:ext cx="1095172" cy="369332"/>
+            </a:xfrm>
+            <a:prstGeom prst="rect">
+              <a:avLst/>
+            </a:prstGeom>
+            <a:noFill/>
+          </p:spPr>
+          <p:txBody>
+            <a:bodyPr wrap="none" rtlCol="0">
+              <a:spAutoFit/>
+            </a:bodyPr>
+            <a:lstStyle/>
+            <a:p>
+              <a:r>
+                <a:rPr lang="de-DE" dirty="0" smtClean="0"/>
+                <a:t>check out</a:t>
+              </a:r>
+              <a:endParaRPr lang="en-GB" dirty="0"/>
+            </a:p>
+          </p:txBody>
+        </p:sp>
+        <p:pic>
+          <p:nvPicPr>
+            <p:cNvPr id="3077" name="Picture 5"/>
+            <p:cNvPicPr>
+              <a:picLocks noChangeAspect="1" noChangeArrowheads="1"/>
+            </p:cNvPicPr>
+            <p:nvPr/>
+          </p:nvPicPr>
+          <p:blipFill>
+            <a:blip r:embed="rId4">
+              <a:extLst>
+                <a:ext uri="{28A0092B-C50C-407E-A947-70E740481C1C}">
+                  <a14:useLocalDpi xmlns:a14="http://schemas.microsoft.com/office/drawing/2010/main" val="0"/>
+                </a:ext>
+              </a:extLst>
+            </a:blip>
+            <a:srcRect/>
+            <a:stretch>
+              <a:fillRect/>
+            </a:stretch>
+          </p:blipFill>
+          <p:spPr bwMode="auto">
+            <a:xfrm>
+              <a:off x="539552" y="1362075"/>
+              <a:ext cx="823620" cy="1237680"/>
+            </a:xfrm>
+            <a:prstGeom prst="rect">
+              <a:avLst/>
+            </a:prstGeom>
+            <a:noFill/>
+            <a:ln>
+              <a:noFill/>
+            </a:ln>
+            <a:effectLst/>
+            <a:extLst>
+              <a:ext uri="{909E8E84-426E-40DD-AFC4-6F175D3DCCD1}">
+                <a14:hiddenFill xmlns:a14="http://schemas.microsoft.com/office/drawing/2010/main">
+                  <a:solidFill>
+                    <a:schemeClr val="accent1"/>
+                  </a:solidFill>
+                </a14:hiddenFill>
+              </a:ext>
+              <a:ext uri="{91240B29-F687-4F45-9708-019B960494DF}">
+                <a14:hiddenLine xmlns:a14="http://schemas.microsoft.com/office/drawing/2010/main" w="9525">
+                  <a:solidFill>
+                    <a:schemeClr val="tx1"/>
+                  </a:solidFill>
+                  <a:miter lim="800000"/>
+                  <a:headEnd/>
+                  <a:tailEnd/>
+                </a14:hiddenLine>
+              </a:ext>
+              <a:ext uri="{AF507438-7753-43E0-B8FC-AC1667EBCBE1}">
+                <a14:hiddenEffects xmlns:a14="http://schemas.microsoft.com/office/drawing/2010/main">
+                  <a:effectLst>
+                    <a:outerShdw dist="35921" dir="2700000" algn="ctr" rotWithShape="0">
+                      <a:schemeClr val="bg2"/>
+                    </a:outerShdw>
+                  </a:effectLst>
+                </a14:hiddenEffects>
+              </a:ext>
+            </a:extLst>
+          </p:spPr>
+        </p:pic>
+      </p:grpSp>
       <p:cxnSp>
         <p:nvCxnSpPr>
-          <p:cNvPr id="9" name="Straight Connector 8"/>
-          <p:cNvCxnSpPr/>
+          <p:cNvPr id="7" name="Straight Arrow Connector 6"/>
+          <p:cNvCxnSpPr>
+            <a:stCxn id="3077" idx="3"/>
+          </p:cNvCxnSpPr>
           <p:nvPr/>
         </p:nvCxnSpPr>
         <p:spPr>
           <a:xfrm>
-            <a:off x="4320000" y="1224000"/>
-            <a:ext cx="0" cy="3863328"/>
+            <a:off x="2551862" y="2475679"/>
+            <a:ext cx="1336620" cy="0"/>
           </a:xfrm>
-          <a:prstGeom prst="line">
+          <a:prstGeom prst="straightConnector1">
             <a:avLst/>
           </a:prstGeom>
+          <a:ln>
+            <a:tailEnd type="arrow"/>
+          </a:ln>
         </p:spPr>
         <p:style>
-          <a:lnRef idx="2">
+          <a:lnRef idx="3">
             <a:schemeClr val="dk1"/>
           </a:lnRef>
           <a:fillRef idx="0">
             <a:schemeClr val="dk1"/>
           </a:fillRef>
-          <a:effectRef idx="1">
+          <a:effectRef idx="2">
             <a:schemeClr val="dk1"/>
           </a:effectRef>
           <a:fontRef idx="minor">
@@ -8466,10 +11641,710 @@
           </a:fontRef>
         </p:style>
       </p:cxnSp>
+      <p:sp>
+        <p:nvSpPr>
+          <p:cNvPr id="11" name="AutoShape 7" descr="data:image/jpeg;base64,/9j/4AAQSkZJRgABAQAAAQABAAD/2wCEAAkGBhQQEBUUEBAUEA8UFRYSFRcXFRMXFxYUFRUYFBQYFxQXHCYeFxwkHRUUIC8gIygpLCwsFR8xNjAqNTIrOCkBCQoKDgwOGg8PGi0kHSQ1NTI1KS01NCwsLCwwLCwyKSwsLCwpLCwpLCwpLDYsLCwpLCwsLCwsLCwsKSksKSksKf/AABEIAKEATQMBIgACEQEDEQH/xAAcAAACAgMBAQAAAAAAAAAAAAAABwUGAQMECAL/xABJEAABAwECBwkLCgUFAAAAAAABAAIDEQQSBQYhMUFRkQciU2Fxc5Kx0RMUFjIzNFJUgaGyFSRCcoOTs8HC00NigqLhF2Ojw9L/xAAbAQEAAwADAQAAAAAAAAAAAAAAAwQFAQIGB//EACkRAAIBAwIDCAMAAAAAAAAAAAABAgMREgRRBSHwFBUxM1JxgbEyNEH/2gAMAwEAAhEDEQA/AHghZQgMLRbbcyFt6V4Y2oFTXOc2ZdCrePvmv2jPzXScsYtojqzcIOS/h2+FVl4dv93YvqPGezOIAnaSSABvspOQaErl04M8vHzjPiCoLVzbtZGRHiNRu1l18jcQsoWkbZhCyhAYqhLbD2F5m2mVrZpGtDyAA40AoFw/Llo9Yk6RVKWrinaxmS4jGMmsXyGuq5j55r9oz81S/ly0esSdIrVaMJyyC7JK97c9CSRUKOerjKLViGrxCM4OOL5nMunBnl4+cZ8QXMsseQQQaEZQdRVFOzuZMXZpjkQlP8uT+sSdIrPy5aPWJOkVo9sjsbXecPSxroSo+XJ/WJOkVc8R7Y+WJ5ke55D6AuNcl0KSnqVUlikT0NbGtPFIp+MXnc31z1BRyaVoxZs8ji58Qc5xqTV2U7Vr8EbLwA2u7VXlpJtt3RSnw+pKTd1z62FihM7wRsvADa7tUJjdgGGCz3oowx19orU5jWuc8SjlpZxTbaIp6CpCLk2uXWxTEIW+wRh0rGuFQXtBHEXAFVkruxQSu7GhCZ3gjZeBG13ajwRsvADa7tVvsc90aPdtXddfAsVe9z7yMnOfpCk/BGy8ANru1dtgwXHACImXATUipz5tKmo6eVOWTLOl0U6VTKTR1oWl1sYDQyMB1FwWO/o+EZ0m9qu3NbF7G9VvH3zX7Rn5qd7+j4RnSb2rgwxZ4bVH3N8waLwdVrmVqOXlXSosotIjrU5TpuKXiK9dODPLx84z4grb4GWX1l3Ti7Fss+KVmY9rhaCS0hwq+PODXUs2OmmncxI8Orpp2LYhaO/o+EZ0m9qO/o+EZ0m9q1bnoMXsb0LR39HwjOk3tWyOZrvFcHDiIPUlzhpoSONzfn9oyDyp6goi6NQ2BS2Nzh3/AGjL/FPUFEXxrG0LGn+TPoOn8mHsvozdGobAig1DYFi+NY2hF8axtC6E5m6NQ2BF0ahsCxfGsbQi+NY2hAZujUNgRdGobAsXxrG0IvjWNoQGbo1DYmhuTj5tLzv6AldfGsbU0Nyc/Nped/SFZ0vmGRxj9Z+6Li+wRk1MTCTnJa0k+2ix8nRcFH0G9i6Uv8cN0MxudDZCLw3r5c4B0hmgkektOyPH5y3LdbO9YRWUQRDW4Rt60WA2adt+EQyMqW1a1pyjOM2RI20Wh0ji6RznvOdziSdpTN3KfNZee/62JZDOW5N4WwnYrKQ2fuTHOFQO53jTNWjWmg5dS4PC7Bnpx/cSftqqbqfnrOYZ+JKqalkM5bjd8LsGenH9xJ+2jwuwZ6cf3En7aUSEshnLcbvhdg304/uJP21OYGtsE0d+zFpjJIN1t3fDPVtAQeUJDJqblXmj+dPwtSyOHJvxZ0boWMJs1nDIzSaarQRnaweO7iOUAcp1JRqy7odu7rb3iu9jDYx7BePvcVWlycAmnuWRkWWSoIrMSKgiouMyjWtOIOJrGxNtE7A+R++Y1wqGN0Gh+kc9dFVegEAqt1Tz1nMM/ElVNVy3VPPWcwz8SVU0IDpnwZLGxsj4nNieAWvpvSDm32ZcydmKkLX4Oga9oc0wtBBAIIppBzpdY9YrCxyh0XkJK3R6DhnbXVpCAi8XrLBLMGWp742OyBzbtA6uQOJGQHXoTjwDgGOxxmOG9dJvEuNSSQBoA1JEpv7nmGzaLJdeayQnuZJzltKsJ9mT2IBZYyvrbLQTw0nucQOpRwGVS2N9nuW60D/cLhyOo781EID0LDGGtDWijWgNHIMgX2o7F7CotNmjlaalzRe4njI4H21UigKBj/ipaLVaGSQRiRvcgw79jSC173fSI0PGbUVWP9P7d6v/AMkP/tOZCAjsXrC6CywxvpfZG1rqGoqBlyqF3S4A6wEnOySNw9puH3OKtaom6phQNhZADv3u7oRqY2tK8pP9qAWSsOKOGnWYy3fpXNR8W/r5VXlN4sYKdOZLgrduV/qvU6kBPbqeCS2Zk4G9kFx3E9uavK34SqMn1hrBDLVA+KTxXDIdLXDK1w4wUksMYHksspilbRwzHQ5uhzeIoDvxXxrksLzdF+Fx37Cc/G06HJnYLx2sloApMI3n6Mm8PvyH2FJVCA9CR2hrvFc13IQepYltTG+M9reVwHWvPrXEZiRyLDjXOa8qAcOHN0CzWdpDHieXQ1hqK/zPzD3niSpwphN9pldLKavcfYBoAGgBciEAJq7mOCu52V0jhlmdUfUbVrffePtVGxUxZfbZgKEQNIMjtQ9EH0j/AJTphhDGhrRda0BoAzAAUAQH2ozDuL8VsjuTNzeK4eMw6wfyzFSVUIBP4c3PrRZySxvfEWtg3wH8zM+yoVZc0g0III0HIdhXoZc1rwbFN5WGOT6zGu6wgEChOqXEixOz2Vg5C9vwuC+ocSrG3NZWHlvO+IlAJaKFzzdY0ucdABJ2BW7AG5tNMQ60fN4tX8R39P0eU7Ez7LYY4hSKNkY1Na1vUFvQHNg7BsdnjEcLAxg0azpJOk8a6lhFUAIQhACEIQAhCEAIQhACEIQH/9k="/>
+          <p:cNvSpPr>
+            <a:spLocks noChangeAspect="1" noChangeArrowheads="1"/>
+          </p:cNvSpPr>
+          <p:nvPr/>
+        </p:nvSpPr>
+        <p:spPr bwMode="auto">
+          <a:xfrm>
+            <a:off x="155575" y="-731838"/>
+            <a:ext cx="733425" cy="1533526"/>
+          </a:xfrm>
+          <a:prstGeom prst="rect">
+            <a:avLst/>
+          </a:prstGeom>
+          <a:noFill/>
+          <a:extLst>
+            <a:ext uri="{909E8E84-426E-40DD-AFC4-6F175D3DCCD1}">
+              <a14:hiddenFill xmlns:a14="http://schemas.microsoft.com/office/drawing/2010/main">
+                <a:solidFill>
+                  <a:srgbClr val="FFFFFF"/>
+                </a:solidFill>
+              </a14:hiddenFill>
+            </a:ext>
+          </a:extLst>
+        </p:spPr>
+        <p:txBody>
+          <a:bodyPr vert="horz" wrap="square" lIns="91440" tIns="45720" rIns="91440" bIns="45720" numCol="1" anchor="t" anchorCtr="0" compatLnSpc="1">
+            <a:prstTxWarp prst="textNoShape">
+              <a:avLst/>
+            </a:prstTxWarp>
+          </a:bodyPr>
+          <a:lstStyle/>
+          <a:p>
+            <a:endParaRPr lang="en-GB"/>
+          </a:p>
+        </p:txBody>
+      </p:sp>
+      <p:pic>
+        <p:nvPicPr>
+          <p:cNvPr id="3082" name="Picture 10"/>
+          <p:cNvPicPr>
+            <a:picLocks noChangeAspect="1" noChangeArrowheads="1"/>
+          </p:cNvPicPr>
+          <p:nvPr/>
+        </p:nvPicPr>
+        <p:blipFill>
+          <a:blip r:embed="rId5">
+            <a:clrChange>
+              <a:clrFrom>
+                <a:srgbClr val="FFFFFF"/>
+              </a:clrFrom>
+              <a:clrTo>
+                <a:srgbClr val="FFFFFF">
+                  <a:alpha val="0"/>
+                </a:srgbClr>
+              </a:clrTo>
+            </a:clrChange>
+            <a:extLst>
+              <a:ext uri="{28A0092B-C50C-407E-A947-70E740481C1C}">
+                <a14:useLocalDpi xmlns:a14="http://schemas.microsoft.com/office/drawing/2010/main" val="0"/>
+              </a:ext>
+            </a:extLst>
+          </a:blip>
+          <a:srcRect/>
+          <a:stretch>
+            <a:fillRect/>
+          </a:stretch>
+        </p:blipFill>
+        <p:spPr bwMode="auto">
+          <a:xfrm>
+            <a:off x="5319142" y="1686555"/>
+            <a:ext cx="2095500" cy="581025"/>
+          </a:xfrm>
+          <a:prstGeom prst="rect">
+            <a:avLst/>
+          </a:prstGeom>
+          <a:noFill/>
+          <a:ln>
+            <a:noFill/>
+          </a:ln>
+          <a:effectLst/>
+          <a:extLst>
+            <a:ext uri="{909E8E84-426E-40DD-AFC4-6F175D3DCCD1}">
+              <a14:hiddenFill xmlns:a14="http://schemas.microsoft.com/office/drawing/2010/main">
+                <a:solidFill>
+                  <a:schemeClr val="accent1"/>
+                </a:solidFill>
+              </a14:hiddenFill>
+            </a:ext>
+            <a:ext uri="{91240B29-F687-4F45-9708-019B960494DF}">
+              <a14:hiddenLine xmlns:a14="http://schemas.microsoft.com/office/drawing/2010/main" w="9525">
+                <a:solidFill>
+                  <a:schemeClr val="tx1"/>
+                </a:solidFill>
+                <a:miter lim="800000"/>
+                <a:headEnd/>
+                <a:tailEnd/>
+              </a14:hiddenLine>
+            </a:ext>
+            <a:ext uri="{AF507438-7753-43E0-B8FC-AC1667EBCBE1}">
+              <a14:hiddenEffects xmlns:a14="http://schemas.microsoft.com/office/drawing/2010/main">
+                <a:effectLst>
+                  <a:outerShdw dist="35921" dir="2700000" algn="ctr" rotWithShape="0">
+                    <a:schemeClr val="bg2"/>
+                  </a:outerShdw>
+                </a:effectLst>
+              </a14:hiddenEffects>
+            </a:ext>
+          </a:extLst>
+        </p:spPr>
+      </p:pic>
+      <p:grpSp>
+        <p:nvGrpSpPr>
+          <p:cNvPr id="25" name="Group 24"/>
+          <p:cNvGrpSpPr/>
+          <p:nvPr/>
+        </p:nvGrpSpPr>
+        <p:grpSpPr>
+          <a:xfrm>
+            <a:off x="3513639" y="2087955"/>
+            <a:ext cx="1959019" cy="1251840"/>
+            <a:chOff x="2324949" y="1593191"/>
+            <a:chExt cx="1959019" cy="1251840"/>
+          </a:xfrm>
+        </p:grpSpPr>
+        <p:grpSp>
+          <p:nvGrpSpPr>
+            <p:cNvPr id="9" name="Group 8"/>
+            <p:cNvGrpSpPr/>
+            <p:nvPr/>
+          </p:nvGrpSpPr>
+          <p:grpSpPr>
+            <a:xfrm>
+              <a:off x="2324949" y="1593191"/>
+              <a:ext cx="1959019" cy="1043721"/>
+              <a:chOff x="2286435" y="1790413"/>
+              <a:chExt cx="1959019" cy="1043721"/>
+            </a:xfrm>
+          </p:grpSpPr>
+          <p:pic>
+            <p:nvPicPr>
+              <p:cNvPr id="12" name="Picture 2" descr="http://c9.io/site/wp-content/themes/cloud9/img/logo_cloud9_small.png"/>
+              <p:cNvPicPr>
+                <a:picLocks noChangeAspect="1" noChangeArrowheads="1"/>
+              </p:cNvPicPr>
+              <p:nvPr/>
+            </p:nvPicPr>
+            <p:blipFill rotWithShape="1">
+              <a:blip r:embed="rId6">
+                <a:extLst>
+                  <a:ext uri="{28A0092B-C50C-407E-A947-70E740481C1C}">
+                    <a14:useLocalDpi xmlns:a14="http://schemas.microsoft.com/office/drawing/2010/main" val="0"/>
+                  </a:ext>
+                </a:extLst>
+              </a:blip>
+              <a:srcRect r="69907"/>
+              <a:stretch/>
+            </p:blipFill>
+            <p:spPr bwMode="auto">
+              <a:xfrm>
+                <a:off x="2843809" y="1790413"/>
+                <a:ext cx="844272" cy="630475"/>
+              </a:xfrm>
+              <a:prstGeom prst="rect">
+                <a:avLst/>
+              </a:prstGeom>
+              <a:noFill/>
+              <a:extLst>
+                <a:ext uri="{909E8E84-426E-40DD-AFC4-6F175D3DCCD1}">
+                  <a14:hiddenFill xmlns:a14="http://schemas.microsoft.com/office/drawing/2010/main">
+                    <a:solidFill>
+                      <a:srgbClr val="FFFFFF"/>
+                    </a:solidFill>
+                  </a14:hiddenFill>
+                </a:ext>
+              </a:extLst>
+            </p:spPr>
+          </p:pic>
+          <p:pic>
+            <p:nvPicPr>
+              <p:cNvPr id="15" name="Picture 2" descr="http://c9.io/site/wp-content/themes/cloud9/img/logo_cloud9_small.png"/>
+              <p:cNvPicPr>
+                <a:picLocks noChangeAspect="1" noChangeArrowheads="1"/>
+              </p:cNvPicPr>
+              <p:nvPr/>
+            </p:nvPicPr>
+            <p:blipFill rotWithShape="1">
+              <a:blip r:embed="rId6">
+                <a:extLst>
+                  <a:ext uri="{28A0092B-C50C-407E-A947-70E740481C1C}">
+                    <a14:useLocalDpi xmlns:a14="http://schemas.microsoft.com/office/drawing/2010/main" val="0"/>
+                  </a:ext>
+                </a:extLst>
+              </a:blip>
+              <a:srcRect l="30175"/>
+              <a:stretch/>
+            </p:blipFill>
+            <p:spPr bwMode="auto">
+              <a:xfrm>
+                <a:off x="2286435" y="2203659"/>
+                <a:ext cx="1959019" cy="630475"/>
+              </a:xfrm>
+              <a:prstGeom prst="rect">
+                <a:avLst/>
+              </a:prstGeom>
+              <a:noFill/>
+              <a:extLst>
+                <a:ext uri="{909E8E84-426E-40DD-AFC4-6F175D3DCCD1}">
+                  <a14:hiddenFill xmlns:a14="http://schemas.microsoft.com/office/drawing/2010/main">
+                    <a:solidFill>
+                      <a:srgbClr val="FFFFFF"/>
+                    </a:solidFill>
+                  </a14:hiddenFill>
+                </a:ext>
+              </a:extLst>
+            </p:spPr>
+          </p:pic>
+        </p:grpSp>
+        <p:sp>
+          <p:nvSpPr>
+            <p:cNvPr id="32" name="TextBox 31"/>
+            <p:cNvSpPr txBox="1"/>
+            <p:nvPr/>
+          </p:nvSpPr>
+          <p:spPr>
+            <a:xfrm>
+              <a:off x="2985244" y="2475699"/>
+              <a:ext cx="639599" cy="369332"/>
+            </a:xfrm>
+            <a:prstGeom prst="rect">
+              <a:avLst/>
+            </a:prstGeom>
+            <a:noFill/>
+          </p:spPr>
+          <p:txBody>
+            <a:bodyPr wrap="none" rtlCol="0">
+              <a:spAutoFit/>
+            </a:bodyPr>
+            <a:lstStyle/>
+            <a:p>
+              <a:r>
+                <a:rPr lang="en-GB" dirty="0" smtClean="0"/>
+                <a:t>code</a:t>
+              </a:r>
+              <a:endParaRPr lang="en-GB" dirty="0"/>
+            </a:p>
+          </p:txBody>
+        </p:sp>
+      </p:grpSp>
+      <p:pic>
+        <p:nvPicPr>
+          <p:cNvPr id="34" name="Picture 10"/>
+          <p:cNvPicPr>
+            <a:picLocks noChangeAspect="1" noChangeArrowheads="1"/>
+          </p:cNvPicPr>
+          <p:nvPr/>
+        </p:nvPicPr>
+        <p:blipFill>
+          <a:blip r:embed="rId5">
+            <a:clrChange>
+              <a:clrFrom>
+                <a:srgbClr val="FFFFFF"/>
+              </a:clrFrom>
+              <a:clrTo>
+                <a:srgbClr val="FFFFFF">
+                  <a:alpha val="0"/>
+                </a:srgbClr>
+              </a:clrTo>
+            </a:clrChange>
+            <a:extLst>
+              <a:ext uri="{28A0092B-C50C-407E-A947-70E740481C1C}">
+                <a14:useLocalDpi xmlns:a14="http://schemas.microsoft.com/office/drawing/2010/main" val="0"/>
+              </a:ext>
+            </a:extLst>
+          </a:blip>
+          <a:srcRect/>
+          <a:stretch>
+            <a:fillRect/>
+          </a:stretch>
+        </p:blipFill>
+        <p:spPr bwMode="auto">
+          <a:xfrm rot="16200000">
+            <a:off x="2766243" y="3888914"/>
+            <a:ext cx="2095500" cy="581025"/>
+          </a:xfrm>
+          <a:prstGeom prst="rect">
+            <a:avLst/>
+          </a:prstGeom>
+          <a:noFill/>
+          <a:ln>
+            <a:noFill/>
+          </a:ln>
+          <a:effectLst/>
+          <a:extLst>
+            <a:ext uri="{909E8E84-426E-40DD-AFC4-6F175D3DCCD1}">
+              <a14:hiddenFill xmlns:a14="http://schemas.microsoft.com/office/drawing/2010/main">
+                <a:solidFill>
+                  <a:schemeClr val="accent1"/>
+                </a:solidFill>
+              </a14:hiddenFill>
+            </a:ext>
+            <a:ext uri="{91240B29-F687-4F45-9708-019B960494DF}">
+              <a14:hiddenLine xmlns:a14="http://schemas.microsoft.com/office/drawing/2010/main" w="9525">
+                <a:solidFill>
+                  <a:schemeClr val="tx1"/>
+                </a:solidFill>
+                <a:miter lim="800000"/>
+                <a:headEnd/>
+                <a:tailEnd/>
+              </a14:hiddenLine>
+            </a:ext>
+            <a:ext uri="{AF507438-7753-43E0-B8FC-AC1667EBCBE1}">
+              <a14:hiddenEffects xmlns:a14="http://schemas.microsoft.com/office/drawing/2010/main">
+                <a:effectLst>
+                  <a:outerShdw dist="35921" dir="2700000" algn="ctr" rotWithShape="0">
+                    <a:schemeClr val="bg2"/>
+                  </a:outerShdw>
+                </a:effectLst>
+              </a14:hiddenEffects>
+            </a:ext>
+          </a:extLst>
+        </p:spPr>
+      </p:pic>
+      <p:grpSp>
+        <p:nvGrpSpPr>
+          <p:cNvPr id="27" name="Group 26"/>
+          <p:cNvGrpSpPr/>
+          <p:nvPr/>
+        </p:nvGrpSpPr>
+        <p:grpSpPr>
+          <a:xfrm>
+            <a:off x="3388463" y="5175606"/>
+            <a:ext cx="2210542" cy="845682"/>
+            <a:chOff x="2199773" y="4680842"/>
+            <a:chExt cx="2210542" cy="845682"/>
+          </a:xfrm>
+        </p:grpSpPr>
+        <p:pic>
+          <p:nvPicPr>
+            <p:cNvPr id="3080" name="Picture 8"/>
+            <p:cNvPicPr>
+              <a:picLocks noChangeAspect="1" noChangeArrowheads="1"/>
+            </p:cNvPicPr>
+            <p:nvPr/>
+          </p:nvPicPr>
+          <p:blipFill>
+            <a:blip r:embed="rId7">
+              <a:extLst>
+                <a:ext uri="{28A0092B-C50C-407E-A947-70E740481C1C}">
+                  <a14:useLocalDpi xmlns:a14="http://schemas.microsoft.com/office/drawing/2010/main" val="0"/>
+                </a:ext>
+              </a:extLst>
+            </a:blip>
+            <a:srcRect/>
+            <a:stretch>
+              <a:fillRect/>
+            </a:stretch>
+          </p:blipFill>
+          <p:spPr bwMode="auto">
+            <a:xfrm rot="5400000">
+              <a:off x="3102873" y="4460291"/>
+              <a:ext cx="404342" cy="845443"/>
+            </a:xfrm>
+            <a:prstGeom prst="rect">
+              <a:avLst/>
+            </a:prstGeom>
+            <a:noFill/>
+            <a:ln>
+              <a:noFill/>
+            </a:ln>
+            <a:effectLst/>
+            <a:extLst>
+              <a:ext uri="{909E8E84-426E-40DD-AFC4-6F175D3DCCD1}">
+                <a14:hiddenFill xmlns:a14="http://schemas.microsoft.com/office/drawing/2010/main">
+                  <a:solidFill>
+                    <a:schemeClr val="accent1"/>
+                  </a:solidFill>
+                </a14:hiddenFill>
+              </a:ext>
+              <a:ext uri="{91240B29-F687-4F45-9708-019B960494DF}">
+                <a14:hiddenLine xmlns:a14="http://schemas.microsoft.com/office/drawing/2010/main" w="9525">
+                  <a:solidFill>
+                    <a:schemeClr val="tx1"/>
+                  </a:solidFill>
+                  <a:miter lim="800000"/>
+                  <a:headEnd/>
+                  <a:tailEnd/>
+                </a14:hiddenLine>
+              </a:ext>
+              <a:ext uri="{AF507438-7753-43E0-B8FC-AC1667EBCBE1}">
+                <a14:hiddenEffects xmlns:a14="http://schemas.microsoft.com/office/drawing/2010/main">
+                  <a:effectLst>
+                    <a:outerShdw dist="35921" dir="2700000" algn="ctr" rotWithShape="0">
+                      <a:schemeClr val="bg2"/>
+                    </a:outerShdw>
+                  </a:effectLst>
+                </a14:hiddenEffects>
+              </a:ext>
+            </a:extLst>
+          </p:spPr>
+        </p:pic>
+        <p:sp>
+          <p:nvSpPr>
+            <p:cNvPr id="36" name="TextBox 35"/>
+            <p:cNvSpPr txBox="1"/>
+            <p:nvPr/>
+          </p:nvSpPr>
+          <p:spPr>
+            <a:xfrm>
+              <a:off x="2199773" y="5157192"/>
+              <a:ext cx="2210542" cy="369332"/>
+            </a:xfrm>
+            <a:prstGeom prst="rect">
+              <a:avLst/>
+            </a:prstGeom>
+            <a:noFill/>
+          </p:spPr>
+          <p:txBody>
+            <a:bodyPr wrap="none" rtlCol="0">
+              <a:spAutoFit/>
+            </a:bodyPr>
+            <a:lstStyle/>
+            <a:p>
+              <a:r>
+                <a:rPr lang="en-GB" dirty="0" smtClean="0"/>
+                <a:t>commit, pull, push, …</a:t>
+              </a:r>
+              <a:endParaRPr lang="en-GB" dirty="0"/>
+            </a:p>
+          </p:txBody>
+        </p:sp>
+      </p:grpSp>
+      <p:sp>
+        <p:nvSpPr>
+          <p:cNvPr id="37" name="TextBox 36"/>
+          <p:cNvSpPr txBox="1"/>
+          <p:nvPr/>
+        </p:nvSpPr>
+        <p:spPr>
+          <a:xfrm>
+            <a:off x="3699285" y="3994759"/>
+            <a:ext cx="1557349" cy="369332"/>
+          </a:xfrm>
+          <a:prstGeom prst="rect">
+            <a:avLst/>
+          </a:prstGeom>
+          <a:noFill/>
+        </p:spPr>
+        <p:txBody>
+          <a:bodyPr wrap="none" rtlCol="0">
+            <a:spAutoFit/>
+          </a:bodyPr>
+          <a:lstStyle/>
+          <a:p>
+            <a:r>
+              <a:rPr lang="en-GB" i="1" dirty="0" smtClean="0"/>
+              <a:t>console switch</a:t>
+            </a:r>
+            <a:endParaRPr lang="en-GB" i="1" dirty="0"/>
+          </a:p>
+        </p:txBody>
+      </p:sp>
+      <p:sp>
+        <p:nvSpPr>
+          <p:cNvPr id="39" name="TextBox 38"/>
+          <p:cNvSpPr txBox="1"/>
+          <p:nvPr/>
+        </p:nvSpPr>
+        <p:spPr>
+          <a:xfrm>
+            <a:off x="5581388" y="2291013"/>
+            <a:ext cx="1571007" cy="369332"/>
+          </a:xfrm>
+          <a:prstGeom prst="rect">
+            <a:avLst/>
+          </a:prstGeom>
+          <a:noFill/>
+        </p:spPr>
+        <p:txBody>
+          <a:bodyPr wrap="none" rtlCol="0">
+            <a:spAutoFit/>
+          </a:bodyPr>
+          <a:lstStyle/>
+          <a:p>
+            <a:r>
+              <a:rPr lang="en-GB" i="1" dirty="0" smtClean="0"/>
+              <a:t>window switch</a:t>
+            </a:r>
+            <a:endParaRPr lang="en-GB" i="1" dirty="0"/>
+          </a:p>
+        </p:txBody>
+      </p:sp>
+      <p:pic>
+        <p:nvPicPr>
+          <p:cNvPr id="35" name="Picture 12"/>
+          <p:cNvPicPr>
+            <a:picLocks noChangeAspect="1" noChangeArrowheads="1"/>
+          </p:cNvPicPr>
+          <p:nvPr/>
+        </p:nvPicPr>
+        <p:blipFill>
+          <a:blip r:embed="rId8">
+            <a:clrChange>
+              <a:clrFrom>
+                <a:srgbClr val="FFFFFF"/>
+              </a:clrFrom>
+              <a:clrTo>
+                <a:srgbClr val="FFFFFF">
+                  <a:alpha val="0"/>
+                </a:srgbClr>
+              </a:clrTo>
+            </a:clrChange>
+            <a:extLst>
+              <a:ext uri="{28A0092B-C50C-407E-A947-70E740481C1C}">
+                <a14:useLocalDpi xmlns:a14="http://schemas.microsoft.com/office/drawing/2010/main" val="0"/>
+              </a:ext>
+            </a:extLst>
+          </a:blip>
+          <a:srcRect/>
+          <a:stretch>
+            <a:fillRect/>
+          </a:stretch>
+        </p:blipFill>
+        <p:spPr bwMode="auto">
+          <a:xfrm rot="16200000">
+            <a:off x="4153644" y="3874626"/>
+            <a:ext cx="2095500" cy="609600"/>
+          </a:xfrm>
+          <a:prstGeom prst="rect">
+            <a:avLst/>
+          </a:prstGeom>
+          <a:noFill/>
+          <a:ln>
+            <a:noFill/>
+          </a:ln>
+          <a:effectLst/>
+          <a:extLst>
+            <a:ext uri="{909E8E84-426E-40DD-AFC4-6F175D3DCCD1}">
+              <a14:hiddenFill xmlns:a14="http://schemas.microsoft.com/office/drawing/2010/main">
+                <a:solidFill>
+                  <a:schemeClr val="accent1"/>
+                </a:solidFill>
+              </a14:hiddenFill>
+            </a:ext>
+            <a:ext uri="{91240B29-F687-4F45-9708-019B960494DF}">
+              <a14:hiddenLine xmlns:a14="http://schemas.microsoft.com/office/drawing/2010/main" w="9525">
+                <a:solidFill>
+                  <a:schemeClr val="tx1"/>
+                </a:solidFill>
+                <a:miter lim="800000"/>
+                <a:headEnd/>
+                <a:tailEnd/>
+              </a14:hiddenLine>
+            </a:ext>
+            <a:ext uri="{AF507438-7753-43E0-B8FC-AC1667EBCBE1}">
+              <a14:hiddenEffects xmlns:a14="http://schemas.microsoft.com/office/drawing/2010/main">
+                <a:effectLst>
+                  <a:outerShdw dist="35921" dir="2700000" algn="ctr" rotWithShape="0">
+                    <a:schemeClr val="bg2"/>
+                  </a:outerShdw>
+                </a:effectLst>
+              </a14:hiddenEffects>
+            </a:ext>
+          </a:extLst>
+        </p:spPr>
+      </p:pic>
+      <p:pic>
+        <p:nvPicPr>
+          <p:cNvPr id="3084" name="Picture 12"/>
+          <p:cNvPicPr>
+            <a:picLocks noChangeAspect="1" noChangeArrowheads="1"/>
+          </p:cNvPicPr>
+          <p:nvPr/>
+        </p:nvPicPr>
+        <p:blipFill>
+          <a:blip r:embed="rId8">
+            <a:clrChange>
+              <a:clrFrom>
+                <a:srgbClr val="FFFFFF"/>
+              </a:clrFrom>
+              <a:clrTo>
+                <a:srgbClr val="FFFFFF">
+                  <a:alpha val="0"/>
+                </a:srgbClr>
+              </a:clrTo>
+            </a:clrChange>
+            <a:extLst>
+              <a:ext uri="{28A0092B-C50C-407E-A947-70E740481C1C}">
+                <a14:useLocalDpi xmlns:a14="http://schemas.microsoft.com/office/drawing/2010/main" val="0"/>
+              </a:ext>
+            </a:extLst>
+          </a:blip>
+          <a:srcRect/>
+          <a:stretch>
+            <a:fillRect/>
+          </a:stretch>
+        </p:blipFill>
+        <p:spPr bwMode="auto">
+          <a:xfrm>
+            <a:off x="5319142" y="2882116"/>
+            <a:ext cx="2095500" cy="609600"/>
+          </a:xfrm>
+          <a:prstGeom prst="rect">
+            <a:avLst/>
+          </a:prstGeom>
+          <a:noFill/>
+          <a:ln>
+            <a:noFill/>
+          </a:ln>
+          <a:effectLst/>
+          <a:extLst>
+            <a:ext uri="{909E8E84-426E-40DD-AFC4-6F175D3DCCD1}">
+              <a14:hiddenFill xmlns:a14="http://schemas.microsoft.com/office/drawing/2010/main">
+                <a:solidFill>
+                  <a:schemeClr val="accent1"/>
+                </a:solidFill>
+              </a14:hiddenFill>
+            </a:ext>
+            <a:ext uri="{91240B29-F687-4F45-9708-019B960494DF}">
+              <a14:hiddenLine xmlns:a14="http://schemas.microsoft.com/office/drawing/2010/main" w="9525">
+                <a:solidFill>
+                  <a:schemeClr val="tx1"/>
+                </a:solidFill>
+                <a:miter lim="800000"/>
+                <a:headEnd/>
+                <a:tailEnd/>
+              </a14:hiddenLine>
+            </a:ext>
+            <a:ext uri="{AF507438-7753-43E0-B8FC-AC1667EBCBE1}">
+              <a14:hiddenEffects xmlns:a14="http://schemas.microsoft.com/office/drawing/2010/main">
+                <a:effectLst>
+                  <a:outerShdw dist="35921" dir="2700000" algn="ctr" rotWithShape="0">
+                    <a:schemeClr val="bg2"/>
+                  </a:outerShdw>
+                </a:effectLst>
+              </a14:hiddenEffects>
+            </a:ext>
+          </a:extLst>
+        </p:spPr>
+      </p:pic>
+      <p:pic>
+        <p:nvPicPr>
+          <p:cNvPr id="29" name="Picture 28"/>
+          <p:cNvPicPr>
+            <a:picLocks noChangeAspect="1" noChangeArrowheads="1"/>
+          </p:cNvPicPr>
+          <p:nvPr/>
+        </p:nvPicPr>
+        <p:blipFill rotWithShape="1">
+          <a:blip r:embed="rId9" cstate="print">
+            <a:extLst>
+              <a:ext uri="{28A0092B-C50C-407E-A947-70E740481C1C}">
+                <a14:useLocalDpi xmlns:a14="http://schemas.microsoft.com/office/drawing/2010/main" val="0"/>
+              </a:ext>
+            </a:extLst>
+          </a:blip>
+          <a:srcRect l="51397" t="13261" r="26680" b="29729"/>
+          <a:stretch/>
+        </p:blipFill>
+        <p:spPr bwMode="auto">
+          <a:xfrm>
+            <a:off x="6523957" y="167185"/>
+            <a:ext cx="418714" cy="836876"/>
+          </a:xfrm>
+          <a:prstGeom prst="rect">
+            <a:avLst/>
+          </a:prstGeom>
+          <a:ln>
+            <a:noFill/>
+          </a:ln>
+          <a:effectLst>
+            <a:outerShdw blurRad="292100" dist="139700" dir="2700000" algn="tl" rotWithShape="0">
+              <a:srgbClr val="333333">
+                <a:alpha val="65000"/>
+              </a:srgbClr>
+            </a:outerShdw>
+          </a:effectLst>
+          <a:extLst>
+            <a:ext uri="{909E8E84-426E-40DD-AFC4-6F175D3DCCD1}">
+              <a14:hiddenFill xmlns:a14="http://schemas.microsoft.com/office/drawing/2010/main">
+                <a:solidFill>
+                  <a:schemeClr val="accent1"/>
+                </a:solidFill>
+              </a14:hiddenFill>
+            </a:ext>
+            <a:ext uri="{91240B29-F687-4F45-9708-019B960494DF}">
+              <a14:hiddenLine xmlns:a14="http://schemas.microsoft.com/office/drawing/2010/main" w="9525">
+                <a:solidFill>
+                  <a:schemeClr val="tx1"/>
+                </a:solidFill>
+                <a:miter lim="800000"/>
+                <a:headEnd/>
+                <a:tailEnd/>
+              </a14:hiddenLine>
+            </a:ext>
+          </a:extLst>
+        </p:spPr>
+      </p:pic>
     </p:spTree>
     <p:extLst>
       <p:ext uri="{BB962C8B-B14F-4D97-AF65-F5344CB8AC3E}">
-        <p14:creationId xmlns:p14="http://schemas.microsoft.com/office/powerpoint/2010/main" val="992363670"/>
+        <p14:creationId xmlns:p14="http://schemas.microsoft.com/office/powerpoint/2010/main" val="4013383871"/>
       </p:ext>
     </p:extLst>
   </p:cSld>
@@ -8724,12 +12599,17 @@
           <a:p>
             <a:r>
               <a:rPr lang="en-US" sz="2800" dirty="0" err="1" smtClean="0"/>
-              <a:t>git</a:t>
+              <a:t>Git</a:t>
             </a:r>
             <a:r>
               <a:rPr lang="en-US" sz="2800" dirty="0" smtClean="0"/>
-              <a:t> workflow is not properly supported by Cloud9</a:t>
-            </a:r>
+              <a:t> workflow is not properly supported by </a:t>
+            </a:r>
+            <a:r>
+              <a:rPr lang="en-US" sz="2800" dirty="0" smtClean="0"/>
+              <a:t>Cloud9</a:t>
+            </a:r>
+            <a:endParaRPr lang="en-US" sz="2800" dirty="0" smtClean="0"/>
           </a:p>
           <a:p>
             <a:r>
@@ -8741,11 +12621,7 @@
             </a:br>
             <a:r>
               <a:rPr lang="en-US" sz="2800" dirty="0" smtClean="0"/>
-              <a:t>cumbersome </a:t>
-            </a:r>
-            <a:r>
-              <a:rPr lang="en-US" sz="2800" dirty="0" smtClean="0"/>
-              <a:t>console</a:t>
+              <a:t>cumbersome console</a:t>
             </a:r>
           </a:p>
           <a:p>
@@ -8753,56 +12629,6 @@
           </a:p>
         </p:txBody>
       </p:sp>
-      <p:pic>
-        <p:nvPicPr>
-          <p:cNvPr id="3074" name="Picture 2" descr="D:\studiensachn\Web-based_Software_Development_Environments\repo\seminar\presentation\pics\cloud9-console.jpg"/>
-          <p:cNvPicPr>
-            <a:picLocks noChangeAspect="1" noChangeArrowheads="1"/>
-          </p:cNvPicPr>
-          <p:nvPr/>
-        </p:nvPicPr>
-        <p:blipFill>
-          <a:blip r:embed="rId3">
-            <a:extLst>
-              <a:ext uri="{28A0092B-C50C-407E-A947-70E740481C1C}">
-                <a14:useLocalDpi xmlns:a14="http://schemas.microsoft.com/office/drawing/2010/main" val="0"/>
-              </a:ext>
-            </a:extLst>
-          </a:blip>
-          <a:srcRect/>
-          <a:stretch>
-            <a:fillRect/>
-          </a:stretch>
-        </p:blipFill>
-        <p:spPr bwMode="auto">
-          <a:xfrm>
-            <a:off x="615380" y="2708920"/>
-            <a:ext cx="7653866" cy="3587750"/>
-          </a:xfrm>
-          <a:prstGeom prst="rect">
-            <a:avLst/>
-          </a:prstGeom>
-          <a:ln>
-            <a:noFill/>
-          </a:ln>
-          <a:effectLst>
-            <a:outerShdw blurRad="292100" dist="139700" dir="2700000" algn="tl" rotWithShape="0">
-              <a:srgbClr val="333333">
-                <a:alpha val="65000"/>
-              </a:srgbClr>
-            </a:outerShdw>
-          </a:effectLst>
-          <a:extLst>
-            <a:ext uri="{909E8E84-426E-40DD-AFC4-6F175D3DCCD1}">
-              <a14:hiddenFill xmlns:a14="http://schemas.microsoft.com/office/drawing/2010/main">
-                <a:solidFill>
-                  <a:srgbClr val="FFFFFF"/>
-                </a:solidFill>
-              </a14:hiddenFill>
-            </a:ext>
-          </a:extLst>
-        </p:spPr>
-      </p:pic>
       <p:sp>
         <p:nvSpPr>
           <p:cNvPr id="2" name="Title 1"/>
@@ -8874,7 +12700,11 @@
             </a:pPr>
             <a:r>
               <a:rPr lang="en-US" dirty="0" smtClean="0"/>
-              <a:t>(part of our) Development Workflow</a:t>
+              <a:t>Development </a:t>
+            </a:r>
+            <a:r>
+              <a:rPr lang="en-US" smtClean="0"/>
+              <a:t>Workflow (cont.)</a:t>
             </a:r>
             <a:endParaRPr lang="en-US" dirty="0"/>
           </a:p>
@@ -8970,85 +12800,111 @@
           </a:p>
         </p:txBody>
       </p:sp>
-      <p:pic>
-        <p:nvPicPr>
-          <p:cNvPr id="4" name="Picture 3" descr="gitx.png"/>
-          <p:cNvPicPr>
-            <a:picLocks noChangeAspect="1"/>
-          </p:cNvPicPr>
+      <p:grpSp>
+        <p:nvGrpSpPr>
+          <p:cNvPr id="7" name="Group 6"/>
+          <p:cNvGrpSpPr/>
           <p:nvPr/>
-        </p:nvPicPr>
-        <p:blipFill>
-          <a:blip r:embed="rId4">
+        </p:nvGrpSpPr>
+        <p:grpSpPr>
+          <a:xfrm>
+            <a:off x="2081630" y="2708920"/>
+            <a:ext cx="4722618" cy="3672408"/>
+            <a:chOff x="2081630" y="2708920"/>
+            <a:chExt cx="4722618" cy="3672408"/>
+          </a:xfrm>
+        </p:grpSpPr>
+        <p:pic>
+          <p:nvPicPr>
+            <p:cNvPr id="3074" name="Picture 2"/>
+            <p:cNvPicPr>
+              <a:picLocks noChangeAspect="1" noChangeArrowheads="1"/>
+            </p:cNvPicPr>
+            <p:nvPr/>
+          </p:nvPicPr>
+          <p:blipFill>
+            <a:blip r:embed="rId3" cstate="print">
+              <a:extLst>
+                <a:ext uri="{28A0092B-C50C-407E-A947-70E740481C1C}">
+                  <a14:useLocalDpi xmlns:a14="http://schemas.microsoft.com/office/drawing/2010/main" val="0"/>
+                </a:ext>
+              </a:extLst>
+            </a:blip>
+            <a:stretch>
+              <a:fillRect/>
+            </a:stretch>
+          </p:blipFill>
+          <p:spPr bwMode="auto">
+            <a:xfrm>
+              <a:off x="2153638" y="2708920"/>
+              <a:ext cx="4577350" cy="3587750"/>
+            </a:xfrm>
+            <a:prstGeom prst="rect">
+              <a:avLst/>
+            </a:prstGeom>
+            <a:ln>
+              <a:noFill/>
+            </a:ln>
+            <a:effectLst>
+              <a:outerShdw blurRad="292100" dist="139700" dir="2700000" algn="tl" rotWithShape="0">
+                <a:srgbClr val="333333">
+                  <a:alpha val="65000"/>
+                </a:srgbClr>
+              </a:outerShdw>
+            </a:effectLst>
             <a:extLst>
-              <a:ext uri="{28A0092B-C50C-407E-A947-70E740481C1C}">
-                <a14:useLocalDpi xmlns:a14="http://schemas.microsoft.com/office/drawing/2010/main" val="0"/>
+              <a:ext uri="{909E8E84-426E-40DD-AFC4-6F175D3DCCD1}">
+                <a14:hiddenFill xmlns:a14="http://schemas.microsoft.com/office/drawing/2010/main">
+                  <a:solidFill>
+                    <a:srgbClr val="FFFFFF"/>
+                  </a:solidFill>
+                </a14:hiddenFill>
               </a:ext>
             </a:extLst>
-          </a:blip>
-          <a:stretch>
-            <a:fillRect/>
-          </a:stretch>
-        </p:blipFill>
-        <p:spPr>
-          <a:xfrm>
-            <a:off x="611560" y="2765046"/>
-            <a:ext cx="5035045" cy="3433186"/>
-          </a:xfrm>
-          <a:prstGeom prst="rect">
-            <a:avLst/>
-          </a:prstGeom>
-          <a:ln>
+          </p:spPr>
+        </p:pic>
+        <p:sp>
+          <p:nvSpPr>
+            <p:cNvPr id="6" name="Rectangle 5"/>
+            <p:cNvSpPr/>
+            <p:nvPr/>
+          </p:nvSpPr>
+          <p:spPr>
+            <a:xfrm>
+              <a:off x="2081630" y="4293096"/>
+              <a:ext cx="4722618" cy="2088232"/>
+            </a:xfrm>
+            <a:prstGeom prst="rect">
+              <a:avLst/>
+            </a:prstGeom>
             <a:noFill/>
-          </a:ln>
-          <a:effectLst>
-            <a:outerShdw blurRad="292100" dist="139700" dir="2700000" algn="tl" rotWithShape="0">
-              <a:srgbClr val="333333">
-                <a:alpha val="65000"/>
-              </a:srgbClr>
-            </a:outerShdw>
-          </a:effectLst>
-        </p:spPr>
-      </p:pic>
-      <p:pic>
-        <p:nvPicPr>
-          <p:cNvPr id="5" name="Picture 4" descr="git-diff.png"/>
-          <p:cNvPicPr>
-            <a:picLocks noChangeAspect="1"/>
-          </p:cNvPicPr>
-          <p:nvPr/>
-        </p:nvPicPr>
-        <p:blipFill rotWithShape="1">
-          <a:blip r:embed="rId5">
-            <a:extLst>
-              <a:ext uri="{28A0092B-C50C-407E-A947-70E740481C1C}">
-                <a14:useLocalDpi xmlns:a14="http://schemas.microsoft.com/office/drawing/2010/main" val="0"/>
-              </a:ext>
-            </a:extLst>
-          </a:blip>
-          <a:srcRect r="22154"/>
-          <a:stretch/>
-        </p:blipFill>
-        <p:spPr>
-          <a:xfrm>
-            <a:off x="4893774" y="3650511"/>
-            <a:ext cx="3487237" cy="1765561"/>
-          </a:xfrm>
-          <a:prstGeom prst="rect">
-            <a:avLst/>
-          </a:prstGeom>
-          <a:ln>
-            <a:noFill/>
-          </a:ln>
-          <a:effectLst>
-            <a:outerShdw blurRad="292100" dist="139700" dir="2700000" algn="tl" rotWithShape="0">
-              <a:srgbClr val="333333">
-                <a:alpha val="65000"/>
-              </a:srgbClr>
-            </a:outerShdw>
-          </a:effectLst>
-        </p:spPr>
-      </p:pic>
+          </p:spPr>
+          <p:style>
+            <a:lnRef idx="2">
+              <a:schemeClr val="accent1">
+                <a:shade val="50000"/>
+              </a:schemeClr>
+            </a:lnRef>
+            <a:fillRef idx="1">
+              <a:schemeClr val="accent1"/>
+            </a:fillRef>
+            <a:effectRef idx="0">
+              <a:schemeClr val="accent1"/>
+            </a:effectRef>
+            <a:fontRef idx="minor">
+              <a:schemeClr val="lt1"/>
+            </a:fontRef>
+          </p:style>
+          <p:txBody>
+            <a:bodyPr rtlCol="0" anchor="ctr"/>
+            <a:lstStyle/>
+            <a:p>
+              <a:pPr algn="ctr"/>
+              <a:endParaRPr lang="en-GB"/>
+            </a:p>
+          </p:txBody>
+        </p:sp>
+      </p:grpSp>
     </p:spTree>
     <p:extLst>
       <p:ext uri="{BB962C8B-B14F-4D97-AF65-F5344CB8AC3E}">
@@ -9070,129 +12926,7 @@
   <p:timing>
     <p:tnLst>
       <p:par>
-        <p:cTn id="1" dur="indefinite" restart="never" nodeType="tmRoot">
-          <p:childTnLst>
-            <p:seq concurrent="1" nextAc="seek">
-              <p:cTn id="2" dur="indefinite" nodeType="mainSeq">
-                <p:childTnLst>
-                  <p:par>
-                    <p:cTn id="3" fill="hold">
-                      <p:stCondLst>
-                        <p:cond delay="indefinite"/>
-                      </p:stCondLst>
-                      <p:childTnLst>
-                        <p:par>
-                          <p:cTn id="4" fill="hold">
-                            <p:stCondLst>
-                              <p:cond delay="0"/>
-                            </p:stCondLst>
-                            <p:childTnLst>
-                              <p:par>
-                                <p:cTn id="5" presetID="1" presetClass="entr" presetSubtype="0" fill="hold" nodeType="clickEffect">
-                                  <p:stCondLst>
-                                    <p:cond delay="0"/>
-                                  </p:stCondLst>
-                                  <p:childTnLst>
-                                    <p:set>
-                                      <p:cBhvr>
-                                        <p:cTn id="6" dur="1" fill="hold">
-                                          <p:stCondLst>
-                                            <p:cond delay="0"/>
-                                          </p:stCondLst>
-                                        </p:cTn>
-                                        <p:tgtEl>
-                                          <p:spTgt spid="4"/>
-                                        </p:tgtEl>
-                                        <p:attrNameLst>
-                                          <p:attrName>style.visibility</p:attrName>
-                                        </p:attrNameLst>
-                                      </p:cBhvr>
-                                      <p:to>
-                                        <p:strVal val="visible"/>
-                                      </p:to>
-                                    </p:set>
-                                  </p:childTnLst>
-                                </p:cTn>
-                              </p:par>
-                              <p:par>
-                                <p:cTn id="7" presetID="1" presetClass="entr" presetSubtype="0" fill="hold" nodeType="withEffect">
-                                  <p:stCondLst>
-                                    <p:cond delay="0"/>
-                                  </p:stCondLst>
-                                  <p:childTnLst>
-                                    <p:set>
-                                      <p:cBhvr>
-                                        <p:cTn id="8" dur="1" fill="hold">
-                                          <p:stCondLst>
-                                            <p:cond delay="0"/>
-                                          </p:stCondLst>
-                                        </p:cTn>
-                                        <p:tgtEl>
-                                          <p:spTgt spid="5"/>
-                                        </p:tgtEl>
-                                        <p:attrNameLst>
-                                          <p:attrName>style.visibility</p:attrName>
-                                        </p:attrNameLst>
-                                      </p:cBhvr>
-                                      <p:to>
-                                        <p:strVal val="visible"/>
-                                      </p:to>
-                                    </p:set>
-                                  </p:childTnLst>
-                                </p:cTn>
-                              </p:par>
-                              <p:par>
-                                <p:cTn id="9" presetID="1" presetClass="exit" presetSubtype="0" fill="hold" nodeType="withEffect">
-                                  <p:stCondLst>
-                                    <p:cond delay="0"/>
-                                  </p:stCondLst>
-                                  <p:childTnLst>
-                                    <p:set>
-                                      <p:cBhvr>
-                                        <p:cTn id="10" dur="1" fill="hold">
-                                          <p:stCondLst>
-                                            <p:cond delay="0"/>
-                                          </p:stCondLst>
-                                        </p:cTn>
-                                        <p:tgtEl>
-                                          <p:spTgt spid="3074"/>
-                                        </p:tgtEl>
-                                        <p:attrNameLst>
-                                          <p:attrName>style.visibility</p:attrName>
-                                        </p:attrNameLst>
-                                      </p:cBhvr>
-                                      <p:to>
-                                        <p:strVal val="hidden"/>
-                                      </p:to>
-                                    </p:set>
-                                  </p:childTnLst>
-                                </p:cTn>
-                              </p:par>
-                            </p:childTnLst>
-                          </p:cTn>
-                        </p:par>
-                      </p:childTnLst>
-                    </p:cTn>
-                  </p:par>
-                </p:childTnLst>
-              </p:cTn>
-              <p:prevCondLst>
-                <p:cond evt="onPrev" delay="0">
-                  <p:tgtEl>
-                    <p:sldTgt/>
-                  </p:tgtEl>
-                </p:cond>
-              </p:prevCondLst>
-              <p:nextCondLst>
-                <p:cond evt="onNext" delay="0">
-                  <p:tgtEl>
-                    <p:sldTgt/>
-                  </p:tgtEl>
-                </p:cond>
-              </p:nextCondLst>
-            </p:seq>
-          </p:childTnLst>
-        </p:cTn>
+        <p:cTn id="1" dur="indefinite" restart="never" nodeType="tmRoot"/>
       </p:par>
     </p:tnLst>
   </p:timing>
@@ -9899,141 +13633,561 @@
             </a:r>
             <a:endParaRPr lang="de-DE" sz="2400" dirty="0" smtClean="0"/>
           </a:p>
-          <a:p>
-            <a:pPr lvl="1"/>
-            <a:r>
-              <a:rPr lang="de-DE" sz="2400" dirty="0" smtClean="0"/>
-              <a:t>(</a:t>
-            </a:r>
-            <a:r>
-              <a:rPr lang="de-DE" sz="2400" dirty="0" err="1" smtClean="0"/>
-              <a:t>Branches</a:t>
-            </a:r>
-            <a:r>
-              <a:rPr lang="de-DE" sz="2400" dirty="0" smtClean="0"/>
-              <a:t>, </a:t>
-            </a:r>
-            <a:r>
-              <a:rPr lang="de-DE" sz="2400" dirty="0" err="1" smtClean="0"/>
-              <a:t>History</a:t>
-            </a:r>
-            <a:r>
-              <a:rPr lang="de-DE" sz="2400" dirty="0" smtClean="0"/>
-              <a:t>, Tags, …)</a:t>
-            </a:r>
-          </a:p>
-          <a:p>
-            <a:r>
-              <a:rPr lang="de-DE" sz="2800" b="1" dirty="0" err="1" smtClean="0"/>
-              <a:t>Outcome</a:t>
-            </a:r>
-            <a:r>
-              <a:rPr lang="de-DE" sz="2800" b="1" dirty="0" smtClean="0"/>
-              <a:t>:</a:t>
-            </a:r>
-            <a:endParaRPr lang="de-DE" sz="2800" b="1" dirty="0"/>
-          </a:p>
-          <a:p>
-            <a:pPr lvl="1"/>
-            <a:r>
-              <a:rPr lang="de-DE" sz="2400" dirty="0" err="1" smtClean="0"/>
-              <a:t>Visualization</a:t>
-            </a:r>
-            <a:r>
-              <a:rPr lang="de-DE" sz="2400" dirty="0" smtClean="0"/>
-              <a:t> </a:t>
-            </a:r>
-            <a:r>
-              <a:rPr lang="de-DE" sz="2400" dirty="0" err="1" smtClean="0"/>
-              <a:t>of</a:t>
-            </a:r>
-            <a:r>
-              <a:rPr lang="de-DE" sz="2400" dirty="0" smtClean="0"/>
-              <a:t> </a:t>
-            </a:r>
-            <a:r>
-              <a:rPr lang="de-DE" sz="2400" dirty="0" err="1" smtClean="0"/>
-              <a:t>unstaged</a:t>
-            </a:r>
-            <a:r>
-              <a:rPr lang="de-DE" sz="2400" dirty="0" smtClean="0"/>
-              <a:t>, </a:t>
-            </a:r>
-            <a:r>
-              <a:rPr lang="de-DE" sz="2400" dirty="0" err="1" smtClean="0"/>
-              <a:t>staged</a:t>
-            </a:r>
-            <a:r>
-              <a:rPr lang="de-DE" sz="2400" dirty="0" smtClean="0"/>
-              <a:t> </a:t>
-            </a:r>
-            <a:r>
-              <a:rPr lang="de-DE" sz="2400" dirty="0" err="1" smtClean="0"/>
-              <a:t>changes</a:t>
-            </a:r>
-            <a:r>
-              <a:rPr lang="de-DE" sz="2400" dirty="0" smtClean="0"/>
-              <a:t> in code-editor</a:t>
-            </a:r>
-            <a:br>
-              <a:rPr lang="de-DE" sz="2400" dirty="0" smtClean="0"/>
-            </a:br>
-            <a:r>
-              <a:rPr lang="de-DE" sz="2400" dirty="0" err="1" smtClean="0"/>
-              <a:t>with</a:t>
-            </a:r>
-            <a:r>
-              <a:rPr lang="de-DE" sz="2400" dirty="0" smtClean="0"/>
-              <a:t> </a:t>
-            </a:r>
-            <a:r>
-              <a:rPr lang="de-DE" sz="2400" dirty="0" err="1" smtClean="0"/>
-              <a:t>ability</a:t>
-            </a:r>
-            <a:r>
-              <a:rPr lang="de-DE" sz="2400" dirty="0" smtClean="0"/>
-              <a:t> </a:t>
-            </a:r>
-            <a:r>
-              <a:rPr lang="de-DE" sz="2400" dirty="0" err="1" smtClean="0"/>
-              <a:t>to</a:t>
-            </a:r>
-            <a:r>
-              <a:rPr lang="de-DE" sz="2400" dirty="0" smtClean="0"/>
-              <a:t> </a:t>
-            </a:r>
-            <a:r>
-              <a:rPr lang="de-DE" sz="2400" dirty="0" err="1" smtClean="0"/>
-              <a:t>revert</a:t>
-            </a:r>
-            <a:r>
-              <a:rPr lang="de-DE" sz="2400" dirty="0" smtClean="0"/>
-              <a:t>, </a:t>
-            </a:r>
-            <a:r>
-              <a:rPr lang="de-DE" sz="2400" dirty="0" err="1" smtClean="0"/>
-              <a:t>stage</a:t>
-            </a:r>
-            <a:r>
-              <a:rPr lang="de-DE" sz="2400" dirty="0" smtClean="0"/>
-              <a:t>, </a:t>
-            </a:r>
-            <a:r>
-              <a:rPr lang="de-DE" sz="2400" dirty="0" err="1" smtClean="0"/>
-              <a:t>unstage</a:t>
-            </a:r>
-            <a:r>
-              <a:rPr lang="de-DE" sz="2400" dirty="0" smtClean="0"/>
-              <a:t> </a:t>
-            </a:r>
-            <a:r>
-              <a:rPr lang="de-DE" sz="2400" dirty="0" err="1" smtClean="0"/>
-              <a:t>them</a:t>
-            </a:r>
-            <a:endParaRPr lang="de-DE" sz="2400" dirty="0" smtClean="0"/>
-          </a:p>
-        </p:txBody>
-      </p:sp>
+        </p:txBody>
+      </p:sp>
+      <p:pic>
+        <p:nvPicPr>
+          <p:cNvPr id="7" name="Picture 6" descr="gitx.png"/>
+          <p:cNvPicPr>
+            <a:picLocks noChangeAspect="1"/>
+          </p:cNvPicPr>
+          <p:nvPr/>
+        </p:nvPicPr>
+        <p:blipFill rotWithShape="1">
+          <a:blip r:embed="rId3" cstate="print">
+            <a:extLst>
+              <a:ext uri="{28A0092B-C50C-407E-A947-70E740481C1C}">
+                <a14:useLocalDpi xmlns:a14="http://schemas.microsoft.com/office/drawing/2010/main" val="0"/>
+              </a:ext>
+            </a:extLst>
+          </a:blip>
+          <a:srcRect l="446" t="565" b="579"/>
+          <a:stretch/>
+        </p:blipFill>
+        <p:spPr>
+          <a:xfrm>
+            <a:off x="343480" y="3286270"/>
+            <a:ext cx="4438774" cy="3005452"/>
+          </a:xfrm>
+          <a:prstGeom prst="rect">
+            <a:avLst/>
+          </a:prstGeom>
+          <a:ln>
+            <a:noFill/>
+          </a:ln>
+          <a:effectLst>
+            <a:outerShdw blurRad="292100" dist="139700" dir="2700000" algn="tl" rotWithShape="0">
+              <a:srgbClr val="333333">
+                <a:alpha val="65000"/>
+              </a:srgbClr>
+            </a:outerShdw>
+          </a:effectLst>
+        </p:spPr>
+      </p:pic>
+      <p:pic>
+        <p:nvPicPr>
+          <p:cNvPr id="8" name="Picture 7" descr="git-diff.png"/>
+          <p:cNvPicPr>
+            <a:picLocks noChangeAspect="1"/>
+          </p:cNvPicPr>
+          <p:nvPr/>
+        </p:nvPicPr>
+        <p:blipFill rotWithShape="1">
+          <a:blip r:embed="rId4">
+            <a:extLst>
+              <a:ext uri="{28A0092B-C50C-407E-A947-70E740481C1C}">
+                <a14:useLocalDpi xmlns:a14="http://schemas.microsoft.com/office/drawing/2010/main" val="0"/>
+              </a:ext>
+            </a:extLst>
+          </a:blip>
+          <a:srcRect t="3091" r="22154"/>
+          <a:stretch/>
+        </p:blipFill>
+        <p:spPr>
+          <a:xfrm>
+            <a:off x="5364088" y="3960994"/>
+            <a:ext cx="3487237" cy="1710997"/>
+          </a:xfrm>
+          <a:prstGeom prst="rect">
+            <a:avLst/>
+          </a:prstGeom>
+          <a:ln>
+            <a:noFill/>
+          </a:ln>
+          <a:effectLst>
+            <a:outerShdw blurRad="292100" dist="139700" dir="2700000" algn="tl" rotWithShape="0">
+              <a:srgbClr val="333333">
+                <a:alpha val="65000"/>
+              </a:srgbClr>
+            </a:outerShdw>
+          </a:effectLst>
+        </p:spPr>
+      </p:pic>
+      <p:sp>
+        <p:nvSpPr>
+          <p:cNvPr id="9" name="Rounded Rectangle 8"/>
+          <p:cNvSpPr/>
+          <p:nvPr/>
+        </p:nvSpPr>
+        <p:spPr>
+          <a:xfrm>
+            <a:off x="3491880" y="2934834"/>
+            <a:ext cx="936104" cy="464294"/>
+          </a:xfrm>
+          <a:prstGeom prst="roundRect">
+            <a:avLst/>
+          </a:prstGeom>
+          <a:ln w="28575"/>
+        </p:spPr>
+        <p:style>
+          <a:lnRef idx="1">
+            <a:schemeClr val="dk1"/>
+          </a:lnRef>
+          <a:fillRef idx="2">
+            <a:schemeClr val="dk1"/>
+          </a:fillRef>
+          <a:effectRef idx="1">
+            <a:schemeClr val="dk1"/>
+          </a:effectRef>
+          <a:fontRef idx="minor">
+            <a:schemeClr val="dk1"/>
+          </a:fontRef>
+        </p:style>
+        <p:txBody>
+          <a:bodyPr rtlCol="0" anchor="ctr"/>
+          <a:lstStyle/>
+          <a:p>
+            <a:pPr algn="ctr"/>
+            <a:r>
+              <a:rPr lang="de-DE" sz="2400" b="1" dirty="0" err="1" smtClean="0"/>
+              <a:t>gitx</a:t>
+            </a:r>
+            <a:endParaRPr lang="en-GB" sz="2400" b="1" dirty="0"/>
+          </a:p>
+        </p:txBody>
+      </p:sp>
+      <p:sp>
+        <p:nvSpPr>
+          <p:cNvPr id="11" name="Rounded Rectangle 10"/>
+          <p:cNvSpPr/>
+          <p:nvPr/>
+        </p:nvSpPr>
+        <p:spPr>
+          <a:xfrm>
+            <a:off x="7236296" y="3557134"/>
+            <a:ext cx="1508989" cy="464294"/>
+          </a:xfrm>
+          <a:prstGeom prst="roundRect">
+            <a:avLst/>
+          </a:prstGeom>
+          <a:ln w="28575"/>
+        </p:spPr>
+        <p:style>
+          <a:lnRef idx="1">
+            <a:schemeClr val="dk1"/>
+          </a:lnRef>
+          <a:fillRef idx="2">
+            <a:schemeClr val="dk1"/>
+          </a:fillRef>
+          <a:effectRef idx="1">
+            <a:schemeClr val="dk1"/>
+          </a:effectRef>
+          <a:fontRef idx="minor">
+            <a:schemeClr val="dk1"/>
+          </a:fontRef>
+        </p:style>
+        <p:txBody>
+          <a:bodyPr rtlCol="0" anchor="ctr"/>
+          <a:lstStyle/>
+          <a:p>
+            <a:pPr algn="ctr"/>
+            <a:r>
+              <a:rPr lang="de-DE" sz="2400" b="1" dirty="0" err="1" smtClean="0"/>
+              <a:t>netbeans</a:t>
+            </a:r>
+            <a:endParaRPr lang="en-GB" sz="2400" b="1" dirty="0"/>
+          </a:p>
+        </p:txBody>
+      </p:sp>
+      <p:pic>
+        <p:nvPicPr>
+          <p:cNvPr id="12" name="Picture 2"/>
+          <p:cNvPicPr>
+            <a:picLocks noChangeAspect="1" noChangeArrowheads="1"/>
+          </p:cNvPicPr>
+          <p:nvPr/>
+        </p:nvPicPr>
+        <p:blipFill>
+          <a:blip r:embed="rId5">
+            <a:extLst>
+              <a:ext uri="{BEBA8EAE-BF5A-486C-A8C5-ECC9F3942E4B}">
+                <a14:imgProps xmlns:a14="http://schemas.microsoft.com/office/drawing/2010/main">
+                  <a14:imgLayer r:embed="rId6">
+                    <a14:imgEffect>
+                      <a14:sharpenSoften amount="50000"/>
+                    </a14:imgEffect>
+                  </a14:imgLayer>
+                </a14:imgProps>
+              </a:ext>
+              <a:ext uri="{28A0092B-C50C-407E-A947-70E740481C1C}">
+                <a14:useLocalDpi xmlns:a14="http://schemas.microsoft.com/office/drawing/2010/main" val="0"/>
+              </a:ext>
+            </a:extLst>
+          </a:blip>
+          <a:srcRect/>
+          <a:stretch>
+            <a:fillRect/>
+          </a:stretch>
+        </p:blipFill>
+        <p:spPr bwMode="auto">
+          <a:xfrm>
+            <a:off x="2915816" y="3671129"/>
+            <a:ext cx="1733550" cy="381000"/>
+          </a:xfrm>
+          <a:prstGeom prst="rect">
+            <a:avLst/>
+          </a:prstGeom>
+          <a:ln w="9525">
+            <a:solidFill>
+              <a:schemeClr val="tx1"/>
+            </a:solidFill>
+            <a:miter lim="800000"/>
+            <a:headEnd/>
+            <a:tailEnd/>
+          </a:ln>
+          <a:effectLst>
+            <a:outerShdw blurRad="292100" dist="139700" dir="2700000" algn="tl" rotWithShape="0">
+              <a:srgbClr val="333333">
+                <a:alpha val="65000"/>
+              </a:srgbClr>
+            </a:outerShdw>
+          </a:effectLst>
+          <a:extLst>
+            <a:ext uri="{909E8E84-426E-40DD-AFC4-6F175D3DCCD1}">
+              <a14:hiddenFill xmlns:a14="http://schemas.microsoft.com/office/drawing/2010/main">
+                <a:solidFill>
+                  <a:schemeClr val="accent1"/>
+                </a:solidFill>
+              </a14:hiddenFill>
+            </a:ext>
+            <a:ext uri="{AF507438-7753-43E0-B8FC-AC1667EBCBE1}">
+              <a14:hiddenEffects xmlns:a14="http://schemas.microsoft.com/office/drawing/2010/main">
+                <a:effectLst>
+                  <a:outerShdw dist="35921" dir="2700000" algn="ctr" rotWithShape="0">
+                    <a:schemeClr val="bg2"/>
+                  </a:outerShdw>
+                </a:effectLst>
+              </a14:hiddenEffects>
+            </a:ext>
+          </a:extLst>
+        </p:spPr>
+      </p:pic>
+      <p:grpSp>
+        <p:nvGrpSpPr>
+          <p:cNvPr id="15" name="Group 14"/>
+          <p:cNvGrpSpPr/>
+          <p:nvPr/>
+        </p:nvGrpSpPr>
+        <p:grpSpPr>
+          <a:xfrm>
+            <a:off x="3419872" y="4937216"/>
+            <a:ext cx="1543050" cy="399503"/>
+            <a:chOff x="3419872" y="4809082"/>
+            <a:chExt cx="1543050" cy="399503"/>
+          </a:xfrm>
+        </p:grpSpPr>
+        <p:cxnSp>
+          <p:nvCxnSpPr>
+            <p:cNvPr id="16" name="Straight Connector 15"/>
+            <p:cNvCxnSpPr/>
+            <p:nvPr/>
+          </p:nvCxnSpPr>
+          <p:spPr>
+            <a:xfrm>
+              <a:off x="3419872" y="5081444"/>
+              <a:ext cx="216024" cy="127141"/>
+            </a:xfrm>
+            <a:prstGeom prst="line">
+              <a:avLst/>
+            </a:prstGeom>
+            <a:ln w="12700">
+              <a:solidFill>
+                <a:schemeClr val="tx1"/>
+              </a:solidFill>
+            </a:ln>
+          </p:spPr>
+          <p:style>
+            <a:lnRef idx="1">
+              <a:schemeClr val="dk1"/>
+            </a:lnRef>
+            <a:fillRef idx="0">
+              <a:schemeClr val="dk1"/>
+            </a:fillRef>
+            <a:effectRef idx="0">
+              <a:schemeClr val="dk1"/>
+            </a:effectRef>
+            <a:fontRef idx="minor">
+              <a:schemeClr val="tx1"/>
+            </a:fontRef>
+          </p:style>
+        </p:cxnSp>
+        <p:cxnSp>
+          <p:nvCxnSpPr>
+            <p:cNvPr id="17" name="Straight Connector 16"/>
+            <p:cNvCxnSpPr/>
+            <p:nvPr/>
+          </p:nvCxnSpPr>
+          <p:spPr>
+            <a:xfrm flipH="1">
+              <a:off x="4782254" y="5091751"/>
+              <a:ext cx="180668" cy="116834"/>
+            </a:xfrm>
+            <a:prstGeom prst="line">
+              <a:avLst/>
+            </a:prstGeom>
+            <a:ln w="12700">
+              <a:solidFill>
+                <a:schemeClr val="tx1"/>
+              </a:solidFill>
+            </a:ln>
+          </p:spPr>
+          <p:style>
+            <a:lnRef idx="1">
+              <a:schemeClr val="dk1"/>
+            </a:lnRef>
+            <a:fillRef idx="0">
+              <a:schemeClr val="dk1"/>
+            </a:fillRef>
+            <a:effectRef idx="0">
+              <a:schemeClr val="dk1"/>
+            </a:effectRef>
+            <a:fontRef idx="minor">
+              <a:schemeClr val="tx1"/>
+            </a:fontRef>
+          </p:style>
+        </p:cxnSp>
+        <p:pic>
+          <p:nvPicPr>
+            <p:cNvPr id="18" name="Picture 3"/>
+            <p:cNvPicPr>
+              <a:picLocks noChangeAspect="1" noChangeArrowheads="1"/>
+            </p:cNvPicPr>
+            <p:nvPr/>
+          </p:nvPicPr>
+          <p:blipFill>
+            <a:blip r:embed="rId7">
+              <a:extLst>
+                <a:ext uri="{BEBA8EAE-BF5A-486C-A8C5-ECC9F3942E4B}">
+                  <a14:imgProps xmlns:a14="http://schemas.microsoft.com/office/drawing/2010/main">
+                    <a14:imgLayer r:embed="rId8">
+                      <a14:imgEffect>
+                        <a14:sharpenSoften amount="50000"/>
+                      </a14:imgEffect>
+                    </a14:imgLayer>
+                  </a14:imgProps>
+                </a:ext>
+                <a:ext uri="{28A0092B-C50C-407E-A947-70E740481C1C}">
+                  <a14:useLocalDpi xmlns:a14="http://schemas.microsoft.com/office/drawing/2010/main" val="0"/>
+                </a:ext>
+              </a:extLst>
+            </a:blip>
+            <a:srcRect/>
+            <a:stretch>
+              <a:fillRect/>
+            </a:stretch>
+          </p:blipFill>
+          <p:spPr bwMode="auto">
+            <a:xfrm>
+              <a:off x="3419872" y="4809082"/>
+              <a:ext cx="1543050" cy="285750"/>
+            </a:xfrm>
+            <a:prstGeom prst="rect">
+              <a:avLst/>
+            </a:prstGeom>
+            <a:ln w="9525">
+              <a:solidFill>
+                <a:schemeClr val="tx1"/>
+              </a:solidFill>
+              <a:miter lim="800000"/>
+              <a:headEnd/>
+              <a:tailEnd/>
+            </a:ln>
+            <a:effectLst>
+              <a:outerShdw blurRad="50800" dist="38100" dir="2700000" algn="tl" rotWithShape="0">
+                <a:srgbClr val="000000">
+                  <a:alpha val="43000"/>
+                </a:srgbClr>
+              </a:outerShdw>
+            </a:effectLst>
+            <a:extLst>
+              <a:ext uri="{909E8E84-426E-40DD-AFC4-6F175D3DCCD1}">
+                <a14:hiddenFill xmlns:a14="http://schemas.microsoft.com/office/drawing/2010/main">
+                  <a:solidFill>
+                    <a:schemeClr val="accent1"/>
+                  </a:solidFill>
+                </a14:hiddenFill>
+              </a:ext>
+              <a:ext uri="{AF507438-7753-43E0-B8FC-AC1667EBCBE1}">
+                <a14:hiddenEffects xmlns:a14="http://schemas.microsoft.com/office/drawing/2010/main">
+                  <a:effectLst>
+                    <a:outerShdw dist="35921" dir="2700000" algn="ctr" rotWithShape="0">
+                      <a:schemeClr val="bg2"/>
+                    </a:outerShdw>
+                  </a:effectLst>
+                </a14:hiddenEffects>
+              </a:ext>
+            </a:extLst>
+          </p:spPr>
+        </p:pic>
+      </p:grpSp>
+      <p:grpSp>
+        <p:nvGrpSpPr>
+          <p:cNvPr id="19" name="Group 18"/>
+          <p:cNvGrpSpPr/>
+          <p:nvPr/>
+        </p:nvGrpSpPr>
+        <p:grpSpPr>
+          <a:xfrm>
+            <a:off x="35496" y="4944443"/>
+            <a:ext cx="1790700" cy="412891"/>
+            <a:chOff x="35496" y="4816309"/>
+            <a:chExt cx="1790700" cy="412891"/>
+          </a:xfrm>
+        </p:grpSpPr>
+        <p:cxnSp>
+          <p:nvCxnSpPr>
+            <p:cNvPr id="20" name="Straight Connector 19"/>
+            <p:cNvCxnSpPr/>
+            <p:nvPr/>
+          </p:nvCxnSpPr>
+          <p:spPr>
+            <a:xfrm>
+              <a:off x="35496" y="5102059"/>
+              <a:ext cx="288032" cy="127141"/>
+            </a:xfrm>
+            <a:prstGeom prst="line">
+              <a:avLst/>
+            </a:prstGeom>
+            <a:ln w="12700">
+              <a:solidFill>
+                <a:schemeClr val="tx1"/>
+              </a:solidFill>
+            </a:ln>
+          </p:spPr>
+          <p:style>
+            <a:lnRef idx="1">
+              <a:schemeClr val="dk1"/>
+            </a:lnRef>
+            <a:fillRef idx="0">
+              <a:schemeClr val="dk1"/>
+            </a:fillRef>
+            <a:effectRef idx="0">
+              <a:schemeClr val="dk1"/>
+            </a:effectRef>
+            <a:fontRef idx="minor">
+              <a:schemeClr val="tx1"/>
+            </a:fontRef>
+          </p:style>
+        </p:cxnSp>
+        <p:cxnSp>
+          <p:nvCxnSpPr>
+            <p:cNvPr id="21" name="Straight Connector 20"/>
+            <p:cNvCxnSpPr/>
+            <p:nvPr/>
+          </p:nvCxnSpPr>
+          <p:spPr>
+            <a:xfrm flipH="1">
+              <a:off x="1331640" y="5102059"/>
+              <a:ext cx="494556" cy="127141"/>
+            </a:xfrm>
+            <a:prstGeom prst="line">
+              <a:avLst/>
+            </a:prstGeom>
+            <a:ln w="12700">
+              <a:solidFill>
+                <a:schemeClr val="tx1"/>
+              </a:solidFill>
+            </a:ln>
+          </p:spPr>
+          <p:style>
+            <a:lnRef idx="1">
+              <a:schemeClr val="dk1"/>
+            </a:lnRef>
+            <a:fillRef idx="0">
+              <a:schemeClr val="dk1"/>
+            </a:fillRef>
+            <a:effectRef idx="0">
+              <a:schemeClr val="dk1"/>
+            </a:effectRef>
+            <a:fontRef idx="minor">
+              <a:schemeClr val="tx1"/>
+            </a:fontRef>
+          </p:style>
+        </p:cxnSp>
+        <p:pic>
+          <p:nvPicPr>
+            <p:cNvPr id="22" name="Picture 4"/>
+            <p:cNvPicPr>
+              <a:picLocks noChangeAspect="1" noChangeArrowheads="1"/>
+            </p:cNvPicPr>
+            <p:nvPr/>
+          </p:nvPicPr>
+          <p:blipFill>
+            <a:blip r:embed="rId9">
+              <a:extLst>
+                <a:ext uri="{BEBA8EAE-BF5A-486C-A8C5-ECC9F3942E4B}">
+                  <a14:imgProps xmlns:a14="http://schemas.microsoft.com/office/drawing/2010/main">
+                    <a14:imgLayer r:embed="rId10">
+                      <a14:imgEffect>
+                        <a14:sharpenSoften amount="50000"/>
+                      </a14:imgEffect>
+                    </a14:imgLayer>
+                  </a14:imgProps>
+                </a:ext>
+                <a:ext uri="{28A0092B-C50C-407E-A947-70E740481C1C}">
+                  <a14:useLocalDpi xmlns:a14="http://schemas.microsoft.com/office/drawing/2010/main" val="0"/>
+                </a:ext>
+              </a:extLst>
+            </a:blip>
+            <a:srcRect/>
+            <a:stretch>
+              <a:fillRect/>
+            </a:stretch>
+          </p:blipFill>
+          <p:spPr bwMode="auto">
+            <a:xfrm>
+              <a:off x="35496" y="4816309"/>
+              <a:ext cx="1790700" cy="285750"/>
+            </a:xfrm>
+            <a:prstGeom prst="rect">
+              <a:avLst/>
+            </a:prstGeom>
+            <a:ln w="9525">
+              <a:solidFill>
+                <a:schemeClr val="tx1"/>
+              </a:solidFill>
+              <a:miter lim="800000"/>
+              <a:headEnd/>
+              <a:tailEnd/>
+            </a:ln>
+            <a:effectLst>
+              <a:outerShdw blurRad="50800" dist="38100" dir="2700000" algn="tl" rotWithShape="0">
+                <a:srgbClr val="000000">
+                  <a:alpha val="43000"/>
+                </a:srgbClr>
+              </a:outerShdw>
+            </a:effectLst>
+            <a:extLst>
+              <a:ext uri="{909E8E84-426E-40DD-AFC4-6F175D3DCCD1}">
+                <a14:hiddenFill xmlns:a14="http://schemas.microsoft.com/office/drawing/2010/main">
+                  <a:solidFill>
+                    <a:schemeClr val="accent1"/>
+                  </a:solidFill>
+                </a14:hiddenFill>
+              </a:ext>
+              <a:ext uri="{AF507438-7753-43E0-B8FC-AC1667EBCBE1}">
+                <a14:hiddenEffects xmlns:a14="http://schemas.microsoft.com/office/drawing/2010/main">
+                  <a:effectLst>
+                    <a:outerShdw dist="35921" dir="2700000" algn="ctr" rotWithShape="0">
+                      <a:schemeClr val="bg2"/>
+                    </a:outerShdw>
+                  </a:effectLst>
+                </a14:hiddenEffects>
+              </a:ext>
+            </a:extLst>
+          </p:spPr>
+        </p:pic>
+      </p:grpSp>
     </p:spTree>
     <p:extLst>
       <p:ext uri="{BB962C8B-B14F-4D97-AF65-F5344CB8AC3E}">
@@ -10086,11 +14240,7 @@
                                           </p:stCondLst>
                                         </p:cTn>
                                         <p:tgtEl>
-                                          <p:spTgt spid="10">
-                                            <p:txEl>
-                                              <p:pRg st="4" end="4"/>
-                                            </p:txEl>
-                                          </p:spTgt>
+                                          <p:spTgt spid="7"/>
                                         </p:tgtEl>
                                         <p:attrNameLst>
                                           <p:attrName>style.visibility</p:attrName>
@@ -10104,7 +14254,7 @@
                                 </p:cTn>
                               </p:par>
                               <p:par>
-                                <p:cTn id="7" presetID="1" presetClass="entr" presetSubtype="0" fill="hold" nodeType="withEffect">
+                                <p:cTn id="7" presetID="1" presetClass="entr" presetSubtype="0" fill="hold" grpId="0" nodeType="withEffect">
                                   <p:stCondLst>
                                     <p:cond delay="0"/>
                                   </p:stCondLst>
@@ -10117,11 +14267,196 @@
                                           </p:stCondLst>
                                         </p:cTn>
                                         <p:tgtEl>
-                                          <p:spTgt spid="10">
-                                            <p:txEl>
-                                              <p:pRg st="5" end="5"/>
-                                            </p:txEl>
-                                          </p:spTgt>
+                                          <p:spTgt spid="9"/>
+                                        </p:tgtEl>
+                                        <p:attrNameLst>
+                                          <p:attrName>style.visibility</p:attrName>
+                                        </p:attrNameLst>
+                                      </p:cBhvr>
+                                      <p:to>
+                                        <p:strVal val="visible"/>
+                                      </p:to>
+                                    </p:set>
+                                  </p:childTnLst>
+                                </p:cTn>
+                              </p:par>
+                            </p:childTnLst>
+                          </p:cTn>
+                        </p:par>
+                      </p:childTnLst>
+                    </p:cTn>
+                  </p:par>
+                  <p:par>
+                    <p:cTn id="9" fill="hold">
+                      <p:stCondLst>
+                        <p:cond delay="indefinite"/>
+                      </p:stCondLst>
+                      <p:childTnLst>
+                        <p:par>
+                          <p:cTn id="10" fill="hold">
+                            <p:stCondLst>
+                              <p:cond delay="0"/>
+                            </p:stCondLst>
+                            <p:childTnLst>
+                              <p:par>
+                                <p:cTn id="11" presetID="1" presetClass="entr" presetSubtype="0" fill="hold" nodeType="clickEffect">
+                                  <p:stCondLst>
+                                    <p:cond delay="0"/>
+                                  </p:stCondLst>
+                                  <p:childTnLst>
+                                    <p:set>
+                                      <p:cBhvr>
+                                        <p:cTn id="12" dur="1" fill="hold">
+                                          <p:stCondLst>
+                                            <p:cond delay="0"/>
+                                          </p:stCondLst>
+                                        </p:cTn>
+                                        <p:tgtEl>
+                                          <p:spTgt spid="15"/>
+                                        </p:tgtEl>
+                                        <p:attrNameLst>
+                                          <p:attrName>style.visibility</p:attrName>
+                                        </p:attrNameLst>
+                                      </p:cBhvr>
+                                      <p:to>
+                                        <p:strVal val="visible"/>
+                                      </p:to>
+                                    </p:set>
+                                  </p:childTnLst>
+                                </p:cTn>
+                              </p:par>
+                              <p:par>
+                                <p:cTn id="13" presetID="1" presetClass="entr" presetSubtype="0" fill="hold" nodeType="withEffect">
+                                  <p:stCondLst>
+                                    <p:cond delay="0"/>
+                                  </p:stCondLst>
+                                  <p:childTnLst>
+                                    <p:set>
+                                      <p:cBhvr>
+                                        <p:cTn id="14" dur="1" fill="hold">
+                                          <p:stCondLst>
+                                            <p:cond delay="0"/>
+                                          </p:stCondLst>
+                                        </p:cTn>
+                                        <p:tgtEl>
+                                          <p:spTgt spid="19"/>
+                                        </p:tgtEl>
+                                        <p:attrNameLst>
+                                          <p:attrName>style.visibility</p:attrName>
+                                        </p:attrNameLst>
+                                      </p:cBhvr>
+                                      <p:to>
+                                        <p:strVal val="visible"/>
+                                      </p:to>
+                                    </p:set>
+                                  </p:childTnLst>
+                                </p:cTn>
+                              </p:par>
+                            </p:childTnLst>
+                          </p:cTn>
+                        </p:par>
+                      </p:childTnLst>
+                    </p:cTn>
+                  </p:par>
+                  <p:par>
+                    <p:cTn id="15" fill="hold">
+                      <p:stCondLst>
+                        <p:cond delay="indefinite"/>
+                      </p:stCondLst>
+                      <p:childTnLst>
+                        <p:par>
+                          <p:cTn id="16" fill="hold">
+                            <p:stCondLst>
+                              <p:cond delay="0"/>
+                            </p:stCondLst>
+                            <p:childTnLst>
+                              <p:par>
+                                <p:cTn id="17" presetID="1" presetClass="entr" presetSubtype="0" fill="hold" nodeType="clickEffect">
+                                  <p:stCondLst>
+                                    <p:cond delay="0"/>
+                                  </p:stCondLst>
+                                  <p:childTnLst>
+                                    <p:set>
+                                      <p:cBhvr>
+                                        <p:cTn id="18" dur="1" fill="hold">
+                                          <p:stCondLst>
+                                            <p:cond delay="0"/>
+                                          </p:stCondLst>
+                                        </p:cTn>
+                                        <p:tgtEl>
+                                          <p:spTgt spid="12"/>
+                                        </p:tgtEl>
+                                        <p:attrNameLst>
+                                          <p:attrName>style.visibility</p:attrName>
+                                        </p:attrNameLst>
+                                      </p:cBhvr>
+                                      <p:to>
+                                        <p:strVal val="visible"/>
+                                      </p:to>
+                                    </p:set>
+                                  </p:childTnLst>
+                                </p:cTn>
+                              </p:par>
+                            </p:childTnLst>
+                          </p:cTn>
+                        </p:par>
+                      </p:childTnLst>
+                    </p:cTn>
+                  </p:par>
+                  <p:par>
+                    <p:cTn id="19" fill="hold">
+                      <p:stCondLst>
+                        <p:cond delay="indefinite"/>
+                      </p:stCondLst>
+                      <p:childTnLst>
+                        <p:par>
+                          <p:cTn id="20" fill="hold">
+                            <p:stCondLst>
+                              <p:cond delay="0"/>
+                            </p:stCondLst>
+                            <p:childTnLst>
+                              <p:par>
+                                <p:cTn id="21" presetID="1" presetClass="entr" presetSubtype="0" fill="hold" grpId="0" nodeType="clickEffect">
+                                  <p:stCondLst>
+                                    <p:cond delay="0"/>
+                                  </p:stCondLst>
+                                  <p:childTnLst>
+                                    <p:set>
+                                      <p:cBhvr>
+                                        <p:cTn id="22" dur="1" fill="hold">
+                                          <p:stCondLst>
+                                            <p:cond delay="0"/>
+                                          </p:stCondLst>
+                                        </p:cTn>
+                                        <p:tgtEl>
+                                          <p:spTgt spid="11"/>
+                                        </p:tgtEl>
+                                        <p:attrNameLst>
+                                          <p:attrName>style.visibility</p:attrName>
+                                        </p:attrNameLst>
+                                      </p:cBhvr>
+                                      <p:to>
+                                        <p:strVal val="visible"/>
+                                      </p:to>
+                                    </p:set>
+                                  </p:childTnLst>
+                                </p:cTn>
+                              </p:par>
+                              <p:par>
+                                <p:cTn id="23" presetID="1" presetClass="entr" presetSubtype="0" fill="hold" nodeType="withEffect">
+                                  <p:stCondLst>
+                                    <p:cond delay="0"/>
+                                  </p:stCondLst>
+                                  <p:childTnLst>
+                                    <p:set>
+                                      <p:cBhvr>
+                                        <p:cTn id="24" dur="1" fill="hold">
+                                          <p:stCondLst>
+                                            <p:cond delay="0"/>
+                                          </p:stCondLst>
+                                        </p:cTn>
+                                        <p:tgtEl>
+                                          <p:spTgt spid="8"/>
                                         </p:tgtEl>
                                         <p:attrNameLst>
                                           <p:attrName>style.visibility</p:attrName>
@@ -10161,6 +14496,10 @@
         </p:cTn>
       </p:par>
     </p:tnLst>
+    <p:bldLst>
+      <p:bldP spid="9" grpId="0" animBg="1"/>
+      <p:bldP spid="11" grpId="0" animBg="1"/>
+    </p:bldLst>
   </p:timing>
 </p:sld>
 </file>
@@ -10184,46 +14523,805 @@
       </p:grpSpPr>
       <p:sp>
         <p:nvSpPr>
-          <p:cNvPr id="2" name="TextBox 1"/>
-          <p:cNvSpPr txBox="1"/>
-          <p:nvPr/>
+          <p:cNvPr id="3" name="Text Placeholder 2"/>
+          <p:cNvSpPr txBox="1">
+            <a:spLocks noGrp="1"/>
+          </p:cNvSpPr>
+          <p:nvPr>
+            <p:ph type="body" idx="4294967295"/>
+          </p:nvPr>
         </p:nvSpPr>
         <p:spPr>
           <a:xfrm>
-            <a:off x="2051720" y="2132856"/>
-            <a:ext cx="4193071" cy="769441"/>
+            <a:off x="457200" y="1077840"/>
+            <a:ext cx="8291264" cy="5303488"/>
+          </a:xfrm>
+        </p:spPr>
+        <p:txBody>
+          <a:bodyPr/>
+          <a:lstStyle>
+            <a:defPPr marL="432000" lvl="0" indent="-324000">
+              <a:spcBef>
+                <a:spcPts val="0"/>
+              </a:spcBef>
+              <a:spcAft>
+                <a:spcPts val="1417"/>
+              </a:spcAft>
+              <a:buSzPct val="45000"/>
+              <a:buFont typeface="StarSymbol"/>
+              <a:buNone/>
+              <a:defRPr lang="en-US" sz="3200" b="0" i="0" u="none" strike="noStrike" kern="1200">
+                <a:ln>
+                  <a:noFill/>
+                </a:ln>
+                <a:latin typeface="Arial" pitchFamily="18"/>
+                <a:ea typeface="Droid Sans" pitchFamily="2"/>
+                <a:cs typeface="Lohit Hindi" pitchFamily="2"/>
+              </a:defRPr>
+            </a:defPPr>
+            <a:lvl1pPr marL="432000" lvl="0" indent="-324000">
+              <a:spcBef>
+                <a:spcPts val="0"/>
+              </a:spcBef>
+              <a:spcAft>
+                <a:spcPts val="1417"/>
+              </a:spcAft>
+              <a:buSzPct val="45000"/>
+              <a:buFont typeface="StarSymbol"/>
+              <a:buChar char="●"/>
+              <a:defRPr lang="en-US" sz="3200" b="0" i="0" u="none" strike="noStrike" kern="1200">
+                <a:ln>
+                  <a:noFill/>
+                </a:ln>
+                <a:latin typeface="Arial" pitchFamily="18"/>
+                <a:ea typeface="Droid Sans" pitchFamily="2"/>
+                <a:cs typeface="Lohit Hindi" pitchFamily="2"/>
+              </a:defRPr>
+            </a:lvl1pPr>
+            <a:lvl2pPr marL="864000" lvl="1" indent="-324000">
+              <a:spcBef>
+                <a:spcPts val="0"/>
+              </a:spcBef>
+              <a:spcAft>
+                <a:spcPts val="1134"/>
+              </a:spcAft>
+              <a:buSzPct val="75000"/>
+              <a:buFont typeface="StarSymbol"/>
+              <a:buChar char="–"/>
+              <a:defRPr lang="en-US" sz="2800" b="0" i="0" u="none" strike="noStrike" kern="1200">
+                <a:ln>
+                  <a:noFill/>
+                </a:ln>
+                <a:latin typeface="Arial" pitchFamily="18"/>
+                <a:ea typeface="Droid Sans" pitchFamily="2"/>
+                <a:cs typeface="Lohit Hindi" pitchFamily="2"/>
+              </a:defRPr>
+            </a:lvl2pPr>
+            <a:lvl3pPr marL="1295999" lvl="2" indent="-288000">
+              <a:spcBef>
+                <a:spcPts val="0"/>
+              </a:spcBef>
+              <a:spcAft>
+                <a:spcPts val="850"/>
+              </a:spcAft>
+              <a:buSzPct val="45000"/>
+              <a:buFont typeface="StarSymbol"/>
+              <a:buChar char="●"/>
+              <a:defRPr lang="en-US" sz="2400" b="0" i="0" u="none" strike="noStrike" kern="1200">
+                <a:ln>
+                  <a:noFill/>
+                </a:ln>
+                <a:latin typeface="Arial" pitchFamily="18"/>
+                <a:ea typeface="Droid Sans" pitchFamily="2"/>
+                <a:cs typeface="Lohit Hindi" pitchFamily="2"/>
+              </a:defRPr>
+            </a:lvl3pPr>
+            <a:lvl4pPr marL="1728000" lvl="3" indent="-216000">
+              <a:spcBef>
+                <a:spcPts val="0"/>
+              </a:spcBef>
+              <a:spcAft>
+                <a:spcPts val="567"/>
+              </a:spcAft>
+              <a:buSzPct val="75000"/>
+              <a:buFont typeface="StarSymbol"/>
+              <a:buChar char="–"/>
+              <a:defRPr lang="en-US" sz="2000" b="0" i="0" u="none" strike="noStrike" kern="1200">
+                <a:ln>
+                  <a:noFill/>
+                </a:ln>
+                <a:latin typeface="Arial" pitchFamily="18"/>
+                <a:ea typeface="Droid Sans" pitchFamily="2"/>
+                <a:cs typeface="Lohit Hindi" pitchFamily="2"/>
+              </a:defRPr>
+            </a:lvl4pPr>
+            <a:lvl5pPr marL="2160000" lvl="4" indent="-216000">
+              <a:spcBef>
+                <a:spcPts val="0"/>
+              </a:spcBef>
+              <a:spcAft>
+                <a:spcPts val="283"/>
+              </a:spcAft>
+              <a:buSzPct val="45000"/>
+              <a:buFont typeface="StarSymbol"/>
+              <a:buChar char="●"/>
+              <a:defRPr lang="en-US" sz="2000" b="0" i="0" u="none" strike="noStrike" kern="1200">
+                <a:ln>
+                  <a:noFill/>
+                </a:ln>
+                <a:latin typeface="Arial" pitchFamily="18"/>
+                <a:ea typeface="Droid Sans" pitchFamily="2"/>
+                <a:cs typeface="Lohit Hindi" pitchFamily="2"/>
+              </a:defRPr>
+            </a:lvl5pPr>
+            <a:lvl6pPr marL="2592000" lvl="5" indent="-216000">
+              <a:spcBef>
+                <a:spcPts val="0"/>
+              </a:spcBef>
+              <a:spcAft>
+                <a:spcPts val="283"/>
+              </a:spcAft>
+              <a:buSzPct val="45000"/>
+              <a:buFont typeface="StarSymbol"/>
+              <a:buChar char="●"/>
+              <a:defRPr lang="en-US" sz="2000" b="0" i="0" u="none" strike="noStrike" kern="1200">
+                <a:ln>
+                  <a:noFill/>
+                </a:ln>
+                <a:latin typeface="Arial" pitchFamily="18"/>
+                <a:ea typeface="Droid Sans" pitchFamily="2"/>
+                <a:cs typeface="Lohit Hindi" pitchFamily="2"/>
+              </a:defRPr>
+            </a:lvl6pPr>
+            <a:lvl7pPr marL="3024000" lvl="6" indent="-216000">
+              <a:spcBef>
+                <a:spcPts val="0"/>
+              </a:spcBef>
+              <a:spcAft>
+                <a:spcPts val="283"/>
+              </a:spcAft>
+              <a:buSzPct val="45000"/>
+              <a:buFont typeface="StarSymbol"/>
+              <a:buChar char="●"/>
+              <a:defRPr lang="en-US" sz="2000" b="0" i="0" u="none" strike="noStrike" kern="1200">
+                <a:ln>
+                  <a:noFill/>
+                </a:ln>
+                <a:latin typeface="Arial" pitchFamily="18"/>
+                <a:ea typeface="Droid Sans" pitchFamily="2"/>
+                <a:cs typeface="Lohit Hindi" pitchFamily="2"/>
+              </a:defRPr>
+            </a:lvl7pPr>
+            <a:lvl8pPr marL="3456000" lvl="7" indent="-216000">
+              <a:spcBef>
+                <a:spcPts val="0"/>
+              </a:spcBef>
+              <a:spcAft>
+                <a:spcPts val="283"/>
+              </a:spcAft>
+              <a:buSzPct val="45000"/>
+              <a:buFont typeface="StarSymbol"/>
+              <a:buChar char="●"/>
+              <a:defRPr lang="en-US" sz="2000" b="0" i="0" u="none" strike="noStrike" kern="1200">
+                <a:ln>
+                  <a:noFill/>
+                </a:ln>
+                <a:latin typeface="Arial" pitchFamily="18"/>
+                <a:ea typeface="Droid Sans" pitchFamily="2"/>
+                <a:cs typeface="Lohit Hindi" pitchFamily="2"/>
+              </a:defRPr>
+            </a:lvl8pPr>
+            <a:lvl9pPr marL="3887999" lvl="8" indent="-216000">
+              <a:spcBef>
+                <a:spcPts val="0"/>
+              </a:spcBef>
+              <a:spcAft>
+                <a:spcPts val="283"/>
+              </a:spcAft>
+              <a:buSzPct val="45000"/>
+              <a:buFont typeface="StarSymbol"/>
+              <a:buChar char="●"/>
+              <a:defRPr lang="en-US" sz="2000" b="0" i="0" u="none" strike="noStrike" kern="1200">
+                <a:ln>
+                  <a:noFill/>
+                </a:ln>
+                <a:latin typeface="Arial" pitchFamily="18"/>
+                <a:ea typeface="Droid Sans" pitchFamily="2"/>
+                <a:cs typeface="Lohit Hindi" pitchFamily="2"/>
+              </a:defRPr>
+            </a:lvl9pPr>
+          </a:lstStyle>
+          <a:p>
+            <a:endParaRPr lang="en-US" sz="2800" dirty="0" smtClean="0"/>
+          </a:p>
+          <a:p>
+            <a:endParaRPr lang="en-US" sz="2800" dirty="0"/>
+          </a:p>
+        </p:txBody>
+      </p:sp>
+      <p:sp>
+        <p:nvSpPr>
+          <p:cNvPr id="2" name="Title 1"/>
+          <p:cNvSpPr txBox="1">
+            <a:spLocks noGrp="1"/>
+          </p:cNvSpPr>
+          <p:nvPr>
+            <p:ph type="title" idx="4294967295"/>
+          </p:nvPr>
+        </p:nvSpPr>
+        <p:spPr/>
+        <p:txBody>
+          <a:bodyPr/>
+          <a:lstStyle>
+            <a:defPPr lvl="0">
+              <a:buSzPct val="45000"/>
+              <a:buFont typeface="StarSymbol"/>
+              <a:buNone/>
+            </a:defPPr>
+            <a:lvl1pPr lvl="0">
+              <a:buSzPct val="45000"/>
+              <a:buFont typeface="StarSymbol"/>
+              <a:buChar char="●"/>
+            </a:lvl1pPr>
+            <a:lvl2pPr lvl="1">
+              <a:buSzPct val="45000"/>
+              <a:buFont typeface="StarSymbol"/>
+              <a:buChar char="●"/>
+            </a:lvl2pPr>
+            <a:lvl3pPr lvl="2">
+              <a:buSzPct val="45000"/>
+              <a:buFont typeface="StarSymbol"/>
+              <a:buChar char="●"/>
+            </a:lvl3pPr>
+            <a:lvl4pPr lvl="3">
+              <a:buSzPct val="45000"/>
+              <a:buFont typeface="StarSymbol"/>
+              <a:buChar char="●"/>
+            </a:lvl4pPr>
+            <a:lvl5pPr lvl="4">
+              <a:buSzPct val="45000"/>
+              <a:buFont typeface="StarSymbol"/>
+              <a:buChar char="●"/>
+            </a:lvl5pPr>
+            <a:lvl6pPr lvl="5">
+              <a:buSzPct val="45000"/>
+              <a:buFont typeface="StarSymbol"/>
+              <a:buChar char="●"/>
+            </a:lvl6pPr>
+            <a:lvl7pPr lvl="6">
+              <a:buSzPct val="45000"/>
+              <a:buFont typeface="StarSymbol"/>
+              <a:buChar char="●"/>
+            </a:lvl7pPr>
+            <a:lvl8pPr lvl="7">
+              <a:buSzPct val="45000"/>
+              <a:buFont typeface="StarSymbol"/>
+              <a:buChar char="●"/>
+            </a:lvl8pPr>
+            <a:lvl9pPr lvl="8">
+              <a:buSzPct val="45000"/>
+              <a:buFont typeface="StarSymbol"/>
+              <a:buChar char="●"/>
+            </a:lvl9pPr>
+          </a:lstStyle>
+          <a:p>
+            <a:pPr>
+              <a:buNone/>
+            </a:pPr>
+            <a:r>
+              <a:rPr lang="en-US" dirty="0" smtClean="0"/>
+              <a:t>Idea </a:t>
+            </a:r>
+            <a:r>
+              <a:rPr lang="en-US" dirty="0"/>
+              <a:t>t</a:t>
+            </a:r>
+            <a:r>
+              <a:rPr lang="en-US" dirty="0" smtClean="0"/>
+              <a:t>o Improve </a:t>
+            </a:r>
+            <a:r>
+              <a:rPr lang="en-US" dirty="0" err="1" smtClean="0"/>
+              <a:t>Git</a:t>
+            </a:r>
+            <a:r>
+              <a:rPr lang="en-US" dirty="0" smtClean="0"/>
+              <a:t>-Workflow</a:t>
+            </a:r>
+            <a:endParaRPr lang="en-US" dirty="0"/>
+          </a:p>
+        </p:txBody>
+      </p:sp>
+      <p:sp>
+        <p:nvSpPr>
+          <p:cNvPr id="13" name="Date Placeholder 1"/>
+          <p:cNvSpPr>
+            <a:spLocks noGrp="1"/>
+          </p:cNvSpPr>
+          <p:nvPr>
+            <p:ph type="dt" sz="half" idx="10"/>
+          </p:nvPr>
+        </p:nvSpPr>
+        <p:spPr>
+          <a:xfrm>
+            <a:off x="0" y="6583679"/>
+            <a:ext cx="1097280" cy="274320"/>
+          </a:xfrm>
+        </p:spPr>
+        <p:txBody>
+          <a:bodyPr/>
+          <a:lstStyle/>
+          <a:p>
+            <a:pPr lvl="0"/>
+            <a:r>
+              <a:rPr lang="en-US" dirty="0" smtClean="0"/>
+              <a:t>15.05.2012</a:t>
+            </a:r>
+            <a:endParaRPr lang="en-US" dirty="0"/>
+          </a:p>
+        </p:txBody>
+      </p:sp>
+      <p:sp>
+        <p:nvSpPr>
+          <p:cNvPr id="14" name="Footer Placeholder 2"/>
+          <p:cNvSpPr>
+            <a:spLocks noGrp="1"/>
+          </p:cNvSpPr>
+          <p:nvPr>
+            <p:ph type="ftr" sz="quarter" idx="11"/>
+          </p:nvPr>
+        </p:nvSpPr>
+        <p:spPr>
+          <a:xfrm>
+            <a:off x="1277280" y="6583679"/>
+            <a:ext cx="5526968" cy="274320"/>
+          </a:xfrm>
+        </p:spPr>
+        <p:txBody>
+          <a:bodyPr/>
+          <a:lstStyle/>
+          <a:p>
+            <a:pPr lvl="0"/>
+            <a:r>
+              <a:rPr lang="en-US" dirty="0" smtClean="0"/>
+              <a:t>| </a:t>
+            </a:r>
+            <a:r>
+              <a:rPr lang="en-US" dirty="0" err="1" smtClean="0"/>
+              <a:t>Kahl</a:t>
+            </a:r>
+            <a:r>
+              <a:rPr lang="en-US" dirty="0" smtClean="0"/>
+              <a:t>, </a:t>
+            </a:r>
+            <a:r>
+              <a:rPr lang="en-US" dirty="0" err="1" smtClean="0"/>
+              <a:t>Platz</a:t>
+            </a:r>
+            <a:r>
+              <a:rPr lang="en-US" dirty="0" smtClean="0"/>
+              <a:t>, </a:t>
+            </a:r>
+            <a:r>
+              <a:rPr lang="en-US" dirty="0" err="1" smtClean="0"/>
+              <a:t>Schilf</a:t>
+            </a:r>
+            <a:r>
+              <a:rPr lang="en-US" dirty="0" smtClean="0"/>
+              <a:t> | Web-</a:t>
+            </a:r>
+            <a:r>
+              <a:rPr lang="en-US" dirty="0" err="1" smtClean="0"/>
+              <a:t>dev</a:t>
+            </a:r>
+            <a:r>
+              <a:rPr lang="en-US" dirty="0" smtClean="0"/>
+              <a:t> SS 2012</a:t>
+            </a:r>
+            <a:endParaRPr lang="en-US" dirty="0"/>
+          </a:p>
+        </p:txBody>
+      </p:sp>
+      <p:sp>
+        <p:nvSpPr>
+          <p:cNvPr id="10" name="Text Placeholder 2"/>
+          <p:cNvSpPr txBox="1">
+            <a:spLocks/>
+          </p:cNvSpPr>
+          <p:nvPr/>
+        </p:nvSpPr>
+        <p:spPr>
+          <a:xfrm>
+            <a:off x="323528" y="1230240"/>
+            <a:ext cx="8640960" cy="5303488"/>
           </a:xfrm>
           <a:prstGeom prst="rect">
             <a:avLst/>
           </a:prstGeom>
           <a:noFill/>
+          <a:ln>
+            <a:noFill/>
+          </a:ln>
         </p:spPr>
         <p:txBody>
-          <a:bodyPr wrap="none" rtlCol="0">
-            <a:spAutoFit/>
-          </a:bodyPr>
-          <a:lstStyle/>
-          <a:p>
-            <a:r>
-              <a:rPr lang="de-DE" sz="4400" b="1" dirty="0" smtClean="0">
-                <a:solidFill>
-                  <a:srgbClr val="FF0000"/>
-                </a:solidFill>
-              </a:rPr>
-              <a:t>BILD FÜR EDITOR</a:t>
-            </a:r>
-            <a:endParaRPr lang="en-GB" sz="4400" b="1" dirty="0">
-              <a:solidFill>
-                <a:srgbClr val="FF0000"/>
-              </a:solidFill>
-            </a:endParaRPr>
+          <a:bodyPr lIns="0" tIns="0" rIns="0" bIns="0"/>
+          <a:lstStyle>
+            <a:defPPr marL="432000" lvl="0" indent="-324000">
+              <a:spcBef>
+                <a:spcPts val="0"/>
+              </a:spcBef>
+              <a:spcAft>
+                <a:spcPts val="1417"/>
+              </a:spcAft>
+              <a:buSzPct val="45000"/>
+              <a:buFont typeface="StarSymbol"/>
+              <a:buNone/>
+              <a:defRPr lang="en-US" sz="3200" b="0" i="0" u="none" strike="noStrike" kern="1200">
+                <a:ln>
+                  <a:noFill/>
+                </a:ln>
+                <a:latin typeface="Arial" pitchFamily="18"/>
+                <a:ea typeface="Droid Sans" pitchFamily="2"/>
+                <a:cs typeface="Lohit Hindi" pitchFamily="2"/>
+              </a:defRPr>
+            </a:defPPr>
+            <a:lvl1pPr marL="432000" lvl="0" indent="-324000" rtl="0" hangingPunct="0">
+              <a:spcBef>
+                <a:spcPts val="0"/>
+              </a:spcBef>
+              <a:spcAft>
+                <a:spcPts val="1417"/>
+              </a:spcAft>
+              <a:buSzPct val="45000"/>
+              <a:buFont typeface="StarSymbol"/>
+              <a:buChar char="●"/>
+              <a:tabLst/>
+              <a:defRPr lang="en-US" sz="3200" b="0" i="0" u="none" strike="noStrike" kern="1200">
+                <a:ln>
+                  <a:noFill/>
+                </a:ln>
+                <a:latin typeface="Arial" pitchFamily="18"/>
+                <a:ea typeface="Droid Sans" pitchFamily="2"/>
+                <a:cs typeface="Lohit Hindi" pitchFamily="2"/>
+              </a:defRPr>
+            </a:lvl1pPr>
+            <a:lvl2pPr marL="864000" lvl="1" indent="-324000">
+              <a:spcBef>
+                <a:spcPts val="0"/>
+              </a:spcBef>
+              <a:spcAft>
+                <a:spcPts val="1134"/>
+              </a:spcAft>
+              <a:buSzPct val="75000"/>
+              <a:buFont typeface="StarSymbol"/>
+              <a:buChar char="–"/>
+              <a:defRPr lang="en-US" sz="2800" b="0" i="0" u="none" strike="noStrike" kern="1200">
+                <a:ln>
+                  <a:noFill/>
+                </a:ln>
+                <a:latin typeface="Arial" pitchFamily="18"/>
+                <a:ea typeface="Droid Sans" pitchFamily="2"/>
+                <a:cs typeface="Lohit Hindi" pitchFamily="2"/>
+              </a:defRPr>
+            </a:lvl2pPr>
+            <a:lvl3pPr marL="1295999" lvl="2" indent="-288000">
+              <a:spcBef>
+                <a:spcPts val="0"/>
+              </a:spcBef>
+              <a:spcAft>
+                <a:spcPts val="850"/>
+              </a:spcAft>
+              <a:buSzPct val="45000"/>
+              <a:buFont typeface="StarSymbol"/>
+              <a:buChar char="●"/>
+              <a:defRPr lang="en-US" sz="2400" b="0" i="0" u="none" strike="noStrike" kern="1200">
+                <a:ln>
+                  <a:noFill/>
+                </a:ln>
+                <a:latin typeface="Arial" pitchFamily="18"/>
+                <a:ea typeface="Droid Sans" pitchFamily="2"/>
+                <a:cs typeface="Lohit Hindi" pitchFamily="2"/>
+              </a:defRPr>
+            </a:lvl3pPr>
+            <a:lvl4pPr marL="1728000" lvl="3" indent="-216000">
+              <a:spcBef>
+                <a:spcPts val="0"/>
+              </a:spcBef>
+              <a:spcAft>
+                <a:spcPts val="567"/>
+              </a:spcAft>
+              <a:buSzPct val="75000"/>
+              <a:buFont typeface="StarSymbol"/>
+              <a:buChar char="–"/>
+              <a:defRPr lang="en-US" sz="2000" b="0" i="0" u="none" strike="noStrike" kern="1200">
+                <a:ln>
+                  <a:noFill/>
+                </a:ln>
+                <a:latin typeface="Arial" pitchFamily="18"/>
+                <a:ea typeface="Droid Sans" pitchFamily="2"/>
+                <a:cs typeface="Lohit Hindi" pitchFamily="2"/>
+              </a:defRPr>
+            </a:lvl4pPr>
+            <a:lvl5pPr marL="2160000" lvl="4" indent="-216000">
+              <a:spcBef>
+                <a:spcPts val="0"/>
+              </a:spcBef>
+              <a:spcAft>
+                <a:spcPts val="283"/>
+              </a:spcAft>
+              <a:buSzPct val="45000"/>
+              <a:buFont typeface="StarSymbol"/>
+              <a:buChar char="●"/>
+              <a:defRPr lang="en-US" sz="2000" b="0" i="0" u="none" strike="noStrike" kern="1200">
+                <a:ln>
+                  <a:noFill/>
+                </a:ln>
+                <a:latin typeface="Arial" pitchFamily="18"/>
+                <a:ea typeface="Droid Sans" pitchFamily="2"/>
+                <a:cs typeface="Lohit Hindi" pitchFamily="2"/>
+              </a:defRPr>
+            </a:lvl5pPr>
+            <a:lvl6pPr marL="2592000" lvl="5" indent="-216000">
+              <a:spcBef>
+                <a:spcPts val="0"/>
+              </a:spcBef>
+              <a:spcAft>
+                <a:spcPts val="283"/>
+              </a:spcAft>
+              <a:buSzPct val="45000"/>
+              <a:buFont typeface="StarSymbol"/>
+              <a:buChar char="●"/>
+              <a:defRPr lang="en-US" sz="2000" b="0" i="0" u="none" strike="noStrike" kern="1200">
+                <a:ln>
+                  <a:noFill/>
+                </a:ln>
+                <a:latin typeface="Arial" pitchFamily="18"/>
+                <a:ea typeface="Droid Sans" pitchFamily="2"/>
+                <a:cs typeface="Lohit Hindi" pitchFamily="2"/>
+              </a:defRPr>
+            </a:lvl6pPr>
+            <a:lvl7pPr marL="3024000" lvl="6" indent="-216000">
+              <a:spcBef>
+                <a:spcPts val="0"/>
+              </a:spcBef>
+              <a:spcAft>
+                <a:spcPts val="283"/>
+              </a:spcAft>
+              <a:buSzPct val="45000"/>
+              <a:buFont typeface="StarSymbol"/>
+              <a:buChar char="●"/>
+              <a:defRPr lang="en-US" sz="2000" b="0" i="0" u="none" strike="noStrike" kern="1200">
+                <a:ln>
+                  <a:noFill/>
+                </a:ln>
+                <a:latin typeface="Arial" pitchFamily="18"/>
+                <a:ea typeface="Droid Sans" pitchFamily="2"/>
+                <a:cs typeface="Lohit Hindi" pitchFamily="2"/>
+              </a:defRPr>
+            </a:lvl7pPr>
+            <a:lvl8pPr marL="3456000" lvl="7" indent="-216000">
+              <a:spcBef>
+                <a:spcPts val="0"/>
+              </a:spcBef>
+              <a:spcAft>
+                <a:spcPts val="283"/>
+              </a:spcAft>
+              <a:buSzPct val="45000"/>
+              <a:buFont typeface="StarSymbol"/>
+              <a:buChar char="●"/>
+              <a:defRPr lang="en-US" sz="2000" b="0" i="0" u="none" strike="noStrike" kern="1200">
+                <a:ln>
+                  <a:noFill/>
+                </a:ln>
+                <a:latin typeface="Arial" pitchFamily="18"/>
+                <a:ea typeface="Droid Sans" pitchFamily="2"/>
+                <a:cs typeface="Lohit Hindi" pitchFamily="2"/>
+              </a:defRPr>
+            </a:lvl8pPr>
+            <a:lvl9pPr marL="3887999" lvl="8" indent="-216000">
+              <a:spcBef>
+                <a:spcPts val="0"/>
+              </a:spcBef>
+              <a:spcAft>
+                <a:spcPts val="283"/>
+              </a:spcAft>
+              <a:buSzPct val="45000"/>
+              <a:buFont typeface="StarSymbol"/>
+              <a:buChar char="●"/>
+              <a:defRPr lang="en-US" sz="2000" b="0" i="0" u="none" strike="noStrike" kern="1200">
+                <a:ln>
+                  <a:noFill/>
+                </a:ln>
+                <a:latin typeface="Arial" pitchFamily="18"/>
+                <a:ea typeface="Droid Sans" pitchFamily="2"/>
+                <a:cs typeface="Lohit Hindi" pitchFamily="2"/>
+              </a:defRPr>
+            </a:lvl9pPr>
+          </a:lstStyle>
+          <a:p>
+            <a:r>
+              <a:rPr lang="de-DE" sz="2800" b="1" dirty="0" smtClean="0"/>
+              <a:t>Proper </a:t>
+            </a:r>
+            <a:r>
+              <a:rPr lang="de-DE" sz="2800" b="1" dirty="0" err="1" smtClean="0"/>
+              <a:t>git</a:t>
+            </a:r>
+            <a:r>
+              <a:rPr lang="de-DE" sz="2800" b="1" dirty="0" smtClean="0"/>
+              <a:t> </a:t>
+            </a:r>
+            <a:r>
+              <a:rPr lang="de-DE" sz="2800" b="1" dirty="0" err="1" smtClean="0"/>
+              <a:t>integration</a:t>
+            </a:r>
+            <a:r>
+              <a:rPr lang="de-DE" sz="2800" b="1" dirty="0" smtClean="0"/>
+              <a:t> in </a:t>
+            </a:r>
+            <a:r>
+              <a:rPr lang="de-DE" sz="2800" b="1" dirty="0" err="1" smtClean="0"/>
+              <a:t>editor</a:t>
+            </a:r>
+            <a:r>
+              <a:rPr lang="de-DE" sz="2800" b="1" dirty="0" smtClean="0"/>
+              <a:t> / IDE</a:t>
+            </a:r>
+          </a:p>
+          <a:p>
+            <a:pPr lvl="1"/>
+            <a:r>
+              <a:rPr lang="de-DE" sz="2400" dirty="0" smtClean="0"/>
+              <a:t>Work </a:t>
+            </a:r>
+            <a:r>
+              <a:rPr lang="de-DE" sz="2400" dirty="0" err="1" smtClean="0"/>
+              <a:t>without</a:t>
+            </a:r>
+            <a:r>
+              <a:rPr lang="de-DE" sz="2400" dirty="0" smtClean="0"/>
+              <a:t> </a:t>
+            </a:r>
+            <a:r>
+              <a:rPr lang="de-DE" sz="2400" dirty="0" err="1" smtClean="0"/>
+              <a:t>console</a:t>
+            </a:r>
+            <a:endParaRPr lang="de-DE" sz="2400" dirty="0" smtClean="0"/>
+          </a:p>
+          <a:p>
+            <a:pPr lvl="1"/>
+            <a:r>
+              <a:rPr lang="de-DE" sz="2400" dirty="0" err="1" smtClean="0"/>
+              <a:t>Visualize</a:t>
+            </a:r>
+            <a:r>
+              <a:rPr lang="de-DE" sz="2400" dirty="0" smtClean="0"/>
+              <a:t> </a:t>
+            </a:r>
+            <a:r>
+              <a:rPr lang="de-DE" sz="2400" dirty="0" err="1" smtClean="0"/>
+              <a:t>changes</a:t>
+            </a:r>
+            <a:endParaRPr lang="de-DE" sz="2400" dirty="0" smtClean="0"/>
+          </a:p>
+          <a:p>
+            <a:endParaRPr lang="de-DE" sz="2800" b="1" dirty="0" smtClean="0"/>
+          </a:p>
+          <a:p>
+            <a:r>
+              <a:rPr lang="de-DE" sz="2800" b="1" dirty="0" err="1" smtClean="0"/>
+              <a:t>Outcome</a:t>
+            </a:r>
+            <a:r>
+              <a:rPr lang="de-DE" sz="2800" b="1" dirty="0" smtClean="0"/>
+              <a:t>:</a:t>
+            </a:r>
+          </a:p>
+          <a:p>
+            <a:pPr lvl="1"/>
+            <a:r>
+              <a:rPr lang="de-DE" sz="2400" dirty="0" err="1" smtClean="0"/>
+              <a:t>Visualization</a:t>
+            </a:r>
+            <a:r>
+              <a:rPr lang="de-DE" sz="2400" dirty="0" smtClean="0"/>
+              <a:t> </a:t>
+            </a:r>
+            <a:r>
+              <a:rPr lang="de-DE" sz="2400" dirty="0" err="1" smtClean="0"/>
+              <a:t>of</a:t>
+            </a:r>
+            <a:r>
+              <a:rPr lang="de-DE" sz="2400" dirty="0" smtClean="0"/>
+              <a:t> </a:t>
+            </a:r>
+            <a:r>
+              <a:rPr lang="de-DE" sz="2400" dirty="0" err="1" smtClean="0"/>
+              <a:t>unstaged</a:t>
+            </a:r>
+            <a:r>
+              <a:rPr lang="de-DE" sz="2400" dirty="0" smtClean="0"/>
+              <a:t>, </a:t>
+            </a:r>
+            <a:r>
+              <a:rPr lang="de-DE" sz="2400" dirty="0" err="1" smtClean="0"/>
+              <a:t>staged</a:t>
+            </a:r>
+            <a:r>
+              <a:rPr lang="de-DE" sz="2400" dirty="0" smtClean="0"/>
+              <a:t> </a:t>
+            </a:r>
+            <a:r>
+              <a:rPr lang="de-DE" sz="2400" dirty="0" err="1" smtClean="0"/>
+              <a:t>changes</a:t>
+            </a:r>
+            <a:r>
+              <a:rPr lang="de-DE" sz="2400" dirty="0" smtClean="0"/>
+              <a:t> in code-editor</a:t>
+            </a:r>
+            <a:br>
+              <a:rPr lang="de-DE" sz="2400" dirty="0" smtClean="0"/>
+            </a:br>
+            <a:r>
+              <a:rPr lang="de-DE" sz="2400" dirty="0" err="1" smtClean="0"/>
+              <a:t>with</a:t>
+            </a:r>
+            <a:r>
+              <a:rPr lang="de-DE" sz="2400" dirty="0" smtClean="0"/>
+              <a:t> </a:t>
+            </a:r>
+            <a:r>
+              <a:rPr lang="de-DE" sz="2400" dirty="0" err="1" smtClean="0"/>
+              <a:t>ability</a:t>
+            </a:r>
+            <a:r>
+              <a:rPr lang="de-DE" sz="2400" dirty="0" smtClean="0"/>
+              <a:t> </a:t>
+            </a:r>
+            <a:r>
+              <a:rPr lang="de-DE" sz="2400" dirty="0" err="1" smtClean="0"/>
+              <a:t>to</a:t>
+            </a:r>
+            <a:r>
+              <a:rPr lang="de-DE" sz="2400" dirty="0" smtClean="0"/>
+              <a:t> </a:t>
+            </a:r>
+            <a:r>
+              <a:rPr lang="de-DE" sz="2400" dirty="0" err="1" smtClean="0"/>
+              <a:t>revert</a:t>
+            </a:r>
+            <a:r>
+              <a:rPr lang="de-DE" sz="2400" dirty="0" smtClean="0"/>
+              <a:t>, </a:t>
+            </a:r>
+            <a:r>
+              <a:rPr lang="de-DE" sz="2400" dirty="0" err="1" smtClean="0"/>
+              <a:t>stage</a:t>
+            </a:r>
+            <a:r>
+              <a:rPr lang="de-DE" sz="2400" dirty="0" smtClean="0"/>
+              <a:t>, </a:t>
+            </a:r>
+            <a:r>
+              <a:rPr lang="de-DE" sz="2400" dirty="0" err="1" smtClean="0"/>
+              <a:t>unstage</a:t>
+            </a:r>
+            <a:r>
+              <a:rPr lang="de-DE" sz="2400" dirty="0" smtClean="0"/>
+              <a:t> </a:t>
+            </a:r>
+            <a:r>
+              <a:rPr lang="de-DE" sz="2400" dirty="0" err="1" smtClean="0"/>
+              <a:t>them</a:t>
+            </a:r>
+            <a:endParaRPr lang="de-DE" sz="2400" dirty="0" smtClean="0"/>
           </a:p>
         </p:txBody>
       </p:sp>
     </p:spTree>
     <p:extLst>
       <p:ext uri="{BB962C8B-B14F-4D97-AF65-F5344CB8AC3E}">
-        <p14:creationId xmlns:p14="http://schemas.microsoft.com/office/powerpoint/2010/main" val="2904445251"/>
+        <p14:creationId xmlns:p14="http://schemas.microsoft.com/office/powerpoint/2010/main" val="2701236745"/>
       </p:ext>
     </p:extLst>
   </p:cSld>
@@ -10267,6 +15365,89 @@
       </p:grpSpPr>
       <p:sp>
         <p:nvSpPr>
+          <p:cNvPr id="2" name="TextBox 1"/>
+          <p:cNvSpPr txBox="1"/>
+          <p:nvPr/>
+        </p:nvSpPr>
+        <p:spPr>
+          <a:xfrm>
+            <a:off x="2051720" y="2132856"/>
+            <a:ext cx="4193071" cy="769441"/>
+          </a:xfrm>
+          <a:prstGeom prst="rect">
+            <a:avLst/>
+          </a:prstGeom>
+          <a:noFill/>
+        </p:spPr>
+        <p:txBody>
+          <a:bodyPr wrap="none" rtlCol="0">
+            <a:spAutoFit/>
+          </a:bodyPr>
+          <a:lstStyle/>
+          <a:p>
+            <a:r>
+              <a:rPr lang="de-DE" sz="4400" b="1" dirty="0" smtClean="0">
+                <a:solidFill>
+                  <a:srgbClr val="FF0000"/>
+                </a:solidFill>
+              </a:rPr>
+              <a:t>BILD FÜR EDITOR</a:t>
+            </a:r>
+            <a:endParaRPr lang="en-GB" sz="4400" b="1" dirty="0">
+              <a:solidFill>
+                <a:srgbClr val="FF0000"/>
+              </a:solidFill>
+            </a:endParaRPr>
+          </a:p>
+        </p:txBody>
+      </p:sp>
+    </p:spTree>
+    <p:extLst>
+      <p:ext uri="{BB962C8B-B14F-4D97-AF65-F5344CB8AC3E}">
+        <p14:creationId xmlns:p14="http://schemas.microsoft.com/office/powerpoint/2010/main" val="2904445251"/>
+      </p:ext>
+    </p:extLst>
+  </p:cSld>
+  <p:clrMapOvr>
+    <a:masterClrMapping/>
+  </p:clrMapOvr>
+  <mc:AlternateContent xmlns:mc="http://schemas.openxmlformats.org/markup-compatibility/2006" xmlns:p14="http://schemas.microsoft.com/office/powerpoint/2010/main">
+    <mc:Choice Requires="p14">
+      <p:transition spd="slow" p14:dur="2000"/>
+    </mc:Choice>
+    <mc:Fallback xmlns="">
+      <p:transition spd="slow"/>
+    </mc:Fallback>
+  </mc:AlternateContent>
+  <p:timing>
+    <p:tnLst>
+      <p:par>
+        <p:cTn id="1" dur="indefinite" restart="never" nodeType="tmRoot"/>
+      </p:par>
+    </p:tnLst>
+  </p:timing>
+</p:sld>
+</file>
+
+<file path=ppt/slides/slide7.xml><?xml version="1.0" encoding="utf-8"?>
+<p:sld xmlns:a="http://schemas.openxmlformats.org/drawingml/2006/main" xmlns:r="http://schemas.openxmlformats.org/officeDocument/2006/relationships" xmlns:p="http://schemas.openxmlformats.org/presentationml/2006/main">
+  <p:cSld>
+    <p:spTree>
+      <p:nvGrpSpPr>
+        <p:cNvPr id="1" name=""/>
+        <p:cNvGrpSpPr/>
+        <p:nvPr/>
+      </p:nvGrpSpPr>
+      <p:grpSpPr>
+        <a:xfrm>
+          <a:off x="0" y="0"/>
+          <a:ext cx="0" cy="0"/>
+          <a:chOff x="0" y="0"/>
+          <a:chExt cx="0" cy="0"/>
+        </a:xfrm>
+      </p:grpSpPr>
+      <p:sp>
+        <p:nvSpPr>
           <p:cNvPr id="3" name="Text Placeholder 2"/>
           <p:cNvSpPr txBox="1">
             <a:spLocks noGrp="1"/>
@@ -10949,27 +16130,7 @@
             <a:endParaRPr lang="de-DE" sz="2400" dirty="0" smtClean="0"/>
           </a:p>
           <a:p>
-            <a:pPr lvl="1"/>
-            <a:r>
-              <a:rPr lang="de-DE" sz="2400" dirty="0" smtClean="0"/>
-              <a:t>(</a:t>
-            </a:r>
-            <a:r>
-              <a:rPr lang="de-DE" sz="2400" dirty="0" err="1" smtClean="0"/>
-              <a:t>Branches</a:t>
-            </a:r>
-            <a:r>
-              <a:rPr lang="de-DE" sz="2400" dirty="0" smtClean="0"/>
-              <a:t>, </a:t>
-            </a:r>
-            <a:r>
-              <a:rPr lang="de-DE" sz="2400" dirty="0" err="1" smtClean="0"/>
-              <a:t>History</a:t>
-            </a:r>
-            <a:r>
-              <a:rPr lang="de-DE" sz="2400" dirty="0" smtClean="0"/>
-              <a:t>, Tags, …)</a:t>
-            </a:r>
+            <a:endParaRPr lang="de-DE" sz="2800" b="1" dirty="0" smtClean="0"/>
           </a:p>
           <a:p>
             <a:r>
@@ -11121,7 +16282,11 @@
             </a:r>
             <a:r>
               <a:rPr lang="de-DE" sz="2400" dirty="0" smtClean="0"/>
-              <a:t>, (push, pull)</a:t>
+              <a:t>, (push, pull</a:t>
+            </a:r>
+            <a:r>
+              <a:rPr lang="de-DE" sz="2400" dirty="0" smtClean="0"/>
+              <a:t>)</a:t>
             </a:r>
           </a:p>
         </p:txBody>
@@ -11154,7 +16319,7 @@
 </p:sld>
 </file>
 
-<file path=ppt/slides/slide7.xml><?xml version="1.0" encoding="utf-8"?>
+<file path=ppt/slides/slide8.xml><?xml version="1.0" encoding="utf-8"?>
 <p:sld xmlns:a="http://schemas.openxmlformats.org/drawingml/2006/main" xmlns:r="http://schemas.openxmlformats.org/officeDocument/2006/relationships" xmlns:p="http://schemas.openxmlformats.org/presentationml/2006/main">
   <p:cSld>
     <p:spTree>
@@ -11298,7 +16463,7 @@
 </p:sld>
 </file>
 
-<file path=ppt/slides/slide8.xml><?xml version="1.0" encoding="utf-8"?>
+<file path=ppt/slides/slide9.xml><?xml version="1.0" encoding="utf-8"?>
 <p:sld xmlns:a="http://schemas.openxmlformats.org/drawingml/2006/main" xmlns:r="http://schemas.openxmlformats.org/officeDocument/2006/relationships" xmlns:p="http://schemas.openxmlformats.org/presentationml/2006/main">
   <p:cSld>
     <p:spTree>
@@ -11604,7 +16769,23 @@
             </a:pPr>
             <a:r>
               <a:rPr lang="en-US" dirty="0" smtClean="0"/>
-              <a:t>also…</a:t>
+              <a:t>Idea </a:t>
+            </a:r>
+            <a:r>
+              <a:rPr lang="en-US" dirty="0"/>
+              <a:t>t</a:t>
+            </a:r>
+            <a:r>
+              <a:rPr lang="en-US" dirty="0" smtClean="0"/>
+              <a:t>o Improve </a:t>
+            </a:r>
+            <a:r>
+              <a:rPr lang="en-US" dirty="0" err="1" smtClean="0"/>
+              <a:t>Git</a:t>
+            </a:r>
+            <a:r>
+              <a:rPr lang="en-US" dirty="0" smtClean="0"/>
+              <a:t>-Workflow</a:t>
             </a:r>
             <a:endParaRPr lang="en-US" dirty="0"/>
           </a:p>
@@ -11918,123 +17099,247 @@
           </a:lstStyle>
           <a:p>
             <a:r>
-              <a:rPr lang="en-US" sz="2400" dirty="0" smtClean="0"/>
-              <a:t>Implement in what you implement</a:t>
-            </a:r>
-          </a:p>
-          <a:p>
-            <a:r>
-              <a:rPr lang="en-US" sz="2400" dirty="0" smtClean="0"/>
-              <a:t>No noticeable deployment time</a:t>
-            </a:r>
-            <a:endParaRPr lang="en-US" sz="2400" dirty="0"/>
-          </a:p>
-          <a:p>
-            <a:r>
-              <a:rPr lang="en-US" sz="2400" dirty="0" smtClean="0"/>
-              <a:t>Documentation rarely available, outdated, wrong</a:t>
+              <a:rPr lang="de-DE" sz="2800" b="1" dirty="0" smtClean="0"/>
+              <a:t>Proper </a:t>
+            </a:r>
+            <a:r>
+              <a:rPr lang="de-DE" sz="2800" b="1" dirty="0" err="1" smtClean="0"/>
+              <a:t>git</a:t>
+            </a:r>
+            <a:r>
+              <a:rPr lang="de-DE" sz="2800" b="1" dirty="0" smtClean="0"/>
+              <a:t> </a:t>
+            </a:r>
+            <a:r>
+              <a:rPr lang="de-DE" sz="2800" b="1" dirty="0" err="1" smtClean="0"/>
+              <a:t>integration</a:t>
+            </a:r>
+            <a:r>
+              <a:rPr lang="de-DE" sz="2800" b="1" dirty="0" smtClean="0"/>
+              <a:t> in </a:t>
+            </a:r>
+            <a:r>
+              <a:rPr lang="de-DE" sz="2800" b="1" dirty="0" err="1" smtClean="0"/>
+              <a:t>editor</a:t>
+            </a:r>
+            <a:r>
+              <a:rPr lang="de-DE" sz="2800" b="1" dirty="0" smtClean="0"/>
+              <a:t> / IDE</a:t>
             </a:r>
           </a:p>
           <a:p>
             <a:pPr lvl="1"/>
             <a:r>
-              <a:rPr lang="en-US" sz="2000" dirty="0" smtClean="0"/>
-              <a:t>Cloud9 plugins: mostly no documentation</a:t>
+              <a:rPr lang="de-DE" sz="2400" dirty="0" smtClean="0"/>
+              <a:t>Work </a:t>
+            </a:r>
+            <a:r>
+              <a:rPr lang="de-DE" sz="2400" dirty="0" err="1" smtClean="0"/>
+              <a:t>without</a:t>
+            </a:r>
+            <a:r>
+              <a:rPr lang="de-DE" sz="2400" dirty="0" smtClean="0"/>
+              <a:t> </a:t>
+            </a:r>
+            <a:r>
+              <a:rPr lang="de-DE" sz="2400" dirty="0" err="1" smtClean="0"/>
+              <a:t>console</a:t>
+            </a:r>
+            <a:endParaRPr lang="de-DE" sz="2400" dirty="0" smtClean="0"/>
+          </a:p>
+          <a:p>
+            <a:pPr lvl="1"/>
+            <a:r>
+              <a:rPr lang="de-DE" sz="2400" dirty="0" err="1" smtClean="0"/>
+              <a:t>Visualize</a:t>
+            </a:r>
+            <a:r>
+              <a:rPr lang="de-DE" sz="2400" dirty="0" smtClean="0"/>
+              <a:t> </a:t>
+            </a:r>
+            <a:r>
+              <a:rPr lang="de-DE" sz="2400" dirty="0" err="1" smtClean="0"/>
+              <a:t>changes</a:t>
+            </a:r>
+            <a:endParaRPr lang="de-DE" sz="2400" dirty="0" smtClean="0"/>
+          </a:p>
+          <a:p>
+            <a:endParaRPr lang="de-DE" sz="2800" b="1" dirty="0" smtClean="0"/>
+          </a:p>
+          <a:p>
+            <a:r>
+              <a:rPr lang="de-DE" sz="2800" b="1" dirty="0" err="1" smtClean="0"/>
+              <a:t>Outcome</a:t>
+            </a:r>
+            <a:r>
+              <a:rPr lang="de-DE" sz="2800" b="1" dirty="0" smtClean="0"/>
+              <a:t>:</a:t>
+            </a:r>
+            <a:endParaRPr lang="de-DE" sz="2800" b="1" dirty="0"/>
+          </a:p>
+          <a:p>
+            <a:pPr lvl="1"/>
+            <a:r>
+              <a:rPr lang="de-DE" sz="2400" dirty="0" err="1" smtClean="0"/>
+              <a:t>Visualization</a:t>
+            </a:r>
+            <a:r>
+              <a:rPr lang="de-DE" sz="2400" dirty="0" smtClean="0"/>
+              <a:t> </a:t>
+            </a:r>
+            <a:r>
+              <a:rPr lang="de-DE" sz="2400" dirty="0" err="1" smtClean="0"/>
+              <a:t>of</a:t>
+            </a:r>
+            <a:r>
+              <a:rPr lang="de-DE" sz="2400" dirty="0" smtClean="0"/>
+              <a:t> </a:t>
+            </a:r>
+            <a:r>
+              <a:rPr lang="de-DE" sz="2400" dirty="0" err="1" smtClean="0"/>
+              <a:t>unstaged</a:t>
+            </a:r>
+            <a:r>
+              <a:rPr lang="de-DE" sz="2400" dirty="0" smtClean="0"/>
+              <a:t>, </a:t>
+            </a:r>
+            <a:r>
+              <a:rPr lang="de-DE" sz="2400" dirty="0" err="1" smtClean="0"/>
+              <a:t>staged</a:t>
+            </a:r>
+            <a:r>
+              <a:rPr lang="de-DE" sz="2400" dirty="0" smtClean="0"/>
+              <a:t> </a:t>
+            </a:r>
+            <a:r>
+              <a:rPr lang="de-DE" sz="2400" dirty="0" err="1" smtClean="0"/>
+              <a:t>changes</a:t>
+            </a:r>
+            <a:r>
+              <a:rPr lang="de-DE" sz="2400" dirty="0" smtClean="0"/>
+              <a:t> in code-editor</a:t>
             </a:r>
             <a:br>
-              <a:rPr lang="en-US" sz="2000" dirty="0" smtClean="0"/>
+              <a:rPr lang="de-DE" sz="2400" dirty="0" smtClean="0"/>
             </a:br>
             <a:r>
-              <a:rPr lang="en-US" sz="2000" dirty="0" smtClean="0">
-                <a:sym typeface="Wingdings" pitchFamily="2" charset="2"/>
-              </a:rPr>
-              <a:t> </a:t>
-            </a:r>
-            <a:r>
-              <a:rPr lang="en-US" sz="2000" dirty="0" smtClean="0"/>
-              <a:t>difficult to understand interaction between them</a:t>
-            </a:r>
+              <a:rPr lang="de-DE" sz="2400" dirty="0" err="1" smtClean="0"/>
+              <a:t>with</a:t>
+            </a:r>
+            <a:r>
+              <a:rPr lang="de-DE" sz="2400" dirty="0" smtClean="0"/>
+              <a:t> </a:t>
+            </a:r>
+            <a:r>
+              <a:rPr lang="de-DE" sz="2400" dirty="0" err="1" smtClean="0"/>
+              <a:t>ability</a:t>
+            </a:r>
+            <a:r>
+              <a:rPr lang="de-DE" sz="2400" dirty="0" smtClean="0"/>
+              <a:t> </a:t>
+            </a:r>
+            <a:r>
+              <a:rPr lang="de-DE" sz="2400" dirty="0" err="1" smtClean="0"/>
+              <a:t>to</a:t>
+            </a:r>
+            <a:r>
+              <a:rPr lang="de-DE" sz="2400" dirty="0" smtClean="0"/>
+              <a:t> </a:t>
+            </a:r>
+            <a:r>
+              <a:rPr lang="de-DE" sz="2400" dirty="0" err="1" smtClean="0"/>
+              <a:t>revert</a:t>
+            </a:r>
+            <a:r>
+              <a:rPr lang="de-DE" sz="2400" dirty="0" smtClean="0"/>
+              <a:t>, </a:t>
+            </a:r>
+            <a:r>
+              <a:rPr lang="de-DE" sz="2400" dirty="0" err="1" smtClean="0"/>
+              <a:t>stage</a:t>
+            </a:r>
+            <a:r>
+              <a:rPr lang="de-DE" sz="2400" dirty="0" smtClean="0"/>
+              <a:t>, </a:t>
+            </a:r>
+            <a:r>
+              <a:rPr lang="de-DE" sz="2400" dirty="0" err="1" smtClean="0"/>
+              <a:t>unstage</a:t>
+            </a:r>
+            <a:r>
+              <a:rPr lang="de-DE" sz="2400" dirty="0" smtClean="0"/>
+              <a:t> </a:t>
+            </a:r>
+            <a:r>
+              <a:rPr lang="de-DE" sz="2400" dirty="0" err="1" smtClean="0"/>
+              <a:t>them</a:t>
+            </a:r>
+            <a:endParaRPr lang="de-DE" sz="2400" dirty="0" smtClean="0"/>
           </a:p>
           <a:p>
             <a:pPr lvl="1"/>
             <a:r>
-              <a:rPr lang="en-US" sz="2000" dirty="0" smtClean="0"/>
-              <a:t>APF: ui.ajax.org/#docs not helpful</a:t>
+              <a:rPr lang="de-DE" sz="2400" dirty="0" err="1" smtClean="0"/>
+              <a:t>Diff</a:t>
+            </a:r>
+            <a:r>
+              <a:rPr lang="de-DE" sz="2400" dirty="0" smtClean="0"/>
+              <a:t>-View: </a:t>
+            </a:r>
+            <a:r>
+              <a:rPr lang="de-DE" sz="2400" dirty="0" err="1" smtClean="0"/>
+              <a:t>revert</a:t>
+            </a:r>
+            <a:r>
+              <a:rPr lang="de-DE" sz="2400" dirty="0" smtClean="0"/>
+              <a:t>, </a:t>
+            </a:r>
+            <a:r>
+              <a:rPr lang="de-DE" sz="2400" dirty="0" err="1" smtClean="0"/>
+              <a:t>stage</a:t>
+            </a:r>
+            <a:r>
+              <a:rPr lang="de-DE" sz="2400" dirty="0" smtClean="0"/>
+              <a:t>, </a:t>
+            </a:r>
+            <a:r>
+              <a:rPr lang="de-DE" sz="2400" dirty="0" err="1" smtClean="0"/>
+              <a:t>unstage</a:t>
+            </a:r>
+            <a:r>
+              <a:rPr lang="de-DE" sz="2400" dirty="0" smtClean="0"/>
+              <a:t>, </a:t>
+            </a:r>
+            <a:r>
+              <a:rPr lang="de-DE" sz="2400" dirty="0" err="1" smtClean="0"/>
+              <a:t>commit</a:t>
+            </a:r>
+            <a:r>
+              <a:rPr lang="de-DE" sz="2400" dirty="0" smtClean="0"/>
+              <a:t>, (push, pull</a:t>
+            </a:r>
+            <a:r>
+              <a:rPr lang="de-DE" sz="2400" dirty="0" smtClean="0"/>
+              <a:t>)</a:t>
             </a:r>
           </a:p>
           <a:p>
             <a:pPr lvl="1"/>
             <a:r>
-              <a:rPr lang="en-US" sz="2000" dirty="0"/>
-              <a:t>Ace: </a:t>
-            </a:r>
-            <a:r>
-              <a:rPr lang="en-US" sz="2000" dirty="0" smtClean="0"/>
-              <a:t>ace.ajax.org/</a:t>
-            </a:r>
-            <a:r>
-              <a:rPr lang="en-US" sz="2000" dirty="0" err="1" smtClean="0"/>
-              <a:t>api</a:t>
-            </a:r>
-            <a:r>
-              <a:rPr lang="en-US" sz="2000" dirty="0" smtClean="0"/>
-              <a:t>/ wrong/outdated</a:t>
-            </a:r>
-          </a:p>
-          <a:p>
-            <a:endParaRPr lang="en-US" sz="2400" dirty="0"/>
+              <a:rPr lang="en-US" sz="2400" dirty="0"/>
+              <a:t>One thing left: live-tracking of user input</a:t>
+            </a:r>
           </a:p>
           <a:p>
             <a:pPr lvl="1"/>
-            <a:endParaRPr lang="en-US" sz="2000" dirty="0" smtClean="0"/>
-          </a:p>
-        </p:txBody>
-      </p:sp>
-      <p:pic>
-        <p:nvPicPr>
-          <p:cNvPr id="3074" name="Picture 2" descr="http://c9.io/site/wp-content/themes/cloud9/img/logo_cloud9_small.png"/>
-          <p:cNvPicPr>
-            <a:picLocks noChangeAspect="1" noChangeArrowheads="1"/>
-          </p:cNvPicPr>
-          <p:nvPr/>
-        </p:nvPicPr>
-        <p:blipFill>
-          <a:blip r:embed="rId3">
-            <a:extLst>
-              <a:ext uri="{28A0092B-C50C-407E-A947-70E740481C1C}">
-                <a14:useLocalDpi xmlns:a14="http://schemas.microsoft.com/office/drawing/2010/main" val="0"/>
-              </a:ext>
-            </a:extLst>
-          </a:blip>
-          <a:srcRect/>
-          <a:stretch>
-            <a:fillRect/>
-          </a:stretch>
-        </p:blipFill>
-        <p:spPr bwMode="auto">
-          <a:xfrm>
-            <a:off x="5580112" y="1230240"/>
-            <a:ext cx="1695450" cy="381001"/>
-          </a:xfrm>
-          <a:prstGeom prst="rect">
-            <a:avLst/>
-          </a:prstGeom>
-          <a:noFill/>
-          <a:extLst>
-            <a:ext uri="{909E8E84-426E-40DD-AFC4-6F175D3DCCD1}">
-              <a14:hiddenFill xmlns:a14="http://schemas.microsoft.com/office/drawing/2010/main">
-                <a:solidFill>
-                  <a:srgbClr val="FFFFFF"/>
-                </a:solidFill>
-              </a14:hiddenFill>
-            </a:ext>
-          </a:extLst>
-        </p:spPr>
-      </p:pic>
+            <a:endParaRPr lang="de-DE" sz="2400" dirty="0" smtClean="0"/>
+          </a:p>
+        </p:txBody>
+      </p:sp>
     </p:spTree>
     <p:extLst>
       <p:ext uri="{BB962C8B-B14F-4D97-AF65-F5344CB8AC3E}">
-        <p14:creationId xmlns:p14="http://schemas.microsoft.com/office/powerpoint/2010/main" val="1451521708"/>
+        <p14:creationId xmlns:p14="http://schemas.microsoft.com/office/powerpoint/2010/main" val="3979486767"/>
       </p:ext>
     </p:extLst>
   </p:cSld>

--- a/seminar/presentation/mps-c9.pptx
+++ b/seminar/presentation/mps-c9.pptx
@@ -6,10 +6,10 @@
     <p:sldMasterId id="2147483660" r:id="rId2"/>
   </p:sldMasterIdLst>
   <p:notesMasterIdLst>
-    <p:notesMasterId r:id="rId16"/>
+    <p:notesMasterId r:id="rId17"/>
   </p:notesMasterIdLst>
   <p:handoutMasterIdLst>
-    <p:handoutMasterId r:id="rId17"/>
+    <p:handoutMasterId r:id="rId18"/>
   </p:handoutMasterIdLst>
   <p:sldIdLst>
     <p:sldId id="276" r:id="rId3"/>
@@ -21,10 +21,11 @@
     <p:sldId id="282" r:id="rId9"/>
     <p:sldId id="283" r:id="rId10"/>
     <p:sldId id="289" r:id="rId11"/>
-    <p:sldId id="290" r:id="rId12"/>
-    <p:sldId id="291" r:id="rId13"/>
-    <p:sldId id="284" r:id="rId14"/>
-    <p:sldId id="286" r:id="rId15"/>
+    <p:sldId id="293" r:id="rId12"/>
+    <p:sldId id="294" r:id="rId13"/>
+    <p:sldId id="291" r:id="rId14"/>
+    <p:sldId id="284" r:id="rId15"/>
+    <p:sldId id="286" r:id="rId16"/>
   </p:sldIdLst>
   <p:sldSz cx="9144000" cy="6858000" type="screen4x3"/>
   <p:notesSz cx="6858000" cy="9144000"/>
@@ -1005,7 +1006,83 @@
             </a:pPr>
             <a:r>
               <a:rPr lang="en-US" sz="2000" dirty="0" smtClean="0"/>
-              <a:t>What kind of problems during development with cloud</a:t>
+              <a:t>Was </a:t>
+            </a:r>
+            <a:r>
+              <a:rPr lang="en-US" sz="2000" dirty="0" err="1" smtClean="0"/>
+              <a:t>haben</a:t>
+            </a:r>
+            <a:r>
+              <a:rPr lang="en-US" sz="2000" dirty="0" smtClean="0"/>
+              <a:t> </a:t>
+            </a:r>
+            <a:r>
+              <a:rPr lang="en-US" sz="2000" dirty="0" err="1" smtClean="0"/>
+              <a:t>wir</a:t>
+            </a:r>
+            <a:r>
+              <a:rPr lang="en-US" sz="2000" dirty="0" smtClean="0"/>
+              <a:t> </a:t>
+            </a:r>
+            <a:r>
+              <a:rPr lang="en-US" sz="2000" dirty="0" err="1" smtClean="0"/>
+              <a:t>gemacht</a:t>
+            </a:r>
+            <a:r>
+              <a:rPr lang="en-US" sz="2000" baseline="0" dirty="0" smtClean="0"/>
+              <a:t> </a:t>
+            </a:r>
+            <a:r>
+              <a:rPr lang="en-US" sz="2000" baseline="0" dirty="0" err="1" smtClean="0"/>
+              <a:t>womit</a:t>
+            </a:r>
+            <a:endParaRPr lang="en-US" sz="2000" dirty="0" smtClean="0"/>
+          </a:p>
+          <a:p>
+            <a:pPr marL="457200" marR="0" lvl="1" indent="0" algn="l" defTabSz="914400" rtl="0" eaLnBrk="1" fontAlgn="auto" latinLnBrk="0" hangingPunct="1">
+              <a:lnSpc>
+                <a:spcPct val="100000"/>
+              </a:lnSpc>
+              <a:spcBef>
+                <a:spcPts val="0"/>
+              </a:spcBef>
+              <a:spcAft>
+                <a:spcPts val="0"/>
+              </a:spcAft>
+              <a:buClrTx/>
+              <a:buSzTx/>
+              <a:buFontTx/>
+              <a:buNone/>
+              <a:tabLst/>
+              <a:defRPr/>
+            </a:pPr>
+            <a:endParaRPr lang="en-US" sz="2000" dirty="0" smtClean="0"/>
+          </a:p>
+          <a:p>
+            <a:pPr marL="457200" marR="0" lvl="1" indent="0" algn="l" defTabSz="914400" rtl="0" eaLnBrk="1" fontAlgn="auto" latinLnBrk="0" hangingPunct="1">
+              <a:lnSpc>
+                <a:spcPct val="100000"/>
+              </a:lnSpc>
+              <a:spcBef>
+                <a:spcPts val="0"/>
+              </a:spcBef>
+              <a:spcAft>
+                <a:spcPts val="0"/>
+              </a:spcAft>
+              <a:buClrTx/>
+              <a:buSzTx/>
+              <a:buFontTx/>
+              <a:buNone/>
+              <a:tabLst/>
+              <a:defRPr/>
+            </a:pPr>
+            <a:r>
+              <a:rPr lang="en-US" sz="2000" dirty="0" smtClean="0"/>
+              <a:t>What </a:t>
+            </a:r>
+            <a:r>
+              <a:rPr lang="en-US" sz="2000" dirty="0" smtClean="0"/>
+              <a:t>kind of problems during development with cloud</a:t>
             </a:r>
           </a:p>
           <a:p>
@@ -1036,11 +1113,7 @@
             <a:pPr lvl="1"/>
             <a:r>
               <a:rPr lang="en-US" sz="2000" dirty="0" smtClean="0"/>
-              <a:t>Cloud9 </a:t>
-            </a:r>
-            <a:r>
-              <a:rPr lang="en-US" sz="2000" dirty="0" smtClean="0"/>
-              <a:t>plugins: mostly no documentation</a:t>
+              <a:t>Cloud9 plugins: mostly no documentation</a:t>
             </a:r>
             <a:br>
               <a:rPr lang="en-US" sz="2000" dirty="0" smtClean="0"/>
@@ -1067,7 +1140,11 @@
             <a:pPr lvl="1"/>
             <a:r>
               <a:rPr lang="en-US" sz="2000" dirty="0" smtClean="0"/>
-              <a:t>Ace: ace.ajax.org/</a:t>
+              <a:t>Ace: </a:t>
+            </a:r>
+            <a:r>
+              <a:rPr lang="en-US" sz="2000" dirty="0" smtClean="0"/>
+              <a:t>ace.ajax.org/</a:t>
             </a:r>
             <a:r>
               <a:rPr lang="en-US" sz="2000" dirty="0" err="1" smtClean="0"/>
@@ -1077,6 +1154,7 @@
               <a:rPr lang="en-US" sz="2000" dirty="0" smtClean="0"/>
               <a:t>/ wrong/outdated</a:t>
             </a:r>
+            <a:endParaRPr lang="en-US" sz="2000" dirty="0" smtClean="0"/>
           </a:p>
           <a:p>
             <a:endParaRPr lang="en-US" dirty="0"/>
@@ -1154,6 +1232,334 @@
           <a:bodyPr/>
           <a:lstStyle/>
           <a:p>
+            <a:r>
+              <a:rPr lang="en-US" dirty="0" err="1" smtClean="0"/>
+              <a:t>this.channel</a:t>
+            </a:r>
+            <a:r>
+              <a:rPr lang="en-US" dirty="0" smtClean="0"/>
+              <a:t> = </a:t>
+            </a:r>
+            <a:r>
+              <a:rPr lang="en-US" dirty="0" err="1" smtClean="0"/>
+              <a:t>workspace.workspaceId</a:t>
+            </a:r>
+            <a:r>
+              <a:rPr lang="en-US" baseline="0" dirty="0" smtClean="0"/>
+              <a:t> +</a:t>
+            </a:r>
+            <a:r>
+              <a:rPr lang="en-US" dirty="0" smtClean="0"/>
+              <a:t> "::</a:t>
+            </a:r>
+            <a:r>
+              <a:rPr lang="en-US" dirty="0" err="1" smtClean="0"/>
+              <a:t>gitc</a:t>
+            </a:r>
+            <a:r>
+              <a:rPr lang="en-US" dirty="0" smtClean="0"/>
+              <a:t>“</a:t>
+            </a:r>
+          </a:p>
+          <a:p>
+            <a:endParaRPr lang="en-US" dirty="0" smtClean="0"/>
+          </a:p>
+          <a:p>
+            <a:r>
+              <a:rPr lang="en-US" dirty="0" smtClean="0"/>
+              <a:t>ide broadcast:</a:t>
+            </a:r>
+          </a:p>
+          <a:p>
+            <a:r>
+              <a:rPr lang="en-US" dirty="0" smtClean="0"/>
+              <a:t>	each user: </a:t>
+            </a:r>
+            <a:r>
+              <a:rPr lang="en-US" dirty="0" err="1" smtClean="0"/>
+              <a:t>user.broadcast</a:t>
+            </a:r>
+            <a:r>
+              <a:rPr lang="en-US" dirty="0" smtClean="0"/>
+              <a:t>(</a:t>
+            </a:r>
+            <a:r>
+              <a:rPr lang="en-US" dirty="0" err="1" smtClean="0"/>
+              <a:t>msg</a:t>
+            </a:r>
+            <a:r>
+              <a:rPr lang="en-US" dirty="0" smtClean="0"/>
+              <a:t>, scope (</a:t>
+            </a:r>
+            <a:r>
+              <a:rPr lang="en-US" dirty="0" err="1" smtClean="0"/>
+              <a:t>gitc</a:t>
+            </a:r>
+            <a:r>
+              <a:rPr lang="en-US" dirty="0" smtClean="0"/>
+              <a:t>));</a:t>
+            </a:r>
+          </a:p>
+          <a:p>
+            <a:r>
+              <a:rPr lang="en-US" dirty="0" smtClean="0"/>
+              <a:t>		each client: </a:t>
+            </a:r>
+            <a:r>
+              <a:rPr lang="en-US" dirty="0" err="1" smtClean="0"/>
+              <a:t>client.send</a:t>
+            </a:r>
+            <a:r>
+              <a:rPr lang="en-US" dirty="0" smtClean="0"/>
+              <a:t>(</a:t>
+            </a:r>
+            <a:r>
+              <a:rPr lang="en-US" dirty="0" err="1" smtClean="0"/>
+              <a:t>msg</a:t>
+            </a:r>
+            <a:r>
+              <a:rPr lang="en-US" dirty="0" smtClean="0"/>
+              <a:t>);</a:t>
+            </a:r>
+            <a:endParaRPr lang="en-US" dirty="0"/>
+          </a:p>
+        </p:txBody>
+      </p:sp>
+    </p:spTree>
+  </p:cSld>
+  <p:clrMapOvr>
+    <a:masterClrMapping/>
+  </p:clrMapOvr>
+</p:notes>
+</file>
+
+<file path=ppt/notesSlides/notesSlide12.xml><?xml version="1.0" encoding="utf-8"?>
+<p:notes xmlns:a="http://schemas.openxmlformats.org/drawingml/2006/main" xmlns:r="http://schemas.openxmlformats.org/officeDocument/2006/relationships" xmlns:p="http://schemas.openxmlformats.org/presentationml/2006/main">
+  <p:cSld>
+    <p:spTree>
+      <p:nvGrpSpPr>
+        <p:cNvPr id="1" name=""/>
+        <p:cNvGrpSpPr/>
+        <p:nvPr/>
+      </p:nvGrpSpPr>
+      <p:grpSpPr>
+        <a:xfrm>
+          <a:off x="0" y="0"/>
+          <a:ext cx="0" cy="0"/>
+          <a:chOff x="0" y="0"/>
+          <a:chExt cx="0" cy="0"/>
+        </a:xfrm>
+      </p:grpSpPr>
+      <p:sp>
+        <p:nvSpPr>
+          <p:cNvPr id="2" name="Slide Image Placeholder 1"/>
+          <p:cNvSpPr>
+            <a:spLocks noGrp="1" noRot="1" noChangeAspect="1" noResize="1"/>
+          </p:cNvSpPr>
+          <p:nvPr>
+            <p:ph type="sldImg"/>
+          </p:nvPr>
+        </p:nvSpPr>
+        <p:spPr>
+          <a:xfrm>
+            <a:off x="0" y="695325"/>
+            <a:ext cx="0" cy="0"/>
+          </a:xfrm>
+          <a:solidFill>
+            <a:srgbClr val="CFE7F5"/>
+          </a:solidFill>
+          <a:ln w="25400">
+            <a:solidFill>
+              <a:srgbClr val="808080"/>
+            </a:solidFill>
+            <a:prstDash val="solid"/>
+          </a:ln>
+        </p:spPr>
+      </p:sp>
+      <p:sp>
+        <p:nvSpPr>
+          <p:cNvPr id="3" name="Notes Placeholder 2"/>
+          <p:cNvSpPr txBox="1">
+            <a:spLocks noGrp="1"/>
+          </p:cNvSpPr>
+          <p:nvPr>
+            <p:ph type="body" sz="quarter" idx="1"/>
+          </p:nvPr>
+        </p:nvSpPr>
+        <p:spPr>
+          <a:xfrm>
+            <a:off x="685799" y="4343400"/>
+            <a:ext cx="5486040" cy="4114440"/>
+          </a:xfrm>
+        </p:spPr>
+        <p:txBody>
+          <a:bodyPr/>
+          <a:lstStyle/>
+          <a:p>
+            <a:pPr marL="457200" marR="0" lvl="1" indent="0" algn="l" defTabSz="914400" rtl="0" eaLnBrk="1" fontAlgn="auto" latinLnBrk="0" hangingPunct="1">
+              <a:lnSpc>
+                <a:spcPct val="100000"/>
+              </a:lnSpc>
+              <a:spcBef>
+                <a:spcPts val="0"/>
+              </a:spcBef>
+              <a:spcAft>
+                <a:spcPts val="0"/>
+              </a:spcAft>
+              <a:buClrTx/>
+              <a:buSzTx/>
+              <a:buFontTx/>
+              <a:buNone/>
+              <a:tabLst/>
+              <a:defRPr/>
+            </a:pPr>
+            <a:r>
+              <a:rPr lang="en-US" sz="2000" dirty="0" smtClean="0"/>
+              <a:t>What kind of problems during development with cloud</a:t>
+            </a:r>
+          </a:p>
+          <a:p>
+            <a:pPr lvl="1"/>
+            <a:r>
+              <a:rPr lang="en-US" sz="2000" dirty="0" smtClean="0"/>
+              <a:t>Web-based</a:t>
+            </a:r>
+            <a:r>
+              <a:rPr lang="en-US" sz="2000" baseline="0" dirty="0" smtClean="0"/>
+              <a:t> </a:t>
+            </a:r>
+            <a:r>
+              <a:rPr lang="en-US" sz="2000" baseline="0" dirty="0" err="1" smtClean="0"/>
+              <a:t>devel</a:t>
+            </a:r>
+            <a:r>
+              <a:rPr lang="en-US" sz="2000" baseline="0" dirty="0" smtClean="0"/>
+              <a:t>. </a:t>
+            </a:r>
+            <a:endParaRPr lang="en-US" sz="2000" dirty="0" smtClean="0"/>
+          </a:p>
+          <a:p>
+            <a:pPr lvl="1"/>
+            <a:endParaRPr lang="en-US" sz="2000" dirty="0" smtClean="0"/>
+          </a:p>
+          <a:p>
+            <a:pPr lvl="1"/>
+            <a:r>
+              <a:rPr lang="en-US" sz="2000" dirty="0" smtClean="0"/>
+              <a:t>Cloud9 plugins: mostly no documentation</a:t>
+            </a:r>
+            <a:br>
+              <a:rPr lang="en-US" sz="2000" dirty="0" smtClean="0"/>
+            </a:br>
+            <a:r>
+              <a:rPr lang="en-US" sz="2000" dirty="0" smtClean="0">
+                <a:sym typeface="Wingdings" pitchFamily="2" charset="2"/>
+              </a:rPr>
+              <a:t> </a:t>
+            </a:r>
+            <a:r>
+              <a:rPr lang="en-US" sz="2000" dirty="0" smtClean="0"/>
+              <a:t>difficult to understand interaction between them</a:t>
+            </a:r>
+          </a:p>
+          <a:p>
+            <a:pPr lvl="1"/>
+            <a:r>
+              <a:rPr lang="en-US" sz="2000" dirty="0" smtClean="0"/>
+              <a:t>APF: ui.ajax.org/#docs not helpful</a:t>
+            </a:r>
+          </a:p>
+          <a:p>
+            <a:pPr lvl="1"/>
+            <a:r>
+              <a:rPr lang="en-US" sz="2000" dirty="0" smtClean="0"/>
+              <a:t>Ace: ace.ajax.org/</a:t>
+            </a:r>
+            <a:r>
+              <a:rPr lang="en-US" sz="2000" dirty="0" err="1" smtClean="0"/>
+              <a:t>api</a:t>
+            </a:r>
+            <a:r>
+              <a:rPr lang="en-US" sz="2000" dirty="0" smtClean="0"/>
+              <a:t>/ wrong/outdated</a:t>
+            </a:r>
+          </a:p>
+          <a:p>
+            <a:endParaRPr lang="en-US" dirty="0"/>
+          </a:p>
+        </p:txBody>
+      </p:sp>
+    </p:spTree>
+  </p:cSld>
+  <p:clrMapOvr>
+    <a:masterClrMapping/>
+  </p:clrMapOvr>
+</p:notes>
+</file>
+
+<file path=ppt/notesSlides/notesSlide13.xml><?xml version="1.0" encoding="utf-8"?>
+<p:notes xmlns:a="http://schemas.openxmlformats.org/drawingml/2006/main" xmlns:r="http://schemas.openxmlformats.org/officeDocument/2006/relationships" xmlns:p="http://schemas.openxmlformats.org/presentationml/2006/main">
+  <p:cSld>
+    <p:spTree>
+      <p:nvGrpSpPr>
+        <p:cNvPr id="1" name=""/>
+        <p:cNvGrpSpPr/>
+        <p:nvPr/>
+      </p:nvGrpSpPr>
+      <p:grpSpPr>
+        <a:xfrm>
+          <a:off x="0" y="0"/>
+          <a:ext cx="0" cy="0"/>
+          <a:chOff x="0" y="0"/>
+          <a:chExt cx="0" cy="0"/>
+        </a:xfrm>
+      </p:grpSpPr>
+      <p:sp>
+        <p:nvSpPr>
+          <p:cNvPr id="2" name="Slide Image Placeholder 1"/>
+          <p:cNvSpPr>
+            <a:spLocks noGrp="1" noRot="1" noChangeAspect="1" noResize="1"/>
+          </p:cNvSpPr>
+          <p:nvPr>
+            <p:ph type="sldImg"/>
+          </p:nvPr>
+        </p:nvSpPr>
+        <p:spPr>
+          <a:xfrm>
+            <a:off x="0" y="695325"/>
+            <a:ext cx="0" cy="0"/>
+          </a:xfrm>
+          <a:solidFill>
+            <a:srgbClr val="CFE7F5"/>
+          </a:solidFill>
+          <a:ln w="25400">
+            <a:solidFill>
+              <a:srgbClr val="808080"/>
+            </a:solidFill>
+            <a:prstDash val="solid"/>
+          </a:ln>
+        </p:spPr>
+      </p:sp>
+      <p:sp>
+        <p:nvSpPr>
+          <p:cNvPr id="3" name="Notes Placeholder 2"/>
+          <p:cNvSpPr txBox="1">
+            <a:spLocks noGrp="1"/>
+          </p:cNvSpPr>
+          <p:nvPr>
+            <p:ph type="body" sz="quarter" idx="1"/>
+          </p:nvPr>
+        </p:nvSpPr>
+        <p:spPr>
+          <a:xfrm>
+            <a:off x="685799" y="4343400"/>
+            <a:ext cx="5486040" cy="4114440"/>
+          </a:xfrm>
+        </p:spPr>
+        <p:txBody>
+          <a:bodyPr/>
+          <a:lstStyle/>
+          <a:p>
             <a:pPr lvl="1"/>
             <a:r>
               <a:rPr lang="en-US" sz="2000" dirty="0" smtClean="0"/>
@@ -1425,6 +1831,14 @@
           <a:bodyPr/>
           <a:lstStyle/>
           <a:p>
+            <a:r>
+              <a:rPr lang="en-US" dirty="0" smtClean="0"/>
+              <a:t>Explain stage, </a:t>
+            </a:r>
+            <a:r>
+              <a:rPr lang="en-US" dirty="0" err="1" smtClean="0"/>
+              <a:t>unstage</a:t>
+            </a:r>
             <a:endParaRPr lang="en-US" dirty="0"/>
           </a:p>
         </p:txBody>
@@ -1608,7 +2022,7 @@
         <p:nvSpPr>
           <p:cNvPr id="2" name="Slide Image Placeholder 1"/>
           <p:cNvSpPr>
-            <a:spLocks noGrp="1" noRot="1" noChangeAspect="1" noResize="1"/>
+            <a:spLocks noGrp="1" noRot="1" noChangeAspect="1"/>
           </p:cNvSpPr>
           <p:nvPr>
             <p:ph type="sldImg"/>
@@ -1616,45 +2030,60 @@
         </p:nvSpPr>
         <p:spPr>
           <a:xfrm>
-            <a:off x="0" y="695325"/>
-            <a:ext cx="0" cy="0"/>
+            <a:off x="1371600" y="763588"/>
+            <a:ext cx="5029200" cy="3771900"/>
           </a:xfrm>
-          <a:solidFill>
-            <a:srgbClr val="CFE7F5"/>
-          </a:solidFill>
-          <a:ln w="25400">
-            <a:solidFill>
-              <a:srgbClr val="808080"/>
-            </a:solidFill>
-            <a:prstDash val="solid"/>
-          </a:ln>
         </p:spPr>
       </p:sp>
       <p:sp>
         <p:nvSpPr>
           <p:cNvPr id="3" name="Notes Placeholder 2"/>
-          <p:cNvSpPr txBox="1">
+          <p:cNvSpPr>
             <a:spLocks noGrp="1"/>
           </p:cNvSpPr>
           <p:nvPr>
-            <p:ph type="body" sz="quarter" idx="1"/>
+            <p:ph type="body" idx="1"/>
           </p:nvPr>
         </p:nvSpPr>
-        <p:spPr>
-          <a:xfrm>
-            <a:off x="685799" y="4343400"/>
-            <a:ext cx="5486040" cy="4114440"/>
-          </a:xfrm>
-        </p:spPr>
+        <p:spPr/>
         <p:txBody>
           <a:bodyPr/>
           <a:lstStyle/>
           <a:p>
-            <a:endParaRPr lang="en-US" dirty="0"/>
+            <a:endParaRPr lang="en-GB" dirty="0"/>
           </a:p>
         </p:txBody>
       </p:sp>
+      <p:sp>
+        <p:nvSpPr>
+          <p:cNvPr id="4" name="Slide Number Placeholder 3"/>
+          <p:cNvSpPr>
+            <a:spLocks noGrp="1"/>
+          </p:cNvSpPr>
+          <p:nvPr>
+            <p:ph type="sldNum" sz="quarter" idx="10"/>
+          </p:nvPr>
+        </p:nvSpPr>
+        <p:spPr/>
+        <p:txBody>
+          <a:bodyPr/>
+          <a:lstStyle/>
+          <a:p>
+            <a:pPr lvl="0"/>
+            <a:fld id="{AF7193CF-94C6-40D4-AC5D-D4CD5BA9F437}" type="slidenum">
+              <a:rPr lang="en-GB" smtClean="0"/>
+              <a:t>8</a:t>
+            </a:fld>
+            <a:endParaRPr lang="en-GB"/>
+          </a:p>
+        </p:txBody>
+      </p:sp>
     </p:spTree>
+    <p:extLst>
+      <p:ext uri="{BB962C8B-B14F-4D97-AF65-F5344CB8AC3E}">
+        <p14:creationId xmlns:p14="http://schemas.microsoft.com/office/powerpoint/2010/main" val="511346168"/>
+      </p:ext>
+    </p:extLst>
   </p:cSld>
   <p:clrMapOvr>
     <a:masterClrMapping/>
@@ -1724,99 +2153,6 @@
         <p:txBody>
           <a:bodyPr/>
           <a:lstStyle/>
-          <a:p>
-            <a:pPr marL="457200" marR="0" lvl="1" indent="0" algn="l" defTabSz="914400" rtl="0" eaLnBrk="1" fontAlgn="auto" latinLnBrk="0" hangingPunct="1">
-              <a:lnSpc>
-                <a:spcPct val="100000"/>
-              </a:lnSpc>
-              <a:spcBef>
-                <a:spcPts val="0"/>
-              </a:spcBef>
-              <a:spcAft>
-                <a:spcPts val="0"/>
-              </a:spcAft>
-              <a:buClrTx/>
-              <a:buSzTx/>
-              <a:buFontTx/>
-              <a:buNone/>
-              <a:tabLst/>
-              <a:defRPr/>
-            </a:pPr>
-            <a:r>
-              <a:rPr lang="en-US" sz="2000" dirty="0" smtClean="0"/>
-              <a:t>What kind of problems during development with cloud</a:t>
-            </a:r>
-          </a:p>
-          <a:p>
-            <a:pPr lvl="1"/>
-            <a:r>
-              <a:rPr lang="en-US" sz="2000" dirty="0" smtClean="0"/>
-              <a:t>Web-based</a:t>
-            </a:r>
-            <a:r>
-              <a:rPr lang="en-US" sz="2000" baseline="0" dirty="0" smtClean="0"/>
-              <a:t> </a:t>
-            </a:r>
-            <a:r>
-              <a:rPr lang="en-US" sz="2000" baseline="0" dirty="0" err="1" smtClean="0"/>
-              <a:t>devel</a:t>
-            </a:r>
-            <a:r>
-              <a:rPr lang="en-US" sz="2000" baseline="0" dirty="0" smtClean="0"/>
-              <a:t>. </a:t>
-            </a:r>
-            <a:endParaRPr lang="en-US" sz="2000" dirty="0" smtClean="0"/>
-          </a:p>
-          <a:p>
-            <a:pPr lvl="1"/>
-            <a:endParaRPr lang="en-US" sz="2000" dirty="0" smtClean="0"/>
-          </a:p>
-          <a:p>
-            <a:pPr lvl="1"/>
-            <a:r>
-              <a:rPr lang="en-US" sz="2000" dirty="0" smtClean="0"/>
-              <a:t>Cloud9 </a:t>
-            </a:r>
-            <a:r>
-              <a:rPr lang="en-US" sz="2000" dirty="0" smtClean="0"/>
-              <a:t>plugins: mostly no documentation</a:t>
-            </a:r>
-            <a:br>
-              <a:rPr lang="en-US" sz="2000" dirty="0" smtClean="0"/>
-            </a:br>
-            <a:r>
-              <a:rPr lang="en-US" sz="2000" dirty="0" smtClean="0">
-                <a:sym typeface="Wingdings" pitchFamily="2" charset="2"/>
-              </a:rPr>
-              <a:t> </a:t>
-            </a:r>
-            <a:r>
-              <a:rPr lang="en-US" sz="2000" dirty="0" smtClean="0"/>
-              <a:t>difficult to understand interaction between them</a:t>
-            </a:r>
-          </a:p>
-          <a:p>
-            <a:pPr lvl="1"/>
-            <a:r>
-              <a:rPr lang="en-US" sz="2000" dirty="0" smtClean="0"/>
-              <a:t>APF: ui.ajax.org/#docs not helpful</a:t>
-            </a:r>
-          </a:p>
-          <a:p>
-            <a:pPr lvl="1"/>
-            <a:r>
-              <a:rPr lang="en-US" sz="2000" dirty="0" smtClean="0"/>
-              <a:t>Ace: ace.ajax.org/</a:t>
-            </a:r>
-            <a:r>
-              <a:rPr lang="en-US" sz="2000" dirty="0" err="1" smtClean="0"/>
-              <a:t>api</a:t>
-            </a:r>
-            <a:r>
-              <a:rPr lang="en-US" sz="2000" dirty="0" smtClean="0"/>
-              <a:t>/ wrong/outdated</a:t>
-            </a:r>
-          </a:p>
           <a:p>
             <a:endParaRPr lang="en-US" dirty="0"/>
           </a:p>
@@ -1912,7 +2248,83 @@
             </a:pPr>
             <a:r>
               <a:rPr lang="en-US" sz="2000" dirty="0" smtClean="0"/>
-              <a:t>What kind of problems during development with cloud</a:t>
+              <a:t>Was </a:t>
+            </a:r>
+            <a:r>
+              <a:rPr lang="en-US" sz="2000" dirty="0" err="1" smtClean="0"/>
+              <a:t>haben</a:t>
+            </a:r>
+            <a:r>
+              <a:rPr lang="en-US" sz="2000" dirty="0" smtClean="0"/>
+              <a:t> </a:t>
+            </a:r>
+            <a:r>
+              <a:rPr lang="en-US" sz="2000" dirty="0" err="1" smtClean="0"/>
+              <a:t>wir</a:t>
+            </a:r>
+            <a:r>
+              <a:rPr lang="en-US" sz="2000" dirty="0" smtClean="0"/>
+              <a:t> </a:t>
+            </a:r>
+            <a:r>
+              <a:rPr lang="en-US" sz="2000" dirty="0" err="1" smtClean="0"/>
+              <a:t>gemacht</a:t>
+            </a:r>
+            <a:r>
+              <a:rPr lang="en-US" sz="2000" baseline="0" dirty="0" smtClean="0"/>
+              <a:t> </a:t>
+            </a:r>
+            <a:r>
+              <a:rPr lang="en-US" sz="2000" baseline="0" dirty="0" err="1" smtClean="0"/>
+              <a:t>womit</a:t>
+            </a:r>
+            <a:endParaRPr lang="en-US" sz="2000" dirty="0" smtClean="0"/>
+          </a:p>
+          <a:p>
+            <a:pPr marL="457200" marR="0" lvl="1" indent="0" algn="l" defTabSz="914400" rtl="0" eaLnBrk="1" fontAlgn="auto" latinLnBrk="0" hangingPunct="1">
+              <a:lnSpc>
+                <a:spcPct val="100000"/>
+              </a:lnSpc>
+              <a:spcBef>
+                <a:spcPts val="0"/>
+              </a:spcBef>
+              <a:spcAft>
+                <a:spcPts val="0"/>
+              </a:spcAft>
+              <a:buClrTx/>
+              <a:buSzTx/>
+              <a:buFontTx/>
+              <a:buNone/>
+              <a:tabLst/>
+              <a:defRPr/>
+            </a:pPr>
+            <a:endParaRPr lang="en-US" sz="2000" dirty="0" smtClean="0"/>
+          </a:p>
+          <a:p>
+            <a:pPr marL="457200" marR="0" lvl="1" indent="0" algn="l" defTabSz="914400" rtl="0" eaLnBrk="1" fontAlgn="auto" latinLnBrk="0" hangingPunct="1">
+              <a:lnSpc>
+                <a:spcPct val="100000"/>
+              </a:lnSpc>
+              <a:spcBef>
+                <a:spcPts val="0"/>
+              </a:spcBef>
+              <a:spcAft>
+                <a:spcPts val="0"/>
+              </a:spcAft>
+              <a:buClrTx/>
+              <a:buSzTx/>
+              <a:buFontTx/>
+              <a:buNone/>
+              <a:tabLst/>
+              <a:defRPr/>
+            </a:pPr>
+            <a:r>
+              <a:rPr lang="en-US" sz="2000" dirty="0" smtClean="0"/>
+              <a:t>What </a:t>
+            </a:r>
+            <a:r>
+              <a:rPr lang="en-US" sz="2000" dirty="0" smtClean="0"/>
+              <a:t>kind of problems during development with cloud</a:t>
             </a:r>
           </a:p>
           <a:p>
@@ -1943,11 +2355,7 @@
             <a:pPr lvl="1"/>
             <a:r>
               <a:rPr lang="en-US" sz="2000" dirty="0" smtClean="0"/>
-              <a:t>Cloud9 </a:t>
-            </a:r>
-            <a:r>
-              <a:rPr lang="en-US" sz="2000" dirty="0" smtClean="0"/>
-              <a:t>plugins: mostly no documentation</a:t>
+              <a:t>Cloud9 plugins: mostly no documentation</a:t>
             </a:r>
             <a:br>
               <a:rPr lang="en-US" sz="2000" dirty="0" smtClean="0"/>
@@ -1974,7 +2382,11 @@
             <a:pPr lvl="1"/>
             <a:r>
               <a:rPr lang="en-US" sz="2000" dirty="0" smtClean="0"/>
-              <a:t>Ace: ace.ajax.org/</a:t>
+              <a:t>Ace: </a:t>
+            </a:r>
+            <a:r>
+              <a:rPr lang="en-US" sz="2000" dirty="0" smtClean="0"/>
+              <a:t>ace.ajax.org/</a:t>
             </a:r>
             <a:r>
               <a:rPr lang="en-US" sz="2000" dirty="0" err="1" smtClean="0"/>
@@ -1984,6 +2396,7 @@
               <a:rPr lang="en-US" sz="2000" dirty="0" smtClean="0"/>
               <a:t>/ wrong/outdated</a:t>
             </a:r>
+            <a:endParaRPr lang="en-US" sz="2000" dirty="0" smtClean="0"/>
           </a:p>
           <a:p>
             <a:endParaRPr lang="en-US" dirty="0"/>
@@ -7853,7 +8266,7 @@
           <a:graphicData uri="http://schemas.openxmlformats.org/presentationml/2006/ole">
             <mc:AlternateContent xmlns:mc="http://schemas.openxmlformats.org/markup-compatibility/2006">
               <mc:Choice xmlns:v="urn:schemas-microsoft-com:vml" Requires="v">
-                <p:oleObj spid="_x0000_s2121" r:id="rId15" imgW="3221337" imgH="1845301" progId="">
+                <p:oleObj spid="_x0000_s2147" r:id="rId15" imgW="3221337" imgH="1845301" progId="">
                   <p:embed/>
                 </p:oleObj>
               </mc:Choice>
@@ -8601,8 +9014,8 @@
               <a:buNone/>
             </a:pPr>
             <a:r>
-              <a:rPr lang="en-US" dirty="0" smtClean="0"/>
-              <a:t>What we have done</a:t>
+              <a:rPr lang="en-US" dirty="0"/>
+              <a:t>Extending Cloud9</a:t>
             </a:r>
             <a:endParaRPr lang="en-US" dirty="0"/>
           </a:p>
@@ -8924,76 +9337,79 @@
           <a:p>
             <a:pPr lvl="1"/>
             <a:r>
-              <a:rPr lang="en-US" sz="2400" dirty="0" err="1" smtClean="0"/>
-              <a:t>apf</a:t>
-            </a:r>
-            <a:r>
               <a:rPr lang="en-US" sz="2400" dirty="0" smtClean="0"/>
-              <a:t> </a:t>
-            </a:r>
-            <a:r>
-              <a:rPr lang="en-US" sz="2400" dirty="0" smtClean="0">
-                <a:sym typeface="Wingdings" pitchFamily="2" charset="2"/>
-              </a:rPr>
-              <a:t> usage of </a:t>
-            </a:r>
-            <a:r>
-              <a:rPr lang="en-US" sz="2400" dirty="0" err="1" smtClean="0">
-                <a:sym typeface="Wingdings" pitchFamily="2" charset="2"/>
-              </a:rPr>
-              <a:t>aml</a:t>
-            </a:r>
-            <a:endParaRPr lang="en-US" sz="2400" dirty="0">
-              <a:sym typeface="Wingdings" pitchFamily="2" charset="2"/>
-            </a:endParaRPr>
-          </a:p>
-          <a:p>
-            <a:pPr lvl="1"/>
-            <a:endParaRPr lang="en-US" sz="2400" dirty="0" smtClean="0">
-              <a:sym typeface="Wingdings" pitchFamily="2" charset="2"/>
-            </a:endParaRPr>
-          </a:p>
-          <a:p>
-            <a:pPr lvl="1"/>
-            <a:endParaRPr lang="en-US" sz="2400" dirty="0">
-              <a:sym typeface="Wingdings" pitchFamily="2" charset="2"/>
-            </a:endParaRPr>
-          </a:p>
-          <a:p>
-            <a:pPr lvl="1"/>
-            <a:endParaRPr lang="en-US" sz="2400" dirty="0" smtClean="0">
-              <a:sym typeface="Wingdings" pitchFamily="2" charset="2"/>
-            </a:endParaRPr>
-          </a:p>
-          <a:p>
-            <a:pPr lvl="1"/>
-            <a:endParaRPr lang="en-US" sz="2400" dirty="0">
-              <a:sym typeface="Wingdings" pitchFamily="2" charset="2"/>
-            </a:endParaRPr>
-          </a:p>
-          <a:p>
-            <a:pPr lvl="1"/>
-            <a:r>
-              <a:rPr lang="en-US" sz="2400" dirty="0" smtClean="0"/>
-              <a:t>ace </a:t>
-            </a:r>
-            <a:r>
-              <a:rPr lang="en-US" sz="2400" dirty="0" smtClean="0">
-                <a:sym typeface="Wingdings" pitchFamily="2" charset="2"/>
-              </a:rPr>
-              <a:t> </a:t>
-            </a:r>
-            <a:endParaRPr lang="en-US" sz="2400" dirty="0" smtClean="0"/>
-          </a:p>
-          <a:p>
-            <a:endParaRPr lang="en-US" sz="2800" dirty="0"/>
+              <a:t>Build diff-pane, diff-tree</a:t>
+            </a:r>
           </a:p>
         </p:txBody>
       </p:sp>
+      <p:pic>
+        <p:nvPicPr>
+          <p:cNvPr id="7" name="Picture 4"/>
+          <p:cNvPicPr>
+            <a:picLocks noChangeAspect="1" noChangeArrowheads="1"/>
+          </p:cNvPicPr>
+          <p:nvPr/>
+        </p:nvPicPr>
+        <p:blipFill>
+          <a:blip r:embed="rId3">
+            <a:extLst>
+              <a:ext uri="{28A0092B-C50C-407E-A947-70E740481C1C}">
+                <a14:useLocalDpi xmlns:a14="http://schemas.microsoft.com/office/drawing/2010/main" val="0"/>
+              </a:ext>
+            </a:extLst>
+          </a:blip>
+          <a:stretch>
+            <a:fillRect/>
+          </a:stretch>
+        </p:blipFill>
+        <p:spPr bwMode="auto">
+          <a:xfrm>
+            <a:off x="3254" y="2924944"/>
+            <a:ext cx="9140746" cy="6456759"/>
+          </a:xfrm>
+          <a:prstGeom prst="rect">
+            <a:avLst/>
+          </a:prstGeom>
+          <a:noFill/>
+          <a:ln>
+            <a:noFill/>
+          </a:ln>
+          <a:effectLst/>
+          <a:extLst>
+            <a:ext uri="{909E8E84-426E-40DD-AFC4-6F175D3DCCD1}">
+              <a14:hiddenFill xmlns:a14="http://schemas.microsoft.com/office/drawing/2010/main">
+                <a:solidFill>
+                  <a:schemeClr val="accent1"/>
+                </a:solidFill>
+              </a14:hiddenFill>
+            </a:ext>
+            <a:ext uri="{91240B29-F687-4F45-9708-019B960494DF}">
+              <a14:hiddenLine xmlns:a14="http://schemas.microsoft.com/office/drawing/2010/main" w="9525">
+                <a:solidFill>
+                  <a:schemeClr val="tx1"/>
+                </a:solidFill>
+                <a:miter lim="800000"/>
+                <a:headEnd/>
+                <a:tailEnd/>
+              </a14:hiddenLine>
+            </a:ext>
+            <a:ext uri="{AF507438-7753-43E0-B8FC-AC1667EBCBE1}">
+              <a14:hiddenEffects xmlns:a14="http://schemas.microsoft.com/office/drawing/2010/main">
+                <a:effectLst>
+                  <a:outerShdw dist="35921" dir="2700000" algn="ctr" rotWithShape="0">
+                    <a:schemeClr val="bg2"/>
+                  </a:outerShdw>
+                </a:effectLst>
+              </a14:hiddenEffects>
+            </a:ext>
+          </a:extLst>
+        </p:spPr>
+      </p:pic>
     </p:spTree>
     <p:extLst>
       <p:ext uri="{BB962C8B-B14F-4D97-AF65-F5344CB8AC3E}">
-        <p14:creationId xmlns:p14="http://schemas.microsoft.com/office/powerpoint/2010/main" val="4192616994"/>
+        <p14:creationId xmlns:p14="http://schemas.microsoft.com/office/powerpoint/2010/main" val="2086331762"/>
       </p:ext>
     </p:extLst>
   </p:cSld>
@@ -9011,7 +9427,75 @@
   <p:timing>
     <p:tnLst>
       <p:par>
-        <p:cTn id="1" dur="indefinite" restart="never" nodeType="tmRoot"/>
+        <p:cTn id="1" dur="indefinite" restart="never" nodeType="tmRoot">
+          <p:childTnLst>
+            <p:seq concurrent="1" nextAc="seek">
+              <p:cTn id="2" dur="indefinite" nodeType="mainSeq">
+                <p:childTnLst>
+                  <p:par>
+                    <p:cTn id="3" fill="hold">
+                      <p:stCondLst>
+                        <p:cond delay="indefinite"/>
+                      </p:stCondLst>
+                      <p:childTnLst>
+                        <p:par>
+                          <p:cTn id="4" fill="hold">
+                            <p:stCondLst>
+                              <p:cond delay="0"/>
+                            </p:stCondLst>
+                            <p:childTnLst>
+                              <p:par>
+                                <p:cTn id="5" presetID="1" presetClass="entr" presetSubtype="0" fill="hold" nodeType="clickEffect">
+                                  <p:stCondLst>
+                                    <p:cond delay="0"/>
+                                  </p:stCondLst>
+                                  <p:childTnLst>
+                                    <p:set>
+                                      <p:cBhvr>
+                                        <p:cTn id="6" dur="1" fill="hold">
+                                          <p:stCondLst>
+                                            <p:cond delay="0"/>
+                                          </p:stCondLst>
+                                        </p:cTn>
+                                        <p:tgtEl>
+                                          <p:spTgt spid="7"/>
+                                        </p:tgtEl>
+                                        <p:attrNameLst>
+                                          <p:attrName>style.visibility</p:attrName>
+                                        </p:attrNameLst>
+                                      </p:cBhvr>
+                                      <p:to>
+                                        <p:strVal val="visible"/>
+                                      </p:to>
+                                    </p:set>
+                                  </p:childTnLst>
+                                </p:cTn>
+                              </p:par>
+                            </p:childTnLst>
+                          </p:cTn>
+                        </p:par>
+                      </p:childTnLst>
+                    </p:cTn>
+                  </p:par>
+                </p:childTnLst>
+              </p:cTn>
+              <p:prevCondLst>
+                <p:cond evt="onPrev" delay="0">
+                  <p:tgtEl>
+                    <p:sldTgt/>
+                  </p:tgtEl>
+                </p:cond>
+              </p:prevCondLst>
+              <p:nextCondLst>
+                <p:cond evt="onNext" delay="0">
+                  <p:tgtEl>
+                    <p:sldTgt/>
+                  </p:tgtEl>
+                </p:cond>
+              </p:nextCondLst>
+            </p:seq>
+          </p:childTnLst>
+        </p:cTn>
       </p:par>
     </p:tnLst>
   </p:timing>
@@ -9324,7 +9808,7 @@
             </a:pPr>
             <a:r>
               <a:rPr lang="en-US" dirty="0" smtClean="0"/>
-              <a:t>What we have done</a:t>
+              <a:t>Extending Cloud9</a:t>
             </a:r>
             <a:endParaRPr lang="en-US" dirty="0"/>
           </a:p>
@@ -9639,16 +10123,201 @@
           <a:p>
             <a:r>
               <a:rPr lang="en-US" sz="2800" dirty="0" smtClean="0"/>
-              <a:t>Ide stuff (client to server communication)</a:t>
+              <a:t>Client-side Front-end </a:t>
             </a:r>
             <a:endParaRPr lang="en-US" sz="2800" dirty="0"/>
           </a:p>
+          <a:p>
+            <a:pPr lvl="1"/>
+            <a:r>
+              <a:rPr lang="en-US" sz="2400" dirty="0" smtClean="0"/>
+              <a:t>Build diff-pane, diff-tree</a:t>
+            </a:r>
+          </a:p>
+          <a:p>
+            <a:pPr marL="540000" lvl="1" indent="0">
+              <a:buNone/>
+            </a:pPr>
+            <a:endParaRPr lang="en-US" sz="2400" dirty="0" smtClean="0">
+              <a:sym typeface="Wingdings" pitchFamily="2" charset="2"/>
+            </a:endParaRPr>
+          </a:p>
+          <a:p>
+            <a:pPr marL="540000" lvl="1" indent="0">
+              <a:buNone/>
+            </a:pPr>
+            <a:endParaRPr lang="en-US" sz="2400" dirty="0" smtClean="0">
+              <a:sym typeface="Wingdings" pitchFamily="2" charset="2"/>
+            </a:endParaRPr>
+          </a:p>
+          <a:p>
+            <a:pPr lvl="1">
+              <a:tabLst>
+                <a:tab pos="4216400" algn="l"/>
+              </a:tabLst>
+            </a:pPr>
+            <a:r>
+              <a:rPr lang="en-US" sz="2400" dirty="0" smtClean="0"/>
+              <a:t>Register on editor events to </a:t>
+            </a:r>
+          </a:p>
+          <a:p>
+            <a:pPr lvl="2"/>
+            <a:r>
+              <a:rPr lang="en-US" dirty="0"/>
+              <a:t>S</a:t>
+            </a:r>
+            <a:r>
+              <a:rPr lang="en-US" dirty="0" smtClean="0"/>
+              <a:t>et line markers / annotations / tooltip</a:t>
+            </a:r>
+          </a:p>
+          <a:p>
+            <a:pPr lvl="2"/>
+            <a:r>
+              <a:rPr lang="en-US" dirty="0" smtClean="0"/>
+              <a:t>Track user input</a:t>
+            </a:r>
+            <a:endParaRPr lang="en-US" dirty="0" smtClean="0"/>
+          </a:p>
+          <a:p>
+            <a:pPr lvl="1"/>
+            <a:endParaRPr lang="en-US" sz="2400" dirty="0" smtClean="0"/>
+          </a:p>
         </p:txBody>
       </p:sp>
+      <p:pic>
+        <p:nvPicPr>
+          <p:cNvPr id="5122" name="Picture 2"/>
+          <p:cNvPicPr>
+            <a:picLocks noChangeAspect="1" noChangeArrowheads="1"/>
+          </p:cNvPicPr>
+          <p:nvPr/>
+        </p:nvPicPr>
+        <p:blipFill>
+          <a:blip r:embed="rId3">
+            <a:extLst>
+              <a:ext uri="{28A0092B-C50C-407E-A947-70E740481C1C}">
+                <a14:useLocalDpi xmlns:a14="http://schemas.microsoft.com/office/drawing/2010/main" val="0"/>
+              </a:ext>
+            </a:extLst>
+          </a:blip>
+          <a:stretch>
+            <a:fillRect/>
+          </a:stretch>
+        </p:blipFill>
+        <p:spPr bwMode="auto">
+          <a:xfrm>
+            <a:off x="6604188" y="4072745"/>
+            <a:ext cx="1470992" cy="949026"/>
+          </a:xfrm>
+          <a:prstGeom prst="rect">
+            <a:avLst/>
+          </a:prstGeom>
+          <a:ln>
+            <a:noFill/>
+          </a:ln>
+          <a:effectLst>
+            <a:outerShdw blurRad="292100" dist="139700" dir="2700000" algn="tl" rotWithShape="0">
+              <a:srgbClr val="333333">
+                <a:alpha val="65000"/>
+              </a:srgbClr>
+            </a:outerShdw>
+          </a:effectLst>
+          <a:extLst>
+            <a:ext uri="{909E8E84-426E-40DD-AFC4-6F175D3DCCD1}">
+              <a14:hiddenFill xmlns:a14="http://schemas.microsoft.com/office/drawing/2010/main">
+                <a:solidFill>
+                  <a:schemeClr val="accent1"/>
+                </a:solidFill>
+              </a14:hiddenFill>
+            </a:ext>
+            <a:ext uri="{91240B29-F687-4F45-9708-019B960494DF}">
+              <a14:hiddenLine xmlns:a14="http://schemas.microsoft.com/office/drawing/2010/main" w="9525">
+                <a:solidFill>
+                  <a:schemeClr val="tx1"/>
+                </a:solidFill>
+                <a:miter lim="800000"/>
+                <a:headEnd/>
+                <a:tailEnd/>
+              </a14:hiddenLine>
+            </a:ext>
+            <a:ext uri="{AF507438-7753-43E0-B8FC-AC1667EBCBE1}">
+              <a14:hiddenEffects xmlns:a14="http://schemas.microsoft.com/office/drawing/2010/main">
+                <a:effectLst>
+                  <a:outerShdw dist="35921" dir="2700000" algn="ctr" rotWithShape="0">
+                    <a:schemeClr val="bg2"/>
+                  </a:outerShdw>
+                </a:effectLst>
+              </a14:hiddenEffects>
+            </a:ext>
+          </a:extLst>
+        </p:spPr>
+      </p:pic>
+      <p:pic>
+        <p:nvPicPr>
+          <p:cNvPr id="5123" name="Picture 3"/>
+          <p:cNvPicPr>
+            <a:picLocks noChangeAspect="1" noChangeArrowheads="1"/>
+          </p:cNvPicPr>
+          <p:nvPr/>
+        </p:nvPicPr>
+        <p:blipFill>
+          <a:blip r:embed="rId4">
+            <a:extLst>
+              <a:ext uri="{28A0092B-C50C-407E-A947-70E740481C1C}">
+                <a14:useLocalDpi xmlns:a14="http://schemas.microsoft.com/office/drawing/2010/main" val="0"/>
+              </a:ext>
+            </a:extLst>
+          </a:blip>
+          <a:srcRect/>
+          <a:stretch>
+            <a:fillRect/>
+          </a:stretch>
+        </p:blipFill>
+        <p:spPr bwMode="auto">
+          <a:xfrm>
+            <a:off x="6620152" y="1700808"/>
+            <a:ext cx="1439064" cy="807280"/>
+          </a:xfrm>
+          <a:prstGeom prst="rect">
+            <a:avLst/>
+          </a:prstGeom>
+          <a:ln>
+            <a:noFill/>
+          </a:ln>
+          <a:effectLst>
+            <a:outerShdw blurRad="292100" dist="139700" dir="2700000" algn="tl" rotWithShape="0">
+              <a:srgbClr val="333333">
+                <a:alpha val="65000"/>
+              </a:srgbClr>
+            </a:outerShdw>
+          </a:effectLst>
+          <a:extLst>
+            <a:ext uri="{909E8E84-426E-40DD-AFC4-6F175D3DCCD1}">
+              <a14:hiddenFill xmlns:a14="http://schemas.microsoft.com/office/drawing/2010/main">
+                <a:solidFill>
+                  <a:schemeClr val="accent1"/>
+                </a:solidFill>
+              </a14:hiddenFill>
+            </a:ext>
+            <a:ext uri="{91240B29-F687-4F45-9708-019B960494DF}">
+              <a14:hiddenLine xmlns:a14="http://schemas.microsoft.com/office/drawing/2010/main" w="9525">
+                <a:solidFill>
+                  <a:schemeClr val="tx1"/>
+                </a:solidFill>
+                <a:miter lim="800000"/>
+                <a:headEnd/>
+                <a:tailEnd/>
+              </a14:hiddenLine>
+            </a:ext>
+          </a:extLst>
+        </p:spPr>
+      </p:pic>
     </p:spTree>
     <p:extLst>
       <p:ext uri="{BB962C8B-B14F-4D97-AF65-F5344CB8AC3E}">
-        <p14:creationId xmlns:p14="http://schemas.microsoft.com/office/powerpoint/2010/main" val="2052140459"/>
+        <p14:creationId xmlns:p14="http://schemas.microsoft.com/office/powerpoint/2010/main" val="1605773426"/>
       </p:ext>
     </p:extLst>
   </p:cSld>
@@ -9901,10 +10570,10 @@
             </a:lvl9pPr>
           </a:lstStyle>
           <a:p>
-            <a:endParaRPr lang="en-US" sz="2800" dirty="0" smtClean="0"/>
-          </a:p>
-          <a:p>
-            <a:endParaRPr lang="en-US" sz="2800" dirty="0"/>
+            <a:endParaRPr lang="en-GB" sz="2800" noProof="1" smtClean="0"/>
+          </a:p>
+          <a:p>
+            <a:endParaRPr lang="en-GB" sz="2800" noProof="1"/>
           </a:p>
         </p:txBody>
       </p:sp>
@@ -9978,10 +10647,10 @@
               <a:buNone/>
             </a:pPr>
             <a:r>
-              <a:rPr lang="en-US" dirty="0" smtClean="0"/>
-              <a:t>Web-based development</a:t>
-            </a:r>
-            <a:endParaRPr lang="en-US" dirty="0"/>
+              <a:rPr lang="en-US" dirty="0"/>
+              <a:t>Extending Cloud9</a:t>
+            </a:r>
+            <a:endParaRPr lang="en-GB" noProof="1"/>
           </a:p>
         </p:txBody>
       </p:sp>
@@ -10007,10 +10676,10 @@
           <a:p>
             <a:pPr lvl="0"/>
             <a:r>
-              <a:rPr lang="en-US" dirty="0" smtClean="0"/>
+              <a:rPr lang="en-GB" noProof="1" smtClean="0"/>
               <a:t>15.05.2012</a:t>
             </a:r>
-            <a:endParaRPr lang="en-US" dirty="0"/>
+            <a:endParaRPr lang="en-GB" noProof="1"/>
           </a:p>
         </p:txBody>
       </p:sp>
@@ -10036,45 +10705,2967 @@
           <a:p>
             <a:pPr lvl="0"/>
             <a:r>
-              <a:rPr lang="en-US" dirty="0" smtClean="0"/>
-              <a:t>| </a:t>
-            </a:r>
-            <a:r>
-              <a:rPr lang="en-US" dirty="0" err="1" smtClean="0"/>
-              <a:t>Kahl</a:t>
-            </a:r>
-            <a:r>
-              <a:rPr lang="en-US" dirty="0" smtClean="0"/>
+              <a:rPr lang="en-GB" noProof="1" smtClean="0"/>
+              <a:t>| Kahl, Platz, Schilf | Web-dev SS 2012</a:t>
+            </a:r>
+            <a:endParaRPr lang="en-GB" noProof="1"/>
+          </a:p>
+        </p:txBody>
+      </p:sp>
+      <p:sp>
+        <p:nvSpPr>
+          <p:cNvPr id="10" name="Text Placeholder 2"/>
+          <p:cNvSpPr txBox="1">
+            <a:spLocks/>
+          </p:cNvSpPr>
+          <p:nvPr/>
+        </p:nvSpPr>
+        <p:spPr>
+          <a:xfrm>
+            <a:off x="179512" y="1227138"/>
+            <a:ext cx="8640960" cy="5303488"/>
+          </a:xfrm>
+          <a:prstGeom prst="rect">
+            <a:avLst/>
+          </a:prstGeom>
+          <a:noFill/>
+          <a:ln>
+            <a:noFill/>
+          </a:ln>
+        </p:spPr>
+        <p:txBody>
+          <a:bodyPr lIns="0" tIns="0" rIns="0" bIns="0"/>
+          <a:lstStyle>
+            <a:defPPr marL="432000" lvl="0" indent="-324000">
+              <a:spcBef>
+                <a:spcPts val="0"/>
+              </a:spcBef>
+              <a:spcAft>
+                <a:spcPts val="1417"/>
+              </a:spcAft>
+              <a:buSzPct val="45000"/>
+              <a:buFont typeface="StarSymbol"/>
+              <a:buNone/>
+              <a:defRPr lang="en-US" sz="3200" b="0" i="0" u="none" strike="noStrike" kern="1200">
+                <a:ln>
+                  <a:noFill/>
+                </a:ln>
+                <a:latin typeface="Arial" pitchFamily="18"/>
+                <a:ea typeface="Droid Sans" pitchFamily="2"/>
+                <a:cs typeface="Lohit Hindi" pitchFamily="2"/>
+              </a:defRPr>
+            </a:defPPr>
+            <a:lvl1pPr marL="432000" lvl="0" indent="-324000" rtl="0" hangingPunct="0">
+              <a:spcBef>
+                <a:spcPts val="0"/>
+              </a:spcBef>
+              <a:spcAft>
+                <a:spcPts val="1417"/>
+              </a:spcAft>
+              <a:buSzPct val="45000"/>
+              <a:buFont typeface="StarSymbol"/>
+              <a:buChar char="●"/>
+              <a:tabLst/>
+              <a:defRPr lang="en-US" sz="3200" b="0" i="0" u="none" strike="noStrike" kern="1200">
+                <a:ln>
+                  <a:noFill/>
+                </a:ln>
+                <a:latin typeface="Arial" pitchFamily="18"/>
+                <a:ea typeface="Droid Sans" pitchFamily="2"/>
+                <a:cs typeface="Lohit Hindi" pitchFamily="2"/>
+              </a:defRPr>
+            </a:lvl1pPr>
+            <a:lvl2pPr marL="864000" lvl="1" indent="-324000">
+              <a:spcBef>
+                <a:spcPts val="0"/>
+              </a:spcBef>
+              <a:spcAft>
+                <a:spcPts val="1134"/>
+              </a:spcAft>
+              <a:buSzPct val="75000"/>
+              <a:buFont typeface="StarSymbol"/>
+              <a:buChar char="–"/>
+              <a:defRPr lang="en-US" sz="2800" b="0" i="0" u="none" strike="noStrike" kern="1200">
+                <a:ln>
+                  <a:noFill/>
+                </a:ln>
+                <a:latin typeface="Arial" pitchFamily="18"/>
+                <a:ea typeface="Droid Sans" pitchFamily="2"/>
+                <a:cs typeface="Lohit Hindi" pitchFamily="2"/>
+              </a:defRPr>
+            </a:lvl2pPr>
+            <a:lvl3pPr marL="1295999" lvl="2" indent="-288000">
+              <a:spcBef>
+                <a:spcPts val="0"/>
+              </a:spcBef>
+              <a:spcAft>
+                <a:spcPts val="850"/>
+              </a:spcAft>
+              <a:buSzPct val="45000"/>
+              <a:buFont typeface="StarSymbol"/>
+              <a:buChar char="●"/>
+              <a:defRPr lang="en-US" sz="2400" b="0" i="0" u="none" strike="noStrike" kern="1200">
+                <a:ln>
+                  <a:noFill/>
+                </a:ln>
+                <a:latin typeface="Arial" pitchFamily="18"/>
+                <a:ea typeface="Droid Sans" pitchFamily="2"/>
+                <a:cs typeface="Lohit Hindi" pitchFamily="2"/>
+              </a:defRPr>
+            </a:lvl3pPr>
+            <a:lvl4pPr marL="1728000" lvl="3" indent="-216000">
+              <a:spcBef>
+                <a:spcPts val="0"/>
+              </a:spcBef>
+              <a:spcAft>
+                <a:spcPts val="567"/>
+              </a:spcAft>
+              <a:buSzPct val="75000"/>
+              <a:buFont typeface="StarSymbol"/>
+              <a:buChar char="–"/>
+              <a:defRPr lang="en-US" sz="2000" b="0" i="0" u="none" strike="noStrike" kern="1200">
+                <a:ln>
+                  <a:noFill/>
+                </a:ln>
+                <a:latin typeface="Arial" pitchFamily="18"/>
+                <a:ea typeface="Droid Sans" pitchFamily="2"/>
+                <a:cs typeface="Lohit Hindi" pitchFamily="2"/>
+              </a:defRPr>
+            </a:lvl4pPr>
+            <a:lvl5pPr marL="2160000" lvl="4" indent="-216000">
+              <a:spcBef>
+                <a:spcPts val="0"/>
+              </a:spcBef>
+              <a:spcAft>
+                <a:spcPts val="283"/>
+              </a:spcAft>
+              <a:buSzPct val="45000"/>
+              <a:buFont typeface="StarSymbol"/>
+              <a:buChar char="●"/>
+              <a:defRPr lang="en-US" sz="2000" b="0" i="0" u="none" strike="noStrike" kern="1200">
+                <a:ln>
+                  <a:noFill/>
+                </a:ln>
+                <a:latin typeface="Arial" pitchFamily="18"/>
+                <a:ea typeface="Droid Sans" pitchFamily="2"/>
+                <a:cs typeface="Lohit Hindi" pitchFamily="2"/>
+              </a:defRPr>
+            </a:lvl5pPr>
+            <a:lvl6pPr marL="2592000" lvl="5" indent="-216000">
+              <a:spcBef>
+                <a:spcPts val="0"/>
+              </a:spcBef>
+              <a:spcAft>
+                <a:spcPts val="283"/>
+              </a:spcAft>
+              <a:buSzPct val="45000"/>
+              <a:buFont typeface="StarSymbol"/>
+              <a:buChar char="●"/>
+              <a:defRPr lang="en-US" sz="2000" b="0" i="0" u="none" strike="noStrike" kern="1200">
+                <a:ln>
+                  <a:noFill/>
+                </a:ln>
+                <a:latin typeface="Arial" pitchFamily="18"/>
+                <a:ea typeface="Droid Sans" pitchFamily="2"/>
+                <a:cs typeface="Lohit Hindi" pitchFamily="2"/>
+              </a:defRPr>
+            </a:lvl6pPr>
+            <a:lvl7pPr marL="3024000" lvl="6" indent="-216000">
+              <a:spcBef>
+                <a:spcPts val="0"/>
+              </a:spcBef>
+              <a:spcAft>
+                <a:spcPts val="283"/>
+              </a:spcAft>
+              <a:buSzPct val="45000"/>
+              <a:buFont typeface="StarSymbol"/>
+              <a:buChar char="●"/>
+              <a:defRPr lang="en-US" sz="2000" b="0" i="0" u="none" strike="noStrike" kern="1200">
+                <a:ln>
+                  <a:noFill/>
+                </a:ln>
+                <a:latin typeface="Arial" pitchFamily="18"/>
+                <a:ea typeface="Droid Sans" pitchFamily="2"/>
+                <a:cs typeface="Lohit Hindi" pitchFamily="2"/>
+              </a:defRPr>
+            </a:lvl7pPr>
+            <a:lvl8pPr marL="3456000" lvl="7" indent="-216000">
+              <a:spcBef>
+                <a:spcPts val="0"/>
+              </a:spcBef>
+              <a:spcAft>
+                <a:spcPts val="283"/>
+              </a:spcAft>
+              <a:buSzPct val="45000"/>
+              <a:buFont typeface="StarSymbol"/>
+              <a:buChar char="●"/>
+              <a:defRPr lang="en-US" sz="2000" b="0" i="0" u="none" strike="noStrike" kern="1200">
+                <a:ln>
+                  <a:noFill/>
+                </a:ln>
+                <a:latin typeface="Arial" pitchFamily="18"/>
+                <a:ea typeface="Droid Sans" pitchFamily="2"/>
+                <a:cs typeface="Lohit Hindi" pitchFamily="2"/>
+              </a:defRPr>
+            </a:lvl8pPr>
+            <a:lvl9pPr marL="3887999" lvl="8" indent="-216000">
+              <a:spcBef>
+                <a:spcPts val="0"/>
+              </a:spcBef>
+              <a:spcAft>
+                <a:spcPts val="283"/>
+              </a:spcAft>
+              <a:buSzPct val="45000"/>
+              <a:buFont typeface="StarSymbol"/>
+              <a:buChar char="●"/>
+              <a:defRPr lang="en-US" sz="2000" b="0" i="0" u="none" strike="noStrike" kern="1200">
+                <a:ln>
+                  <a:noFill/>
+                </a:ln>
+                <a:latin typeface="Arial" pitchFamily="18"/>
+                <a:ea typeface="Droid Sans" pitchFamily="2"/>
+                <a:cs typeface="Lohit Hindi" pitchFamily="2"/>
+              </a:defRPr>
+            </a:lvl9pPr>
+          </a:lstStyle>
+          <a:p>
+            <a:endParaRPr lang="en-GB" sz="2800" noProof="1"/>
+          </a:p>
+        </p:txBody>
+      </p:sp>
+      <p:sp>
+        <p:nvSpPr>
+          <p:cNvPr id="4" name="Rectangle 3"/>
+          <p:cNvSpPr/>
+          <p:nvPr/>
+        </p:nvSpPr>
+        <p:spPr>
+          <a:xfrm>
+            <a:off x="179512" y="1933351"/>
+            <a:ext cx="4243790" cy="4678204"/>
+          </a:xfrm>
+          <a:prstGeom prst="rect">
+            <a:avLst/>
+          </a:prstGeom>
+        </p:spPr>
+        <p:txBody>
+          <a:bodyPr wrap="none">
+            <a:spAutoFit/>
+          </a:bodyPr>
+          <a:lstStyle/>
+          <a:p>
+            <a:r>
+              <a:rPr lang="de-DE" noProof="1" smtClean="0"/>
+              <a:t>this.send = function (command, callback) {</a:t>
+            </a:r>
+            <a:endParaRPr lang="en-GB" noProof="1" smtClean="0"/>
+          </a:p>
+          <a:p>
+            <a:pPr>
+              <a:tabLst>
+                <a:tab pos="363538" algn="l"/>
+              </a:tabLst>
+            </a:pPr>
+            <a:endParaRPr lang="en-GB" sz="1000" noProof="1" smtClean="0"/>
+          </a:p>
+          <a:p>
+            <a:pPr>
+              <a:tabLst>
+                <a:tab pos="363538" algn="l"/>
+              </a:tabLst>
+            </a:pPr>
+            <a:r>
+              <a:rPr lang="en-GB" noProof="1"/>
+              <a:t>	</a:t>
+            </a:r>
+            <a:r>
+              <a:rPr lang="en-GB" noProof="1" smtClean="0"/>
+              <a:t>ide.send</a:t>
+            </a:r>
+            <a:r>
+              <a:rPr lang="en-GB" noProof="1" smtClean="0"/>
+              <a:t>( </a:t>
+            </a:r>
+            <a:r>
+              <a:rPr lang="en-GB" noProof="1" smtClean="0"/>
+              <a:t>{</a:t>
+            </a:r>
+            <a:r>
+              <a:rPr lang="en-GB" noProof="1">
+                <a:solidFill>
+                  <a:schemeClr val="bg1">
+                    <a:lumMod val="75000"/>
+                  </a:schemeClr>
+                </a:solidFill>
+              </a:rPr>
+              <a:t>command: argv[0],</a:t>
+            </a:r>
+          </a:p>
+          <a:p>
+            <a:pPr>
+              <a:tabLst>
+                <a:tab pos="1339850" algn="l"/>
+              </a:tabLst>
+            </a:pPr>
+            <a:r>
+              <a:rPr lang="en-GB" noProof="1" smtClean="0">
+                <a:solidFill>
+                  <a:schemeClr val="bg1">
+                    <a:lumMod val="75000"/>
+                  </a:schemeClr>
+                </a:solidFill>
+              </a:rPr>
+              <a:t>	</a:t>
+            </a:r>
+            <a:r>
+              <a:rPr lang="en-GB" noProof="1" smtClean="0">
+                <a:solidFill>
+                  <a:schemeClr val="bg1">
+                    <a:lumMod val="75000"/>
+                  </a:schemeClr>
+                </a:solidFill>
+              </a:rPr>
+              <a:t>argv</a:t>
+            </a:r>
+            <a:r>
+              <a:rPr lang="en-GB" noProof="1">
+                <a:solidFill>
+                  <a:schemeClr val="bg1">
+                    <a:lumMod val="75000"/>
+                  </a:schemeClr>
+                </a:solidFill>
+              </a:rPr>
+              <a:t>: </a:t>
+            </a:r>
+            <a:r>
+              <a:rPr lang="en-GB" noProof="1" smtClean="0">
+                <a:solidFill>
+                  <a:schemeClr val="bg1">
+                    <a:lumMod val="75000"/>
+                  </a:schemeClr>
+                </a:solidFill>
+              </a:rPr>
+              <a:t>argv,</a:t>
+            </a:r>
+          </a:p>
+          <a:p>
+            <a:pPr>
+              <a:tabLst>
+                <a:tab pos="1339850" algn="l"/>
+              </a:tabLst>
+            </a:pPr>
+            <a:r>
+              <a:rPr lang="en-GB" noProof="1">
+                <a:solidFill>
+                  <a:schemeClr val="bg1">
+                    <a:lumMod val="75000"/>
+                  </a:schemeClr>
+                </a:solidFill>
+              </a:rPr>
+              <a:t>	</a:t>
+            </a:r>
+            <a:r>
+              <a:rPr lang="en-GB" noProof="1" smtClean="0">
+                <a:solidFill>
+                  <a:schemeClr val="bg1">
+                    <a:lumMod val="75000"/>
+                  </a:schemeClr>
+                </a:solidFill>
+              </a:rPr>
+              <a:t>cwd</a:t>
+            </a:r>
+            <a:r>
+              <a:rPr lang="en-GB" noProof="1">
+                <a:solidFill>
+                  <a:schemeClr val="bg1">
+                    <a:lumMod val="75000"/>
+                  </a:schemeClr>
+                </a:solidFill>
+              </a:rPr>
+              <a:t>: </a:t>
+            </a:r>
+            <a:r>
+              <a:rPr lang="en-GB" noProof="1" smtClean="0">
+                <a:solidFill>
+                  <a:schemeClr val="bg1">
+                    <a:lumMod val="75000"/>
+                  </a:schemeClr>
+                </a:solidFill>
+              </a:rPr>
+              <a:t>ide.workspaceDir,</a:t>
+            </a:r>
+          </a:p>
+          <a:p>
+            <a:pPr>
+              <a:tabLst>
+                <a:tab pos="1339850" algn="l"/>
+              </a:tabLst>
+            </a:pPr>
+            <a:r>
+              <a:rPr lang="en-GB" noProof="1">
+                <a:solidFill>
+                  <a:schemeClr val="bg1">
+                    <a:lumMod val="75000"/>
+                  </a:schemeClr>
+                </a:solidFill>
+              </a:rPr>
+              <a:t>	</a:t>
+            </a:r>
+            <a:r>
+              <a:rPr lang="en-GB" noProof="1" smtClean="0">
+                <a:solidFill>
+                  <a:schemeClr val="bg1">
+                    <a:lumMod val="75000"/>
+                  </a:schemeClr>
+                </a:solidFill>
+              </a:rPr>
+              <a:t>requireshandling</a:t>
+            </a:r>
+            <a:r>
+              <a:rPr lang="en-GB" noProof="1">
+                <a:solidFill>
+                  <a:schemeClr val="bg1">
+                    <a:lumMod val="75000"/>
+                  </a:schemeClr>
+                </a:solidFill>
+              </a:rPr>
+              <a:t>: </a:t>
+            </a:r>
+            <a:r>
+              <a:rPr lang="en-GB" noProof="1" smtClean="0">
+                <a:solidFill>
+                  <a:schemeClr val="bg1">
+                    <a:lumMod val="75000"/>
+                  </a:schemeClr>
+                </a:solidFill>
+              </a:rPr>
+              <a:t>false,</a:t>
+            </a:r>
+          </a:p>
+          <a:p>
+            <a:pPr>
+              <a:tabLst>
+                <a:tab pos="1339850" algn="l"/>
+              </a:tabLst>
+            </a:pPr>
+            <a:r>
+              <a:rPr lang="en-GB" noProof="1">
+                <a:solidFill>
+                  <a:schemeClr val="bg1">
+                    <a:lumMod val="75000"/>
+                  </a:schemeClr>
+                </a:solidFill>
+              </a:rPr>
+              <a:t>	</a:t>
+            </a:r>
+            <a:r>
+              <a:rPr lang="en-GB" noProof="1" smtClean="0">
+                <a:solidFill>
+                  <a:schemeClr val="bg1">
+                    <a:lumMod val="75000"/>
+                  </a:schemeClr>
+                </a:solidFill>
+              </a:rPr>
+              <a:t>extra </a:t>
+            </a:r>
+            <a:r>
+              <a:rPr lang="en-GB" noProof="1">
+                <a:solidFill>
+                  <a:schemeClr val="bg1">
+                    <a:lumMod val="75000"/>
+                  </a:schemeClr>
+                </a:solidFill>
+              </a:rPr>
+              <a:t>: </a:t>
+            </a:r>
+            <a:r>
+              <a:rPr lang="en-GB" noProof="1" smtClean="0">
+                <a:solidFill>
+                  <a:schemeClr val="bg1">
+                    <a:lumMod val="75000"/>
+                  </a:schemeClr>
+                </a:solidFill>
+              </a:rPr>
+              <a:t>{</a:t>
+            </a:r>
+          </a:p>
+          <a:p>
+            <a:pPr>
+              <a:tabLst>
+                <a:tab pos="1339850" algn="l"/>
+                <a:tab pos="3948113" algn="l"/>
+              </a:tabLst>
+            </a:pPr>
+            <a:r>
+              <a:rPr lang="en-GB" noProof="1">
+                <a:solidFill>
+                  <a:schemeClr val="bg1">
+                    <a:lumMod val="75000"/>
+                  </a:schemeClr>
+                </a:solidFill>
+              </a:rPr>
+              <a:t>	</a:t>
+            </a:r>
+            <a:r>
+              <a:rPr lang="en-GB" noProof="1" smtClean="0">
+                <a:solidFill>
+                  <a:schemeClr val="bg1">
+                    <a:lumMod val="75000"/>
+                  </a:schemeClr>
+                </a:solidFill>
+              </a:rPr>
+              <a:t>command_id: tracer}  </a:t>
+            </a:r>
+            <a:r>
+              <a:rPr lang="en-GB" noProof="1" smtClean="0"/>
+              <a:t>});</a:t>
+            </a:r>
+          </a:p>
+          <a:p>
+            <a:pPr>
+              <a:tabLst>
+                <a:tab pos="363538" algn="l"/>
+                <a:tab pos="3948113" algn="l"/>
+              </a:tabLst>
+            </a:pPr>
+            <a:r>
+              <a:rPr lang="en-GB" noProof="1"/>
+              <a:t>	</a:t>
+            </a:r>
+            <a:r>
+              <a:rPr lang="en-GB" noProof="1" smtClean="0"/>
+              <a:t>	</a:t>
+            </a:r>
+          </a:p>
+          <a:p>
+            <a:pPr>
+              <a:tabLst>
+                <a:tab pos="1339850" algn="l"/>
+                <a:tab pos="3948113" algn="l"/>
+              </a:tabLst>
+            </a:pPr>
+            <a:r>
+              <a:rPr lang="de-DE" noProof="1" smtClean="0"/>
+              <a:t>		}</a:t>
+            </a:r>
+            <a:endParaRPr lang="de-DE" noProof="1"/>
+          </a:p>
+          <a:p>
+            <a:pPr>
+              <a:tabLst>
+                <a:tab pos="1339850" algn="l"/>
+                <a:tab pos="3948113" algn="l"/>
+              </a:tabLst>
+            </a:pPr>
+            <a:endParaRPr lang="de-DE" noProof="1" smtClean="0"/>
+          </a:p>
+          <a:p>
+            <a:pPr>
+              <a:tabLst>
+                <a:tab pos="1339850" algn="l"/>
+                <a:tab pos="3948113" algn="l"/>
+              </a:tabLst>
+            </a:pPr>
+            <a:r>
+              <a:rPr lang="de-DE" noProof="1" smtClean="0"/>
+              <a:t>this.onMessage = function (e) {</a:t>
+            </a:r>
+          </a:p>
+          <a:p>
+            <a:pPr>
+              <a:tabLst>
+                <a:tab pos="1339850" algn="l"/>
+                <a:tab pos="3948113" algn="l"/>
+              </a:tabLst>
+            </a:pPr>
+            <a:endParaRPr lang="de-DE" noProof="1"/>
+          </a:p>
+          <a:p>
+            <a:pPr>
+              <a:tabLst>
+                <a:tab pos="1339850" algn="l"/>
+                <a:tab pos="3948113" algn="l"/>
+              </a:tabLst>
+            </a:pPr>
+            <a:r>
+              <a:rPr lang="de-DE" noProof="1" smtClean="0"/>
+              <a:t>		</a:t>
+            </a:r>
+          </a:p>
+          <a:p>
+            <a:pPr>
+              <a:tabLst>
+                <a:tab pos="1339850" algn="l"/>
+                <a:tab pos="3948113" algn="l"/>
+              </a:tabLst>
+            </a:pPr>
+            <a:endParaRPr lang="de-DE" noProof="1"/>
+          </a:p>
+          <a:p>
+            <a:pPr>
+              <a:tabLst>
+                <a:tab pos="1339850" algn="l"/>
+                <a:tab pos="3948113" algn="l"/>
+              </a:tabLst>
+            </a:pPr>
+            <a:r>
+              <a:rPr lang="de-DE" noProof="1"/>
+              <a:t>	</a:t>
+            </a:r>
+            <a:r>
+              <a:rPr lang="de-DE" noProof="1" smtClean="0"/>
+              <a:t>	}</a:t>
+            </a:r>
+            <a:endParaRPr lang="en-GB" noProof="1" smtClean="0"/>
+          </a:p>
+          <a:p>
+            <a:endParaRPr lang="en-GB" noProof="1"/>
+          </a:p>
+        </p:txBody>
+      </p:sp>
+      <p:sp>
+        <p:nvSpPr>
+          <p:cNvPr id="5" name="TextBox 4"/>
+          <p:cNvSpPr txBox="1"/>
+          <p:nvPr/>
+        </p:nvSpPr>
+        <p:spPr>
+          <a:xfrm>
+            <a:off x="998246" y="1412388"/>
+            <a:ext cx="2143857" cy="400110"/>
+          </a:xfrm>
+          <a:prstGeom prst="rect">
+            <a:avLst/>
+          </a:prstGeom>
+          <a:noFill/>
+        </p:spPr>
+        <p:txBody>
+          <a:bodyPr wrap="none" rtlCol="0">
+            <a:spAutoFit/>
+          </a:bodyPr>
+          <a:lstStyle/>
+          <a:p>
+            <a:r>
+              <a:rPr lang="en-GB" sz="2000" b="1" u="sng" noProof="1" smtClean="0"/>
+              <a:t>Client-side </a:t>
+            </a:r>
+            <a:r>
+              <a:rPr lang="en-GB" sz="2000" u="sng" noProof="1" smtClean="0"/>
+              <a:t>(gitc.js)</a:t>
+            </a:r>
+            <a:endParaRPr lang="en-GB" sz="2000" u="sng" noProof="1"/>
+          </a:p>
+        </p:txBody>
+      </p:sp>
+      <p:sp>
+        <p:nvSpPr>
+          <p:cNvPr id="9" name="TextBox 8"/>
+          <p:cNvSpPr txBox="1"/>
+          <p:nvPr/>
+        </p:nvSpPr>
+        <p:spPr>
+          <a:xfrm>
+            <a:off x="5868144" y="1412776"/>
+            <a:ext cx="2215030" cy="400110"/>
+          </a:xfrm>
+          <a:prstGeom prst="rect">
+            <a:avLst/>
+          </a:prstGeom>
+          <a:noFill/>
+        </p:spPr>
+        <p:txBody>
+          <a:bodyPr wrap="none" rtlCol="0">
+            <a:spAutoFit/>
+          </a:bodyPr>
+          <a:lstStyle/>
+          <a:p>
+            <a:r>
+              <a:rPr lang="en-GB" sz="2000" b="1" u="sng" noProof="1" smtClean="0"/>
+              <a:t>Server-side </a:t>
+            </a:r>
+            <a:r>
+              <a:rPr lang="en-GB" sz="2000" u="sng" noProof="1" smtClean="0"/>
+              <a:t>(gitc.js)</a:t>
+            </a:r>
+            <a:endParaRPr lang="en-GB" sz="2000" u="sng" noProof="1"/>
+          </a:p>
+        </p:txBody>
+      </p:sp>
+      <p:sp>
+        <p:nvSpPr>
+          <p:cNvPr id="18" name="Rectangle 17"/>
+          <p:cNvSpPr/>
+          <p:nvPr/>
+        </p:nvSpPr>
+        <p:spPr>
+          <a:xfrm>
+            <a:off x="4499992" y="1933351"/>
+            <a:ext cx="4680961" cy="4801314"/>
+          </a:xfrm>
+          <a:prstGeom prst="rect">
+            <a:avLst/>
+          </a:prstGeom>
+        </p:spPr>
+        <p:txBody>
+          <a:bodyPr wrap="none">
+            <a:spAutoFit/>
+          </a:bodyPr>
+          <a:lstStyle/>
+          <a:p>
+            <a:r>
+              <a:rPr lang="de-DE" noProof="1" smtClean="0"/>
+              <a:t>this.command </a:t>
+            </a:r>
+            <a:r>
+              <a:rPr lang="de-DE" noProof="1" smtClean="0"/>
+              <a:t>= function </a:t>
+            </a:r>
+            <a:r>
+              <a:rPr lang="de-DE" noProof="1" smtClean="0"/>
+              <a:t>(</a:t>
+            </a:r>
+            <a:r>
+              <a:rPr lang="de-DE" noProof="1" smtClean="0"/>
+              <a:t>user,message,client</a:t>
+            </a:r>
+            <a:r>
+              <a:rPr lang="de-DE" noProof="1" smtClean="0"/>
+              <a:t>) {</a:t>
+            </a:r>
+          </a:p>
+          <a:p>
+            <a:endParaRPr lang="de-DE" noProof="1" smtClean="0"/>
+          </a:p>
+          <a:p>
+            <a:endParaRPr lang="de-DE" noProof="1" smtClean="0"/>
+          </a:p>
+          <a:p>
+            <a:endParaRPr lang="de-DE" noProof="1" smtClean="0"/>
+          </a:p>
+          <a:p>
+            <a:pPr>
+              <a:tabLst>
+                <a:tab pos="363538" algn="l"/>
+              </a:tabLst>
+            </a:pPr>
+            <a:r>
+              <a:rPr lang="de-DE" noProof="1" smtClean="0"/>
+              <a:t>	processmanager.spawn("shell", {</a:t>
+            </a:r>
+          </a:p>
+          <a:p>
+            <a:r>
+              <a:rPr lang="de-DE" noProof="1" smtClean="0"/>
+              <a:t>            </a:t>
+            </a:r>
+            <a:r>
+              <a:rPr lang="de-DE" noProof="1" smtClean="0">
+                <a:solidFill>
+                  <a:schemeClr val="bg1">
+                    <a:lumMod val="75000"/>
+                  </a:schemeClr>
+                </a:solidFill>
+              </a:rPr>
+              <a:t>command: args[0],</a:t>
+            </a:r>
+          </a:p>
+          <a:p>
+            <a:r>
+              <a:rPr lang="de-DE" noProof="1" smtClean="0">
+                <a:solidFill>
+                  <a:schemeClr val="bg1">
+                    <a:lumMod val="75000"/>
+                  </a:schemeClr>
+                </a:solidFill>
+              </a:rPr>
+              <a:t>            args: args.slice(1),</a:t>
+            </a:r>
+          </a:p>
+          <a:p>
+            <a:r>
+              <a:rPr lang="de-DE" noProof="1" smtClean="0">
+                <a:solidFill>
+                  <a:schemeClr val="bg1">
+                    <a:lumMod val="75000"/>
+                  </a:schemeClr>
+                </a:solidFill>
+              </a:rPr>
+              <a:t>            cwd: message.cwd,</a:t>
+            </a:r>
+          </a:p>
+          <a:p>
+            <a:r>
+              <a:rPr lang="de-DE" noProof="1" smtClean="0">
+                <a:solidFill>
+                  <a:schemeClr val="bg1">
+                    <a:lumMod val="75000"/>
+                  </a:schemeClr>
+                </a:solidFill>
+              </a:rPr>
+              <a:t>            env: this.gitEnv,</a:t>
+            </a:r>
+          </a:p>
+          <a:p>
+            <a:r>
+              <a:rPr lang="de-DE" noProof="1" smtClean="0">
+                <a:solidFill>
+                  <a:schemeClr val="bg1">
+                    <a:lumMod val="75000"/>
+                  </a:schemeClr>
+                </a:solidFill>
+              </a:rPr>
+              <a:t>            extra: message.extra</a:t>
+            </a:r>
+          </a:p>
+          <a:p>
+            <a:pPr>
+              <a:tabLst>
+                <a:tab pos="4217988" algn="l"/>
+              </a:tabLst>
+            </a:pPr>
+            <a:r>
+              <a:rPr lang="de-DE" noProof="1" smtClean="0"/>
+              <a:t>        }, </a:t>
+            </a:r>
+            <a:r>
+              <a:rPr lang="de-DE" noProof="1" smtClean="0">
+                <a:solidFill>
+                  <a:srgbClr val="C00000"/>
+                </a:solidFill>
+              </a:rPr>
+              <a:t>this.channel</a:t>
+            </a:r>
+            <a:r>
+              <a:rPr lang="de-DE" noProof="1" smtClean="0"/>
               <a:t>, </a:t>
             </a:r>
             <a:r>
-              <a:rPr lang="en-US" dirty="0" err="1" smtClean="0"/>
-              <a:t>Platz</a:t>
-            </a:r>
-            <a:r>
-              <a:rPr lang="en-US" dirty="0" smtClean="0"/>
-              <a:t>, </a:t>
-            </a:r>
-            <a:r>
-              <a:rPr lang="en-US" dirty="0" err="1" smtClean="0"/>
-              <a:t>Schilf</a:t>
-            </a:r>
-            <a:r>
-              <a:rPr lang="en-US" dirty="0" smtClean="0"/>
-              <a:t> | Web-</a:t>
-            </a:r>
-            <a:r>
-              <a:rPr lang="en-US" dirty="0" err="1" smtClean="0"/>
-              <a:t>dev</a:t>
-            </a:r>
-            <a:r>
-              <a:rPr lang="en-US" dirty="0" smtClean="0"/>
-              <a:t> SS 2012</a:t>
-            </a:r>
-            <a:endParaRPr lang="en-US" dirty="0"/>
+              <a:rPr lang="de-DE" noProof="1" smtClean="0"/>
+              <a:t>errorfunction</a:t>
+            </a:r>
+            <a:r>
+              <a:rPr lang="de-DE" noProof="1" smtClean="0"/>
+              <a:t>);	}</a:t>
+            </a:r>
+          </a:p>
+          <a:p>
+            <a:pPr>
+              <a:tabLst>
+                <a:tab pos="4217988" algn="l"/>
+              </a:tabLst>
+            </a:pPr>
+            <a:endParaRPr lang="de-DE" noProof="1"/>
+          </a:p>
+          <a:p>
+            <a:pPr>
+              <a:tabLst>
+                <a:tab pos="4217988" algn="l"/>
+              </a:tabLst>
+            </a:pPr>
+            <a:r>
+              <a:rPr lang="de-DE" noProof="1"/>
+              <a:t>this.init = function () {</a:t>
+            </a:r>
+          </a:p>
+          <a:p>
+            <a:pPr>
+              <a:tabLst>
+                <a:tab pos="4217988" algn="l"/>
+              </a:tabLst>
+            </a:pPr>
+            <a:endParaRPr lang="de-DE" noProof="1"/>
+          </a:p>
+          <a:p>
+            <a:pPr>
+              <a:tabLst>
+                <a:tab pos="4217988" algn="l"/>
+              </a:tabLst>
+            </a:pPr>
+            <a:r>
+              <a:rPr lang="de-DE" noProof="1"/>
+              <a:t>	</a:t>
+            </a:r>
+          </a:p>
+          <a:p>
+            <a:pPr>
+              <a:tabLst>
+                <a:tab pos="4217988" algn="l"/>
+              </a:tabLst>
+            </a:pPr>
+            <a:r>
+              <a:rPr lang="de-DE" noProof="1"/>
+              <a:t>	}</a:t>
+            </a:r>
+          </a:p>
+          <a:p>
+            <a:pPr>
+              <a:tabLst>
+                <a:tab pos="4217988" algn="l"/>
+              </a:tabLst>
+            </a:pPr>
+            <a:endParaRPr lang="de-DE" noProof="1" smtClean="0"/>
           </a:p>
         </p:txBody>
       </p:sp>
+      <p:grpSp>
+        <p:nvGrpSpPr>
+          <p:cNvPr id="11" name="Group 10"/>
+          <p:cNvGrpSpPr/>
+          <p:nvPr/>
+        </p:nvGrpSpPr>
+        <p:grpSpPr>
+          <a:xfrm>
+            <a:off x="1553942" y="2420888"/>
+            <a:ext cx="2160240" cy="1628314"/>
+            <a:chOff x="1619672" y="2304742"/>
+            <a:chExt cx="2160240" cy="1628314"/>
+          </a:xfrm>
+        </p:grpSpPr>
+        <p:grpSp>
+          <p:nvGrpSpPr>
+            <p:cNvPr id="8" name="Group 7"/>
+            <p:cNvGrpSpPr/>
+            <p:nvPr/>
+          </p:nvGrpSpPr>
+          <p:grpSpPr>
+            <a:xfrm>
+              <a:off x="1619672" y="2304742"/>
+              <a:ext cx="2160240" cy="1628314"/>
+              <a:chOff x="1255535" y="3881984"/>
+              <a:chExt cx="2160240" cy="1628314"/>
+            </a:xfrm>
+          </p:grpSpPr>
+          <p:sp>
+            <p:nvSpPr>
+              <p:cNvPr id="6" name="Cloud 5"/>
+              <p:cNvSpPr/>
+              <p:nvPr/>
+            </p:nvSpPr>
+            <p:spPr>
+              <a:xfrm rot="347475">
+                <a:off x="1255535" y="3881984"/>
+                <a:ext cx="2160240" cy="1628314"/>
+              </a:xfrm>
+              <a:prstGeom prst="cloud">
+                <a:avLst/>
+              </a:prstGeom>
+              <a:ln w="12700"/>
+            </p:spPr>
+            <p:style>
+              <a:lnRef idx="1">
+                <a:schemeClr val="dk1"/>
+              </a:lnRef>
+              <a:fillRef idx="2">
+                <a:schemeClr val="dk1"/>
+              </a:fillRef>
+              <a:effectRef idx="1">
+                <a:schemeClr val="dk1"/>
+              </a:effectRef>
+              <a:fontRef idx="minor">
+                <a:schemeClr val="dk1"/>
+              </a:fontRef>
+            </p:style>
+            <p:txBody>
+              <a:bodyPr rtlCol="0" anchor="ctr"/>
+              <a:lstStyle/>
+              <a:p>
+                <a:pPr algn="ctr"/>
+                <a:endParaRPr lang="en-GB" noProof="1">
+                  <a:ln w="28575">
+                    <a:noFill/>
+                  </a:ln>
+                </a:endParaRPr>
+              </a:p>
+            </p:txBody>
+          </p:sp>
+          <p:sp>
+            <p:nvSpPr>
+              <p:cNvPr id="7" name="TextBox 6"/>
+              <p:cNvSpPr txBox="1"/>
+              <p:nvPr/>
+            </p:nvSpPr>
+            <p:spPr>
+              <a:xfrm>
+                <a:off x="1995522" y="4221088"/>
+                <a:ext cx="1091966" cy="338554"/>
+              </a:xfrm>
+              <a:prstGeom prst="rect">
+                <a:avLst/>
+              </a:prstGeom>
+              <a:noFill/>
+            </p:spPr>
+            <p:txBody>
+              <a:bodyPr wrap="none" rtlCol="0">
+                <a:spAutoFit/>
+              </a:bodyPr>
+              <a:lstStyle/>
+              <a:p>
+                <a:r>
+                  <a:rPr lang="en-GB" sz="1600" noProof="1" smtClean="0">
+                    <a:effectLst>
+                      <a:outerShdw blurRad="38100" dist="38100" dir="2700000" algn="tl">
+                        <a:srgbClr val="000000">
+                          <a:alpha val="43137"/>
+                        </a:srgbClr>
+                      </a:outerShdw>
+                    </a:effectLst>
+                    <a:latin typeface="Gisha" pitchFamily="34" charset="-79"/>
+                    <a:cs typeface="Gisha" pitchFamily="34" charset="-79"/>
+                  </a:rPr>
+                  <a:t>command</a:t>
+                </a:r>
+                <a:endParaRPr lang="en-GB" sz="1600" noProof="1">
+                  <a:effectLst>
+                    <a:outerShdw blurRad="38100" dist="38100" dir="2700000" algn="tl">
+                      <a:srgbClr val="000000">
+                        <a:alpha val="43137"/>
+                      </a:srgbClr>
+                    </a:outerShdw>
+                  </a:effectLst>
+                  <a:latin typeface="Gisha" pitchFamily="34" charset="-79"/>
+                  <a:cs typeface="Gisha" pitchFamily="34" charset="-79"/>
+                </a:endParaRPr>
+              </a:p>
+            </p:txBody>
+          </p:sp>
+          <p:sp>
+            <p:nvSpPr>
+              <p:cNvPr id="12" name="TextBox 11"/>
+              <p:cNvSpPr txBox="1"/>
+              <p:nvPr/>
+            </p:nvSpPr>
+            <p:spPr>
+              <a:xfrm>
+                <a:off x="1574309" y="4526864"/>
+                <a:ext cx="576312" cy="338554"/>
+              </a:xfrm>
+              <a:prstGeom prst="rect">
+                <a:avLst/>
+              </a:prstGeom>
+              <a:noFill/>
+            </p:spPr>
+            <p:txBody>
+              <a:bodyPr wrap="none" rtlCol="0">
+                <a:spAutoFit/>
+              </a:bodyPr>
+              <a:lstStyle/>
+              <a:p>
+                <a:r>
+                  <a:rPr lang="en-GB" sz="1600" noProof="1" smtClean="0">
+                    <a:effectLst>
+                      <a:outerShdw blurRad="38100" dist="38100" dir="2700000" algn="tl">
+                        <a:srgbClr val="000000">
+                          <a:alpha val="43137"/>
+                        </a:srgbClr>
+                      </a:outerShdw>
+                    </a:effectLst>
+                    <a:latin typeface="Gisha" pitchFamily="34" charset="-79"/>
+                    <a:cs typeface="Gisha" pitchFamily="34" charset="-79"/>
+                  </a:rPr>
+                  <a:t>argv</a:t>
+                </a:r>
+                <a:endParaRPr lang="en-GB" sz="1600" noProof="1">
+                  <a:effectLst>
+                    <a:outerShdw blurRad="38100" dist="38100" dir="2700000" algn="tl">
+                      <a:srgbClr val="000000">
+                        <a:alpha val="43137"/>
+                      </a:srgbClr>
+                    </a:outerShdw>
+                  </a:effectLst>
+                  <a:latin typeface="Gisha" pitchFamily="34" charset="-79"/>
+                  <a:cs typeface="Gisha" pitchFamily="34" charset="-79"/>
+                </a:endParaRPr>
+              </a:p>
+            </p:txBody>
+          </p:sp>
+          <p:sp>
+            <p:nvSpPr>
+              <p:cNvPr id="15" name="TextBox 14"/>
+              <p:cNvSpPr txBox="1"/>
+              <p:nvPr/>
+            </p:nvSpPr>
+            <p:spPr>
+              <a:xfrm>
+                <a:off x="2303998" y="4696141"/>
+                <a:ext cx="547522" cy="338554"/>
+              </a:xfrm>
+              <a:prstGeom prst="rect">
+                <a:avLst/>
+              </a:prstGeom>
+              <a:noFill/>
+            </p:spPr>
+            <p:txBody>
+              <a:bodyPr wrap="none" rtlCol="0">
+                <a:spAutoFit/>
+              </a:bodyPr>
+              <a:lstStyle/>
+              <a:p>
+                <a:r>
+                  <a:rPr lang="en-GB" sz="1600" noProof="1" smtClean="0">
+                    <a:effectLst>
+                      <a:outerShdw blurRad="38100" dist="38100" dir="2700000" algn="tl">
+                        <a:srgbClr val="000000">
+                          <a:alpha val="43137"/>
+                        </a:srgbClr>
+                      </a:outerShdw>
+                    </a:effectLst>
+                    <a:latin typeface="Gisha" pitchFamily="34" charset="-79"/>
+                    <a:cs typeface="Gisha" pitchFamily="34" charset="-79"/>
+                  </a:rPr>
+                  <a:t>cwd</a:t>
+                </a:r>
+                <a:endParaRPr lang="en-GB" sz="1600" noProof="1">
+                  <a:effectLst>
+                    <a:outerShdw blurRad="38100" dist="38100" dir="2700000" algn="tl">
+                      <a:srgbClr val="000000">
+                        <a:alpha val="43137"/>
+                      </a:srgbClr>
+                    </a:outerShdw>
+                  </a:effectLst>
+                  <a:latin typeface="Gisha" pitchFamily="34" charset="-79"/>
+                  <a:cs typeface="Gisha" pitchFamily="34" charset="-79"/>
+                </a:endParaRPr>
+              </a:p>
+            </p:txBody>
+          </p:sp>
+        </p:grpSp>
+        <p:sp>
+          <p:nvSpPr>
+            <p:cNvPr id="19" name="TextBox 18"/>
+            <p:cNvSpPr txBox="1"/>
+            <p:nvPr/>
+          </p:nvSpPr>
+          <p:spPr>
+            <a:xfrm>
+              <a:off x="2339752" y="3356992"/>
+              <a:ext cx="335348" cy="338554"/>
+            </a:xfrm>
+            <a:prstGeom prst="rect">
+              <a:avLst/>
+            </a:prstGeom>
+            <a:noFill/>
+          </p:spPr>
+          <p:txBody>
+            <a:bodyPr wrap="none" rtlCol="0">
+              <a:spAutoFit/>
+            </a:bodyPr>
+            <a:lstStyle/>
+            <a:p>
+              <a:r>
+                <a:rPr lang="en-GB" sz="1600" noProof="1" smtClean="0">
+                  <a:effectLst>
+                    <a:outerShdw blurRad="38100" dist="38100" dir="2700000" algn="tl">
+                      <a:srgbClr val="000000">
+                        <a:alpha val="43137"/>
+                      </a:srgbClr>
+                    </a:outerShdw>
+                  </a:effectLst>
+                  <a:latin typeface="Gisha" pitchFamily="34" charset="-79"/>
+                  <a:cs typeface="Gisha" pitchFamily="34" charset="-79"/>
+                </a:rPr>
+                <a:t>…</a:t>
+              </a:r>
+              <a:endParaRPr lang="en-GB" sz="1600" noProof="1">
+                <a:effectLst>
+                  <a:outerShdw blurRad="38100" dist="38100" dir="2700000" algn="tl">
+                    <a:srgbClr val="000000">
+                      <a:alpha val="43137"/>
+                    </a:srgbClr>
+                  </a:outerShdw>
+                </a:effectLst>
+                <a:latin typeface="Gisha" pitchFamily="34" charset="-79"/>
+                <a:cs typeface="Gisha" pitchFamily="34" charset="-79"/>
+              </a:endParaRPr>
+            </a:p>
+          </p:txBody>
+        </p:sp>
+      </p:grpSp>
+      <p:sp>
+        <p:nvSpPr>
+          <p:cNvPr id="20" name="Rounded Rectangle 19"/>
+          <p:cNvSpPr/>
+          <p:nvPr/>
+        </p:nvSpPr>
+        <p:spPr>
+          <a:xfrm>
+            <a:off x="4932040" y="2323036"/>
+            <a:ext cx="2664296" cy="745924"/>
+          </a:xfrm>
+          <a:prstGeom prst="roundRect">
+            <a:avLst/>
+          </a:prstGeom>
+        </p:spPr>
+        <p:style>
+          <a:lnRef idx="1">
+            <a:schemeClr val="dk1"/>
+          </a:lnRef>
+          <a:fillRef idx="2">
+            <a:schemeClr val="dk1"/>
+          </a:fillRef>
+          <a:effectRef idx="1">
+            <a:schemeClr val="dk1"/>
+          </a:effectRef>
+          <a:fontRef idx="minor">
+            <a:schemeClr val="dk1"/>
+          </a:fontRef>
+        </p:style>
+        <p:txBody>
+          <a:bodyPr rtlCol="0" anchor="ctr"/>
+          <a:lstStyle/>
+          <a:p>
+            <a:r>
+              <a:rPr lang="de-DE" i="1" noProof="1" smtClean="0"/>
+              <a:t>if "</a:t>
+            </a:r>
+            <a:r>
+              <a:rPr lang="de-DE" i="1" noProof="1" smtClean="0">
+                <a:solidFill>
+                  <a:schemeClr val="accent3">
+                    <a:lumMod val="50000"/>
+                  </a:schemeClr>
+                </a:solidFill>
+              </a:rPr>
+              <a:t>gitc</a:t>
+            </a:r>
+            <a:r>
+              <a:rPr lang="de-DE" i="1" noProof="1" smtClean="0"/>
+              <a:t>" command, </a:t>
+            </a:r>
+            <a:br>
+              <a:rPr lang="de-DE" i="1" noProof="1" smtClean="0"/>
+            </a:br>
+            <a:r>
+              <a:rPr lang="de-DE" i="1" noProof="1" smtClean="0"/>
+              <a:t>execute actual command</a:t>
+            </a:r>
+            <a:endParaRPr lang="de-DE" i="1" noProof="1"/>
+          </a:p>
+        </p:txBody>
+      </p:sp>
+      <p:grpSp>
+        <p:nvGrpSpPr>
+          <p:cNvPr id="21" name="Group 20"/>
+          <p:cNvGrpSpPr/>
+          <p:nvPr/>
+        </p:nvGrpSpPr>
+        <p:grpSpPr>
+          <a:xfrm>
+            <a:off x="5220072" y="3284984"/>
+            <a:ext cx="2088232" cy="1512168"/>
+            <a:chOff x="1619672" y="2336496"/>
+            <a:chExt cx="2160240" cy="1628314"/>
+          </a:xfrm>
+        </p:grpSpPr>
+        <p:grpSp>
+          <p:nvGrpSpPr>
+            <p:cNvPr id="22" name="Group 21"/>
+            <p:cNvGrpSpPr/>
+            <p:nvPr/>
+          </p:nvGrpSpPr>
+          <p:grpSpPr>
+            <a:xfrm>
+              <a:off x="1619672" y="2336496"/>
+              <a:ext cx="2160240" cy="1628314"/>
+              <a:chOff x="1255535" y="3913738"/>
+              <a:chExt cx="2160240" cy="1628314"/>
+            </a:xfrm>
+          </p:grpSpPr>
+          <p:sp>
+            <p:nvSpPr>
+              <p:cNvPr id="24" name="Cloud 23"/>
+              <p:cNvSpPr/>
+              <p:nvPr/>
+            </p:nvSpPr>
+            <p:spPr>
+              <a:xfrm rot="347475">
+                <a:off x="1255535" y="3913738"/>
+                <a:ext cx="2160240" cy="1628314"/>
+              </a:xfrm>
+              <a:prstGeom prst="cloud">
+                <a:avLst/>
+              </a:prstGeom>
+              <a:ln w="12700"/>
+            </p:spPr>
+            <p:style>
+              <a:lnRef idx="1">
+                <a:schemeClr val="dk1"/>
+              </a:lnRef>
+              <a:fillRef idx="2">
+                <a:schemeClr val="dk1"/>
+              </a:fillRef>
+              <a:effectRef idx="1">
+                <a:schemeClr val="dk1"/>
+              </a:effectRef>
+              <a:fontRef idx="minor">
+                <a:schemeClr val="dk1"/>
+              </a:fontRef>
+            </p:style>
+            <p:txBody>
+              <a:bodyPr rtlCol="0" anchor="ctr"/>
+              <a:lstStyle/>
+              <a:p>
+                <a:pPr algn="ctr"/>
+                <a:endParaRPr lang="en-GB" noProof="1">
+                  <a:ln w="28575">
+                    <a:noFill/>
+                  </a:ln>
+                </a:endParaRPr>
+              </a:p>
+            </p:txBody>
+          </p:sp>
+          <p:sp>
+            <p:nvSpPr>
+              <p:cNvPr id="25" name="TextBox 24"/>
+              <p:cNvSpPr txBox="1"/>
+              <p:nvPr/>
+            </p:nvSpPr>
+            <p:spPr>
+              <a:xfrm>
+                <a:off x="1995522" y="4221088"/>
+                <a:ext cx="1129620" cy="364558"/>
+              </a:xfrm>
+              <a:prstGeom prst="rect">
+                <a:avLst/>
+              </a:prstGeom>
+              <a:noFill/>
+            </p:spPr>
+            <p:txBody>
+              <a:bodyPr wrap="none" rtlCol="0">
+                <a:spAutoFit/>
+              </a:bodyPr>
+              <a:lstStyle/>
+              <a:p>
+                <a:r>
+                  <a:rPr lang="en-GB" sz="1600" noProof="1" smtClean="0">
+                    <a:effectLst>
+                      <a:outerShdw blurRad="38100" dist="38100" dir="2700000" algn="tl">
+                        <a:srgbClr val="000000">
+                          <a:alpha val="43137"/>
+                        </a:srgbClr>
+                      </a:outerShdw>
+                    </a:effectLst>
+                    <a:latin typeface="Gisha" pitchFamily="34" charset="-79"/>
+                    <a:cs typeface="Gisha" pitchFamily="34" charset="-79"/>
+                  </a:rPr>
+                  <a:t>command</a:t>
+                </a:r>
+                <a:endParaRPr lang="en-GB" sz="1600" noProof="1">
+                  <a:effectLst>
+                    <a:outerShdw blurRad="38100" dist="38100" dir="2700000" algn="tl">
+                      <a:srgbClr val="000000">
+                        <a:alpha val="43137"/>
+                      </a:srgbClr>
+                    </a:outerShdw>
+                  </a:effectLst>
+                  <a:latin typeface="Gisha" pitchFamily="34" charset="-79"/>
+                  <a:cs typeface="Gisha" pitchFamily="34" charset="-79"/>
+                </a:endParaRPr>
+              </a:p>
+            </p:txBody>
+          </p:sp>
+          <p:sp>
+            <p:nvSpPr>
+              <p:cNvPr id="26" name="TextBox 25"/>
+              <p:cNvSpPr txBox="1"/>
+              <p:nvPr/>
+            </p:nvSpPr>
+            <p:spPr>
+              <a:xfrm>
+                <a:off x="1574309" y="4526864"/>
+                <a:ext cx="584577" cy="364558"/>
+              </a:xfrm>
+              <a:prstGeom prst="rect">
+                <a:avLst/>
+              </a:prstGeom>
+              <a:noFill/>
+            </p:spPr>
+            <p:txBody>
+              <a:bodyPr wrap="none" rtlCol="0">
+                <a:spAutoFit/>
+              </a:bodyPr>
+              <a:lstStyle/>
+              <a:p>
+                <a:r>
+                  <a:rPr lang="en-GB" sz="1600" noProof="1" smtClean="0">
+                    <a:effectLst>
+                      <a:outerShdw blurRad="38100" dist="38100" dir="2700000" algn="tl">
+                        <a:srgbClr val="000000">
+                          <a:alpha val="43137"/>
+                        </a:srgbClr>
+                      </a:outerShdw>
+                    </a:effectLst>
+                    <a:latin typeface="Gisha" pitchFamily="34" charset="-79"/>
+                    <a:cs typeface="Gisha" pitchFamily="34" charset="-79"/>
+                  </a:rPr>
+                  <a:t>args</a:t>
+                </a:r>
+                <a:endParaRPr lang="en-GB" sz="1600" noProof="1">
+                  <a:effectLst>
+                    <a:outerShdw blurRad="38100" dist="38100" dir="2700000" algn="tl">
+                      <a:srgbClr val="000000">
+                        <a:alpha val="43137"/>
+                      </a:srgbClr>
+                    </a:outerShdw>
+                  </a:effectLst>
+                  <a:latin typeface="Gisha" pitchFamily="34" charset="-79"/>
+                  <a:cs typeface="Gisha" pitchFamily="34" charset="-79"/>
+                </a:endParaRPr>
+              </a:p>
+            </p:txBody>
+          </p:sp>
+          <p:sp>
+            <p:nvSpPr>
+              <p:cNvPr id="27" name="TextBox 26"/>
+              <p:cNvSpPr txBox="1"/>
+              <p:nvPr/>
+            </p:nvSpPr>
+            <p:spPr>
+              <a:xfrm>
+                <a:off x="2303998" y="4696141"/>
+                <a:ext cx="566402" cy="364558"/>
+              </a:xfrm>
+              <a:prstGeom prst="rect">
+                <a:avLst/>
+              </a:prstGeom>
+              <a:noFill/>
+            </p:spPr>
+            <p:txBody>
+              <a:bodyPr wrap="none" rtlCol="0">
+                <a:spAutoFit/>
+              </a:bodyPr>
+              <a:lstStyle/>
+              <a:p>
+                <a:r>
+                  <a:rPr lang="en-GB" sz="1600" noProof="1" smtClean="0">
+                    <a:effectLst>
+                      <a:outerShdw blurRad="38100" dist="38100" dir="2700000" algn="tl">
+                        <a:srgbClr val="000000">
+                          <a:alpha val="43137"/>
+                        </a:srgbClr>
+                      </a:outerShdw>
+                    </a:effectLst>
+                    <a:latin typeface="Gisha" pitchFamily="34" charset="-79"/>
+                    <a:cs typeface="Gisha" pitchFamily="34" charset="-79"/>
+                  </a:rPr>
+                  <a:t>cwd</a:t>
+                </a:r>
+                <a:endParaRPr lang="en-GB" sz="1600" noProof="1">
+                  <a:effectLst>
+                    <a:outerShdw blurRad="38100" dist="38100" dir="2700000" algn="tl">
+                      <a:srgbClr val="000000">
+                        <a:alpha val="43137"/>
+                      </a:srgbClr>
+                    </a:outerShdw>
+                  </a:effectLst>
+                  <a:latin typeface="Gisha" pitchFamily="34" charset="-79"/>
+                  <a:cs typeface="Gisha" pitchFamily="34" charset="-79"/>
+                </a:endParaRPr>
+              </a:p>
+            </p:txBody>
+          </p:sp>
+        </p:grpSp>
+        <p:sp>
+          <p:nvSpPr>
+            <p:cNvPr id="23" name="TextBox 22"/>
+            <p:cNvSpPr txBox="1"/>
+            <p:nvPr/>
+          </p:nvSpPr>
+          <p:spPr>
+            <a:xfrm>
+              <a:off x="2339752" y="3356992"/>
+              <a:ext cx="346912" cy="364558"/>
+            </a:xfrm>
+            <a:prstGeom prst="rect">
+              <a:avLst/>
+            </a:prstGeom>
+            <a:noFill/>
+          </p:spPr>
+          <p:txBody>
+            <a:bodyPr wrap="none" rtlCol="0">
+              <a:spAutoFit/>
+            </a:bodyPr>
+            <a:lstStyle/>
+            <a:p>
+              <a:r>
+                <a:rPr lang="en-GB" sz="1600" noProof="1" smtClean="0">
+                  <a:effectLst>
+                    <a:outerShdw blurRad="38100" dist="38100" dir="2700000" algn="tl">
+                      <a:srgbClr val="000000">
+                        <a:alpha val="43137"/>
+                      </a:srgbClr>
+                    </a:outerShdw>
+                  </a:effectLst>
+                  <a:latin typeface="Gisha" pitchFamily="34" charset="-79"/>
+                  <a:cs typeface="Gisha" pitchFamily="34" charset="-79"/>
+                </a:rPr>
+                <a:t>…</a:t>
+              </a:r>
+              <a:endParaRPr lang="en-GB" sz="1600" noProof="1">
+                <a:effectLst>
+                  <a:outerShdw blurRad="38100" dist="38100" dir="2700000" algn="tl">
+                    <a:srgbClr val="000000">
+                      <a:alpha val="43137"/>
+                    </a:srgbClr>
+                  </a:outerShdw>
+                </a:effectLst>
+                <a:latin typeface="Gisha" pitchFamily="34" charset="-79"/>
+                <a:cs typeface="Gisha" pitchFamily="34" charset="-79"/>
+              </a:endParaRPr>
+            </a:p>
+          </p:txBody>
+        </p:sp>
+      </p:grpSp>
+      <p:cxnSp>
+        <p:nvCxnSpPr>
+          <p:cNvPr id="30" name="Straight Arrow Connector 29"/>
+          <p:cNvCxnSpPr/>
+          <p:nvPr/>
+        </p:nvCxnSpPr>
+        <p:spPr>
+          <a:xfrm>
+            <a:off x="4218784" y="3235045"/>
+            <a:ext cx="288664" cy="0"/>
+          </a:xfrm>
+          <a:prstGeom prst="straightConnector1">
+            <a:avLst/>
+          </a:prstGeom>
+          <a:ln w="28575">
+            <a:tailEnd type="arrow"/>
+          </a:ln>
+        </p:spPr>
+        <p:style>
+          <a:lnRef idx="2">
+            <a:schemeClr val="dk1"/>
+          </a:lnRef>
+          <a:fillRef idx="0">
+            <a:schemeClr val="dk1"/>
+          </a:fillRef>
+          <a:effectRef idx="1">
+            <a:schemeClr val="dk1"/>
+          </a:effectRef>
+          <a:fontRef idx="minor">
+            <a:schemeClr val="tx1"/>
+          </a:fontRef>
+        </p:style>
+      </p:cxnSp>
+      <p:sp>
+        <p:nvSpPr>
+          <p:cNvPr id="36" name="Rounded Rectangle 35"/>
+          <p:cNvSpPr/>
+          <p:nvPr/>
+        </p:nvSpPr>
+        <p:spPr>
+          <a:xfrm>
+            <a:off x="4860032" y="5600841"/>
+            <a:ext cx="3880340" cy="726595"/>
+          </a:xfrm>
+          <a:prstGeom prst="roundRect">
+            <a:avLst/>
+          </a:prstGeom>
+        </p:spPr>
+        <p:style>
+          <a:lnRef idx="1">
+            <a:schemeClr val="dk1"/>
+          </a:lnRef>
+          <a:fillRef idx="2">
+            <a:schemeClr val="dk1"/>
+          </a:fillRef>
+          <a:effectRef idx="1">
+            <a:schemeClr val="dk1"/>
+          </a:effectRef>
+          <a:fontRef idx="minor">
+            <a:schemeClr val="dk1"/>
+          </a:fontRef>
+        </p:style>
+        <p:txBody>
+          <a:bodyPr tIns="252000" rtlCol="0" anchor="ctr"/>
+          <a:lstStyle/>
+          <a:p>
+            <a:pPr>
+              <a:tabLst>
+                <a:tab pos="269875" algn="l"/>
+              </a:tabLst>
+            </a:pPr>
+            <a:r>
+              <a:rPr lang="de-DE" i="1" noProof="1" smtClean="0"/>
+              <a:t>register ide broadcast to </a:t>
+            </a:r>
+            <a:br>
+              <a:rPr lang="de-DE" i="1" noProof="1" smtClean="0"/>
+            </a:br>
+            <a:r>
+              <a:rPr lang="de-DE" i="1" noProof="1" smtClean="0"/>
+              <a:t>messages on </a:t>
+            </a:r>
+            <a:r>
+              <a:rPr lang="de-DE" i="1" noProof="1" smtClean="0">
+                <a:solidFill>
+                  <a:srgbClr val="C00000"/>
+                </a:solidFill>
+              </a:rPr>
+              <a:t>this.channel</a:t>
+            </a:r>
+            <a:r>
+              <a:rPr lang="de-DE" i="1" noProof="1" smtClean="0"/>
+              <a:t> on eventbus</a:t>
+            </a:r>
+            <a:endParaRPr lang="de-DE" i="1" noProof="1"/>
+          </a:p>
+          <a:p>
+            <a:pPr>
+              <a:tabLst>
+                <a:tab pos="269875" algn="l"/>
+              </a:tabLst>
+            </a:pPr>
+            <a:endParaRPr lang="de-DE" i="1" noProof="1" smtClean="0"/>
+          </a:p>
+        </p:txBody>
+      </p:sp>
+      <p:sp>
+        <p:nvSpPr>
+          <p:cNvPr id="38" name="Rounded Rectangle 37"/>
+          <p:cNvSpPr/>
+          <p:nvPr/>
+        </p:nvSpPr>
+        <p:spPr>
+          <a:xfrm>
+            <a:off x="494084" y="5159794"/>
+            <a:ext cx="3681868" cy="1116982"/>
+          </a:xfrm>
+          <a:prstGeom prst="roundRect">
+            <a:avLst/>
+          </a:prstGeom>
+        </p:spPr>
+        <p:style>
+          <a:lnRef idx="1">
+            <a:schemeClr val="dk1"/>
+          </a:lnRef>
+          <a:fillRef idx="2">
+            <a:schemeClr val="dk1"/>
+          </a:fillRef>
+          <a:effectRef idx="1">
+            <a:schemeClr val="dk1"/>
+          </a:effectRef>
+          <a:fontRef idx="minor">
+            <a:schemeClr val="dk1"/>
+          </a:fontRef>
+        </p:style>
+        <p:txBody>
+          <a:bodyPr tIns="0" rtlCol="0" anchor="ctr"/>
+          <a:lstStyle/>
+          <a:p>
+            <a:pPr>
+              <a:tabLst>
+                <a:tab pos="269875" algn="l"/>
+              </a:tabLst>
+            </a:pPr>
+            <a:r>
+              <a:rPr lang="de-DE" i="1" noProof="1" smtClean="0"/>
+              <a:t>treat event if events message type is of our concern</a:t>
+            </a:r>
+          </a:p>
+          <a:p>
+            <a:pPr>
+              <a:tabLst>
+                <a:tab pos="269875" algn="l"/>
+              </a:tabLst>
+            </a:pPr>
+            <a:endParaRPr lang="de-DE" sz="600" i="1" noProof="1"/>
+          </a:p>
+          <a:p>
+            <a:pPr>
+              <a:tabLst>
+                <a:tab pos="269875" algn="l"/>
+              </a:tabLst>
+            </a:pPr>
+            <a:r>
+              <a:rPr lang="de-DE" i="1" noProof="1" smtClean="0"/>
+              <a:t>call output on registered callback</a:t>
+            </a:r>
+          </a:p>
+        </p:txBody>
+      </p:sp>
+      <p:cxnSp>
+        <p:nvCxnSpPr>
+          <p:cNvPr id="39" name="Straight Arrow Connector 38"/>
+          <p:cNvCxnSpPr/>
+          <p:nvPr/>
+        </p:nvCxnSpPr>
+        <p:spPr>
+          <a:xfrm>
+            <a:off x="7092280" y="5005815"/>
+            <a:ext cx="0" cy="307958"/>
+          </a:xfrm>
+          <a:prstGeom prst="straightConnector1">
+            <a:avLst/>
+          </a:prstGeom>
+          <a:ln w="28575">
+            <a:tailEnd type="arrow"/>
+          </a:ln>
+        </p:spPr>
+        <p:style>
+          <a:lnRef idx="2">
+            <a:schemeClr val="dk1"/>
+          </a:lnRef>
+          <a:fillRef idx="0">
+            <a:schemeClr val="dk1"/>
+          </a:fillRef>
+          <a:effectRef idx="1">
+            <a:schemeClr val="dk1"/>
+          </a:effectRef>
+          <a:fontRef idx="minor">
+            <a:schemeClr val="tx1"/>
+          </a:fontRef>
+        </p:style>
+      </p:cxnSp>
+      <p:sp>
+        <p:nvSpPr>
+          <p:cNvPr id="41" name="Rounded Rectangle 40"/>
+          <p:cNvSpPr/>
+          <p:nvPr/>
+        </p:nvSpPr>
+        <p:spPr>
+          <a:xfrm>
+            <a:off x="578986" y="4083459"/>
+            <a:ext cx="1756032" cy="579569"/>
+          </a:xfrm>
+          <a:prstGeom prst="roundRect">
+            <a:avLst/>
+          </a:prstGeom>
+        </p:spPr>
+        <p:style>
+          <a:lnRef idx="1">
+            <a:schemeClr val="dk1"/>
+          </a:lnRef>
+          <a:fillRef idx="2">
+            <a:schemeClr val="dk1"/>
+          </a:fillRef>
+          <a:effectRef idx="1">
+            <a:schemeClr val="dk1"/>
+          </a:effectRef>
+          <a:fontRef idx="minor">
+            <a:schemeClr val="dk1"/>
+          </a:fontRef>
+        </p:style>
+        <p:txBody>
+          <a:bodyPr rtlCol="0" anchor="ctr"/>
+          <a:lstStyle/>
+          <a:p>
+            <a:r>
+              <a:rPr lang="de-DE" i="1" noProof="1" smtClean="0"/>
+              <a:t>register callback</a:t>
+            </a:r>
+            <a:endParaRPr lang="de-DE" i="1" noProof="1"/>
+          </a:p>
+        </p:txBody>
+      </p:sp>
+      <p:cxnSp>
+        <p:nvCxnSpPr>
+          <p:cNvPr id="43" name="Straight Arrow Connector 42"/>
+          <p:cNvCxnSpPr/>
+          <p:nvPr/>
+        </p:nvCxnSpPr>
+        <p:spPr>
+          <a:xfrm flipH="1" flipV="1">
+            <a:off x="4360909" y="5721570"/>
+            <a:ext cx="273752" cy="1"/>
+          </a:xfrm>
+          <a:prstGeom prst="straightConnector1">
+            <a:avLst/>
+          </a:prstGeom>
+          <a:ln w="28575">
+            <a:tailEnd type="arrow"/>
+          </a:ln>
+        </p:spPr>
+        <p:style>
+          <a:lnRef idx="2">
+            <a:schemeClr val="dk1"/>
+          </a:lnRef>
+          <a:fillRef idx="0">
+            <a:schemeClr val="dk1"/>
+          </a:fillRef>
+          <a:effectRef idx="1">
+            <a:schemeClr val="dk1"/>
+          </a:effectRef>
+          <a:fontRef idx="minor">
+            <a:schemeClr val="tx1"/>
+          </a:fontRef>
+        </p:style>
+      </p:cxnSp>
+    </p:spTree>
+    <p:extLst>
+      <p:ext uri="{BB962C8B-B14F-4D97-AF65-F5344CB8AC3E}">
+        <p14:creationId xmlns:p14="http://schemas.microsoft.com/office/powerpoint/2010/main" val="2052140459"/>
+      </p:ext>
+    </p:extLst>
+  </p:cSld>
+  <p:clrMapOvr>
+    <a:masterClrMapping/>
+  </p:clrMapOvr>
+  <mc:AlternateContent xmlns:mc="http://schemas.openxmlformats.org/markup-compatibility/2006" xmlns:p14="http://schemas.microsoft.com/office/powerpoint/2010/main">
+    <mc:Choice Requires="p14">
+      <p:transition spd="slow" p14:dur="2000"/>
+    </mc:Choice>
+    <mc:Fallback xmlns="">
+      <p:transition spd="slow"/>
+    </mc:Fallback>
+  </mc:AlternateContent>
+  <p:timing>
+    <p:tnLst>
+      <p:par>
+        <p:cTn id="1" dur="indefinite" restart="never" nodeType="tmRoot">
+          <p:childTnLst>
+            <p:seq concurrent="1" nextAc="seek">
+              <p:cTn id="2" dur="indefinite" nodeType="mainSeq">
+                <p:childTnLst>
+                  <p:par>
+                    <p:cTn id="3" fill="hold">
+                      <p:stCondLst>
+                        <p:cond delay="indefinite"/>
+                      </p:stCondLst>
+                      <p:childTnLst>
+                        <p:par>
+                          <p:cTn id="4" fill="hold">
+                            <p:stCondLst>
+                              <p:cond delay="0"/>
+                            </p:stCondLst>
+                            <p:childTnLst>
+                              <p:par>
+                                <p:cTn id="5" presetID="1" presetClass="entr" presetSubtype="0" fill="hold" nodeType="clickEffect">
+                                  <p:stCondLst>
+                                    <p:cond delay="0"/>
+                                  </p:stCondLst>
+                                  <p:childTnLst>
+                                    <p:set>
+                                      <p:cBhvr>
+                                        <p:cTn id="6" dur="1" fill="hold">
+                                          <p:stCondLst>
+                                            <p:cond delay="0"/>
+                                          </p:stCondLst>
+                                        </p:cTn>
+                                        <p:tgtEl>
+                                          <p:spTgt spid="18">
+                                            <p:txEl>
+                                              <p:pRg st="12" end="12"/>
+                                            </p:txEl>
+                                          </p:spTgt>
+                                        </p:tgtEl>
+                                        <p:attrNameLst>
+                                          <p:attrName>style.visibility</p:attrName>
+                                        </p:attrNameLst>
+                                      </p:cBhvr>
+                                      <p:to>
+                                        <p:strVal val="visible"/>
+                                      </p:to>
+                                    </p:set>
+                                  </p:childTnLst>
+                                </p:cTn>
+                              </p:par>
+                              <p:par>
+                                <p:cTn id="7" presetID="1" presetClass="entr" presetSubtype="0" fill="hold" nodeType="withEffect">
+                                  <p:stCondLst>
+                                    <p:cond delay="0"/>
+                                  </p:stCondLst>
+                                  <p:childTnLst>
+                                    <p:set>
+                                      <p:cBhvr>
+                                        <p:cTn id="8" dur="1" fill="hold">
+                                          <p:stCondLst>
+                                            <p:cond delay="0"/>
+                                          </p:stCondLst>
+                                        </p:cTn>
+                                        <p:tgtEl>
+                                          <p:spTgt spid="18">
+                                            <p:txEl>
+                                              <p:pRg st="14" end="14"/>
+                                            </p:txEl>
+                                          </p:spTgt>
+                                        </p:tgtEl>
+                                        <p:attrNameLst>
+                                          <p:attrName>style.visibility</p:attrName>
+                                        </p:attrNameLst>
+                                      </p:cBhvr>
+                                      <p:to>
+                                        <p:strVal val="visible"/>
+                                      </p:to>
+                                    </p:set>
+                                  </p:childTnLst>
+                                </p:cTn>
+                              </p:par>
+                              <p:par>
+                                <p:cTn id="9" presetID="1" presetClass="entr" presetSubtype="0" fill="hold" nodeType="withEffect">
+                                  <p:stCondLst>
+                                    <p:cond delay="0"/>
+                                  </p:stCondLst>
+                                  <p:childTnLst>
+                                    <p:set>
+                                      <p:cBhvr>
+                                        <p:cTn id="10" dur="1" fill="hold">
+                                          <p:stCondLst>
+                                            <p:cond delay="0"/>
+                                          </p:stCondLst>
+                                        </p:cTn>
+                                        <p:tgtEl>
+                                          <p:spTgt spid="18">
+                                            <p:txEl>
+                                              <p:pRg st="15" end="15"/>
+                                            </p:txEl>
+                                          </p:spTgt>
+                                        </p:tgtEl>
+                                        <p:attrNameLst>
+                                          <p:attrName>style.visibility</p:attrName>
+                                        </p:attrNameLst>
+                                      </p:cBhvr>
+                                      <p:to>
+                                        <p:strVal val="visible"/>
+                                      </p:to>
+                                    </p:set>
+                                  </p:childTnLst>
+                                </p:cTn>
+                              </p:par>
+                              <p:par>
+                                <p:cTn id="11" presetID="1" presetClass="entr" presetSubtype="0" fill="hold" grpId="0" nodeType="withEffect">
+                                  <p:stCondLst>
+                                    <p:cond delay="0"/>
+                                  </p:stCondLst>
+                                  <p:childTnLst>
+                                    <p:set>
+                                      <p:cBhvr>
+                                        <p:cTn id="12" dur="1" fill="hold">
+                                          <p:stCondLst>
+                                            <p:cond delay="0"/>
+                                          </p:stCondLst>
+                                        </p:cTn>
+                                        <p:tgtEl>
+                                          <p:spTgt spid="36"/>
+                                        </p:tgtEl>
+                                        <p:attrNameLst>
+                                          <p:attrName>style.visibility</p:attrName>
+                                        </p:attrNameLst>
+                                      </p:cBhvr>
+                                      <p:to>
+                                        <p:strVal val="visible"/>
+                                      </p:to>
+                                    </p:set>
+                                  </p:childTnLst>
+                                </p:cTn>
+                              </p:par>
+                            </p:childTnLst>
+                          </p:cTn>
+                        </p:par>
+                      </p:childTnLst>
+                    </p:cTn>
+                  </p:par>
+                  <p:par>
+                    <p:cTn id="13" fill="hold">
+                      <p:stCondLst>
+                        <p:cond delay="indefinite"/>
+                      </p:stCondLst>
+                      <p:childTnLst>
+                        <p:par>
+                          <p:cTn id="14" fill="hold">
+                            <p:stCondLst>
+                              <p:cond delay="0"/>
+                            </p:stCondLst>
+                            <p:childTnLst>
+                              <p:par>
+                                <p:cTn id="15" presetID="1" presetClass="entr" presetSubtype="0" fill="hold" nodeType="clickEffect">
+                                  <p:stCondLst>
+                                    <p:cond delay="0"/>
+                                  </p:stCondLst>
+                                  <p:childTnLst>
+                                    <p:set>
+                                      <p:cBhvr>
+                                        <p:cTn id="16" dur="1" fill="hold">
+                                          <p:stCondLst>
+                                            <p:cond delay="0"/>
+                                          </p:stCondLst>
+                                        </p:cTn>
+                                        <p:tgtEl>
+                                          <p:spTgt spid="4">
+                                            <p:txEl>
+                                              <p:pRg st="0" end="0"/>
+                                            </p:txEl>
+                                          </p:spTgt>
+                                        </p:tgtEl>
+                                        <p:attrNameLst>
+                                          <p:attrName>style.visibility</p:attrName>
+                                        </p:attrNameLst>
+                                      </p:cBhvr>
+                                      <p:to>
+                                        <p:strVal val="visible"/>
+                                      </p:to>
+                                    </p:set>
+                                  </p:childTnLst>
+                                </p:cTn>
+                              </p:par>
+                              <p:par>
+                                <p:cTn id="17" presetID="1" presetClass="entr" presetSubtype="0" fill="hold" nodeType="withEffect">
+                                  <p:stCondLst>
+                                    <p:cond delay="0"/>
+                                  </p:stCondLst>
+                                  <p:childTnLst>
+                                    <p:set>
+                                      <p:cBhvr>
+                                        <p:cTn id="18" dur="1" fill="hold">
+                                          <p:stCondLst>
+                                            <p:cond delay="0"/>
+                                          </p:stCondLst>
+                                        </p:cTn>
+                                        <p:tgtEl>
+                                          <p:spTgt spid="4">
+                                            <p:txEl>
+                                              <p:pRg st="2" end="2"/>
+                                            </p:txEl>
+                                          </p:spTgt>
+                                        </p:tgtEl>
+                                        <p:attrNameLst>
+                                          <p:attrName>style.visibility</p:attrName>
+                                        </p:attrNameLst>
+                                      </p:cBhvr>
+                                      <p:to>
+                                        <p:strVal val="visible"/>
+                                      </p:to>
+                                    </p:set>
+                                  </p:childTnLst>
+                                </p:cTn>
+                              </p:par>
+                              <p:par>
+                                <p:cTn id="19" presetID="1" presetClass="entr" presetSubtype="0" fill="hold" nodeType="withEffect">
+                                  <p:stCondLst>
+                                    <p:cond delay="0"/>
+                                  </p:stCondLst>
+                                  <p:childTnLst>
+                                    <p:set>
+                                      <p:cBhvr>
+                                        <p:cTn id="20" dur="1" fill="hold">
+                                          <p:stCondLst>
+                                            <p:cond delay="0"/>
+                                          </p:stCondLst>
+                                        </p:cTn>
+                                        <p:tgtEl>
+                                          <p:spTgt spid="4">
+                                            <p:txEl>
+                                              <p:pRg st="3" end="3"/>
+                                            </p:txEl>
+                                          </p:spTgt>
+                                        </p:tgtEl>
+                                        <p:attrNameLst>
+                                          <p:attrName>style.visibility</p:attrName>
+                                        </p:attrNameLst>
+                                      </p:cBhvr>
+                                      <p:to>
+                                        <p:strVal val="visible"/>
+                                      </p:to>
+                                    </p:set>
+                                  </p:childTnLst>
+                                </p:cTn>
+                              </p:par>
+                              <p:par>
+                                <p:cTn id="21" presetID="1" presetClass="entr" presetSubtype="0" fill="hold" nodeType="withEffect">
+                                  <p:stCondLst>
+                                    <p:cond delay="0"/>
+                                  </p:stCondLst>
+                                  <p:childTnLst>
+                                    <p:set>
+                                      <p:cBhvr>
+                                        <p:cTn id="22" dur="1" fill="hold">
+                                          <p:stCondLst>
+                                            <p:cond delay="0"/>
+                                          </p:stCondLst>
+                                        </p:cTn>
+                                        <p:tgtEl>
+                                          <p:spTgt spid="4">
+                                            <p:txEl>
+                                              <p:pRg st="4" end="4"/>
+                                            </p:txEl>
+                                          </p:spTgt>
+                                        </p:tgtEl>
+                                        <p:attrNameLst>
+                                          <p:attrName>style.visibility</p:attrName>
+                                        </p:attrNameLst>
+                                      </p:cBhvr>
+                                      <p:to>
+                                        <p:strVal val="visible"/>
+                                      </p:to>
+                                    </p:set>
+                                  </p:childTnLst>
+                                </p:cTn>
+                              </p:par>
+                              <p:par>
+                                <p:cTn id="23" presetID="1" presetClass="entr" presetSubtype="0" fill="hold" nodeType="withEffect">
+                                  <p:stCondLst>
+                                    <p:cond delay="0"/>
+                                  </p:stCondLst>
+                                  <p:childTnLst>
+                                    <p:set>
+                                      <p:cBhvr>
+                                        <p:cTn id="24" dur="1" fill="hold">
+                                          <p:stCondLst>
+                                            <p:cond delay="0"/>
+                                          </p:stCondLst>
+                                        </p:cTn>
+                                        <p:tgtEl>
+                                          <p:spTgt spid="4">
+                                            <p:txEl>
+                                              <p:pRg st="5" end="5"/>
+                                            </p:txEl>
+                                          </p:spTgt>
+                                        </p:tgtEl>
+                                        <p:attrNameLst>
+                                          <p:attrName>style.visibility</p:attrName>
+                                        </p:attrNameLst>
+                                      </p:cBhvr>
+                                      <p:to>
+                                        <p:strVal val="visible"/>
+                                      </p:to>
+                                    </p:set>
+                                  </p:childTnLst>
+                                </p:cTn>
+                              </p:par>
+                              <p:par>
+                                <p:cTn id="25" presetID="1" presetClass="entr" presetSubtype="0" fill="hold" nodeType="withEffect">
+                                  <p:stCondLst>
+                                    <p:cond delay="0"/>
+                                  </p:stCondLst>
+                                  <p:childTnLst>
+                                    <p:set>
+                                      <p:cBhvr>
+                                        <p:cTn id="26" dur="1" fill="hold">
+                                          <p:stCondLst>
+                                            <p:cond delay="0"/>
+                                          </p:stCondLst>
+                                        </p:cTn>
+                                        <p:tgtEl>
+                                          <p:spTgt spid="4">
+                                            <p:txEl>
+                                              <p:pRg st="6" end="6"/>
+                                            </p:txEl>
+                                          </p:spTgt>
+                                        </p:tgtEl>
+                                        <p:attrNameLst>
+                                          <p:attrName>style.visibility</p:attrName>
+                                        </p:attrNameLst>
+                                      </p:cBhvr>
+                                      <p:to>
+                                        <p:strVal val="visible"/>
+                                      </p:to>
+                                    </p:set>
+                                  </p:childTnLst>
+                                </p:cTn>
+                              </p:par>
+                              <p:par>
+                                <p:cTn id="27" presetID="1" presetClass="entr" presetSubtype="0" fill="hold" nodeType="withEffect">
+                                  <p:stCondLst>
+                                    <p:cond delay="0"/>
+                                  </p:stCondLst>
+                                  <p:childTnLst>
+                                    <p:set>
+                                      <p:cBhvr>
+                                        <p:cTn id="28" dur="1" fill="hold">
+                                          <p:stCondLst>
+                                            <p:cond delay="0"/>
+                                          </p:stCondLst>
+                                        </p:cTn>
+                                        <p:tgtEl>
+                                          <p:spTgt spid="4">
+                                            <p:txEl>
+                                              <p:pRg st="7" end="7"/>
+                                            </p:txEl>
+                                          </p:spTgt>
+                                        </p:tgtEl>
+                                        <p:attrNameLst>
+                                          <p:attrName>style.visibility</p:attrName>
+                                        </p:attrNameLst>
+                                      </p:cBhvr>
+                                      <p:to>
+                                        <p:strVal val="visible"/>
+                                      </p:to>
+                                    </p:set>
+                                  </p:childTnLst>
+                                </p:cTn>
+                              </p:par>
+                              <p:par>
+                                <p:cTn id="29" presetID="1" presetClass="entr" presetSubtype="0" fill="hold" nodeType="withEffect">
+                                  <p:stCondLst>
+                                    <p:cond delay="0"/>
+                                  </p:stCondLst>
+                                  <p:childTnLst>
+                                    <p:set>
+                                      <p:cBhvr>
+                                        <p:cTn id="30" dur="1" fill="hold">
+                                          <p:stCondLst>
+                                            <p:cond delay="0"/>
+                                          </p:stCondLst>
+                                        </p:cTn>
+                                        <p:tgtEl>
+                                          <p:spTgt spid="4">
+                                            <p:txEl>
+                                              <p:pRg st="8" end="8"/>
+                                            </p:txEl>
+                                          </p:spTgt>
+                                        </p:tgtEl>
+                                        <p:attrNameLst>
+                                          <p:attrName>style.visibility</p:attrName>
+                                        </p:attrNameLst>
+                                      </p:cBhvr>
+                                      <p:to>
+                                        <p:strVal val="visible"/>
+                                      </p:to>
+                                    </p:set>
+                                  </p:childTnLst>
+                                </p:cTn>
+                              </p:par>
+                              <p:par>
+                                <p:cTn id="31" presetID="1" presetClass="entr" presetSubtype="0" fill="hold" nodeType="withEffect">
+                                  <p:stCondLst>
+                                    <p:cond delay="0"/>
+                                  </p:stCondLst>
+                                  <p:childTnLst>
+                                    <p:set>
+                                      <p:cBhvr>
+                                        <p:cTn id="32" dur="1" fill="hold">
+                                          <p:stCondLst>
+                                            <p:cond delay="0"/>
+                                          </p:stCondLst>
+                                        </p:cTn>
+                                        <p:tgtEl>
+                                          <p:spTgt spid="4">
+                                            <p:txEl>
+                                              <p:pRg st="9" end="9"/>
+                                            </p:txEl>
+                                          </p:spTgt>
+                                        </p:tgtEl>
+                                        <p:attrNameLst>
+                                          <p:attrName>style.visibility</p:attrName>
+                                        </p:attrNameLst>
+                                      </p:cBhvr>
+                                      <p:to>
+                                        <p:strVal val="visible"/>
+                                      </p:to>
+                                    </p:set>
+                                  </p:childTnLst>
+                                </p:cTn>
+                              </p:par>
+                              <p:par>
+                                <p:cTn id="33" presetID="1" presetClass="entr" presetSubtype="0" fill="hold" nodeType="withEffect">
+                                  <p:stCondLst>
+                                    <p:cond delay="0"/>
+                                  </p:stCondLst>
+                                  <p:childTnLst>
+                                    <p:set>
+                                      <p:cBhvr>
+                                        <p:cTn id="34" dur="1" fill="hold">
+                                          <p:stCondLst>
+                                            <p:cond delay="0"/>
+                                          </p:stCondLst>
+                                        </p:cTn>
+                                        <p:tgtEl>
+                                          <p:spTgt spid="11"/>
+                                        </p:tgtEl>
+                                        <p:attrNameLst>
+                                          <p:attrName>style.visibility</p:attrName>
+                                        </p:attrNameLst>
+                                      </p:cBhvr>
+                                      <p:to>
+                                        <p:strVal val="visible"/>
+                                      </p:to>
+                                    </p:set>
+                                  </p:childTnLst>
+                                </p:cTn>
+                              </p:par>
+                              <p:par>
+                                <p:cTn id="35" presetID="1" presetClass="entr" presetSubtype="0" fill="hold" grpId="0" nodeType="withEffect">
+                                  <p:stCondLst>
+                                    <p:cond delay="0"/>
+                                  </p:stCondLst>
+                                  <p:childTnLst>
+                                    <p:set>
+                                      <p:cBhvr>
+                                        <p:cTn id="36" dur="1" fill="hold">
+                                          <p:stCondLst>
+                                            <p:cond delay="0"/>
+                                          </p:stCondLst>
+                                        </p:cTn>
+                                        <p:tgtEl>
+                                          <p:spTgt spid="41"/>
+                                        </p:tgtEl>
+                                        <p:attrNameLst>
+                                          <p:attrName>style.visibility</p:attrName>
+                                        </p:attrNameLst>
+                                      </p:cBhvr>
+                                      <p:to>
+                                        <p:strVal val="visible"/>
+                                      </p:to>
+                                    </p:set>
+                                  </p:childTnLst>
+                                </p:cTn>
+                              </p:par>
+                            </p:childTnLst>
+                          </p:cTn>
+                        </p:par>
+                      </p:childTnLst>
+                    </p:cTn>
+                  </p:par>
+                  <p:par>
+                    <p:cTn id="37" fill="hold">
+                      <p:stCondLst>
+                        <p:cond delay="indefinite"/>
+                      </p:stCondLst>
+                      <p:childTnLst>
+                        <p:par>
+                          <p:cTn id="38" fill="hold">
+                            <p:stCondLst>
+                              <p:cond delay="0"/>
+                            </p:stCondLst>
+                            <p:childTnLst>
+                              <p:par>
+                                <p:cTn id="39" presetID="1" presetClass="entr" presetSubtype="0" fill="hold" nodeType="clickEffect">
+                                  <p:stCondLst>
+                                    <p:cond delay="0"/>
+                                  </p:stCondLst>
+                                  <p:childTnLst>
+                                    <p:set>
+                                      <p:cBhvr>
+                                        <p:cTn id="40" dur="1" fill="hold">
+                                          <p:stCondLst>
+                                            <p:cond delay="0"/>
+                                          </p:stCondLst>
+                                        </p:cTn>
+                                        <p:tgtEl>
+                                          <p:spTgt spid="30"/>
+                                        </p:tgtEl>
+                                        <p:attrNameLst>
+                                          <p:attrName>style.visibility</p:attrName>
+                                        </p:attrNameLst>
+                                      </p:cBhvr>
+                                      <p:to>
+                                        <p:strVal val="visible"/>
+                                      </p:to>
+                                    </p:set>
+                                  </p:childTnLst>
+                                </p:cTn>
+                              </p:par>
+                            </p:childTnLst>
+                          </p:cTn>
+                        </p:par>
+                      </p:childTnLst>
+                    </p:cTn>
+                  </p:par>
+                  <p:par>
+                    <p:cTn id="41" fill="hold">
+                      <p:stCondLst>
+                        <p:cond delay="indefinite"/>
+                      </p:stCondLst>
+                      <p:childTnLst>
+                        <p:par>
+                          <p:cTn id="42" fill="hold">
+                            <p:stCondLst>
+                              <p:cond delay="0"/>
+                            </p:stCondLst>
+                            <p:childTnLst>
+                              <p:par>
+                                <p:cTn id="43" presetID="1" presetClass="entr" presetSubtype="0" fill="hold" nodeType="clickEffect">
+                                  <p:stCondLst>
+                                    <p:cond delay="0"/>
+                                  </p:stCondLst>
+                                  <p:childTnLst>
+                                    <p:set>
+                                      <p:cBhvr>
+                                        <p:cTn id="44" dur="1" fill="hold">
+                                          <p:stCondLst>
+                                            <p:cond delay="0"/>
+                                          </p:stCondLst>
+                                        </p:cTn>
+                                        <p:tgtEl>
+                                          <p:spTgt spid="18">
+                                            <p:txEl>
+                                              <p:pRg st="0" end="0"/>
+                                            </p:txEl>
+                                          </p:spTgt>
+                                        </p:tgtEl>
+                                        <p:attrNameLst>
+                                          <p:attrName>style.visibility</p:attrName>
+                                        </p:attrNameLst>
+                                      </p:cBhvr>
+                                      <p:to>
+                                        <p:strVal val="visible"/>
+                                      </p:to>
+                                    </p:set>
+                                  </p:childTnLst>
+                                </p:cTn>
+                              </p:par>
+                              <p:par>
+                                <p:cTn id="45" presetID="1" presetClass="entr" presetSubtype="0" fill="hold" grpId="0" nodeType="withEffect">
+                                  <p:stCondLst>
+                                    <p:cond delay="0"/>
+                                  </p:stCondLst>
+                                  <p:childTnLst>
+                                    <p:set>
+                                      <p:cBhvr>
+                                        <p:cTn id="46" dur="1" fill="hold">
+                                          <p:stCondLst>
+                                            <p:cond delay="0"/>
+                                          </p:stCondLst>
+                                        </p:cTn>
+                                        <p:tgtEl>
+                                          <p:spTgt spid="20"/>
+                                        </p:tgtEl>
+                                        <p:attrNameLst>
+                                          <p:attrName>style.visibility</p:attrName>
+                                        </p:attrNameLst>
+                                      </p:cBhvr>
+                                      <p:to>
+                                        <p:strVal val="visible"/>
+                                      </p:to>
+                                    </p:set>
+                                  </p:childTnLst>
+                                </p:cTn>
+                              </p:par>
+                            </p:childTnLst>
+                          </p:cTn>
+                        </p:par>
+                      </p:childTnLst>
+                    </p:cTn>
+                  </p:par>
+                  <p:par>
+                    <p:cTn id="47" fill="hold">
+                      <p:stCondLst>
+                        <p:cond delay="indefinite"/>
+                      </p:stCondLst>
+                      <p:childTnLst>
+                        <p:par>
+                          <p:cTn id="48" fill="hold">
+                            <p:stCondLst>
+                              <p:cond delay="0"/>
+                            </p:stCondLst>
+                            <p:childTnLst>
+                              <p:par>
+                                <p:cTn id="49" presetID="1" presetClass="entr" presetSubtype="0" fill="hold" nodeType="clickEffect">
+                                  <p:stCondLst>
+                                    <p:cond delay="0"/>
+                                  </p:stCondLst>
+                                  <p:childTnLst>
+                                    <p:set>
+                                      <p:cBhvr>
+                                        <p:cTn id="50" dur="1" fill="hold">
+                                          <p:stCondLst>
+                                            <p:cond delay="0"/>
+                                          </p:stCondLst>
+                                        </p:cTn>
+                                        <p:tgtEl>
+                                          <p:spTgt spid="21"/>
+                                        </p:tgtEl>
+                                        <p:attrNameLst>
+                                          <p:attrName>style.visibility</p:attrName>
+                                        </p:attrNameLst>
+                                      </p:cBhvr>
+                                      <p:to>
+                                        <p:strVal val="visible"/>
+                                      </p:to>
+                                    </p:set>
+                                  </p:childTnLst>
+                                </p:cTn>
+                              </p:par>
+                              <p:par>
+                                <p:cTn id="51" presetID="1" presetClass="entr" presetSubtype="0" fill="hold" nodeType="withEffect">
+                                  <p:stCondLst>
+                                    <p:cond delay="0"/>
+                                  </p:stCondLst>
+                                  <p:childTnLst>
+                                    <p:set>
+                                      <p:cBhvr>
+                                        <p:cTn id="52" dur="1" fill="hold">
+                                          <p:stCondLst>
+                                            <p:cond delay="0"/>
+                                          </p:stCondLst>
+                                        </p:cTn>
+                                        <p:tgtEl>
+                                          <p:spTgt spid="18">
+                                            <p:txEl>
+                                              <p:pRg st="4" end="4"/>
+                                            </p:txEl>
+                                          </p:spTgt>
+                                        </p:tgtEl>
+                                        <p:attrNameLst>
+                                          <p:attrName>style.visibility</p:attrName>
+                                        </p:attrNameLst>
+                                      </p:cBhvr>
+                                      <p:to>
+                                        <p:strVal val="visible"/>
+                                      </p:to>
+                                    </p:set>
+                                  </p:childTnLst>
+                                </p:cTn>
+                              </p:par>
+                              <p:par>
+                                <p:cTn id="53" presetID="1" presetClass="entr" presetSubtype="0" fill="hold" nodeType="withEffect">
+                                  <p:stCondLst>
+                                    <p:cond delay="0"/>
+                                  </p:stCondLst>
+                                  <p:childTnLst>
+                                    <p:set>
+                                      <p:cBhvr>
+                                        <p:cTn id="54" dur="1" fill="hold">
+                                          <p:stCondLst>
+                                            <p:cond delay="0"/>
+                                          </p:stCondLst>
+                                        </p:cTn>
+                                        <p:tgtEl>
+                                          <p:spTgt spid="18">
+                                            <p:txEl>
+                                              <p:pRg st="5" end="5"/>
+                                            </p:txEl>
+                                          </p:spTgt>
+                                        </p:tgtEl>
+                                        <p:attrNameLst>
+                                          <p:attrName>style.visibility</p:attrName>
+                                        </p:attrNameLst>
+                                      </p:cBhvr>
+                                      <p:to>
+                                        <p:strVal val="visible"/>
+                                      </p:to>
+                                    </p:set>
+                                  </p:childTnLst>
+                                </p:cTn>
+                              </p:par>
+                              <p:par>
+                                <p:cTn id="55" presetID="1" presetClass="entr" presetSubtype="0" fill="hold" nodeType="withEffect">
+                                  <p:stCondLst>
+                                    <p:cond delay="0"/>
+                                  </p:stCondLst>
+                                  <p:childTnLst>
+                                    <p:set>
+                                      <p:cBhvr>
+                                        <p:cTn id="56" dur="1" fill="hold">
+                                          <p:stCondLst>
+                                            <p:cond delay="0"/>
+                                          </p:stCondLst>
+                                        </p:cTn>
+                                        <p:tgtEl>
+                                          <p:spTgt spid="18">
+                                            <p:txEl>
+                                              <p:pRg st="6" end="6"/>
+                                            </p:txEl>
+                                          </p:spTgt>
+                                        </p:tgtEl>
+                                        <p:attrNameLst>
+                                          <p:attrName>style.visibility</p:attrName>
+                                        </p:attrNameLst>
+                                      </p:cBhvr>
+                                      <p:to>
+                                        <p:strVal val="visible"/>
+                                      </p:to>
+                                    </p:set>
+                                  </p:childTnLst>
+                                </p:cTn>
+                              </p:par>
+                              <p:par>
+                                <p:cTn id="57" presetID="1" presetClass="entr" presetSubtype="0" fill="hold" nodeType="withEffect">
+                                  <p:stCondLst>
+                                    <p:cond delay="0"/>
+                                  </p:stCondLst>
+                                  <p:childTnLst>
+                                    <p:set>
+                                      <p:cBhvr>
+                                        <p:cTn id="58" dur="1" fill="hold">
+                                          <p:stCondLst>
+                                            <p:cond delay="0"/>
+                                          </p:stCondLst>
+                                        </p:cTn>
+                                        <p:tgtEl>
+                                          <p:spTgt spid="18">
+                                            <p:txEl>
+                                              <p:pRg st="7" end="7"/>
+                                            </p:txEl>
+                                          </p:spTgt>
+                                        </p:tgtEl>
+                                        <p:attrNameLst>
+                                          <p:attrName>style.visibility</p:attrName>
+                                        </p:attrNameLst>
+                                      </p:cBhvr>
+                                      <p:to>
+                                        <p:strVal val="visible"/>
+                                      </p:to>
+                                    </p:set>
+                                  </p:childTnLst>
+                                </p:cTn>
+                              </p:par>
+                              <p:par>
+                                <p:cTn id="59" presetID="1" presetClass="entr" presetSubtype="0" fill="hold" nodeType="withEffect">
+                                  <p:stCondLst>
+                                    <p:cond delay="0"/>
+                                  </p:stCondLst>
+                                  <p:childTnLst>
+                                    <p:set>
+                                      <p:cBhvr>
+                                        <p:cTn id="60" dur="1" fill="hold">
+                                          <p:stCondLst>
+                                            <p:cond delay="0"/>
+                                          </p:stCondLst>
+                                        </p:cTn>
+                                        <p:tgtEl>
+                                          <p:spTgt spid="18">
+                                            <p:txEl>
+                                              <p:pRg st="8" end="8"/>
+                                            </p:txEl>
+                                          </p:spTgt>
+                                        </p:tgtEl>
+                                        <p:attrNameLst>
+                                          <p:attrName>style.visibility</p:attrName>
+                                        </p:attrNameLst>
+                                      </p:cBhvr>
+                                      <p:to>
+                                        <p:strVal val="visible"/>
+                                      </p:to>
+                                    </p:set>
+                                  </p:childTnLst>
+                                </p:cTn>
+                              </p:par>
+                              <p:par>
+                                <p:cTn id="61" presetID="1" presetClass="entr" presetSubtype="0" fill="hold" nodeType="withEffect">
+                                  <p:stCondLst>
+                                    <p:cond delay="0"/>
+                                  </p:stCondLst>
+                                  <p:childTnLst>
+                                    <p:set>
+                                      <p:cBhvr>
+                                        <p:cTn id="62" dur="1" fill="hold">
+                                          <p:stCondLst>
+                                            <p:cond delay="0"/>
+                                          </p:stCondLst>
+                                        </p:cTn>
+                                        <p:tgtEl>
+                                          <p:spTgt spid="18">
+                                            <p:txEl>
+                                              <p:pRg st="9" end="9"/>
+                                            </p:txEl>
+                                          </p:spTgt>
+                                        </p:tgtEl>
+                                        <p:attrNameLst>
+                                          <p:attrName>style.visibility</p:attrName>
+                                        </p:attrNameLst>
+                                      </p:cBhvr>
+                                      <p:to>
+                                        <p:strVal val="visible"/>
+                                      </p:to>
+                                    </p:set>
+                                  </p:childTnLst>
+                                </p:cTn>
+                              </p:par>
+                              <p:par>
+                                <p:cTn id="63" presetID="1" presetClass="entr" presetSubtype="0" fill="hold" nodeType="withEffect">
+                                  <p:stCondLst>
+                                    <p:cond delay="0"/>
+                                  </p:stCondLst>
+                                  <p:childTnLst>
+                                    <p:set>
+                                      <p:cBhvr>
+                                        <p:cTn id="64" dur="1" fill="hold">
+                                          <p:stCondLst>
+                                            <p:cond delay="0"/>
+                                          </p:stCondLst>
+                                        </p:cTn>
+                                        <p:tgtEl>
+                                          <p:spTgt spid="18">
+                                            <p:txEl>
+                                              <p:pRg st="10" end="10"/>
+                                            </p:txEl>
+                                          </p:spTgt>
+                                        </p:tgtEl>
+                                        <p:attrNameLst>
+                                          <p:attrName>style.visibility</p:attrName>
+                                        </p:attrNameLst>
+                                      </p:cBhvr>
+                                      <p:to>
+                                        <p:strVal val="visible"/>
+                                      </p:to>
+                                    </p:set>
+                                  </p:childTnLst>
+                                </p:cTn>
+                              </p:par>
+                            </p:childTnLst>
+                          </p:cTn>
+                        </p:par>
+                      </p:childTnLst>
+                    </p:cTn>
+                  </p:par>
+                  <p:par>
+                    <p:cTn id="65" fill="hold">
+                      <p:stCondLst>
+                        <p:cond delay="indefinite"/>
+                      </p:stCondLst>
+                      <p:childTnLst>
+                        <p:par>
+                          <p:cTn id="66" fill="hold">
+                            <p:stCondLst>
+                              <p:cond delay="0"/>
+                            </p:stCondLst>
+                            <p:childTnLst>
+                              <p:par>
+                                <p:cTn id="67" presetID="1" presetClass="entr" presetSubtype="0" fill="hold" nodeType="clickEffect">
+                                  <p:stCondLst>
+                                    <p:cond delay="0"/>
+                                  </p:stCondLst>
+                                  <p:childTnLst>
+                                    <p:set>
+                                      <p:cBhvr>
+                                        <p:cTn id="68" dur="1" fill="hold">
+                                          <p:stCondLst>
+                                            <p:cond delay="0"/>
+                                          </p:stCondLst>
+                                        </p:cTn>
+                                        <p:tgtEl>
+                                          <p:spTgt spid="39"/>
+                                        </p:tgtEl>
+                                        <p:attrNameLst>
+                                          <p:attrName>style.visibility</p:attrName>
+                                        </p:attrNameLst>
+                                      </p:cBhvr>
+                                      <p:to>
+                                        <p:strVal val="visible"/>
+                                      </p:to>
+                                    </p:set>
+                                  </p:childTnLst>
+                                </p:cTn>
+                              </p:par>
+                            </p:childTnLst>
+                          </p:cTn>
+                        </p:par>
+                      </p:childTnLst>
+                    </p:cTn>
+                  </p:par>
+                  <p:par>
+                    <p:cTn id="69" fill="hold">
+                      <p:stCondLst>
+                        <p:cond delay="indefinite"/>
+                      </p:stCondLst>
+                      <p:childTnLst>
+                        <p:par>
+                          <p:cTn id="70" fill="hold">
+                            <p:stCondLst>
+                              <p:cond delay="0"/>
+                            </p:stCondLst>
+                            <p:childTnLst>
+                              <p:par>
+                                <p:cTn id="71" presetID="1" presetClass="entr" presetSubtype="0" fill="hold" nodeType="clickEffect">
+                                  <p:stCondLst>
+                                    <p:cond delay="0"/>
+                                  </p:stCondLst>
+                                  <p:childTnLst>
+                                    <p:set>
+                                      <p:cBhvr>
+                                        <p:cTn id="72" dur="1" fill="hold">
+                                          <p:stCondLst>
+                                            <p:cond delay="0"/>
+                                          </p:stCondLst>
+                                        </p:cTn>
+                                        <p:tgtEl>
+                                          <p:spTgt spid="43"/>
+                                        </p:tgtEl>
+                                        <p:attrNameLst>
+                                          <p:attrName>style.visibility</p:attrName>
+                                        </p:attrNameLst>
+                                      </p:cBhvr>
+                                      <p:to>
+                                        <p:strVal val="visible"/>
+                                      </p:to>
+                                    </p:set>
+                                  </p:childTnLst>
+                                </p:cTn>
+                              </p:par>
+                            </p:childTnLst>
+                          </p:cTn>
+                        </p:par>
+                      </p:childTnLst>
+                    </p:cTn>
+                  </p:par>
+                  <p:par>
+                    <p:cTn id="73" fill="hold">
+                      <p:stCondLst>
+                        <p:cond delay="indefinite"/>
+                      </p:stCondLst>
+                      <p:childTnLst>
+                        <p:par>
+                          <p:cTn id="74" fill="hold">
+                            <p:stCondLst>
+                              <p:cond delay="0"/>
+                            </p:stCondLst>
+                            <p:childTnLst>
+                              <p:par>
+                                <p:cTn id="75" presetID="1" presetClass="entr" presetSubtype="0" fill="hold" nodeType="clickEffect">
+                                  <p:stCondLst>
+                                    <p:cond delay="0"/>
+                                  </p:stCondLst>
+                                  <p:childTnLst>
+                                    <p:set>
+                                      <p:cBhvr>
+                                        <p:cTn id="76" dur="1" fill="hold">
+                                          <p:stCondLst>
+                                            <p:cond delay="0"/>
+                                          </p:stCondLst>
+                                        </p:cTn>
+                                        <p:tgtEl>
+                                          <p:spTgt spid="4">
+                                            <p:txEl>
+                                              <p:pRg st="11" end="11"/>
+                                            </p:txEl>
+                                          </p:spTgt>
+                                        </p:tgtEl>
+                                        <p:attrNameLst>
+                                          <p:attrName>style.visibility</p:attrName>
+                                        </p:attrNameLst>
+                                      </p:cBhvr>
+                                      <p:to>
+                                        <p:strVal val="visible"/>
+                                      </p:to>
+                                    </p:set>
+                                  </p:childTnLst>
+                                </p:cTn>
+                              </p:par>
+                              <p:par>
+                                <p:cTn id="77" presetID="1" presetClass="entr" presetSubtype="0" fill="hold" nodeType="withEffect">
+                                  <p:stCondLst>
+                                    <p:cond delay="0"/>
+                                  </p:stCondLst>
+                                  <p:childTnLst>
+                                    <p:set>
+                                      <p:cBhvr>
+                                        <p:cTn id="78" dur="1" fill="hold">
+                                          <p:stCondLst>
+                                            <p:cond delay="0"/>
+                                          </p:stCondLst>
+                                        </p:cTn>
+                                        <p:tgtEl>
+                                          <p:spTgt spid="4">
+                                            <p:txEl>
+                                              <p:pRg st="13" end="13"/>
+                                            </p:txEl>
+                                          </p:spTgt>
+                                        </p:tgtEl>
+                                        <p:attrNameLst>
+                                          <p:attrName>style.visibility</p:attrName>
+                                        </p:attrNameLst>
+                                      </p:cBhvr>
+                                      <p:to>
+                                        <p:strVal val="visible"/>
+                                      </p:to>
+                                    </p:set>
+                                  </p:childTnLst>
+                                </p:cTn>
+                              </p:par>
+                              <p:par>
+                                <p:cTn id="79" presetID="1" presetClass="entr" presetSubtype="0" fill="hold" nodeType="withEffect">
+                                  <p:stCondLst>
+                                    <p:cond delay="0"/>
+                                  </p:stCondLst>
+                                  <p:childTnLst>
+                                    <p:set>
+                                      <p:cBhvr>
+                                        <p:cTn id="80" dur="1" fill="hold">
+                                          <p:stCondLst>
+                                            <p:cond delay="0"/>
+                                          </p:stCondLst>
+                                        </p:cTn>
+                                        <p:tgtEl>
+                                          <p:spTgt spid="4">
+                                            <p:txEl>
+                                              <p:pRg st="15" end="15"/>
+                                            </p:txEl>
+                                          </p:spTgt>
+                                        </p:tgtEl>
+                                        <p:attrNameLst>
+                                          <p:attrName>style.visibility</p:attrName>
+                                        </p:attrNameLst>
+                                      </p:cBhvr>
+                                      <p:to>
+                                        <p:strVal val="visible"/>
+                                      </p:to>
+                                    </p:set>
+                                  </p:childTnLst>
+                                </p:cTn>
+                              </p:par>
+                              <p:par>
+                                <p:cTn id="81" presetID="1" presetClass="entr" presetSubtype="0" fill="hold" grpId="0" nodeType="withEffect">
+                                  <p:stCondLst>
+                                    <p:cond delay="0"/>
+                                  </p:stCondLst>
+                                  <p:childTnLst>
+                                    <p:set>
+                                      <p:cBhvr>
+                                        <p:cTn id="82" dur="1" fill="hold">
+                                          <p:stCondLst>
+                                            <p:cond delay="0"/>
+                                          </p:stCondLst>
+                                        </p:cTn>
+                                        <p:tgtEl>
+                                          <p:spTgt spid="38"/>
+                                        </p:tgtEl>
+                                        <p:attrNameLst>
+                                          <p:attrName>style.visibility</p:attrName>
+                                        </p:attrNameLst>
+                                      </p:cBhvr>
+                                      <p:to>
+                                        <p:strVal val="visible"/>
+                                      </p:to>
+                                    </p:set>
+                                  </p:childTnLst>
+                                </p:cTn>
+                              </p:par>
+                            </p:childTnLst>
+                          </p:cTn>
+                        </p:par>
+                      </p:childTnLst>
+                    </p:cTn>
+                  </p:par>
+                </p:childTnLst>
+              </p:cTn>
+              <p:prevCondLst>
+                <p:cond evt="onPrev" delay="0">
+                  <p:tgtEl>
+                    <p:sldTgt/>
+                  </p:tgtEl>
+                </p:cond>
+              </p:prevCondLst>
+              <p:nextCondLst>
+                <p:cond evt="onNext" delay="0">
+                  <p:tgtEl>
+                    <p:sldTgt/>
+                  </p:tgtEl>
+                </p:cond>
+              </p:nextCondLst>
+            </p:seq>
+          </p:childTnLst>
+        </p:cTn>
+      </p:par>
+    </p:tnLst>
+    <p:bldLst>
+      <p:bldP spid="20" grpId="0" animBg="1"/>
+      <p:bldP spid="36" grpId="0" animBg="1"/>
+      <p:bldP spid="38" grpId="0" animBg="1"/>
+      <p:bldP spid="41" grpId="0" animBg="1"/>
+    </p:bldLst>
+  </p:timing>
+</p:sld>
+</file>
+
+<file path=ppt/slides/slide13.xml><?xml version="1.0" encoding="utf-8"?>
+<p:sld xmlns:a="http://schemas.openxmlformats.org/drawingml/2006/main" xmlns:r="http://schemas.openxmlformats.org/officeDocument/2006/relationships" xmlns:p="http://schemas.openxmlformats.org/presentationml/2006/main">
+  <p:cSld>
+    <p:spTree>
+      <p:nvGrpSpPr>
+        <p:cNvPr id="1" name=""/>
+        <p:cNvGrpSpPr/>
+        <p:nvPr/>
+      </p:nvGrpSpPr>
+      <p:grpSpPr>
+        <a:xfrm>
+          <a:off x="0" y="0"/>
+          <a:ext cx="0" cy="0"/>
+          <a:chOff x="0" y="0"/>
+          <a:chExt cx="0" cy="0"/>
+        </a:xfrm>
+      </p:grpSpPr>
       <p:sp>
         <p:nvSpPr>
           <p:cNvPr id="10" name="Text Placeholder 2"/>
@@ -10294,8 +13885,27 @@
           <a:p>
             <a:r>
               <a:rPr lang="en-US" sz="2800" dirty="0" smtClean="0"/>
-              <a:t>Pros: no installation, code and tools everywhere accessible </a:t>
-            </a:r>
+              <a:t>No </a:t>
+            </a:r>
+            <a:r>
+              <a:rPr lang="en-US" sz="2800" dirty="0" smtClean="0"/>
+              <a:t>installation, code and tools everywhere accessible </a:t>
+            </a:r>
+          </a:p>
+          <a:p>
+            <a:r>
+              <a:rPr lang="en-US" sz="2800" dirty="0" smtClean="0"/>
+              <a:t>Offline development restricted</a:t>
+            </a:r>
+          </a:p>
+          <a:p>
+            <a:r>
+              <a:rPr lang="en-US" sz="2800" dirty="0" smtClean="0"/>
+              <a:t>Turn-around time: one page reload</a:t>
+            </a:r>
+          </a:p>
+          <a:p>
+            <a:endParaRPr lang="en-US" sz="1000" dirty="0" smtClean="0"/>
           </a:p>
           <a:p>
             <a:r>
@@ -10304,42 +13914,471 @@
             </a:r>
             <a:r>
               <a:rPr lang="en-US" sz="2800" dirty="0" smtClean="0"/>
-              <a:t>in what </a:t>
-            </a:r>
-            <a:r>
-              <a:rPr lang="en-US" sz="2800" smtClean="0"/>
-              <a:t>you </a:t>
-            </a:r>
-            <a:r>
-              <a:rPr lang="en-US" sz="2800" smtClean="0"/>
-              <a:t>implement</a:t>
+              <a:t>in what you implement</a:t>
+            </a:r>
+          </a:p>
+          <a:p>
+            <a:pPr lvl="1">
+              <a:buFont typeface="Arial" pitchFamily="34" charset="0"/>
+              <a:buChar char="+"/>
+            </a:pPr>
+            <a:r>
+              <a:rPr lang="en-US" sz="2400" dirty="0" smtClean="0"/>
+              <a:t>No need to switch window</a:t>
             </a:r>
           </a:p>
           <a:p>
             <a:pPr lvl="1"/>
+            <a:r>
+              <a:rPr lang="en-US" sz="2400" dirty="0" err="1"/>
+              <a:t>G</a:t>
+            </a:r>
+            <a:r>
+              <a:rPr lang="en-US" sz="2400" dirty="0" err="1" smtClean="0"/>
+              <a:t>it</a:t>
+            </a:r>
+            <a:r>
+              <a:rPr lang="en-US" sz="2400" dirty="0" smtClean="0"/>
+              <a:t> generally used in extra console</a:t>
+            </a:r>
+          </a:p>
+          <a:p>
+            <a:pPr lvl="1"/>
+            <a:r>
+              <a:rPr lang="en-US" sz="2400" dirty="0" smtClean="0"/>
+              <a:t>Likely to break ide during development</a:t>
+            </a:r>
             <a:endParaRPr lang="en-US" sz="2400" dirty="0" smtClean="0"/>
           </a:p>
-          <a:p>
-            <a:r>
-              <a:rPr lang="en-US" sz="2800" dirty="0"/>
-              <a:t>O</a:t>
-            </a:r>
-            <a:r>
-              <a:rPr lang="en-US" sz="2800" dirty="0" smtClean="0"/>
-              <a:t>ffline development restricted</a:t>
-            </a:r>
-          </a:p>
-          <a:p>
-            <a:r>
-              <a:rPr lang="en-US" sz="2800" dirty="0" smtClean="0"/>
-              <a:t>Turn-around time: one page reload</a:t>
-            </a:r>
+        </p:txBody>
+      </p:sp>
+      <p:sp>
+        <p:nvSpPr>
+          <p:cNvPr id="3" name="Text Placeholder 2"/>
+          <p:cNvSpPr txBox="1">
+            <a:spLocks noGrp="1"/>
+          </p:cNvSpPr>
+          <p:nvPr>
+            <p:ph type="body" idx="4294967295"/>
+          </p:nvPr>
+        </p:nvSpPr>
+        <p:spPr>
+          <a:xfrm>
+            <a:off x="457200" y="1077840"/>
+            <a:ext cx="8291264" cy="5303488"/>
+          </a:xfrm>
+        </p:spPr>
+        <p:txBody>
+          <a:bodyPr/>
+          <a:lstStyle>
+            <a:defPPr marL="432000" lvl="0" indent="-324000">
+              <a:spcBef>
+                <a:spcPts val="0"/>
+              </a:spcBef>
+              <a:spcAft>
+                <a:spcPts val="1417"/>
+              </a:spcAft>
+              <a:buSzPct val="45000"/>
+              <a:buFont typeface="StarSymbol"/>
+              <a:buNone/>
+              <a:defRPr lang="en-US" sz="3200" b="0" i="0" u="none" strike="noStrike" kern="1200">
+                <a:ln>
+                  <a:noFill/>
+                </a:ln>
+                <a:latin typeface="Arial" pitchFamily="18"/>
+                <a:ea typeface="Droid Sans" pitchFamily="2"/>
+                <a:cs typeface="Lohit Hindi" pitchFamily="2"/>
+              </a:defRPr>
+            </a:defPPr>
+            <a:lvl1pPr marL="432000" lvl="0" indent="-324000">
+              <a:spcBef>
+                <a:spcPts val="0"/>
+              </a:spcBef>
+              <a:spcAft>
+                <a:spcPts val="1417"/>
+              </a:spcAft>
+              <a:buSzPct val="45000"/>
+              <a:buFont typeface="StarSymbol"/>
+              <a:buChar char="●"/>
+              <a:defRPr lang="en-US" sz="3200" b="0" i="0" u="none" strike="noStrike" kern="1200">
+                <a:ln>
+                  <a:noFill/>
+                </a:ln>
+                <a:latin typeface="Arial" pitchFamily="18"/>
+                <a:ea typeface="Droid Sans" pitchFamily="2"/>
+                <a:cs typeface="Lohit Hindi" pitchFamily="2"/>
+              </a:defRPr>
+            </a:lvl1pPr>
+            <a:lvl2pPr marL="864000" lvl="1" indent="-324000">
+              <a:spcBef>
+                <a:spcPts val="0"/>
+              </a:spcBef>
+              <a:spcAft>
+                <a:spcPts val="1134"/>
+              </a:spcAft>
+              <a:buSzPct val="75000"/>
+              <a:buFont typeface="StarSymbol"/>
+              <a:buChar char="–"/>
+              <a:defRPr lang="en-US" sz="2800" b="0" i="0" u="none" strike="noStrike" kern="1200">
+                <a:ln>
+                  <a:noFill/>
+                </a:ln>
+                <a:latin typeface="Arial" pitchFamily="18"/>
+                <a:ea typeface="Droid Sans" pitchFamily="2"/>
+                <a:cs typeface="Lohit Hindi" pitchFamily="2"/>
+              </a:defRPr>
+            </a:lvl2pPr>
+            <a:lvl3pPr marL="1295999" lvl="2" indent="-288000">
+              <a:spcBef>
+                <a:spcPts val="0"/>
+              </a:spcBef>
+              <a:spcAft>
+                <a:spcPts val="850"/>
+              </a:spcAft>
+              <a:buSzPct val="45000"/>
+              <a:buFont typeface="StarSymbol"/>
+              <a:buChar char="●"/>
+              <a:defRPr lang="en-US" sz="2400" b="0" i="0" u="none" strike="noStrike" kern="1200">
+                <a:ln>
+                  <a:noFill/>
+                </a:ln>
+                <a:latin typeface="Arial" pitchFamily="18"/>
+                <a:ea typeface="Droid Sans" pitchFamily="2"/>
+                <a:cs typeface="Lohit Hindi" pitchFamily="2"/>
+              </a:defRPr>
+            </a:lvl3pPr>
+            <a:lvl4pPr marL="1728000" lvl="3" indent="-216000">
+              <a:spcBef>
+                <a:spcPts val="0"/>
+              </a:spcBef>
+              <a:spcAft>
+                <a:spcPts val="567"/>
+              </a:spcAft>
+              <a:buSzPct val="75000"/>
+              <a:buFont typeface="StarSymbol"/>
+              <a:buChar char="–"/>
+              <a:defRPr lang="en-US" sz="2000" b="0" i="0" u="none" strike="noStrike" kern="1200">
+                <a:ln>
+                  <a:noFill/>
+                </a:ln>
+                <a:latin typeface="Arial" pitchFamily="18"/>
+                <a:ea typeface="Droid Sans" pitchFamily="2"/>
+                <a:cs typeface="Lohit Hindi" pitchFamily="2"/>
+              </a:defRPr>
+            </a:lvl4pPr>
+            <a:lvl5pPr marL="2160000" lvl="4" indent="-216000">
+              <a:spcBef>
+                <a:spcPts val="0"/>
+              </a:spcBef>
+              <a:spcAft>
+                <a:spcPts val="283"/>
+              </a:spcAft>
+              <a:buSzPct val="45000"/>
+              <a:buFont typeface="StarSymbol"/>
+              <a:buChar char="●"/>
+              <a:defRPr lang="en-US" sz="2000" b="0" i="0" u="none" strike="noStrike" kern="1200">
+                <a:ln>
+                  <a:noFill/>
+                </a:ln>
+                <a:latin typeface="Arial" pitchFamily="18"/>
+                <a:ea typeface="Droid Sans" pitchFamily="2"/>
+                <a:cs typeface="Lohit Hindi" pitchFamily="2"/>
+              </a:defRPr>
+            </a:lvl5pPr>
+            <a:lvl6pPr marL="2592000" lvl="5" indent="-216000">
+              <a:spcBef>
+                <a:spcPts val="0"/>
+              </a:spcBef>
+              <a:spcAft>
+                <a:spcPts val="283"/>
+              </a:spcAft>
+              <a:buSzPct val="45000"/>
+              <a:buFont typeface="StarSymbol"/>
+              <a:buChar char="●"/>
+              <a:defRPr lang="en-US" sz="2000" b="0" i="0" u="none" strike="noStrike" kern="1200">
+                <a:ln>
+                  <a:noFill/>
+                </a:ln>
+                <a:latin typeface="Arial" pitchFamily="18"/>
+                <a:ea typeface="Droid Sans" pitchFamily="2"/>
+                <a:cs typeface="Lohit Hindi" pitchFamily="2"/>
+              </a:defRPr>
+            </a:lvl6pPr>
+            <a:lvl7pPr marL="3024000" lvl="6" indent="-216000">
+              <a:spcBef>
+                <a:spcPts val="0"/>
+              </a:spcBef>
+              <a:spcAft>
+                <a:spcPts val="283"/>
+              </a:spcAft>
+              <a:buSzPct val="45000"/>
+              <a:buFont typeface="StarSymbol"/>
+              <a:buChar char="●"/>
+              <a:defRPr lang="en-US" sz="2000" b="0" i="0" u="none" strike="noStrike" kern="1200">
+                <a:ln>
+                  <a:noFill/>
+                </a:ln>
+                <a:latin typeface="Arial" pitchFamily="18"/>
+                <a:ea typeface="Droid Sans" pitchFamily="2"/>
+                <a:cs typeface="Lohit Hindi" pitchFamily="2"/>
+              </a:defRPr>
+            </a:lvl7pPr>
+            <a:lvl8pPr marL="3456000" lvl="7" indent="-216000">
+              <a:spcBef>
+                <a:spcPts val="0"/>
+              </a:spcBef>
+              <a:spcAft>
+                <a:spcPts val="283"/>
+              </a:spcAft>
+              <a:buSzPct val="45000"/>
+              <a:buFont typeface="StarSymbol"/>
+              <a:buChar char="●"/>
+              <a:defRPr lang="en-US" sz="2000" b="0" i="0" u="none" strike="noStrike" kern="1200">
+                <a:ln>
+                  <a:noFill/>
+                </a:ln>
+                <a:latin typeface="Arial" pitchFamily="18"/>
+                <a:ea typeface="Droid Sans" pitchFamily="2"/>
+                <a:cs typeface="Lohit Hindi" pitchFamily="2"/>
+              </a:defRPr>
+            </a:lvl8pPr>
+            <a:lvl9pPr marL="3887999" lvl="8" indent="-216000">
+              <a:spcBef>
+                <a:spcPts val="0"/>
+              </a:spcBef>
+              <a:spcAft>
+                <a:spcPts val="283"/>
+              </a:spcAft>
+              <a:buSzPct val="45000"/>
+              <a:buFont typeface="StarSymbol"/>
+              <a:buChar char="●"/>
+              <a:defRPr lang="en-US" sz="2000" b="0" i="0" u="none" strike="noStrike" kern="1200">
+                <a:ln>
+                  <a:noFill/>
+                </a:ln>
+                <a:latin typeface="Arial" pitchFamily="18"/>
+                <a:ea typeface="Droid Sans" pitchFamily="2"/>
+                <a:cs typeface="Lohit Hindi" pitchFamily="2"/>
+              </a:defRPr>
+            </a:lvl9pPr>
+          </a:lstStyle>
+          <a:p>
+            <a:endParaRPr lang="en-US" sz="2800" dirty="0" smtClean="0"/>
+          </a:p>
+          <a:p>
+            <a:endParaRPr lang="en-US" sz="2800" dirty="0"/>
+          </a:p>
+        </p:txBody>
+      </p:sp>
+      <p:sp>
+        <p:nvSpPr>
+          <p:cNvPr id="2" name="Title 1"/>
+          <p:cNvSpPr txBox="1">
+            <a:spLocks noGrp="1"/>
+          </p:cNvSpPr>
+          <p:nvPr>
+            <p:ph type="title" idx="4294967295"/>
+          </p:nvPr>
+        </p:nvSpPr>
+        <p:spPr/>
+        <p:txBody>
+          <a:bodyPr/>
+          <a:lstStyle>
+            <a:defPPr lvl="0">
+              <a:buSzPct val="45000"/>
+              <a:buFont typeface="StarSymbol"/>
+              <a:buNone/>
+            </a:defPPr>
+            <a:lvl1pPr lvl="0">
+              <a:buSzPct val="45000"/>
+              <a:buFont typeface="StarSymbol"/>
+              <a:buChar char="●"/>
+            </a:lvl1pPr>
+            <a:lvl2pPr lvl="1">
+              <a:buSzPct val="45000"/>
+              <a:buFont typeface="StarSymbol"/>
+              <a:buChar char="●"/>
+            </a:lvl2pPr>
+            <a:lvl3pPr lvl="2">
+              <a:buSzPct val="45000"/>
+              <a:buFont typeface="StarSymbol"/>
+              <a:buChar char="●"/>
+            </a:lvl3pPr>
+            <a:lvl4pPr lvl="3">
+              <a:buSzPct val="45000"/>
+              <a:buFont typeface="StarSymbol"/>
+              <a:buChar char="●"/>
+            </a:lvl4pPr>
+            <a:lvl5pPr lvl="4">
+              <a:buSzPct val="45000"/>
+              <a:buFont typeface="StarSymbol"/>
+              <a:buChar char="●"/>
+            </a:lvl5pPr>
+            <a:lvl6pPr lvl="5">
+              <a:buSzPct val="45000"/>
+              <a:buFont typeface="StarSymbol"/>
+              <a:buChar char="●"/>
+            </a:lvl6pPr>
+            <a:lvl7pPr lvl="6">
+              <a:buSzPct val="45000"/>
+              <a:buFont typeface="StarSymbol"/>
+              <a:buChar char="●"/>
+            </a:lvl7pPr>
+            <a:lvl8pPr lvl="7">
+              <a:buSzPct val="45000"/>
+              <a:buFont typeface="StarSymbol"/>
+              <a:buChar char="●"/>
+            </a:lvl8pPr>
+            <a:lvl9pPr lvl="8">
+              <a:buSzPct val="45000"/>
+              <a:buFont typeface="StarSymbol"/>
+              <a:buChar char="●"/>
+            </a:lvl9pPr>
+          </a:lstStyle>
+          <a:p>
+            <a:pPr>
+              <a:buNone/>
+            </a:pPr>
+            <a:r>
+              <a:rPr lang="en-US" dirty="0" smtClean="0"/>
+              <a:t>Web-based development</a:t>
+            </a:r>
+            <a:endParaRPr lang="en-US" dirty="0"/>
+          </a:p>
+        </p:txBody>
+      </p:sp>
+      <p:sp>
+        <p:nvSpPr>
+          <p:cNvPr id="13" name="Date Placeholder 1"/>
+          <p:cNvSpPr>
+            <a:spLocks noGrp="1"/>
+          </p:cNvSpPr>
+          <p:nvPr>
+            <p:ph type="dt" sz="half" idx="10"/>
+          </p:nvPr>
+        </p:nvSpPr>
+        <p:spPr>
+          <a:xfrm>
+            <a:off x="0" y="6583679"/>
+            <a:ext cx="1097280" cy="274320"/>
+          </a:xfrm>
+        </p:spPr>
+        <p:txBody>
+          <a:bodyPr/>
+          <a:lstStyle/>
+          <a:p>
+            <a:pPr lvl="0"/>
+            <a:r>
+              <a:rPr lang="en-US" dirty="0" smtClean="0"/>
+              <a:t>15.05.2012</a:t>
+            </a:r>
+            <a:endParaRPr lang="en-US" dirty="0"/>
+          </a:p>
+        </p:txBody>
+      </p:sp>
+      <p:sp>
+        <p:nvSpPr>
+          <p:cNvPr id="14" name="Footer Placeholder 2"/>
+          <p:cNvSpPr>
+            <a:spLocks noGrp="1"/>
+          </p:cNvSpPr>
+          <p:nvPr>
+            <p:ph type="ftr" sz="quarter" idx="11"/>
+          </p:nvPr>
+        </p:nvSpPr>
+        <p:spPr>
+          <a:xfrm>
+            <a:off x="1277280" y="6583679"/>
+            <a:ext cx="5526968" cy="274320"/>
+          </a:xfrm>
+        </p:spPr>
+        <p:txBody>
+          <a:bodyPr/>
+          <a:lstStyle/>
+          <a:p>
+            <a:pPr lvl="0"/>
+            <a:r>
+              <a:rPr lang="en-US" dirty="0" smtClean="0"/>
+              <a:t>| </a:t>
+            </a:r>
+            <a:r>
+              <a:rPr lang="en-US" dirty="0" err="1" smtClean="0"/>
+              <a:t>Kahl</a:t>
+            </a:r>
+            <a:r>
+              <a:rPr lang="en-US" dirty="0" smtClean="0"/>
+              <a:t>, </a:t>
+            </a:r>
+            <a:r>
+              <a:rPr lang="en-US" dirty="0" err="1" smtClean="0"/>
+              <a:t>Platz</a:t>
+            </a:r>
+            <a:r>
+              <a:rPr lang="en-US" dirty="0" smtClean="0"/>
+              <a:t>, </a:t>
+            </a:r>
+            <a:r>
+              <a:rPr lang="en-US" dirty="0" err="1" smtClean="0"/>
+              <a:t>Schilf</a:t>
+            </a:r>
+            <a:r>
+              <a:rPr lang="en-US" dirty="0" smtClean="0"/>
+              <a:t> | Web-</a:t>
+            </a:r>
+            <a:r>
+              <a:rPr lang="en-US" dirty="0" err="1" smtClean="0"/>
+              <a:t>dev</a:t>
+            </a:r>
+            <a:r>
+              <a:rPr lang="en-US" dirty="0" smtClean="0"/>
+              <a:t> SS 2012</a:t>
+            </a:r>
+            <a:endParaRPr lang="en-US" dirty="0"/>
+          </a:p>
+        </p:txBody>
+      </p:sp>
+      <p:sp>
+        <p:nvSpPr>
+          <p:cNvPr id="4" name="AutoShape 2" descr="data:image/jpeg;base64,/9j/4AAQSkZJRgABAQAAAQABAAD/2wCEAAkGBhQSEBUQEhQVFBQQFBUUFBcVFRUVFBAUFBAVFBUUEhYXHCYeGBojGRUUHy8gJScpLCwsFR4xNTAqNSYrLCkBCQoKDgwOGg8PGiwkHyUsLCwqKSwsLCwsLSwsLCwsLCwpKSwsLCwsLCwpLCwsLCwsLCksKSwpLCwsKSwsKSwsLP/AABEIAOEA4QMBIgACEQEDEQH/xAAcAAABBQEBAQAAAAAAAAAAAAAAAgMEBQcGAQj/xABHEAABAwEEBgYGCAMHBAMAAAABAAIDEQQSITEFBkFRYXEHEyKBkaEyQlKCscEUIzNicpLR8ENjoiREU3ODssIVFuHxF5PD/8QAGgEAAgMBAQAAAAAAAAAAAAAAAAQCAwUBBv/EAC0RAAICAQQABAYCAgMAAAAAAAABAgMRBBIhMRMiQVEFFDJhkfBxgcHRFSOh/9oADAMBAAIRAxEAPwDcUIQgAQhCABCEIAEJL5QASTQAVJOAAGZJ2BZ9rL0uwxVZZB17xhfNRC08DnJ7tB95cbS7ITsjBZkzQXvAxOXw5rltL9J1hgqOs65w9WACTxfUMH5lkOkNOW3SMgjc6SYuNWwxghgxz6tuFB7Tq811Wguh2R9H2uQRD/Djo+Tk557De4O5qve30J/Mzs4qj/bPdJ9NUp+wgZGPalcXn8rboH5iqlms2mLX9k60Fp2wxBjKV2SBvneWn6J1KsdmoY4GFw9eT6x/MOfWndRXL5F3a32zvg2S+uf4McGpelpsZHyDZ9ba3OI7muefJDuiq2HF0kPe+d3/AOS118iYfIubEcelh65f9mSv6L7U3ESQ9xnb59UmnaraRiNWSmo/w7U9h/rLVrD5VGllRsRD5eC6yv7MwGsOlrMO1JaLorjI1sze95a7/crXRvTPaG0E0MUo2lhdE7njeaTwwXWTRNOynFvZPkqPSmgI5cXNY873C6/87aFcw10yGLIfTL88nQaI6V7FNQPc6zuOyUUbXhI0lviQuvgtDXgOaQ5rhUFpBa4bwRgVgWktU7p+rcQfZk2/hePmO9V2j9KWqwvrE98JOJAILH8S01Y/nTvXVNrslHWyjxYv7R9JIWZat9MTXEMtrOrP+LGHGM/jZi5nMXhyWj2a2MkYJI3Nex4q1zSHNcN4IwKsTTH67YWLMWPIQhdLAQhCABCEIAEIQgAQhCABCEIAKqk1o1ugsMd+V1XOrcjbQySUzujYN7jQBVOvXSAyxN6qOklpcKtb6sQOT5aeTczwGKxmSSa12i84ummmOe13AZBrQOQA3BVynjhCWo1Sr8seWWWtGu1otxpIbkVezCwm5wvnOR3PDcAr3VToqlnpLai6CI4hn8aQcQfsxzqeAzXWakdHUdlDZ5wJJ8x7MP4Adv3jjyyXaOeuKOeWVV6Zye+7l+xD0ToWCyx9XBG2Nu2npPO97ji48SVKc9Jc9MvkVg9wuELc9MvkSHyJh8i4Qchb5FHfKkSSqO+VcK3IXJKo0kqRJKokky5kqchyWZRJZk3LMocs65kplMXPLUUOI4qlt9kDgQACPZOI7jsP7qpU06gzWhRyLzkmc5bNH3TVtcNhzH6/vNSdXtabRYn34H0aTV8bsY5PxN2H7wofgpFreDz3qltAx/eKiLqTg8xZvWp+vkNvbdH1c7RV0TjjTa6M+u3jmNoC6aq+W4pnMcHscWuYbzXNJDmuGRaRiCtj6P8ApLFppZrSWttGTH5NtHCmTZOGR2bhbGeeGa+m1as8suzQkLwFeqwfBCEIAEIQgAQhCABcd0ga9NsTOrjo60yN7AOIibiOskHOtBtI3Aq21u1nZYbM6Z3acezEytOskIqBwAzJ2AHgF8+263PmlfNK4ufIbznH4DcAMANgAVc5Y4Qlq9T4S2x7Z6xkk8vrSSzOqSTV0jjmST5nIAbAFs+oupbLJGJHUdM8Crqd4Da5N3bTmcaBtP0can9W36RK3tuGR9RpoRHzODne632q6C565CPqynS0bf8Asn2xTnppz0lz0y6RWDzYt8iYfIkPkUeSZcKpSHHyJh8iSwPf6DS7iMvzHDzT7NAyuzLG95cfKg81wh5pdIhPlUaSVXX/AGsdsp7mAfElIk1RrlM7va0/AhcwyDqs9jn5JFElkV3bNUZhUscx/DFhPjUea563wyRGkrHM3XhgeTh2T3FQeUJ274fUhmaRQJpU7LKoM71DcKO8ZmnUCa0JdoKgylGSt2ZEyyKJKU49yZK5kjkacEgcNmOGymIITjgnrIG1ocPmotkt21ZNa6NekP6RSyWk/XtH1bz/AHhoGR/mADHeBXetFC+XZ43RPD2ktLSHNc00LXA1DmnYQcardejzXQW+z0fQWiGjZWjC9X0ZWj2XUOGwgjdW+ueeDc0ep8WOH2dahCFcPghCEACRLIGguJAAFSTgABiSeCWs86XdZeqs4sbD27TUvpm2EGhHvns8g9cbwsldk1XFyZn2u2tBt1qMgJ6qOrIB9yuLzxeQDyujYntRtAfSJw8irIiKA5PkOLAd4bQvP4QNq5tre+u7bwC2vUnQws8IBzaCCd8jqGV3d2WjgFQvMzEpTvt3SOlijDGhoyG/MnMk8SanvSXSJD5Ey+RXGw2LfImHypEkqXYrCZTU4M37XcG8OK4V5beENRsdIaMFd59Ucz8s1ZQ6IjYL0hDqYkuwYO7Lxql2u2shFxoFQMGjIcXHZ8SqG02h0hq813DJo5BDaRyUo1/dlvaNPsbgwF9N3Zb4n5BV82n5TldbyFT4u/RQ7q8uKDkxeV1kvUcfpKY/xHdxA+ASRpCX/Ef41+KTdRcUeSvMvdkyHT8rcyHjiKHxb+isYdMRSi5IA29gQ+hY7hXI99FQ3UXVJSaJxunH7/yK05qC14L7MerdnccT1bvwnEs8xwCz+22d8bzHK0se3Npz5imBHEVC0mw6RfFgO032Ts/CdnwVhpDRkFuiuvGIycKCSIncdnLI8VGUFLlFN2kr1CzX5Ze3o/39RjMoUGdi6LWHV6WySXJBVrj2JAOzIP8Ai6mbfiMVSvYl8tcGBLfVLbNYZVPYmip80ahvau5GISyNOTZ3pwpDl0vRNjd1jLpzC81f07JYbUy0R4lho9uXWxml9h5gAg7CAdihwS3XAp3SUWTxtUE9rCqTqs4/o+l9GaQZPCyeJ15krQ9p3gjyO8bCCpSyHoW1oo5+j3nB16WCuw5yxjn6Y99a8n4y3LJ6euasipIEIQpFgl7qCpyGfBfOetGmzbLXLaPVe6kYOyJuEfiO1zeVsXSdpfqNHSUNHT0gb/qA3z/9YesJaFTY/QyfiNuMQX8l5qhYb9pa4irYQZTzbQMH5y0+6Vs9njuRtZ7Ix/EcXeZKzro6sWF8/wASUD3Im3viXDuWhPlRDoNHHbDIt8ijySpL5VGcS5wa3FzjQc+PDb3KWS9yJlgshmfj6DfSO/c0fvLmrW323qxcZStO5g5fAfsqDRBEAMaYD7zjiSfMqpcCSScScTxK6+CyT2LC7GC3bmTid5O8ry4nrimWLR17tOwbs3u/QKGMlEYOTwiBDZHPNGiu/cOZVjBoH23dzf1P6KBrDrrBZPqmDrJR/DaaNj/zHeryxPDas+0prfa7RUOlcxp9SGsYpuLh23d5pwXW4xCcqquJcs1SexWeOnWFra5F76V8SAkM+iON1roiTkGyip5AOWJusFTUgVO04k8zmkO0WNzfBR3/AGKfnF6QX7/RuU2gWH0S5vPtDzx81W2rRr2YkVG8ZDmMwsq0fpC02Y1gmewD1akxnnG6rfJd5q30nNeRFbGiJxwErfsXH79T9WeZI4hdUov7FsLareMbWWFxLgkcx15poR5jcd4VtbdFg9qMc2jI8W7jwVZdQ1gJVuDLZzIrZC6KVoII7TTmDsc0555EZLJtZtXH2OW46rmOqY309MDMHYHDCviM8NFjcWkObgR+6HgrDSFgjttnMbxnu9KN4yc3iPMGm0rk4b19yGo08dXDD+pdMw6RihTRq30jYXQyvhkFHxuuncdxHAggjgQoEkRJAAJJIAABJJJoAAMzwSmTzcFKMtr7KtwTbleWvVG2NbfNlnu7+rJIHFoq4d4VFeUuTQ2Sj2sCHKZZ3X4y3aFEcnLFJR/NRl0cmsxEaP0g+zzxzx+nA8PbxLT6J4EVaeDivp7RekWzwxzx4smY2Rv4XNBFeOK+XrfHR5Wy9CWmussclmJ7Vlk7P+XLV7f6xKO4JiiXoa+hszwaMhCE0ahkXTRpK9PBZxlGx0rucjrjfARv/Ms9YFfdIVs6zSdoOYY5sQ/042tP9V5UbUrN8nmdZPdazT9SobsMfCIu75H3vg5dE+VUughdbd9mONvg2nyU98qmuEaEHiCFySqx1as95zpTk3st5kVcfCg7yqGeamK6/RUPVWZm+5eP4ndo+ZUo8sto808+w1b5Lz+DcBz2/vgo1xP3EXF0tfLye2Sx3jU+iM+J3Kg151xMP9mgNJSO28fwWkYBv3yMeAx2hX2ndKCx2V8uBLRRo9uRxo0crxx4ArH4g57jI8lznEucTm9xNS496jJ7eEU6i3wo7I9s8is9cTtx4knEknjvUhsYCcATcsoCpyZMpJcnhTbkzJaCeCjPeobheV69CU9MPao5lIxrRdRojUS2TsvljYmkVaZSWud7gBI76KUXnotpcrXiKLHUPXIwubZJ3fVE3YnH+ETkwn2DkN2WXo95pKyD7RuR9LnvWX6S1EtUYJDGygZ9W6p/I4Bx7gV22oWsBngMM1etgIjkDqhxBHYc4HGpAIPFpO1Xxz9LNuhza8Oxc+hMuKRYJbj+DsD8j4/FEsN0lu7zGxILFLokk4vJzPShoKpjtUbSSS2GQNBJcXGkRoMzeNz3mhWmpeprbKwTzBpncK1NCIBT0WHfQmrhyGGfUWZ4cwE4kZ8xt+ahWy0XuyPRH9R38lHYlLcHy9cbHf6v9yOjSra+iab9vOi57XLUGG3xmWMNjtFKskGAkIyZMBmDlezb4g2VxTtFesNmB78R8vJT74ZYnv8ALLlM+aJY3Nc5jgWuY5zXA5tc1xa5p4ggjuSGuoQeK6LpIja3S1qDci9hP4nWeJzv6iVzbklJYeDHshtk4knSbcjvC6jod0p1WkxHstMT4/eaOtafBjx7y5m24xtKb1ft3U2yzzVoIp4nE7A3rBer7pKjTLGDujlta/k+paoRcQtI9CfNelp79pnkPrzzO/NM8/NNAYHkfgm71STvJPiap9jUlI8hbLMmzTtHSel7v/JSHyqs0bPUA+0xp8QD81IfKp54H/E4FUvvaz23tZ+Z4b81olr9Gm8/+VnOjHVtMI/ms8nV+S0acZKyt5THtHzGTIdxOQR9ocMfBLuJcDce5WDijycJ0oWy8+CzjIB0rufoM8usXKxx0CvNeTXSDvuxRAd993/Iqpa1I2WeZmNqXmyT/eBiZ1AoL1NmGKbZFt8Ev4uXgyp5nLBGEG9HVjcFJe1RZJhuVykjuIw7Op1D0A2SU2l7QWwkBgIwMlK3iMjdFKcXA7Fop0h6owO8/Jcl0bTh9lkaPSjmJcNoDmMunkbrvAq/czFO1428HpdLGMaYuHqTHzE5jHgmWtaXXwBfpdrTtUrW6TnSoGCVA6o4hN2mGhrvUxlSa7JE4qA7aMD8kzcRZpTi04g/LJPXEMhJZeRoE0I2HP8Af7ySbqfuLy4uEcDNxSLRaWWaB80rg1kbS953ADIbzsG8lPMYGAvfQUBJJIAaAKkknLDMrEekXX11uf1EJIssbqjMG0OGUjtzR6re840DeSkoLLCUo0x3S79Dk9KaRdaLRLaHCjp5HSEezedg3uFB3KK5LDUl6RbyYzlueSXP9k397FUzZHkfgrW1YMA4fJVT1XA5R/k3v/5Afw8ELFf+vv3nzQnvGRsePEksZQ03EjwNFLialWuAttE0ZzZNK0+7K4fJPwxKmTPL6h7JNHT6In+qYfu3T7pp/wAQprpFS6Dk7Bb7Jr3OH6g+KtAqpTwi6M8xRI0ZJS0wndNH5yAfNak9qyJ7qdoZto4c2mo8wtcgmD2hwycA4ciKhXaWe7KNn4c8qS/gTcXrGpyiKJ01MGca92alsDtkkTPFrntPkW+Ko2hdv0gWC9GyUfwiQfwvoCe5wb4lcWwLF1bcLGYurhtmyG9qX1aeMaVdwWfTbyzKrXLK+0N2KI+NWU8eKabFirlZmWCmccyPNXNPusVo60AuY4XZWj1mVrUVwvA4jvG1axZrfDaYxNC4PacCRm07nA4tPArI7XBUclCsk0kUgfE90bsiWEtJG51MxwOC0qb9nDNDS6x6f/rlyjbI2UIUi0R9krM7B0hzswla2Ub/ALN/i0XT+ULqtHdJdjnF1z3QvOF2UUBPB4qzxITqsizbhqKp9P8AJbxDtDmptxR4LrrrmkEHIg1B5EYFT+rVgxgYuJxkYGJSw1Zh0ia8GQusdnd2BVszwftDkY2Eer7R25ZVrCclBZZTdbCmO6RWdI2vZtJNls7v7O00e4f3gjYP5YP5qVypXP3MU17VGekJTcnlmBO+V0tzGSE0W1w34eJTrykRelXdioNnUOW5+CrXlTLW5QJT2TyPwRBcF1MeCZ/0x+4oWxf9iy+wfJCc8FGn8ujkNcrL1WlLS3Y6TrB/qsbIT4uKRAxdF0waPuWuG0DKaMsP4onVx5tkH5eCobFiAq7VhnmvikdlrHNHPuyU31b54edPFXbSqKRlHHirizy3gDt289qz7JYK6JZiPELvtS7bfsrW7YSYzyGLP6S0dxXBhXGqmkuptAB9GajDwdXsHxJb7w3KvS6hQuWenwa2it2WLPT4NDQvAV6vRHoSLpGzh7C1wq0gtcN4cKELNLfo10EhjdiM2u9tuw89h4hao5tRRUeltFNlbcfgRi1wzad44cNqU1en8aPHa6F76fEX3OALEXVNt2jnwuuvGfouHov5HfwzUYheSsU6Z8o8/ZVKuWRiSKqY6milOCZkKvhfF8lLce2iFadyiNixruU17Enq6BOVTcnkpw5SyQpW0VfBB2q7lYWs7F5Z4aCu9Pxllhu8+PYTBbpYO1BI+Mk+o6gPNuR7wun0V0pWmMXZmMmA2j6p/fQFp8AuXe2pS2wqXiyT4Zz/AJCyuXkkdNrB0jyzxmKJnUh2DnX70hbtDaABtd+J5LiHR0U+RqhTOUZTcuWVz1VmolmbIcxUNykTuUZxURqtcDTykNK9eU05y6MpCJ3J3Q1h6+1QwUr100UZ2YPkaHY8iVGe5dh0QaL67SsbqVbZmSTHdW71bO+9JUfhO5WVrMkhyiOZJH0NfCF5RC0zaOQ6VtE9do90gFXWVwmG+6Ktk7rji73Qst0PNXBfQFohD2ljgC1wLXA5EEUIPMFfPlq0e6yWuSyu/hPugn1mGhY7vaWnmSlro+pgfGaN0N6LS1R7U9Y5KHmvfSYCmYsDRY16wec00uMexbsKW5lVGgepsYWJfPBpwZ3Gq+meujuvP1keDt7xsf37ePMK8Wa2WV0bxIw0c3wI2tPArvNFaVbOy8MHDBzTmw/MbivR/C/iEdRHw5vzL/399T0Wk1HiR2vsnJqeG8OKdQtodKueAEFjwCDmCKg9xVHa9VGHGNxZwPab8ajxK618YOaYdY9x8VTbRXasTWSE64z+pHCzaqzDK47k6nk4KO7Va0ewPzs/Vd99GduQLM7ckv8Ai9PnOGKPQUv3OFj1KmIxdG3hVzvGgQ7o/nIN2SI877R40K0BlkG3FPgJhaOpLCR35GnGMGO6Q1KtcdSYi8bTGQ/+kdryVTK/1cqYEEUI4EHJbxRUWtGrEdqjJugShpuPyNRk1x2t4HLYq5aTavIzO1Hwnyt1Pn2f+zJGMSnmibZNgm5ZEoeU2tsbmkVfPIn5pFAlfVA9TAZeUy8px5TDypGhFDbimXFOPKYeV0Ziht5W1dBGhblnmtbhjaHiNn+XDUEjnI549wLGbLZXSyMijFXyvaxg3ue4NaPEhfU+gNDtstmiszPRhjayvtEDtOPEuqe9N6ePOTT0sOdxYIQhOD4LNOl7V4lrLewYxUjm4xl3Yf7rnEcn8FpaZtllbJG6N4DmSNLXNOTmuFCD3FRksrBVdWrYODMM0Pa6ih2qZNHQ1VXpjRL7Ba3Wd9S0dqNx/iRk9l3PMHiDwVvZ5Q9vFZOorPB31S01zTFwPVjA5VQFCptnlXntTWOVyLeMVS4pXRPEkZo4eBG0OG0KPZ5VMpULFc5VTUovDHq545R0+iNY2zUa7sSeycnfgO3ln8VcVWcywKfYNY5osHfWt3OJvDk/9a8wvV6L49GSUdR37r/K/wBfg1qdYnxP8ncIVNZNaoX5u6s7n9n+r0fNW8cgcKggjeDUeK9HVdXaswkn/A/GcZdMUhFUK0kCEl7wBUkADachzKoNJ69WWGo6wSOHqxds13EjsjvIUJTjBZk8EJzjBZk8HQErltdtb2WWMxMdW0PaQ1oziBH2j91MwNp4VI5HTnSNaJqthHUMO1pvSkfjyb3CvFce/EkkkkmpJJJJOZJOZSVmsT4h+TG1fxSKTjV37imOoE3LKkveo8j0oeejDLESyKO8pbimHuXRyCG3lMvKW9yZeVIaihDymHlLe5SND6IktVojs0Iq+V10bmjNz3fdaKk8lOKy8DVcW3hHf9CWq3W2h1veOxZqsir60zm0c4fhY6nOTgtwVdq9oSOyWaOzRDsxNpU5uObnu4ucSTzVitKEdqwbVcNkcAhCFMmCEIQBzOvWqAt1no2gmiq6FxwFcKscfZdQciAdix3R1tdG8xvBa5hLXNOBa4GhaRvBX0QVwHSNqGbR/a7OPr2DttH94a0UFP5gGW8YbqU217kZfxDRLUQyuzmGODxULwGi57RelS00P/kbDyPBdHFKHjBYmo055FOVEtsiXBOrGC0KkukZJ6K0rAv02TQhYXzXgrx0aro7Un22pZcqJRGFYOPgUYsumrSWne0lp8QnTaEzJKp174sn4uD06XtDcp5e95d/uqmJ9P2o4G0SdxDfNoBSJHqLK5adeou63P8ALIy1M/dke2SPkxke9/43Of8A7iVDexSZXKJK9NwcpdidlrYxIVGe5OyPUd7k/WhZcsbeUw9yU96Ye9MoZghD3Jh7kp70w96kNQiJe5MvcvXuTL3KSQ1CIlzlvfRTqF9Dh+kztpaZwKg5wRYER8HEgF3EAerjz/RR0bG8zSFrbSlHWeJwxBzE0gOR2tGz0jjSmvgJ+mrbyzW09O1bn2eoQhMDYIQhAAhCEAC8IXqEAZ9r90c9fW1WUAT5vZgG2jiNgk45HbvWZWXSDo3FjwWlpLXNcCHNcDQhwOIIX0aQuW1x1Ahtwvj6qcCgkA9IDJsrfXb5jYdhpsrUjM1ugjesrszyyaTDhiplwHELldLaItFhl6udhaTW64YxyU2xv28sCNoCesmmiM1mW6VM8rZp7KJYR0d0jij6TTNQoNLA7U/9LBWXZpPscV+OGSPpSS60qK6Qbh8E0+QJf5Us8ZMkvtCjyTqM+ZR3zqyOnIueSRJMokkiQ+VMPlTcKcEMNi3vUaSRIknUd8qajDAxCsVJImHvSXyJh8isSG4wFPemHvXjnp/RWiJrVKILPG6R52NyaPae44NbxKmot8IbhW28IhvctY6N+ig1bbLcylKOigcMQcw+cHbtDNmZxwHQ6h9FMVjIntFJrSMQafVQH+UCKl33zjuA298AnaqdvLNajT7OZdgAvUITA2CEIQAIQhAAhCEACEIQAIQhAEa36NjnYYpWNkY7NrgCDx58c1mWsnRA5pL7E+oz6mU4jhHIc+TvzLVkKLin2VW0wtWJI+abZZ5bO/q5mPif7L2kE8W7HDiCQlR6TcNq+itIaMjnZ1c0bJGH1XtDhzodvFcRpfobs0mNnkfZzu+1j/K43h3OVEqcmRd8Kz9PJmjNL70v/qQP/tW+kuie3xegI5x/LeGu72yXRvycVzNt0NaYftbPMwDa6J4bTfepTzS8qfsZk/hzj3EmPtoUd1tVV9KG8eIXvXKHhIitMkTn2spl0yiumTRtI3jxCNhbGn2JTpU06RPWPRU832ME0tdrInuBpn2gKea6PRnRNpCahdGyBp2zPFafgjvGvA07lNVt9IahppvpHLtgcWufkGNvYg9rttZ2TtxcE1DZJJHiOON73uFWsaxznuG8NArTjktosPRGwEfSJHyhzI2OY09XExrLjnBlCX4uZvGZrx7Gx6FjhYeqjEZc4udcAvOxddvmvaoCMCTkro0e5oQ0XuZPqx0KzSkPtr+oZn1bC10zuDnYtZ3XjyWuaF1fgskQhs8bY2DE0GLj7T3HFx4klPiPBpo7AEUJFR952OJp8UgxOOYNaRjPc6r9qYjBR6HoVxh9KJqamJoaYEcMsiadyZcwkBpBoXEnHC6HEgYGuOGC9MHbBDdtamlGgNpRorn+pUywVZXkjGtKChIoTnXA9ykKD1DrtKGvVkDHaTz80uSIkHMUdVtKeyAMCd+NDuQBLQovaAAaDljexNaAiprzQJH1HZww7he57jXuQBKQkoQApCEIAEIQgAQhCABCEIAEIQgBK8jyQhAHDa/fae6Fj2nftDzQhL2Gdq+iNo77QLWtR/tm8/kEIXKjml6NKfkvAhCZNIUUIQgAXiEIAF6hCABCEIA8KEIQB6hCEAf/2Q=="/>
+          <p:cNvSpPr>
+            <a:spLocks noChangeAspect="1" noChangeArrowheads="1"/>
+          </p:cNvSpPr>
+          <p:nvPr/>
+        </p:nvSpPr>
+        <p:spPr bwMode="auto">
+          <a:xfrm>
+            <a:off x="155575" y="-1028700"/>
+            <a:ext cx="2143125" cy="2143125"/>
+          </a:xfrm>
+          <a:prstGeom prst="rect">
+            <a:avLst/>
+          </a:prstGeom>
+          <a:noFill/>
+          <a:extLst>
+            <a:ext uri="{909E8E84-426E-40DD-AFC4-6F175D3DCCD1}">
+              <a14:hiddenFill xmlns:a14="http://schemas.microsoft.com/office/drawing/2010/main">
+                <a:solidFill>
+                  <a:srgbClr val="FFFFFF"/>
+                </a:solidFill>
+              </a14:hiddenFill>
+            </a:ext>
+          </a:extLst>
+        </p:spPr>
+        <p:txBody>
+          <a:bodyPr vert="horz" wrap="square" lIns="91440" tIns="45720" rIns="91440" bIns="45720" numCol="1" anchor="t" anchorCtr="0" compatLnSpc="1">
+            <a:prstTxWarp prst="textNoShape">
+              <a:avLst/>
+            </a:prstTxWarp>
+          </a:bodyPr>
+          <a:lstStyle/>
+          <a:p>
+            <a:endParaRPr lang="en-GB"/>
           </a:p>
         </p:txBody>
       </p:sp>
       <p:pic>
         <p:nvPicPr>
-          <p:cNvPr id="3074" name="Picture 2" descr="http://c9.io/site/wp-content/themes/cloud9/img/logo_cloud9_small.png"/>
+          <p:cNvPr id="11" name="Picture 8"/>
           <p:cNvPicPr>
             <a:picLocks noChangeAspect="1" noChangeArrowheads="1"/>
           </p:cNvPicPr>
@@ -10359,25 +14398,209 @@
           </a:stretch>
         </p:blipFill>
         <p:spPr bwMode="auto">
-          <a:xfrm>
-            <a:off x="6212557" y="2276872"/>
-            <a:ext cx="1695450" cy="381001"/>
+          <a:xfrm rot="5400000">
+            <a:off x="8181033" y="4792626"/>
+            <a:ext cx="404342" cy="845443"/>
           </a:xfrm>
           <a:prstGeom prst="rect">
             <a:avLst/>
           </a:prstGeom>
-          <a:noFill/>
+          <a:ln w="9525">
+            <a:solidFill>
+              <a:schemeClr val="bg1">
+                <a:lumMod val="85000"/>
+              </a:schemeClr>
+            </a:solidFill>
+            <a:miter lim="800000"/>
+            <a:headEnd/>
+            <a:tailEnd/>
+          </a:ln>
+          <a:effectLst>
+            <a:outerShdw blurRad="114300" dist="50800" dir="2700000" algn="ctr" rotWithShape="0">
+              <a:schemeClr val="bg1">
+                <a:lumMod val="85000"/>
+                <a:alpha val="93000"/>
+              </a:schemeClr>
+            </a:outerShdw>
+          </a:effectLst>
           <a:extLst>
             <a:ext uri="{909E8E84-426E-40DD-AFC4-6F175D3DCCD1}">
               <a14:hiddenFill xmlns:a14="http://schemas.microsoft.com/office/drawing/2010/main">
                 <a:solidFill>
-                  <a:srgbClr val="FFFFFF"/>
+                  <a:schemeClr val="accent1"/>
                 </a:solidFill>
               </a14:hiddenFill>
             </a:ext>
           </a:extLst>
         </p:spPr>
       </p:pic>
+      <p:pic>
+        <p:nvPicPr>
+          <p:cNvPr id="12" name="Picture 13"/>
+          <p:cNvPicPr>
+            <a:picLocks noChangeAspect="1" noChangeArrowheads="1"/>
+          </p:cNvPicPr>
+          <p:nvPr/>
+        </p:nvPicPr>
+        <p:blipFill>
+          <a:blip r:embed="rId4">
+            <a:clrChange>
+              <a:clrFrom>
+                <a:srgbClr val="FFFFFF"/>
+              </a:clrFrom>
+              <a:clrTo>
+                <a:srgbClr val="FFFFFF">
+                  <a:alpha val="0"/>
+                </a:srgbClr>
+              </a:clrTo>
+            </a:clrChange>
+            <a:extLst>
+              <a:ext uri="{28A0092B-C50C-407E-A947-70E740481C1C}">
+                <a14:useLocalDpi xmlns:a14="http://schemas.microsoft.com/office/drawing/2010/main" val="0"/>
+              </a:ext>
+            </a:extLst>
+          </a:blip>
+          <a:srcRect/>
+          <a:stretch>
+            <a:fillRect/>
+          </a:stretch>
+        </p:blipFill>
+        <p:spPr bwMode="auto">
+          <a:xfrm>
+            <a:off x="6812208" y="5140867"/>
+            <a:ext cx="971550" cy="971550"/>
+          </a:xfrm>
+          <a:prstGeom prst="rect">
+            <a:avLst/>
+          </a:prstGeom>
+          <a:noFill/>
+          <a:ln>
+            <a:noFill/>
+          </a:ln>
+          <a:effectLst/>
+          <a:extLst>
+            <a:ext uri="{909E8E84-426E-40DD-AFC4-6F175D3DCCD1}">
+              <a14:hiddenFill xmlns:a14="http://schemas.microsoft.com/office/drawing/2010/main">
+                <a:solidFill>
+                  <a:schemeClr val="accent1"/>
+                </a:solidFill>
+              </a14:hiddenFill>
+            </a:ext>
+            <a:ext uri="{91240B29-F687-4F45-9708-019B960494DF}">
+              <a14:hiddenLine xmlns:a14="http://schemas.microsoft.com/office/drawing/2010/main" w="9525">
+                <a:solidFill>
+                  <a:schemeClr val="tx1"/>
+                </a:solidFill>
+                <a:miter lim="800000"/>
+                <a:headEnd/>
+                <a:tailEnd/>
+              </a14:hiddenLine>
+            </a:ext>
+            <a:ext uri="{AF507438-7753-43E0-B8FC-AC1667EBCBE1}">
+              <a14:hiddenEffects xmlns:a14="http://schemas.microsoft.com/office/drawing/2010/main">
+                <a:effectLst>
+                  <a:outerShdw dist="35921" dir="2700000" algn="ctr" rotWithShape="0">
+                    <a:schemeClr val="bg2"/>
+                  </a:outerShdw>
+                </a:effectLst>
+              </a14:hiddenEffects>
+            </a:ext>
+          </a:extLst>
+        </p:spPr>
+      </p:pic>
+      <p:grpSp>
+        <p:nvGrpSpPr>
+          <p:cNvPr id="5" name="Group 4"/>
+          <p:cNvGrpSpPr/>
+          <p:nvPr/>
+        </p:nvGrpSpPr>
+        <p:grpSpPr>
+          <a:xfrm>
+            <a:off x="6804248" y="3865736"/>
+            <a:ext cx="1959019" cy="1043721"/>
+            <a:chOff x="3513639" y="2087955"/>
+            <a:chExt cx="1959019" cy="1043721"/>
+          </a:xfrm>
+        </p:grpSpPr>
+        <p:pic>
+          <p:nvPicPr>
+            <p:cNvPr id="15" name="Picture 2" descr="http://c9.io/site/wp-content/themes/cloud9/img/logo_cloud9_small.png"/>
+            <p:cNvPicPr>
+              <a:picLocks noChangeAspect="1" noChangeArrowheads="1"/>
+            </p:cNvPicPr>
+            <p:nvPr/>
+          </p:nvPicPr>
+          <p:blipFill rotWithShape="1">
+            <a:blip r:embed="rId5">
+              <a:extLst>
+                <a:ext uri="{28A0092B-C50C-407E-A947-70E740481C1C}">
+                  <a14:useLocalDpi xmlns:a14="http://schemas.microsoft.com/office/drawing/2010/main" val="0"/>
+                </a:ext>
+              </a:extLst>
+            </a:blip>
+            <a:srcRect r="69907"/>
+            <a:stretch/>
+          </p:blipFill>
+          <p:spPr bwMode="auto">
+            <a:xfrm>
+              <a:off x="4071013" y="2087955"/>
+              <a:ext cx="844272" cy="630475"/>
+            </a:xfrm>
+            <a:prstGeom prst="rect">
+              <a:avLst/>
+            </a:prstGeom>
+            <a:noFill/>
+            <a:extLst>
+              <a:ext uri="{909E8E84-426E-40DD-AFC4-6F175D3DCCD1}">
+                <a14:hiddenFill xmlns:a14="http://schemas.microsoft.com/office/drawing/2010/main">
+                  <a:solidFill>
+                    <a:srgbClr val="FFFFFF"/>
+                  </a:solidFill>
+                </a14:hiddenFill>
+              </a:ext>
+            </a:extLst>
+          </p:spPr>
+        </p:pic>
+        <p:pic>
+          <p:nvPicPr>
+            <p:cNvPr id="16" name="Picture 2" descr="http://c9.io/site/wp-content/themes/cloud9/img/logo_cloud9_small.png"/>
+            <p:cNvPicPr>
+              <a:picLocks noChangeAspect="1" noChangeArrowheads="1"/>
+            </p:cNvPicPr>
+            <p:nvPr/>
+          </p:nvPicPr>
+          <p:blipFill rotWithShape="1">
+            <a:blip r:embed="rId5">
+              <a:extLst>
+                <a:ext uri="{28A0092B-C50C-407E-A947-70E740481C1C}">
+                  <a14:useLocalDpi xmlns:a14="http://schemas.microsoft.com/office/drawing/2010/main" val="0"/>
+                </a:ext>
+              </a:extLst>
+            </a:blip>
+            <a:srcRect l="30175"/>
+            <a:stretch/>
+          </p:blipFill>
+          <p:spPr bwMode="auto">
+            <a:xfrm>
+              <a:off x="3513639" y="2501201"/>
+              <a:ext cx="1959019" cy="630475"/>
+            </a:xfrm>
+            <a:prstGeom prst="rect">
+              <a:avLst/>
+            </a:prstGeom>
+            <a:noFill/>
+            <a:extLst>
+              <a:ext uri="{909E8E84-426E-40DD-AFC4-6F175D3DCCD1}">
+                <a14:hiddenFill xmlns:a14="http://schemas.microsoft.com/office/drawing/2010/main">
+                  <a:solidFill>
+                    <a:srgbClr val="FFFFFF"/>
+                  </a:solidFill>
+                </a14:hiddenFill>
+              </a:ext>
+            </a:extLst>
+          </p:spPr>
+        </p:pic>
+      </p:grpSp>
     </p:spTree>
     <p:extLst>
       <p:ext uri="{BB962C8B-B14F-4D97-AF65-F5344CB8AC3E}">
@@ -10406,7 +14629,7 @@
 </p:sld>
 </file>
 
-<file path=ppt/slides/slide13.xml><?xml version="1.0" encoding="utf-8"?>
+<file path=ppt/slides/slide14.xml><?xml version="1.0" encoding="utf-8"?>
 <p:sld xmlns:a="http://schemas.openxmlformats.org/drawingml/2006/main" xmlns:r="http://schemas.openxmlformats.org/officeDocument/2006/relationships" xmlns:p="http://schemas.openxmlformats.org/presentationml/2006/main">
   <p:cSld>
     <p:spTree>
@@ -10711,8 +14934,12 @@
               <a:buNone/>
             </a:pPr>
             <a:r>
+              <a:rPr lang="en-US" dirty="0"/>
+              <a:t>C</a:t>
+            </a:r>
+            <a:r>
               <a:rPr lang="en-US" dirty="0" smtClean="0"/>
-              <a:t>conclusion</a:t>
+              <a:t>onclusion</a:t>
             </a:r>
             <a:endParaRPr lang="en-US" dirty="0"/>
           </a:p>
@@ -11027,8 +15254,9 @@
           <a:p>
             <a:r>
               <a:rPr lang="en-US" sz="2800" dirty="0" smtClean="0"/>
-              <a:t>With our extension..</a:t>
-            </a:r>
+              <a:t>Cloud9 + our extension</a:t>
+            </a:r>
+            <a:endParaRPr lang="en-US" sz="2800" dirty="0" smtClean="0"/>
           </a:p>
           <a:p>
             <a:pPr lvl="1"/>
@@ -11063,16 +15291,13 @@
           <a:p>
             <a:r>
               <a:rPr lang="en-US" sz="2800" dirty="0" smtClean="0"/>
-              <a:t>Experiences </a:t>
+              <a:t>Experiences with </a:t>
             </a:r>
             <a:r>
               <a:rPr lang="en-US" sz="2800" dirty="0" smtClean="0"/>
-              <a:t>with </a:t>
-            </a:r>
-            <a:r>
-              <a:rPr lang="en-US" sz="2800" dirty="0" smtClean="0"/>
-              <a:t>c9</a:t>
-            </a:r>
+              <a:t>Cloud9</a:t>
+            </a:r>
+            <a:endParaRPr lang="en-US" sz="2800" dirty="0" smtClean="0"/>
           </a:p>
           <a:p>
             <a:pPr lvl="1"/>
@@ -11085,7 +15310,11 @@
             <a:pPr lvl="1"/>
             <a:r>
               <a:rPr lang="en-US" sz="2400" dirty="0" smtClean="0"/>
-              <a:t>C9 and its third party software not well documented</a:t>
+              <a:t>Cloud9 </a:t>
+            </a:r>
+            <a:r>
+              <a:rPr lang="en-US" sz="2400" dirty="0" smtClean="0"/>
+              <a:t>and its third party software not well documented</a:t>
             </a:r>
           </a:p>
           <a:p>
@@ -11094,7 +15323,6 @@
               <a:rPr lang="en-US" sz="2400" dirty="0" smtClean="0"/>
               <a:t>Contact via email fast and helpful</a:t>
             </a:r>
-            <a:endParaRPr lang="en-US" sz="2400" dirty="0" smtClean="0"/>
           </a:p>
         </p:txBody>
       </p:sp>
@@ -12603,13 +16831,8 @@
             </a:r>
             <a:r>
               <a:rPr lang="en-US" sz="2800" dirty="0" smtClean="0"/>
-              <a:t> workflow is not properly supported by </a:t>
-            </a:r>
-            <a:r>
-              <a:rPr lang="en-US" sz="2800" dirty="0" smtClean="0"/>
-              <a:t>Cloud9</a:t>
-            </a:r>
-            <a:endParaRPr lang="en-US" sz="2800" dirty="0" smtClean="0"/>
+              <a:t> workflow is not properly supported by Cloud9</a:t>
+            </a:r>
           </a:p>
           <a:p>
             <a:r>
@@ -13860,15 +18083,6 @@
                 </a:solidFill>
               </a14:hiddenFill>
             </a:ext>
-            <a:ext uri="{AF507438-7753-43E0-B8FC-AC1667EBCBE1}">
-              <a14:hiddenEffects xmlns:a14="http://schemas.microsoft.com/office/drawing/2010/main">
-                <a:effectLst>
-                  <a:outerShdw dist="35921" dir="2700000" algn="ctr" rotWithShape="0">
-                    <a:schemeClr val="bg2"/>
-                  </a:outerShdw>
-                </a:effectLst>
-              </a14:hiddenEffects>
-            </a:ext>
           </a:extLst>
         </p:spPr>
       </p:pic>
@@ -14016,15 +18230,6 @@
                     <a:schemeClr val="accent1"/>
                   </a:solidFill>
                 </a14:hiddenFill>
-              </a:ext>
-              <a:ext uri="{AF507438-7753-43E0-B8FC-AC1667EBCBE1}">
-                <a14:hiddenEffects xmlns:a14="http://schemas.microsoft.com/office/drawing/2010/main">
-                  <a:effectLst>
-                    <a:outerShdw dist="35921" dir="2700000" algn="ctr" rotWithShape="0">
-                      <a:schemeClr val="bg2"/>
-                    </a:outerShdw>
-                  </a:effectLst>
-                </a14:hiddenEffects>
               </a:ext>
             </a:extLst>
           </p:spPr>
@@ -14174,15 +18379,6 @@
                     <a:schemeClr val="accent1"/>
                   </a:solidFill>
                 </a14:hiddenFill>
-              </a:ext>
-              <a:ext uri="{AF507438-7753-43E0-B8FC-AC1667EBCBE1}">
-                <a14:hiddenEffects xmlns:a14="http://schemas.microsoft.com/office/drawing/2010/main">
-                  <a:effectLst>
-                    <a:outerShdw dist="35921" dir="2700000" algn="ctr" rotWithShape="0">
-                      <a:schemeClr val="bg2"/>
-                    </a:outerShdw>
-                  </a:effectLst>
-                </a14:hiddenEffects>
               </a:ext>
             </a:extLst>
           </p:spPr>
@@ -15363,44 +19559,217 @@
           <a:chExt cx="0" cy="0"/>
         </a:xfrm>
       </p:grpSpPr>
-      <p:sp>
-        <p:nvSpPr>
-          <p:cNvPr id="2" name="TextBox 1"/>
-          <p:cNvSpPr txBox="1"/>
+      <p:pic>
+        <p:nvPicPr>
+          <p:cNvPr id="3077" name="Picture 5"/>
+          <p:cNvPicPr>
+            <a:picLocks noChangeAspect="1" noChangeArrowheads="1"/>
+          </p:cNvPicPr>
           <p:nvPr/>
-        </p:nvSpPr>
-        <p:spPr>
+        </p:nvPicPr>
+        <p:blipFill>
+          <a:blip r:embed="rId2">
+            <a:extLst>
+              <a:ext uri="{28A0092B-C50C-407E-A947-70E740481C1C}">
+                <a14:useLocalDpi xmlns:a14="http://schemas.microsoft.com/office/drawing/2010/main" val="0"/>
+              </a:ext>
+            </a:extLst>
+          </a:blip>
+          <a:srcRect/>
+          <a:stretch>
+            <a:fillRect/>
+          </a:stretch>
+        </p:blipFill>
+        <p:spPr bwMode="auto">
           <a:xfrm>
-            <a:off x="2051720" y="2132856"/>
-            <a:ext cx="4193071" cy="769441"/>
+            <a:off x="187395" y="980951"/>
+            <a:ext cx="8777093" cy="4824313"/>
+          </a:xfrm>
+          <a:prstGeom prst="rect">
+            <a:avLst/>
+          </a:prstGeom>
+          <a:ln>
+            <a:noFill/>
+          </a:ln>
+          <a:effectLst>
+            <a:outerShdw blurRad="292100" dist="139700" dir="2700000" algn="tl" rotWithShape="0">
+              <a:srgbClr val="333333">
+                <a:alpha val="65000"/>
+              </a:srgbClr>
+            </a:outerShdw>
+          </a:effectLst>
+          <a:extLst>
+            <a:ext uri="{909E8E84-426E-40DD-AFC4-6F175D3DCCD1}">
+              <a14:hiddenFill xmlns:a14="http://schemas.microsoft.com/office/drawing/2010/main">
+                <a:solidFill>
+                  <a:schemeClr val="accent1"/>
+                </a:solidFill>
+              </a14:hiddenFill>
+            </a:ext>
+            <a:ext uri="{91240B29-F687-4F45-9708-019B960494DF}">
+              <a14:hiddenLine xmlns:a14="http://schemas.microsoft.com/office/drawing/2010/main" w="9525">
+                <a:solidFill>
+                  <a:schemeClr val="tx1"/>
+                </a:solidFill>
+                <a:miter lim="800000"/>
+                <a:headEnd/>
+                <a:tailEnd/>
+              </a14:hiddenLine>
+            </a:ext>
+            <a:ext uri="{AF507438-7753-43E0-B8FC-AC1667EBCBE1}">
+              <a14:hiddenEffects xmlns:a14="http://schemas.microsoft.com/office/drawing/2010/main">
+                <a:effectLst>
+                  <a:outerShdw dist="35921" dir="2700000" algn="ctr" rotWithShape="0">
+                    <a:schemeClr val="bg2"/>
+                  </a:outerShdw>
+                </a:effectLst>
+              </a14:hiddenEffects>
+            </a:ext>
+          </a:extLst>
+        </p:spPr>
+      </p:pic>
+      <p:sp>
+        <p:nvSpPr>
+          <p:cNvPr id="3" name="AutoShape 2" descr="imap://stephanie%2Eplatz@owa2.hpi.uni-potsdam.de:993/fetch%3EUID%3E/INBOX%3E39239?part=1.2&amp;type=image/png&amp;filename=screenshot.png"/>
+          <p:cNvSpPr>
+            <a:spLocks noChangeAspect="1" noChangeArrowheads="1"/>
+          </p:cNvSpPr>
+          <p:nvPr/>
+        </p:nvSpPr>
+        <p:spPr bwMode="auto">
+          <a:xfrm>
+            <a:off x="155575" y="-144463"/>
+            <a:ext cx="304800" cy="304801"/>
           </a:xfrm>
           <a:prstGeom prst="rect">
             <a:avLst/>
           </a:prstGeom>
           <a:noFill/>
+          <a:extLst>
+            <a:ext uri="{909E8E84-426E-40DD-AFC4-6F175D3DCCD1}">
+              <a14:hiddenFill xmlns:a14="http://schemas.microsoft.com/office/drawing/2010/main">
+                <a:solidFill>
+                  <a:srgbClr val="FFFFFF"/>
+                </a:solidFill>
+              </a14:hiddenFill>
+            </a:ext>
+          </a:extLst>
         </p:spPr>
         <p:txBody>
-          <a:bodyPr wrap="none" rtlCol="0">
-            <a:spAutoFit/>
+          <a:bodyPr vert="horz" wrap="square" lIns="91440" tIns="45720" rIns="91440" bIns="45720" numCol="1" anchor="t" anchorCtr="0" compatLnSpc="1">
+            <a:prstTxWarp prst="textNoShape">
+              <a:avLst/>
+            </a:prstTxWarp>
           </a:bodyPr>
           <a:lstStyle/>
           <a:p>
-            <a:r>
-              <a:rPr lang="de-DE" sz="4400" b="1" dirty="0" smtClean="0">
+            <a:endParaRPr lang="en-GB"/>
+          </a:p>
+        </p:txBody>
+      </p:sp>
+      <p:sp>
+        <p:nvSpPr>
+          <p:cNvPr id="4" name="AutoShape 4" descr="imap://stephanie%2Eplatz@owa2.hpi.uni-potsdam.de:993/fetch%3EUID%3E/INBOX%3E39239?part=1.2&amp;type=image/png&amp;filename=screenshot.png"/>
+          <p:cNvSpPr>
+            <a:spLocks noChangeAspect="1" noChangeArrowheads="1"/>
+          </p:cNvSpPr>
+          <p:nvPr/>
+        </p:nvSpPr>
+        <p:spPr bwMode="auto">
+          <a:xfrm>
+            <a:off x="307975" y="7937"/>
+            <a:ext cx="304800" cy="304801"/>
+          </a:xfrm>
+          <a:prstGeom prst="rect">
+            <a:avLst/>
+          </a:prstGeom>
+          <a:noFill/>
+          <a:extLst>
+            <a:ext uri="{909E8E84-426E-40DD-AFC4-6F175D3DCCD1}">
+              <a14:hiddenFill xmlns:a14="http://schemas.microsoft.com/office/drawing/2010/main">
                 <a:solidFill>
-                  <a:srgbClr val="FF0000"/>
+                  <a:srgbClr val="FFFFFF"/>
                 </a:solidFill>
-              </a:rPr>
-              <a:t>BILD FÜR EDITOR</a:t>
-            </a:r>
-            <a:endParaRPr lang="en-GB" sz="4400" b="1" dirty="0">
-              <a:solidFill>
-                <a:srgbClr val="FF0000"/>
-              </a:solidFill>
-            </a:endParaRPr>
+              </a14:hiddenFill>
+            </a:ext>
+          </a:extLst>
+        </p:spPr>
+        <p:txBody>
+          <a:bodyPr vert="horz" wrap="square" lIns="91440" tIns="45720" rIns="91440" bIns="45720" numCol="1" anchor="t" anchorCtr="0" compatLnSpc="1">
+            <a:prstTxWarp prst="textNoShape">
+              <a:avLst/>
+            </a:prstTxWarp>
+          </a:bodyPr>
+          <a:lstStyle/>
+          <a:p>
+            <a:endParaRPr lang="en-GB"/>
           </a:p>
         </p:txBody>
       </p:sp>
+      <p:pic>
+        <p:nvPicPr>
+          <p:cNvPr id="3078" name="Picture 6"/>
+          <p:cNvPicPr>
+            <a:picLocks noChangeAspect="1" noChangeArrowheads="1"/>
+          </p:cNvPicPr>
+          <p:nvPr/>
+        </p:nvPicPr>
+        <p:blipFill>
+          <a:blip r:embed="rId3">
+            <a:extLst>
+              <a:ext uri="{28A0092B-C50C-407E-A947-70E740481C1C}">
+                <a14:useLocalDpi xmlns:a14="http://schemas.microsoft.com/office/drawing/2010/main" val="0"/>
+              </a:ext>
+            </a:extLst>
+          </a:blip>
+          <a:srcRect/>
+          <a:stretch>
+            <a:fillRect/>
+          </a:stretch>
+        </p:blipFill>
+        <p:spPr bwMode="auto">
+          <a:xfrm>
+            <a:off x="1259632" y="3501008"/>
+            <a:ext cx="5245100" cy="1346200"/>
+          </a:xfrm>
+          <a:prstGeom prst="rect">
+            <a:avLst/>
+          </a:prstGeom>
+          <a:ln w="9525">
+            <a:solidFill>
+              <a:schemeClr val="tx1"/>
+            </a:solidFill>
+            <a:miter lim="800000"/>
+            <a:headEnd/>
+            <a:tailEnd/>
+          </a:ln>
+          <a:effectLst>
+            <a:outerShdw blurRad="292100" dist="139700" dir="2700000" algn="tl" rotWithShape="0">
+              <a:srgbClr val="333333">
+                <a:alpha val="65000"/>
+              </a:srgbClr>
+            </a:outerShdw>
+          </a:effectLst>
+          <a:extLst>
+            <a:ext uri="{909E8E84-426E-40DD-AFC4-6F175D3DCCD1}">
+              <a14:hiddenFill xmlns:a14="http://schemas.microsoft.com/office/drawing/2010/main">
+                <a:solidFill>
+                  <a:schemeClr val="accent1"/>
+                </a:solidFill>
+              </a14:hiddenFill>
+            </a:ext>
+            <a:ext uri="{AF507438-7753-43E0-B8FC-AC1667EBCBE1}">
+              <a14:hiddenEffects xmlns:a14="http://schemas.microsoft.com/office/drawing/2010/main">
+                <a:effectLst>
+                  <a:outerShdw dist="35921" dir="2700000" algn="ctr" rotWithShape="0">
+                    <a:schemeClr val="bg2"/>
+                  </a:outerShdw>
+                </a:effectLst>
+              </a14:hiddenEffects>
+            </a:ext>
+          </a:extLst>
+        </p:spPr>
+      </p:pic>
     </p:spTree>
     <p:extLst>
       <p:ext uri="{BB962C8B-B14F-4D97-AF65-F5344CB8AC3E}">
@@ -16282,11 +20651,7 @@
             </a:r>
             <a:r>
               <a:rPr lang="de-DE" sz="2400" dirty="0" smtClean="0"/>
-              <a:t>, (push, pull</a:t>
-            </a:r>
-            <a:r>
-              <a:rPr lang="de-DE" sz="2400" dirty="0" smtClean="0"/>
-              <a:t>)</a:t>
+              <a:t>, (push, pull)</a:t>
             </a:r>
           </a:p>
         </p:txBody>
@@ -16345,7 +20710,7 @@
           <p:nvPr/>
         </p:nvPicPr>
         <p:blipFill>
-          <a:blip r:embed="rId2">
+          <a:blip r:embed="rId3">
             <a:extLst>
               <a:ext uri="{28A0092B-C50C-407E-A947-70E740481C1C}">
                 <a14:useLocalDpi xmlns:a14="http://schemas.microsoft.com/office/drawing/2010/main" val="0"/>
@@ -16365,7 +20730,16 @@
           <a:prstGeom prst="rect">
             <a:avLst/>
           </a:prstGeom>
-          <a:noFill/>
+          <a:ln>
+            <a:noFill/>
+          </a:ln>
+          <a:effectLst>
+            <a:outerShdw blurRad="292100" dist="139700" dir="2700000" algn="tl" rotWithShape="0">
+              <a:srgbClr val="333333">
+                <a:alpha val="65000"/>
+              </a:srgbClr>
+            </a:outerShdw>
+          </a:effectLst>
           <a:extLst>
             <a:ext uri="{909E8E84-426E-40DD-AFC4-6F175D3DCCD1}">
               <a14:hiddenFill xmlns:a14="http://schemas.microsoft.com/office/drawing/2010/main">
@@ -16379,14 +20753,14 @@
       </p:pic>
       <p:sp>
         <p:nvSpPr>
-          <p:cNvPr id="2" name="TextBox 1"/>
+          <p:cNvPr id="4" name="TextBox 3"/>
           <p:cNvSpPr txBox="1"/>
           <p:nvPr/>
         </p:nvSpPr>
         <p:spPr>
-          <a:xfrm rot="20699218">
-            <a:off x="4457951" y="4686733"/>
-            <a:ext cx="3140603" cy="769441"/>
+          <a:xfrm>
+            <a:off x="3347864" y="5157192"/>
+            <a:ext cx="3394519" cy="461665"/>
           </a:xfrm>
           <a:prstGeom prst="rect">
             <a:avLst/>
@@ -16400,37 +20774,33 @@
           <a:lstStyle/>
           <a:p>
             <a:r>
-              <a:rPr lang="de-DE" sz="4400" b="1" dirty="0" smtClean="0">
+              <a:rPr lang="de-DE" sz="2400" b="1" dirty="0" smtClean="0">
                 <a:solidFill>
                   <a:srgbClr val="FF0000"/>
                 </a:solidFill>
-                <a:latin typeface="Comic Sans MS" pitchFamily="66" charset="0"/>
               </a:rPr>
-              <a:t>update </a:t>
-            </a:r>
-            <a:r>
-              <a:rPr lang="de-DE" sz="4400" b="1" dirty="0" err="1" smtClean="0">
+              <a:t>TODO: update, </a:t>
+            </a:r>
+            <a:r>
+              <a:rPr lang="de-DE" sz="2400" b="1" dirty="0" err="1" smtClean="0">
                 <a:solidFill>
                   <a:srgbClr val="FF0000"/>
                 </a:solidFill>
-                <a:latin typeface="Comic Sans MS" pitchFamily="66" charset="0"/>
               </a:rPr>
-              <a:t>me</a:t>
-            </a:r>
-            <a:r>
-              <a:rPr lang="de-DE" sz="4400" b="1" dirty="0" smtClean="0">
+              <a:t>and</a:t>
+            </a:r>
+            <a:r>
+              <a:rPr lang="de-DE" sz="2400" b="1" dirty="0" smtClean="0">
                 <a:solidFill>
                   <a:srgbClr val="FF0000"/>
                 </a:solidFill>
-                <a:latin typeface="Comic Sans MS" pitchFamily="66" charset="0"/>
               </a:rPr>
-              <a:t>!</a:t>
-            </a:r>
-            <a:endParaRPr lang="en-GB" sz="4400" b="1" dirty="0">
+              <a:t> zoom</a:t>
+            </a:r>
+            <a:endParaRPr lang="en-GB" sz="2400" b="1" dirty="0">
               <a:solidFill>
                 <a:srgbClr val="FF0000"/>
               </a:solidFill>
-              <a:latin typeface="Comic Sans MS" pitchFamily="66" charset="0"/>
             </a:endParaRPr>
           </a:p>
         </p:txBody>
@@ -17316,11 +21686,7 @@
             </a:r>
             <a:r>
               <a:rPr lang="de-DE" sz="2400" dirty="0" smtClean="0"/>
-              <a:t>, (push, pull</a:t>
-            </a:r>
-            <a:r>
-              <a:rPr lang="de-DE" sz="2400" dirty="0" smtClean="0"/>
-              <a:t>)</a:t>
+              <a:t>, (push, pull)</a:t>
             </a:r>
           </a:p>
           <a:p>

--- a/seminar/presentation/mps-c9.pptx
+++ b/seminar/presentation/mps-c9.pptx
@@ -1078,11 +1078,7 @@
             </a:pPr>
             <a:r>
               <a:rPr lang="en-US" sz="2000" dirty="0" smtClean="0"/>
-              <a:t>What </a:t>
-            </a:r>
-            <a:r>
-              <a:rPr lang="en-US" sz="2000" dirty="0" smtClean="0"/>
-              <a:t>kind of problems during development with cloud</a:t>
+              <a:t>What kind of problems during development with cloud</a:t>
             </a:r>
           </a:p>
           <a:p>
@@ -1140,11 +1136,7 @@
             <a:pPr lvl="1"/>
             <a:r>
               <a:rPr lang="en-US" sz="2000" dirty="0" smtClean="0"/>
-              <a:t>Ace: </a:t>
-            </a:r>
-            <a:r>
-              <a:rPr lang="en-US" sz="2000" dirty="0" smtClean="0"/>
-              <a:t>ace.ajax.org/</a:t>
+              <a:t>Ace: ace.ajax.org/</a:t>
             </a:r>
             <a:r>
               <a:rPr lang="en-US" sz="2000" dirty="0" err="1" smtClean="0"/>
@@ -1154,7 +1146,6 @@
               <a:rPr lang="en-US" sz="2000" dirty="0" smtClean="0"/>
               <a:t>/ wrong/outdated</a:t>
             </a:r>
-            <a:endParaRPr lang="en-US" sz="2000" dirty="0" smtClean="0"/>
           </a:p>
           <a:p>
             <a:endParaRPr lang="en-US" dirty="0"/>
@@ -2320,11 +2311,7 @@
             </a:pPr>
             <a:r>
               <a:rPr lang="en-US" sz="2000" dirty="0" smtClean="0"/>
-              <a:t>What </a:t>
-            </a:r>
-            <a:r>
-              <a:rPr lang="en-US" sz="2000" dirty="0" smtClean="0"/>
-              <a:t>kind of problems during development with cloud</a:t>
+              <a:t>What kind of problems during development with cloud</a:t>
             </a:r>
           </a:p>
           <a:p>
@@ -2382,11 +2369,7 @@
             <a:pPr lvl="1"/>
             <a:r>
               <a:rPr lang="en-US" sz="2000" dirty="0" smtClean="0"/>
-              <a:t>Ace: </a:t>
-            </a:r>
-            <a:r>
-              <a:rPr lang="en-US" sz="2000" dirty="0" smtClean="0"/>
-              <a:t>ace.ajax.org/</a:t>
+              <a:t>Ace: ace.ajax.org/</a:t>
             </a:r>
             <a:r>
               <a:rPr lang="en-US" sz="2000" dirty="0" err="1" smtClean="0"/>
@@ -2396,7 +2379,6 @@
               <a:rPr lang="en-US" sz="2000" dirty="0" smtClean="0"/>
               <a:t>/ wrong/outdated</a:t>
             </a:r>
-            <a:endParaRPr lang="en-US" sz="2000" dirty="0" smtClean="0"/>
           </a:p>
           <a:p>
             <a:endParaRPr lang="en-US" dirty="0"/>
@@ -2592,7 +2574,7 @@
           <a:p>
             <a:fld id="{483B2EB1-97C2-49F7-AADC-49C8FCF69781}" type="datetimeFigureOut">
               <a:rPr lang="en-GB" smtClean="0"/>
-              <a:t>25/06/2012</a:t>
+              <a:t>26/06/2012</a:t>
             </a:fld>
             <a:endParaRPr lang="en-GB"/>
           </a:p>
@@ -2761,7 +2743,7 @@
           <a:p>
             <a:fld id="{483B2EB1-97C2-49F7-AADC-49C8FCF69781}" type="datetimeFigureOut">
               <a:rPr lang="en-GB" smtClean="0"/>
-              <a:t>25/06/2012</a:t>
+              <a:t>26/06/2012</a:t>
             </a:fld>
             <a:endParaRPr lang="en-GB"/>
           </a:p>
@@ -2940,7 +2922,7 @@
           <a:p>
             <a:fld id="{483B2EB1-97C2-49F7-AADC-49C8FCF69781}" type="datetimeFigureOut">
               <a:rPr lang="en-GB" smtClean="0"/>
-              <a:t>25/06/2012</a:t>
+              <a:t>26/06/2012</a:t>
             </a:fld>
             <a:endParaRPr lang="en-GB"/>
           </a:p>
@@ -4829,7 +4811,7 @@
           <a:p>
             <a:fld id="{483B2EB1-97C2-49F7-AADC-49C8FCF69781}" type="datetimeFigureOut">
               <a:rPr lang="en-GB" smtClean="0"/>
-              <a:t>25/06/2012</a:t>
+              <a:t>26/06/2012</a:t>
             </a:fld>
             <a:endParaRPr lang="en-GB"/>
           </a:p>
@@ -5978,7 +5960,7 @@
           <a:p>
             <a:fld id="{483B2EB1-97C2-49F7-AADC-49C8FCF69781}" type="datetimeFigureOut">
               <a:rPr lang="en-GB" smtClean="0"/>
-              <a:t>25/06/2012</a:t>
+              <a:t>26/06/2012</a:t>
             </a:fld>
             <a:endParaRPr lang="en-GB"/>
           </a:p>
@@ -6265,7 +6247,7 @@
           <a:p>
             <a:fld id="{483B2EB1-97C2-49F7-AADC-49C8FCF69781}" type="datetimeFigureOut">
               <a:rPr lang="en-GB" smtClean="0"/>
-              <a:t>25/06/2012</a:t>
+              <a:t>26/06/2012</a:t>
             </a:fld>
             <a:endParaRPr lang="en-GB"/>
           </a:p>
@@ -6686,7 +6668,7 @@
           <a:p>
             <a:fld id="{483B2EB1-97C2-49F7-AADC-49C8FCF69781}" type="datetimeFigureOut">
               <a:rPr lang="en-GB" smtClean="0"/>
-              <a:t>25/06/2012</a:t>
+              <a:t>26/06/2012</a:t>
             </a:fld>
             <a:endParaRPr lang="en-GB"/>
           </a:p>
@@ -6803,7 +6785,7 @@
           <a:p>
             <a:fld id="{483B2EB1-97C2-49F7-AADC-49C8FCF69781}" type="datetimeFigureOut">
               <a:rPr lang="en-GB" smtClean="0"/>
-              <a:t>25/06/2012</a:t>
+              <a:t>26/06/2012</a:t>
             </a:fld>
             <a:endParaRPr lang="en-GB"/>
           </a:p>
@@ -6897,7 +6879,7 @@
           <a:p>
             <a:fld id="{483B2EB1-97C2-49F7-AADC-49C8FCF69781}" type="datetimeFigureOut">
               <a:rPr lang="en-GB" smtClean="0"/>
-              <a:t>25/06/2012</a:t>
+              <a:t>26/06/2012</a:t>
             </a:fld>
             <a:endParaRPr lang="en-GB"/>
           </a:p>
@@ -7174,7 +7156,7 @@
           <a:p>
             <a:fld id="{483B2EB1-97C2-49F7-AADC-49C8FCF69781}" type="datetimeFigureOut">
               <a:rPr lang="en-GB" smtClean="0"/>
-              <a:t>25/06/2012</a:t>
+              <a:t>26/06/2012</a:t>
             </a:fld>
             <a:endParaRPr lang="en-GB"/>
           </a:p>
@@ -7426,7 +7408,7 @@
           <a:p>
             <a:fld id="{483B2EB1-97C2-49F7-AADC-49C8FCF69781}" type="datetimeFigureOut">
               <a:rPr lang="en-GB" smtClean="0"/>
-              <a:t>25/06/2012</a:t>
+              <a:t>26/06/2012</a:t>
             </a:fld>
             <a:endParaRPr lang="en-GB"/>
           </a:p>
@@ -7647,7 +7629,7 @@
           <a:p>
             <a:fld id="{483B2EB1-97C2-49F7-AADC-49C8FCF69781}" type="datetimeFigureOut">
               <a:rPr lang="en-GB" smtClean="0"/>
-              <a:t>25/06/2012</a:t>
+              <a:t>26/06/2012</a:t>
             </a:fld>
             <a:endParaRPr lang="en-GB"/>
           </a:p>
@@ -8266,7 +8248,7 @@
           <a:graphicData uri="http://schemas.openxmlformats.org/presentationml/2006/ole">
             <mc:AlternateContent xmlns:mc="http://schemas.openxmlformats.org/markup-compatibility/2006">
               <mc:Choice xmlns:v="urn:schemas-microsoft-com:vml" Requires="v">
-                <p:oleObj spid="_x0000_s2147" r:id="rId15" imgW="3221337" imgH="1845301" progId="">
+                <p:oleObj spid="_x0000_s2148" r:id="rId15" imgW="3221337" imgH="1845301" progId="">
                   <p:embed/>
                 </p:oleObj>
               </mc:Choice>
@@ -9017,7 +8999,6 @@
               <a:rPr lang="en-US" dirty="0"/>
               <a:t>Extending Cloud9</a:t>
             </a:r>
-            <a:endParaRPr lang="en-US" dirty="0"/>
           </a:p>
         </p:txBody>
       </p:sp>
@@ -10178,7 +10159,6 @@
               <a:rPr lang="en-US" dirty="0" smtClean="0"/>
               <a:t>Track user input</a:t>
             </a:r>
-            <a:endParaRPr lang="en-US" dirty="0" smtClean="0"/>
           </a:p>
           <a:p>
             <a:pPr lvl="1"/>
@@ -10241,15 +10221,6 @@
                 <a:headEnd/>
                 <a:tailEnd/>
               </a14:hiddenLine>
-            </a:ext>
-            <a:ext uri="{AF507438-7753-43E0-B8FC-AC1667EBCBE1}">
-              <a14:hiddenEffects xmlns:a14="http://schemas.microsoft.com/office/drawing/2010/main">
-                <a:effectLst>
-                  <a:outerShdw dist="35921" dir="2700000" algn="ctr" rotWithShape="0">
-                    <a:schemeClr val="bg2"/>
-                  </a:outerShdw>
-                </a:effectLst>
-              </a14:hiddenEffects>
             </a:ext>
           </a:extLst>
         </p:spPr>
@@ -10980,15 +10951,7 @@
             </a:r>
             <a:r>
               <a:rPr lang="en-GB" noProof="1" smtClean="0"/>
-              <a:t>ide.send</a:t>
-            </a:r>
-            <a:r>
-              <a:rPr lang="en-GB" noProof="1" smtClean="0"/>
-              <a:t>( </a:t>
-            </a:r>
-            <a:r>
-              <a:rPr lang="en-GB" noProof="1" smtClean="0"/>
-              <a:t>{</a:t>
+              <a:t>ide.send( {</a:t>
             </a:r>
             <a:r>
               <a:rPr lang="en-GB" noProof="1">
@@ -11015,17 +10978,7 @@
                   </a:schemeClr>
                 </a:solidFill>
               </a:rPr>
-              <a:t>	</a:t>
-            </a:r>
-            <a:r>
-              <a:rPr lang="en-GB" noProof="1" smtClean="0">
-                <a:solidFill>
-                  <a:schemeClr val="bg1">
-                    <a:lumMod val="75000"/>
-                  </a:schemeClr>
-                </a:solidFill>
-              </a:rPr>
-              <a:t>argv</a:t>
+              <a:t>	argv</a:t>
             </a:r>
             <a:r>
               <a:rPr lang="en-GB" noProof="1">
@@ -11414,23 +11367,7 @@
           <a:p>
             <a:r>
               <a:rPr lang="de-DE" noProof="1" smtClean="0"/>
-              <a:t>this.command </a:t>
-            </a:r>
-            <a:r>
-              <a:rPr lang="de-DE" noProof="1" smtClean="0"/>
-              <a:t>= function </a:t>
-            </a:r>
-            <a:r>
-              <a:rPr lang="de-DE" noProof="1" smtClean="0"/>
-              <a:t>(</a:t>
-            </a:r>
-            <a:r>
-              <a:rPr lang="de-DE" noProof="1" smtClean="0"/>
-              <a:t>user,message,client</a:t>
-            </a:r>
-            <a:r>
-              <a:rPr lang="de-DE" noProof="1" smtClean="0"/>
-              <a:t>) {</a:t>
+              <a:t>this.command = function (user,message,client) {</a:t>
             </a:r>
           </a:p>
           <a:p>
@@ -11537,15 +11474,7 @@
             </a:r>
             <a:r>
               <a:rPr lang="de-DE" noProof="1" smtClean="0"/>
-              <a:t>, </a:t>
-            </a:r>
-            <a:r>
-              <a:rPr lang="de-DE" noProof="1" smtClean="0"/>
-              <a:t>errorfunction</a:t>
-            </a:r>
-            <a:r>
-              <a:rPr lang="de-DE" noProof="1" smtClean="0"/>
-              <a:t>);	}</a:t>
+              <a:t>, errorfunction);	}</a:t>
             </a:r>
           </a:p>
           <a:p>
@@ -13885,11 +13814,7 @@
           <a:p>
             <a:r>
               <a:rPr lang="en-US" sz="2800" dirty="0" smtClean="0"/>
-              <a:t>No </a:t>
-            </a:r>
-            <a:r>
-              <a:rPr lang="en-US" sz="2800" dirty="0" smtClean="0"/>
-              <a:t>installation, code and tools everywhere accessible </a:t>
+              <a:t>No installation, code and tools everywhere accessible </a:t>
             </a:r>
           </a:p>
           <a:p>
@@ -13910,11 +13835,7 @@
           <a:p>
             <a:r>
               <a:rPr lang="en-US" sz="2800" dirty="0" smtClean="0"/>
-              <a:t>Implement </a:t>
-            </a:r>
-            <a:r>
-              <a:rPr lang="en-US" sz="2800" dirty="0" smtClean="0"/>
-              <a:t>in what you implement</a:t>
+              <a:t>Implement in what you implement</a:t>
             </a:r>
           </a:p>
           <a:p>
@@ -13948,7 +13869,6 @@
               <a:rPr lang="en-US" sz="2400" dirty="0" smtClean="0"/>
               <a:t>Likely to break ide during development</a:t>
             </a:r>
-            <a:endParaRPr lang="en-US" sz="2400" dirty="0" smtClean="0"/>
           </a:p>
         </p:txBody>
       </p:sp>
@@ -15256,7 +15176,6 @@
               <a:rPr lang="en-US" sz="2800" dirty="0" smtClean="0"/>
               <a:t>Cloud9 + our extension</a:t>
             </a:r>
-            <a:endParaRPr lang="en-US" sz="2800" dirty="0" smtClean="0"/>
           </a:p>
           <a:p>
             <a:pPr lvl="1"/>
@@ -15291,13 +15210,8 @@
           <a:p>
             <a:r>
               <a:rPr lang="en-US" sz="2800" dirty="0" smtClean="0"/>
-              <a:t>Experiences with </a:t>
-            </a:r>
-            <a:r>
-              <a:rPr lang="en-US" sz="2800" dirty="0" smtClean="0"/>
-              <a:t>Cloud9</a:t>
-            </a:r>
-            <a:endParaRPr lang="en-US" sz="2800" dirty="0" smtClean="0"/>
+              <a:t>Experiences with Cloud9</a:t>
+            </a:r>
           </a:p>
           <a:p>
             <a:pPr lvl="1"/>
@@ -15310,11 +15224,7 @@
             <a:pPr lvl="1"/>
             <a:r>
               <a:rPr lang="en-US" sz="2400" dirty="0" smtClean="0"/>
-              <a:t>Cloud9 </a:t>
-            </a:r>
-            <a:r>
-              <a:rPr lang="en-US" sz="2400" dirty="0" smtClean="0"/>
-              <a:t>and its third party software not well documented</a:t>
+              <a:t>Cloud9 and its third party software not well documented</a:t>
             </a:r>
           </a:p>
           <a:p>
@@ -17101,6 +17011,11 @@
               <a:avLst/>
             </a:prstGeom>
             <a:noFill/>
+            <a:ln>
+              <a:solidFill>
+                <a:srgbClr val="00B0F0"/>
+              </a:solidFill>
+            </a:ln>
           </p:spPr>
           <p:style>
             <a:lnRef idx="2">
@@ -19616,15 +19531,6 @@
                 <a:tailEnd/>
               </a14:hiddenLine>
             </a:ext>
-            <a:ext uri="{AF507438-7753-43E0-B8FC-AC1667EBCBE1}">
-              <a14:hiddenEffects xmlns:a14="http://schemas.microsoft.com/office/drawing/2010/main">
-                <a:effectLst>
-                  <a:outerShdw dist="35921" dir="2700000" algn="ctr" rotWithShape="0">
-                    <a:schemeClr val="bg2"/>
-                  </a:outerShdw>
-                </a:effectLst>
-              </a14:hiddenEffects>
-            </a:ext>
           </a:extLst>
         </p:spPr>
       </p:pic>
@@ -19757,15 +19663,6 @@
                   <a:schemeClr val="accent1"/>
                 </a:solidFill>
               </a14:hiddenFill>
-            </a:ext>
-            <a:ext uri="{AF507438-7753-43E0-B8FC-AC1667EBCBE1}">
-              <a14:hiddenEffects xmlns:a14="http://schemas.microsoft.com/office/drawing/2010/main">
-                <a:effectLst>
-                  <a:outerShdw dist="35921" dir="2700000" algn="ctr" rotWithShape="0">
-                    <a:schemeClr val="bg2"/>
-                  </a:outerShdw>
-                </a:effectLst>
-              </a14:hiddenEffects>
             </a:ext>
           </a:extLst>
         </p:spPr>

--- a/seminar/presentation/mps-c9.pptx
+++ b/seminar/presentation/mps-c9.pptx
@@ -8248,7 +8248,7 @@
           <a:graphicData uri="http://schemas.openxmlformats.org/presentationml/2006/ole">
             <mc:AlternateContent xmlns:mc="http://schemas.openxmlformats.org/markup-compatibility/2006">
               <mc:Choice xmlns:v="urn:schemas-microsoft-com:vml" Requires="v">
-                <p:oleObj spid="_x0000_s2148" r:id="rId15" imgW="3221337" imgH="1845301" progId="">
+                <p:oleObj spid="_x0000_s2151" r:id="rId15" imgW="3221337" imgH="1845301" progId="">
                   <p:embed/>
                 </p:oleObj>
               </mc:Choice>
@@ -19497,7 +19497,7 @@
         </p:blipFill>
         <p:spPr bwMode="auto">
           <a:xfrm>
-            <a:off x="187395" y="980951"/>
+            <a:off x="187395" y="1340991"/>
             <a:ext cx="8777093" cy="4824313"/>
           </a:xfrm>
           <a:prstGeom prst="rect">
@@ -19635,7 +19635,7 @@
         </p:blipFill>
         <p:spPr bwMode="auto">
           <a:xfrm>
-            <a:off x="1259632" y="3501008"/>
+            <a:off x="1259632" y="3861271"/>
             <a:ext cx="5245100" cy="1346200"/>
           </a:xfrm>
           <a:prstGeom prst="rect">
@@ -19667,6 +19667,121 @@
           </a:extLst>
         </p:spPr>
       </p:pic>
+      <p:sp>
+        <p:nvSpPr>
+          <p:cNvPr id="6" name="Title 1"/>
+          <p:cNvSpPr txBox="1">
+            <a:spLocks/>
+          </p:cNvSpPr>
+          <p:nvPr/>
+        </p:nvSpPr>
+        <p:spPr>
+          <a:xfrm>
+            <a:off x="457200" y="273600"/>
+            <a:ext cx="7498080" cy="549360"/>
+          </a:xfrm>
+          <a:prstGeom prst="rect">
+            <a:avLst/>
+          </a:prstGeom>
+          <a:noFill/>
+          <a:ln>
+            <a:noFill/>
+          </a:ln>
+        </p:spPr>
+        <p:txBody>
+          <a:bodyPr lIns="0" tIns="0" rIns="0" bIns="0" anchor="ctr"/>
+          <a:lstStyle>
+            <a:defPPr lvl="0">
+              <a:buSzPct val="45000"/>
+              <a:buFont typeface="StarSymbol"/>
+              <a:buNone/>
+              <a:defRPr/>
+            </a:defPPr>
+            <a:lvl1pPr lvl="0" algn="ctr" rtl="0" hangingPunct="0">
+              <a:buSzPct val="45000"/>
+              <a:buFont typeface="StarSymbol"/>
+              <a:buChar char="●"/>
+              <a:tabLst/>
+              <a:defRPr lang="en-US" sz="3200" b="0" i="0" u="none" strike="noStrike" kern="1200">
+                <a:ln>
+                  <a:noFill/>
+                </a:ln>
+                <a:solidFill>
+                  <a:srgbClr val="004586"/>
+                </a:solidFill>
+                <a:latin typeface="Arial" pitchFamily="18"/>
+              </a:defRPr>
+            </a:lvl1pPr>
+            <a:lvl2pPr lvl="1">
+              <a:buSzPct val="45000"/>
+              <a:buFont typeface="StarSymbol"/>
+              <a:buChar char="●"/>
+              <a:defRPr/>
+            </a:lvl2pPr>
+            <a:lvl3pPr lvl="2">
+              <a:buSzPct val="45000"/>
+              <a:buFont typeface="StarSymbol"/>
+              <a:buChar char="●"/>
+              <a:defRPr/>
+            </a:lvl3pPr>
+            <a:lvl4pPr lvl="3">
+              <a:buSzPct val="45000"/>
+              <a:buFont typeface="StarSymbol"/>
+              <a:buChar char="●"/>
+              <a:defRPr/>
+            </a:lvl4pPr>
+            <a:lvl5pPr lvl="4">
+              <a:buSzPct val="45000"/>
+              <a:buFont typeface="StarSymbol"/>
+              <a:buChar char="●"/>
+              <a:defRPr/>
+            </a:lvl5pPr>
+            <a:lvl6pPr lvl="5">
+              <a:buSzPct val="45000"/>
+              <a:buFont typeface="StarSymbol"/>
+              <a:buChar char="●"/>
+              <a:defRPr/>
+            </a:lvl6pPr>
+            <a:lvl7pPr lvl="6">
+              <a:buSzPct val="45000"/>
+              <a:buFont typeface="StarSymbol"/>
+              <a:buChar char="●"/>
+              <a:defRPr/>
+            </a:lvl7pPr>
+            <a:lvl8pPr lvl="7">
+              <a:buSzPct val="45000"/>
+              <a:buFont typeface="StarSymbol"/>
+              <a:buChar char="●"/>
+              <a:defRPr/>
+            </a:lvl8pPr>
+            <a:lvl9pPr lvl="8">
+              <a:buSzPct val="45000"/>
+              <a:buFont typeface="StarSymbol"/>
+              <a:buChar char="●"/>
+              <a:defRPr/>
+            </a:lvl9pPr>
+          </a:lstStyle>
+          <a:p>
+            <a:pPr>
+              <a:buFont typeface="StarSymbol"/>
+              <a:buNone/>
+            </a:pPr>
+            <a:r>
+              <a:rPr lang="de-DE" dirty="0" smtClean="0"/>
+              <a:t>Change </a:t>
+            </a:r>
+            <a:r>
+              <a:rPr lang="en-US" dirty="0" smtClean="0"/>
+              <a:t>Visualization</a:t>
+            </a:r>
+            <a:r>
+              <a:rPr lang="de-DE" dirty="0" smtClean="0"/>
+              <a:t> in Editor</a:t>
+            </a:r>
+            <a:endParaRPr lang="en-GB" dirty="0"/>
+          </a:p>
+        </p:txBody>
+      </p:sp>
     </p:spTree>
     <p:extLst>
       <p:ext uri="{BB962C8B-B14F-4D97-AF65-F5344CB8AC3E}">
@@ -20598,9 +20713,116 @@
           <a:chExt cx="0" cy="0"/>
         </a:xfrm>
       </p:grpSpPr>
+      <p:sp>
+        <p:nvSpPr>
+          <p:cNvPr id="5" name="Title 1"/>
+          <p:cNvSpPr txBox="1">
+            <a:spLocks/>
+          </p:cNvSpPr>
+          <p:nvPr/>
+        </p:nvSpPr>
+        <p:spPr>
+          <a:xfrm>
+            <a:off x="457200" y="273600"/>
+            <a:ext cx="7498080" cy="549360"/>
+          </a:xfrm>
+          <a:prstGeom prst="rect">
+            <a:avLst/>
+          </a:prstGeom>
+          <a:noFill/>
+          <a:ln>
+            <a:noFill/>
+          </a:ln>
+        </p:spPr>
+        <p:txBody>
+          <a:bodyPr lIns="0" tIns="0" rIns="0" bIns="0" anchor="ctr"/>
+          <a:lstStyle>
+            <a:defPPr lvl="0">
+              <a:buSzPct val="45000"/>
+              <a:buFont typeface="StarSymbol"/>
+              <a:buNone/>
+              <a:defRPr/>
+            </a:defPPr>
+            <a:lvl1pPr lvl="0" algn="ctr" rtl="0" hangingPunct="0">
+              <a:buSzPct val="45000"/>
+              <a:buFont typeface="StarSymbol"/>
+              <a:buChar char="●"/>
+              <a:tabLst/>
+              <a:defRPr lang="en-US" sz="3200" b="0" i="0" u="none" strike="noStrike" kern="1200">
+                <a:ln>
+                  <a:noFill/>
+                </a:ln>
+                <a:solidFill>
+                  <a:srgbClr val="004586"/>
+                </a:solidFill>
+                <a:latin typeface="Arial" pitchFamily="18"/>
+              </a:defRPr>
+            </a:lvl1pPr>
+            <a:lvl2pPr lvl="1">
+              <a:buSzPct val="45000"/>
+              <a:buFont typeface="StarSymbol"/>
+              <a:buChar char="●"/>
+              <a:defRPr/>
+            </a:lvl2pPr>
+            <a:lvl3pPr lvl="2">
+              <a:buSzPct val="45000"/>
+              <a:buFont typeface="StarSymbol"/>
+              <a:buChar char="●"/>
+              <a:defRPr/>
+            </a:lvl3pPr>
+            <a:lvl4pPr lvl="3">
+              <a:buSzPct val="45000"/>
+              <a:buFont typeface="StarSymbol"/>
+              <a:buChar char="●"/>
+              <a:defRPr/>
+            </a:lvl4pPr>
+            <a:lvl5pPr lvl="4">
+              <a:buSzPct val="45000"/>
+              <a:buFont typeface="StarSymbol"/>
+              <a:buChar char="●"/>
+              <a:defRPr/>
+            </a:lvl5pPr>
+            <a:lvl6pPr lvl="5">
+              <a:buSzPct val="45000"/>
+              <a:buFont typeface="StarSymbol"/>
+              <a:buChar char="●"/>
+              <a:defRPr/>
+            </a:lvl6pPr>
+            <a:lvl7pPr lvl="6">
+              <a:buSzPct val="45000"/>
+              <a:buFont typeface="StarSymbol"/>
+              <a:buChar char="●"/>
+              <a:defRPr/>
+            </a:lvl7pPr>
+            <a:lvl8pPr lvl="7">
+              <a:buSzPct val="45000"/>
+              <a:buFont typeface="StarSymbol"/>
+              <a:buChar char="●"/>
+              <a:defRPr/>
+            </a:lvl8pPr>
+            <a:lvl9pPr lvl="8">
+              <a:buSzPct val="45000"/>
+              <a:buFont typeface="StarSymbol"/>
+              <a:buChar char="●"/>
+              <a:defRPr/>
+            </a:lvl9pPr>
+          </a:lstStyle>
+          <a:p>
+            <a:pPr>
+              <a:buFont typeface="StarSymbol"/>
+              <a:buNone/>
+            </a:pPr>
+            <a:r>
+              <a:rPr lang="en-GB" dirty="0" smtClean="0"/>
+              <a:t>Diff-View</a:t>
+            </a:r>
+            <a:endParaRPr lang="en-GB" dirty="0"/>
+          </a:p>
+        </p:txBody>
+      </p:sp>
       <p:pic>
         <p:nvPicPr>
-          <p:cNvPr id="3" name="Picture 3" descr="D:\studiensachn\Web-based_Software_Development_Environments\repo\seminar\presentation\difftree.png"/>
+          <p:cNvPr id="3075" name="Picture 3" descr="D:\studiensachn\Web-based_Software_Development_Environments\cloud9\plugins-client\ext.gitc\images\paper_minus.png"/>
           <p:cNvPicPr>
             <a:picLocks noChangeAspect="1" noChangeArrowheads="1"/>
           </p:cNvPicPr>
@@ -20621,22 +20843,13 @@
         </p:blipFill>
         <p:spPr bwMode="auto">
           <a:xfrm>
-            <a:off x="1377162" y="620688"/>
-            <a:ext cx="6267450" cy="5467350"/>
+            <a:off x="5731315" y="5758904"/>
+            <a:ext cx="406400" cy="406400"/>
           </a:xfrm>
           <a:prstGeom prst="rect">
             <a:avLst/>
           </a:prstGeom>
-          <a:ln>
-            <a:noFill/>
-          </a:ln>
-          <a:effectLst>
-            <a:outerShdw blurRad="292100" dist="139700" dir="2700000" algn="tl" rotWithShape="0">
-              <a:srgbClr val="333333">
-                <a:alpha val="65000"/>
-              </a:srgbClr>
-            </a:outerShdw>
-          </a:effectLst>
+          <a:noFill/>
           <a:extLst>
             <a:ext uri="{909E8E84-426E-40DD-AFC4-6F175D3DCCD1}">
               <a14:hiddenFill xmlns:a14="http://schemas.microsoft.com/office/drawing/2010/main">
@@ -20648,16 +20861,273 @@
           </a:extLst>
         </p:spPr>
       </p:pic>
-      <p:sp>
-        <p:nvSpPr>
-          <p:cNvPr id="4" name="TextBox 3"/>
+      <p:pic>
+        <p:nvPicPr>
+          <p:cNvPr id="3076" name="Picture 4" descr="D:\studiensachn\Web-based_Software_Development_Environments\cloud9\plugins-client\ext.gitc\images\paper_star.png"/>
+          <p:cNvPicPr>
+            <a:picLocks noChangeAspect="1" noChangeArrowheads="1"/>
+          </p:cNvPicPr>
+          <p:nvPr/>
+        </p:nvPicPr>
+        <p:blipFill>
+          <a:blip r:embed="rId4">
+            <a:extLst>
+              <a:ext uri="{28A0092B-C50C-407E-A947-70E740481C1C}">
+                <a14:useLocalDpi xmlns:a14="http://schemas.microsoft.com/office/drawing/2010/main" val="0"/>
+              </a:ext>
+            </a:extLst>
+          </a:blip>
+          <a:srcRect/>
+          <a:stretch>
+            <a:fillRect/>
+          </a:stretch>
+        </p:blipFill>
+        <p:spPr bwMode="auto">
+          <a:xfrm>
+            <a:off x="3571075" y="5758904"/>
+            <a:ext cx="406400" cy="406400"/>
+          </a:xfrm>
+          <a:prstGeom prst="rect">
+            <a:avLst/>
+          </a:prstGeom>
+          <a:noFill/>
+          <a:extLst>
+            <a:ext uri="{909E8E84-426E-40DD-AFC4-6F175D3DCCD1}">
+              <a14:hiddenFill xmlns:a14="http://schemas.microsoft.com/office/drawing/2010/main">
+                <a:solidFill>
+                  <a:srgbClr val="FFFFFF"/>
+                </a:solidFill>
+              </a14:hiddenFill>
+            </a:ext>
+          </a:extLst>
+        </p:spPr>
+      </p:pic>
+      <p:pic>
+        <p:nvPicPr>
+          <p:cNvPr id="3077" name="Picture 5" descr="D:\studiensachn\Web-based_Software_Development_Environments\cloud9\plugins-client\ext.gitc\images\paper_plus.png"/>
+          <p:cNvPicPr>
+            <a:picLocks noChangeAspect="1" noChangeArrowheads="1"/>
+          </p:cNvPicPr>
+          <p:nvPr/>
+        </p:nvPicPr>
+        <p:blipFill>
+          <a:blip r:embed="rId5">
+            <a:extLst>
+              <a:ext uri="{28A0092B-C50C-407E-A947-70E740481C1C}">
+                <a14:useLocalDpi xmlns:a14="http://schemas.microsoft.com/office/drawing/2010/main" val="0"/>
+              </a:ext>
+            </a:extLst>
+          </a:blip>
+          <a:srcRect/>
+          <a:stretch>
+            <a:fillRect/>
+          </a:stretch>
+        </p:blipFill>
+        <p:spPr bwMode="auto">
+          <a:xfrm>
+            <a:off x="1403648" y="5758904"/>
+            <a:ext cx="406400" cy="406400"/>
+          </a:xfrm>
+          <a:prstGeom prst="rect">
+            <a:avLst/>
+          </a:prstGeom>
+          <a:noFill/>
+          <a:extLst>
+            <a:ext uri="{909E8E84-426E-40DD-AFC4-6F175D3DCCD1}">
+              <a14:hiddenFill xmlns:a14="http://schemas.microsoft.com/office/drawing/2010/main">
+                <a:solidFill>
+                  <a:srgbClr val="FFFFFF"/>
+                </a:solidFill>
+              </a14:hiddenFill>
+            </a:ext>
+          </a:extLst>
+        </p:spPr>
+      </p:pic>
+      <p:grpSp>
+        <p:nvGrpSpPr>
+          <p:cNvPr id="2" name="Group 1"/>
+          <p:cNvGrpSpPr/>
+          <p:nvPr/>
+        </p:nvGrpSpPr>
+        <p:grpSpPr>
+          <a:xfrm>
+            <a:off x="61795" y="980728"/>
+            <a:ext cx="8974701" cy="3960440"/>
+            <a:chOff x="61795" y="1484784"/>
+            <a:chExt cx="8974701" cy="3960440"/>
+          </a:xfrm>
+        </p:grpSpPr>
+        <p:pic>
+          <p:nvPicPr>
+            <p:cNvPr id="3074" name="Picture 2"/>
+            <p:cNvPicPr>
+              <a:picLocks noChangeAspect="1" noChangeArrowheads="1"/>
+            </p:cNvPicPr>
+            <p:nvPr/>
+          </p:nvPicPr>
+          <p:blipFill>
+            <a:blip r:embed="rId6">
+              <a:extLst>
+                <a:ext uri="{28A0092B-C50C-407E-A947-70E740481C1C}">
+                  <a14:useLocalDpi xmlns:a14="http://schemas.microsoft.com/office/drawing/2010/main" val="0"/>
+                </a:ext>
+              </a:extLst>
+            </a:blip>
+            <a:stretch>
+              <a:fillRect/>
+            </a:stretch>
+          </p:blipFill>
+          <p:spPr bwMode="auto">
+            <a:xfrm>
+              <a:off x="74788" y="1484784"/>
+              <a:ext cx="8961708" cy="3960440"/>
+            </a:xfrm>
+            <a:prstGeom prst="rect">
+              <a:avLst/>
+            </a:prstGeom>
+            <a:ln>
+              <a:noFill/>
+            </a:ln>
+            <a:effectLst>
+              <a:outerShdw blurRad="292100" dist="139700" dir="2700000" algn="tl" rotWithShape="0">
+                <a:srgbClr val="333333">
+                  <a:alpha val="65000"/>
+                </a:srgbClr>
+              </a:outerShdw>
+            </a:effectLst>
+            <a:extLst>
+              <a:ext uri="{909E8E84-426E-40DD-AFC4-6F175D3DCCD1}">
+                <a14:hiddenFill xmlns:a14="http://schemas.microsoft.com/office/drawing/2010/main">
+                  <a:solidFill>
+                    <a:schemeClr val="accent1"/>
+                  </a:solidFill>
+                </a14:hiddenFill>
+              </a:ext>
+              <a:ext uri="{91240B29-F687-4F45-9708-019B960494DF}">
+                <a14:hiddenLine xmlns:a14="http://schemas.microsoft.com/office/drawing/2010/main" w="9525">
+                  <a:solidFill>
+                    <a:schemeClr val="tx1"/>
+                  </a:solidFill>
+                  <a:miter lim="800000"/>
+                  <a:headEnd/>
+                  <a:tailEnd/>
+                </a14:hiddenLine>
+              </a:ext>
+              <a:ext uri="{AF507438-7753-43E0-B8FC-AC1667EBCBE1}">
+                <a14:hiddenEffects xmlns:a14="http://schemas.microsoft.com/office/drawing/2010/main">
+                  <a:effectLst>
+                    <a:outerShdw dist="35921" dir="2700000" algn="ctr" rotWithShape="0">
+                      <a:schemeClr val="bg2"/>
+                    </a:outerShdw>
+                  </a:effectLst>
+                </a14:hiddenEffects>
+              </a:ext>
+            </a:extLst>
+          </p:spPr>
+        </p:pic>
+        <p:sp>
+          <p:nvSpPr>
+            <p:cNvPr id="9" name="Rectangle 8"/>
+            <p:cNvSpPr/>
+            <p:nvPr/>
+          </p:nvSpPr>
+          <p:spPr>
+            <a:xfrm>
+              <a:off x="63072" y="2204864"/>
+              <a:ext cx="1628608" cy="1584176"/>
+            </a:xfrm>
+            <a:prstGeom prst="rect">
+              <a:avLst/>
+            </a:prstGeom>
+            <a:noFill/>
+            <a:ln>
+              <a:solidFill>
+                <a:srgbClr val="00B0F0"/>
+              </a:solidFill>
+            </a:ln>
+          </p:spPr>
+          <p:style>
+            <a:lnRef idx="2">
+              <a:schemeClr val="accent1">
+                <a:shade val="50000"/>
+              </a:schemeClr>
+            </a:lnRef>
+            <a:fillRef idx="1">
+              <a:schemeClr val="accent1"/>
+            </a:fillRef>
+            <a:effectRef idx="0">
+              <a:schemeClr val="accent1"/>
+            </a:effectRef>
+            <a:fontRef idx="minor">
+              <a:schemeClr val="lt1"/>
+            </a:fontRef>
+          </p:style>
+          <p:txBody>
+            <a:bodyPr rtlCol="0" anchor="ctr"/>
+            <a:lstStyle/>
+            <a:p>
+              <a:pPr algn="ctr"/>
+              <a:endParaRPr lang="en-GB"/>
+            </a:p>
+          </p:txBody>
+        </p:sp>
+        <p:sp>
+          <p:nvSpPr>
+            <p:cNvPr id="10" name="Rectangle 9"/>
+            <p:cNvSpPr/>
+            <p:nvPr/>
+          </p:nvSpPr>
+          <p:spPr>
+            <a:xfrm>
+              <a:off x="61795" y="3861048"/>
+              <a:ext cx="1628608" cy="1584176"/>
+            </a:xfrm>
+            <a:prstGeom prst="rect">
+              <a:avLst/>
+            </a:prstGeom>
+            <a:noFill/>
+            <a:ln>
+              <a:solidFill>
+                <a:srgbClr val="00B0F0"/>
+              </a:solidFill>
+            </a:ln>
+          </p:spPr>
+          <p:style>
+            <a:lnRef idx="2">
+              <a:schemeClr val="accent1">
+                <a:shade val="50000"/>
+              </a:schemeClr>
+            </a:lnRef>
+            <a:fillRef idx="1">
+              <a:schemeClr val="accent1"/>
+            </a:fillRef>
+            <a:effectRef idx="0">
+              <a:schemeClr val="accent1"/>
+            </a:effectRef>
+            <a:fontRef idx="minor">
+              <a:schemeClr val="lt1"/>
+            </a:fontRef>
+          </p:style>
+          <p:txBody>
+            <a:bodyPr rtlCol="0" anchor="ctr"/>
+            <a:lstStyle/>
+            <a:p>
+              <a:pPr algn="ctr"/>
+              <a:endParaRPr lang="en-GB"/>
+            </a:p>
+          </p:txBody>
+        </p:sp>
+      </p:grpSp>
+      <p:sp>
+        <p:nvSpPr>
+          <p:cNvPr id="6" name="TextBox 5"/>
           <p:cNvSpPr txBox="1"/>
           <p:nvPr/>
         </p:nvSpPr>
         <p:spPr>
           <a:xfrm>
-            <a:off x="3347864" y="5157192"/>
-            <a:ext cx="3394519" cy="461665"/>
+            <a:off x="1914891" y="5777438"/>
+            <a:ext cx="776175" cy="369332"/>
           </a:xfrm>
           <a:prstGeom prst="rect">
             <a:avLst/>
@@ -20671,32 +21141,104 @@
           <a:lstStyle/>
           <a:p>
             <a:r>
-              <a:rPr lang="de-DE" sz="2400" b="1" dirty="0" smtClean="0">
+              <a:rPr lang="de-DE" dirty="0" err="1" smtClean="0">
                 <a:solidFill>
-                  <a:srgbClr val="FF0000"/>
+                  <a:schemeClr val="accent3">
+                    <a:lumMod val="50000"/>
+                  </a:schemeClr>
                 </a:solidFill>
               </a:rPr>
-              <a:t>TODO: update, </a:t>
-            </a:r>
-            <a:r>
-              <a:rPr lang="de-DE" sz="2400" b="1" dirty="0" err="1" smtClean="0">
+              <a:t>added</a:t>
+            </a:r>
+            <a:endParaRPr lang="en-GB" dirty="0">
+              <a:solidFill>
+                <a:schemeClr val="accent3">
+                  <a:lumMod val="50000"/>
+                </a:schemeClr>
+              </a:solidFill>
+            </a:endParaRPr>
+          </a:p>
+        </p:txBody>
+      </p:sp>
+      <p:sp>
+        <p:nvSpPr>
+          <p:cNvPr id="14" name="TextBox 13"/>
+          <p:cNvSpPr txBox="1"/>
+          <p:nvPr/>
+        </p:nvSpPr>
+        <p:spPr>
+          <a:xfrm>
+            <a:off x="4067944" y="5777438"/>
+            <a:ext cx="981038" cy="369332"/>
+          </a:xfrm>
+          <a:prstGeom prst="rect">
+            <a:avLst/>
+          </a:prstGeom>
+          <a:noFill/>
+        </p:spPr>
+        <p:txBody>
+          <a:bodyPr wrap="none" rtlCol="0">
+            <a:spAutoFit/>
+          </a:bodyPr>
+          <a:lstStyle/>
+          <a:p>
+            <a:r>
+              <a:rPr lang="de-DE" dirty="0" err="1" smtClean="0">
                 <a:solidFill>
-                  <a:srgbClr val="FF0000"/>
+                  <a:schemeClr val="accent1">
+                    <a:lumMod val="50000"/>
+                  </a:schemeClr>
                 </a:solidFill>
               </a:rPr>
-              <a:t>and</a:t>
-            </a:r>
-            <a:r>
-              <a:rPr lang="de-DE" sz="2400" b="1" dirty="0" smtClean="0">
+              <a:t>changed</a:t>
+            </a:r>
+            <a:endParaRPr lang="en-GB" dirty="0">
+              <a:solidFill>
+                <a:schemeClr val="accent1">
+                  <a:lumMod val="50000"/>
+                </a:schemeClr>
+              </a:solidFill>
+            </a:endParaRPr>
+          </a:p>
+        </p:txBody>
+      </p:sp>
+      <p:sp>
+        <p:nvSpPr>
+          <p:cNvPr id="15" name="TextBox 14"/>
+          <p:cNvSpPr txBox="1"/>
+          <p:nvPr/>
+        </p:nvSpPr>
+        <p:spPr>
+          <a:xfrm>
+            <a:off x="6300192" y="5777438"/>
+            <a:ext cx="900696" cy="369332"/>
+          </a:xfrm>
+          <a:prstGeom prst="rect">
+            <a:avLst/>
+          </a:prstGeom>
+          <a:noFill/>
+        </p:spPr>
+        <p:txBody>
+          <a:bodyPr wrap="none" rtlCol="0">
+            <a:spAutoFit/>
+          </a:bodyPr>
+          <a:lstStyle/>
+          <a:p>
+            <a:r>
+              <a:rPr lang="de-DE" dirty="0" err="1" smtClean="0">
                 <a:solidFill>
-                  <a:srgbClr val="FF0000"/>
+                  <a:schemeClr val="accent2">
+                    <a:lumMod val="50000"/>
+                  </a:schemeClr>
                 </a:solidFill>
               </a:rPr>
-              <a:t> zoom</a:t>
-            </a:r>
-            <a:endParaRPr lang="en-GB" sz="2400" b="1" dirty="0">
+              <a:t>deleted</a:t>
+            </a:r>
+            <a:endParaRPr lang="en-GB" dirty="0">
               <a:solidFill>
-                <a:srgbClr val="FF0000"/>
+                <a:schemeClr val="accent2">
+                  <a:lumMod val="50000"/>
+                </a:schemeClr>
               </a:solidFill>
             </a:endParaRPr>
           </a:p>

--- a/seminar/presentation/mps-c9.pptx
+++ b/seminar/presentation/mps-c9.pptx
@@ -8248,7 +8248,7 @@
           <a:graphicData uri="http://schemas.openxmlformats.org/presentationml/2006/ole">
             <mc:AlternateContent xmlns:mc="http://schemas.openxmlformats.org/markup-compatibility/2006">
               <mc:Choice xmlns:v="urn:schemas-microsoft-com:vml" Requires="v">
-                <p:oleObj spid="_x0000_s2151" r:id="rId15" imgW="3221337" imgH="1845301" progId="">
+                <p:oleObj spid="_x0000_s2152" r:id="rId15" imgW="3221337" imgH="1845301" progId="">
                   <p:embed/>
                 </p:oleObj>
               </mc:Choice>
@@ -9383,6 +9383,66 @@
                   </a:outerShdw>
                 </a:effectLst>
               </a14:hiddenEffects>
+            </a:ext>
+          </a:extLst>
+        </p:spPr>
+      </p:pic>
+      <p:pic>
+        <p:nvPicPr>
+          <p:cNvPr id="8" name="Picture 3"/>
+          <p:cNvPicPr>
+            <a:picLocks noChangeAspect="1" noChangeArrowheads="1"/>
+          </p:cNvPicPr>
+          <p:nvPr/>
+        </p:nvPicPr>
+        <p:blipFill>
+          <a:blip r:embed="rId4">
+            <a:extLst>
+              <a:ext uri="{28A0092B-C50C-407E-A947-70E740481C1C}">
+                <a14:useLocalDpi xmlns:a14="http://schemas.microsoft.com/office/drawing/2010/main" val="0"/>
+              </a:ext>
+            </a:extLst>
+          </a:blip>
+          <a:srcRect/>
+          <a:stretch>
+            <a:fillRect/>
+          </a:stretch>
+        </p:blipFill>
+        <p:spPr bwMode="auto">
+          <a:xfrm>
+            <a:off x="6620152" y="1700808"/>
+            <a:ext cx="1439064" cy="807280"/>
+          </a:xfrm>
+          <a:prstGeom prst="rect">
+            <a:avLst/>
+          </a:prstGeom>
+          <a:ln>
+            <a:noFill/>
+          </a:ln>
+          <a:effectLst>
+            <a:outerShdw blurRad="292100" dist="139700" dir="2700000" algn="tl" rotWithShape="0">
+              <a:srgbClr val="333333">
+                <a:alpha val="65000"/>
+              </a:srgbClr>
+            </a:outerShdw>
+          </a:effectLst>
+          <a:extLst>
+            <a:ext uri="{909E8E84-426E-40DD-AFC4-6F175D3DCCD1}">
+              <a14:hiddenFill xmlns:a14="http://schemas.microsoft.com/office/drawing/2010/main">
+                <a:solidFill>
+                  <a:schemeClr val="accent1"/>
+                </a:solidFill>
+              </a14:hiddenFill>
+            </a:ext>
+            <a:ext uri="{91240B29-F687-4F45-9708-019B960494DF}">
+              <a14:hiddenLine xmlns:a14="http://schemas.microsoft.com/office/drawing/2010/main" w="9525">
+                <a:solidFill>
+                  <a:schemeClr val="tx1"/>
+                </a:solidFill>
+                <a:miter lim="800000"/>
+                <a:headEnd/>
+                <a:tailEnd/>
+              </a14:hiddenLine>
             </a:ext>
           </a:extLst>
         </p:spPr>
@@ -21013,15 +21073,6 @@
                   <a:tailEnd/>
                 </a14:hiddenLine>
               </a:ext>
-              <a:ext uri="{AF507438-7753-43E0-B8FC-AC1667EBCBE1}">
-                <a14:hiddenEffects xmlns:a14="http://schemas.microsoft.com/office/drawing/2010/main">
-                  <a:effectLst>
-                    <a:outerShdw dist="35921" dir="2700000" algn="ctr" rotWithShape="0">
-                      <a:schemeClr val="bg2"/>
-                    </a:outerShdw>
-                  </a:effectLst>
-                </a14:hiddenEffects>
-              </a:ext>
             </a:extLst>
           </p:spPr>
         </p:pic>
